--- a/presentation slides/CS613-FinalProject-Presentation.pptx
+++ b/presentation slides/CS613-FinalProject-Presentation.pptx
@@ -9098,7 +9098,7 @@
       </p:sp>
       <p:pic>
         <p:nvPicPr>
-          <p:cNvPr id="5" name="Picture 4" descr="A diagram of data processing&#10;&#10;Description automatically generated with low confidence">
+          <p:cNvPr id="5" name="Picture 4">
             <a:extLst>
               <a:ext uri="{FF2B5EF4-FFF2-40B4-BE49-F238E27FC236}">
                 <a16:creationId xmlns:a16="http://schemas.microsoft.com/office/drawing/2014/main" id="{DCDBE516-BC5B-4D8E-F7AD-1126C4A5B57D}"/>
@@ -9110,9 +9110,9 @@
           </p:cNvPicPr>
           <p:nvPr/>
         </p:nvPicPr>
-        <p:blipFill rotWithShape="1">
+        <p:blipFill>
           <a:blip r:embed="rId2"/>
-          <a:srcRect r="3244" b="2"/>
+          <a:srcRect l="2075" r="2075"/>
           <a:stretch/>
         </p:blipFill>
         <p:spPr>

--- a/presentation slides/CS613-FinalProject-Presentation.pptx
+++ b/presentation slides/CS613-FinalProject-Presentation.pptx
@@ -7809,7 +7809,7 @@
             </a:r>
             <a:r>
               <a:rPr lang="en-US" sz="2400" dirty="0"/>
-              <a:t>Heart Disease </a:t>
+              <a:t>Heart Disease and </a:t>
             </a:r>
             <a:r>
               <a:rPr lang="en-US" sz="2400" b="0" i="0" dirty="0">
@@ -8219,7 +8219,15 @@
             </a:pPr>
             <a:r>
               <a:rPr lang="en-US" sz="2000" dirty="0"/>
-              <a:t>Cardiovascular diseases (CVDs) are the number 1 cause of death globally, taking an estimated 17.9 million lives each year, which accounts for 31% of all deaths worldwide. Four out of 5CVD deaths are due to heart attacks and strokes, and one-third of these deaths occur prematurely in people under 70 years of age. Heart failure is a common event caused by CVDs and this dataset contains 11 features that can be used to predict a possible heart disease.</a:t>
+              <a:t>Cardiovascular diseases (CVDs) are the number 1 cause of death globally, taking an estimated 17.9 million lives each year, which accounts for 31% of all deaths worldwide. Four out of 5 CVD deaths are due to heart </a:t>
+            </a:r>
+            <a:r>
+              <a:rPr lang="en-US" sz="2000"/>
+              <a:t>attacks or </a:t>
+            </a:r>
+            <a:r>
+              <a:rPr lang="en-US" sz="2000" dirty="0"/>
+              <a:t>strokes, and one-third of these deaths occur prematurely in people under 70 years of age. Heart failure is a common event caused by CVDs and this dataset contains 11 features that can be used to predict heart disease.</a:t>
             </a:r>
           </a:p>
           <a:p>

--- a/presentation slides/CS613-FinalProject-Presentation.pptx
+++ b/presentation slides/CS613-FinalProject-Presentation.pptx
@@ -14,8 +14,8 @@
     <p:sldId id="276" r:id="rId5"/>
     <p:sldId id="283" r:id="rId6"/>
     <p:sldId id="284" r:id="rId7"/>
-    <p:sldId id="286" r:id="rId8"/>
-    <p:sldId id="287" r:id="rId9"/>
+    <p:sldId id="287" r:id="rId8"/>
+    <p:sldId id="286" r:id="rId9"/>
     <p:sldId id="268" r:id="rId10"/>
     <p:sldId id="278" r:id="rId11"/>
     <p:sldId id="279" r:id="rId12"/>
@@ -212,7 +212,7 @@
           <a:p>
             <a:fld id="{554293D9-CEF4-E549-8C2B-4C1F408488E2}" type="datetimeFigureOut">
               <a:rPr lang="en-US" smtClean="0"/>
-              <a:t>6/11/23</a:t>
+              <a:t>6/13/23</a:t>
             </a:fld>
             <a:endParaRPr lang="en-US"/>
           </a:p>
@@ -523,6 +523,192 @@
           <a:bodyPr/>
           <a:lstStyle/>
           <a:p>
+            <a:pPr marL="0" marR="0" lvl="0" indent="0" algn="l" defTabSz="914400" rtl="0" eaLnBrk="1" fontAlgn="auto" latinLnBrk="0" hangingPunct="1">
+              <a:lnSpc>
+                <a:spcPct val="100000"/>
+              </a:lnSpc>
+              <a:spcBef>
+                <a:spcPts val="0"/>
+              </a:spcBef>
+              <a:spcAft>
+                <a:spcPts val="0"/>
+              </a:spcAft>
+              <a:buClrTx/>
+              <a:buSzTx/>
+              <a:buFontTx/>
+              <a:buNone/>
+              <a:tabLst/>
+              <a:defRPr/>
+            </a:pPr>
+            <a:r>
+              <a:rPr lang="en-US" sz="1800" kern="100" dirty="0">
+                <a:effectLst/>
+                <a:latin typeface="Calibri" panose="020F0502020204030204" pitchFamily="34" charset="0"/>
+                <a:ea typeface="Calibri" panose="020F0502020204030204" pitchFamily="34" charset="0"/>
+                <a:cs typeface="Times New Roman" panose="02020603050405020304" pitchFamily="18" charset="0"/>
+              </a:rPr>
+              <a:t>Naive Bayes </a:t>
+            </a:r>
+            <a:r>
+              <a:rPr lang="en-US" sz="1800" kern="100">
+                <a:effectLst/>
+                <a:latin typeface="Calibri" panose="020F0502020204030204" pitchFamily="34" charset="0"/>
+                <a:ea typeface="Calibri" panose="020F0502020204030204" pitchFamily="34" charset="0"/>
+                <a:cs typeface="Times New Roman" panose="02020603050405020304" pitchFamily="18" charset="0"/>
+              </a:rPr>
+              <a:t>is a </a:t>
+            </a:r>
+            <a:r>
+              <a:rPr lang="en-US" sz="1800" kern="100" dirty="0">
+                <a:effectLst/>
+                <a:latin typeface="Calibri" panose="020F0502020204030204" pitchFamily="34" charset="0"/>
+                <a:ea typeface="Calibri" panose="020F0502020204030204" pitchFamily="34" charset="0"/>
+                <a:cs typeface="Times New Roman" panose="02020603050405020304" pitchFamily="18" charset="0"/>
+              </a:rPr>
+              <a:t>supervised machine learning probabilistic algorithm that’s typically used for classification problems. </a:t>
+            </a:r>
+          </a:p>
+          <a:p>
+            <a:pPr marL="0" marR="0" lvl="0" indent="0" algn="l" defTabSz="914400" rtl="0" eaLnBrk="1" fontAlgn="auto" latinLnBrk="0" hangingPunct="1">
+              <a:lnSpc>
+                <a:spcPct val="100000"/>
+              </a:lnSpc>
+              <a:spcBef>
+                <a:spcPts val="0"/>
+              </a:spcBef>
+              <a:spcAft>
+                <a:spcPts val="0"/>
+              </a:spcAft>
+              <a:buClrTx/>
+              <a:buSzTx/>
+              <a:buFontTx/>
+              <a:buNone/>
+              <a:tabLst/>
+              <a:defRPr/>
+            </a:pPr>
+            <a:r>
+              <a:rPr lang="en-US" sz="1800" kern="100" dirty="0">
+                <a:effectLst/>
+                <a:latin typeface="Calibri" panose="020F0502020204030204" pitchFamily="34" charset="0"/>
+                <a:ea typeface="Calibri" panose="020F0502020204030204" pitchFamily="34" charset="0"/>
+                <a:cs typeface="Times New Roman" panose="02020603050405020304" pitchFamily="18" charset="0"/>
+              </a:rPr>
+              <a:t>Naive Bayes is simple, intuitive, and yet performs surprisingly well in many cases. It seeks to model the distribution of inputs of a given class or category. </a:t>
+            </a:r>
+          </a:p>
+          <a:p>
+            <a:pPr marL="0" marR="0" lvl="0" indent="0" algn="l" defTabSz="914400" rtl="0" eaLnBrk="1" fontAlgn="auto" latinLnBrk="0" hangingPunct="1">
+              <a:lnSpc>
+                <a:spcPct val="100000"/>
+              </a:lnSpc>
+              <a:spcBef>
+                <a:spcPts val="0"/>
+              </a:spcBef>
+              <a:spcAft>
+                <a:spcPts val="0"/>
+              </a:spcAft>
+              <a:buClrTx/>
+              <a:buSzTx/>
+              <a:buFontTx/>
+              <a:buNone/>
+              <a:tabLst/>
+              <a:defRPr/>
+            </a:pPr>
+            <a:r>
+              <a:rPr lang="en-US" sz="1800" kern="100" dirty="0">
+                <a:effectLst/>
+                <a:latin typeface="Calibri" panose="020F0502020204030204" pitchFamily="34" charset="0"/>
+                <a:ea typeface="Calibri" panose="020F0502020204030204" pitchFamily="34" charset="0"/>
+                <a:cs typeface="Times New Roman" panose="02020603050405020304" pitchFamily="18" charset="0"/>
+              </a:rPr>
+              <a:t>Unlike discriminative classifiers, like logistic regression, it does not learn which features are most important to differentiate between classes.</a:t>
+            </a:r>
+          </a:p>
+          <a:p>
+            <a:endParaRPr lang="en-US" dirty="0"/>
+          </a:p>
+        </p:txBody>
+      </p:sp>
+      <p:sp>
+        <p:nvSpPr>
+          <p:cNvPr id="4" name="Slide Number Placeholder 3"/>
+          <p:cNvSpPr>
+            <a:spLocks noGrp="1"/>
+          </p:cNvSpPr>
+          <p:nvPr>
+            <p:ph type="sldNum" sz="quarter" idx="5"/>
+          </p:nvPr>
+        </p:nvSpPr>
+        <p:spPr/>
+        <p:txBody>
+          <a:bodyPr/>
+          <a:lstStyle/>
+          <a:p>
+            <a:fld id="{941248EB-719A-B944-B3C9-708649C4FE49}" type="slidenum">
+              <a:rPr lang="en-US" smtClean="0"/>
+              <a:t>7</a:t>
+            </a:fld>
+            <a:endParaRPr lang="en-US"/>
+          </a:p>
+        </p:txBody>
+      </p:sp>
+    </p:spTree>
+    <p:extLst>
+      <p:ext uri="{BB962C8B-B14F-4D97-AF65-F5344CB8AC3E}">
+        <p14:creationId xmlns:p14="http://schemas.microsoft.com/office/powerpoint/2010/main" val="2179916367"/>
+      </p:ext>
+    </p:extLst>
+  </p:cSld>
+  <p:clrMapOvr>
+    <a:masterClrMapping/>
+  </p:clrMapOvr>
+</p:notes>
+</file>
+
+<file path=ppt/notesSlides/notesSlide2.xml><?xml version="1.0" encoding="utf-8"?>
+<p:notes xmlns:a="http://schemas.openxmlformats.org/drawingml/2006/main" xmlns:r="http://schemas.openxmlformats.org/officeDocument/2006/relationships" xmlns:p="http://schemas.openxmlformats.org/presentationml/2006/main">
+  <p:cSld>
+    <p:spTree>
+      <p:nvGrpSpPr>
+        <p:cNvPr id="1" name=""/>
+        <p:cNvGrpSpPr/>
+        <p:nvPr/>
+      </p:nvGrpSpPr>
+      <p:grpSpPr>
+        <a:xfrm>
+          <a:off x="0" y="0"/>
+          <a:ext cx="0" cy="0"/>
+          <a:chOff x="0" y="0"/>
+          <a:chExt cx="0" cy="0"/>
+        </a:xfrm>
+      </p:grpSpPr>
+      <p:sp>
+        <p:nvSpPr>
+          <p:cNvPr id="2" name="Slide Image Placeholder 1"/>
+          <p:cNvSpPr>
+            <a:spLocks noGrp="1" noRot="1" noChangeAspect="1"/>
+          </p:cNvSpPr>
+          <p:nvPr>
+            <p:ph type="sldImg"/>
+          </p:nvPr>
+        </p:nvSpPr>
+        <p:spPr/>
+      </p:sp>
+      <p:sp>
+        <p:nvSpPr>
+          <p:cNvPr id="3" name="Notes Placeholder 2"/>
+          <p:cNvSpPr>
+            <a:spLocks noGrp="1"/>
+          </p:cNvSpPr>
+          <p:nvPr>
+            <p:ph type="body" idx="1"/>
+          </p:nvPr>
+        </p:nvSpPr>
+        <p:spPr/>
+        <p:txBody>
+          <a:bodyPr/>
+          <a:lstStyle/>
+          <a:p>
             <a:endParaRPr lang="en-US" dirty="0"/>
           </a:p>
         </p:txBody>
@@ -710,7 +896,7 @@
           <a:p>
             <a:fld id="{3C5E3940-567D-0E4A-B27A-538E5CA3F251}" type="datetimeFigureOut">
               <a:rPr lang="en-US" smtClean="0"/>
-              <a:t>6/11/23</a:t>
+              <a:t>6/13/23</a:t>
             </a:fld>
             <a:endParaRPr lang="en-US"/>
           </a:p>
@@ -908,7 +1094,7 @@
           <a:p>
             <a:fld id="{3C5E3940-567D-0E4A-B27A-538E5CA3F251}" type="datetimeFigureOut">
               <a:rPr lang="en-US" smtClean="0"/>
-              <a:t>6/11/23</a:t>
+              <a:t>6/13/23</a:t>
             </a:fld>
             <a:endParaRPr lang="en-US"/>
           </a:p>
@@ -1116,7 +1302,7 @@
           <a:p>
             <a:fld id="{3C5E3940-567D-0E4A-B27A-538E5CA3F251}" type="datetimeFigureOut">
               <a:rPr lang="en-US" smtClean="0"/>
-              <a:t>6/11/23</a:t>
+              <a:t>6/13/23</a:t>
             </a:fld>
             <a:endParaRPr lang="en-US"/>
           </a:p>
@@ -1314,7 +1500,7 @@
           <a:p>
             <a:fld id="{3C5E3940-567D-0E4A-B27A-538E5CA3F251}" type="datetimeFigureOut">
               <a:rPr lang="en-US" smtClean="0"/>
-              <a:t>6/11/23</a:t>
+              <a:t>6/13/23</a:t>
             </a:fld>
             <a:endParaRPr lang="en-US"/>
           </a:p>
@@ -1589,7 +1775,7 @@
           <a:p>
             <a:fld id="{3C5E3940-567D-0E4A-B27A-538E5CA3F251}" type="datetimeFigureOut">
               <a:rPr lang="en-US" smtClean="0"/>
-              <a:t>6/11/23</a:t>
+              <a:t>6/13/23</a:t>
             </a:fld>
             <a:endParaRPr lang="en-US"/>
           </a:p>
@@ -1854,7 +2040,7 @@
           <a:p>
             <a:fld id="{3C5E3940-567D-0E4A-B27A-538E5CA3F251}" type="datetimeFigureOut">
               <a:rPr lang="en-US" smtClean="0"/>
-              <a:t>6/11/23</a:t>
+              <a:t>6/13/23</a:t>
             </a:fld>
             <a:endParaRPr lang="en-US"/>
           </a:p>
@@ -2266,7 +2452,7 @@
           <a:p>
             <a:fld id="{3C5E3940-567D-0E4A-B27A-538E5CA3F251}" type="datetimeFigureOut">
               <a:rPr lang="en-US" smtClean="0"/>
-              <a:t>6/11/23</a:t>
+              <a:t>6/13/23</a:t>
             </a:fld>
             <a:endParaRPr lang="en-US"/>
           </a:p>
@@ -2407,7 +2593,7 @@
           <a:p>
             <a:fld id="{3C5E3940-567D-0E4A-B27A-538E5CA3F251}" type="datetimeFigureOut">
               <a:rPr lang="en-US" smtClean="0"/>
-              <a:t>6/11/23</a:t>
+              <a:t>6/13/23</a:t>
             </a:fld>
             <a:endParaRPr lang="en-US"/>
           </a:p>
@@ -2520,7 +2706,7 @@
           <a:p>
             <a:fld id="{3C5E3940-567D-0E4A-B27A-538E5CA3F251}" type="datetimeFigureOut">
               <a:rPr lang="en-US" smtClean="0"/>
-              <a:t>6/11/23</a:t>
+              <a:t>6/13/23</a:t>
             </a:fld>
             <a:endParaRPr lang="en-US"/>
           </a:p>
@@ -2831,7 +3017,7 @@
           <a:p>
             <a:fld id="{3C5E3940-567D-0E4A-B27A-538E5CA3F251}" type="datetimeFigureOut">
               <a:rPr lang="en-US" smtClean="0"/>
-              <a:t>6/11/23</a:t>
+              <a:t>6/13/23</a:t>
             </a:fld>
             <a:endParaRPr lang="en-US"/>
           </a:p>
@@ -3119,7 +3305,7 @@
           <a:p>
             <a:fld id="{3C5E3940-567D-0E4A-B27A-538E5CA3F251}" type="datetimeFigureOut">
               <a:rPr lang="en-US" smtClean="0"/>
-              <a:t>6/11/23</a:t>
+              <a:t>6/13/23</a:t>
             </a:fld>
             <a:endParaRPr lang="en-US"/>
           </a:p>
@@ -3360,7 +3546,7 @@
           <a:p>
             <a:fld id="{3C5E3940-567D-0E4A-B27A-538E5CA3F251}" type="datetimeFigureOut">
               <a:rPr lang="en-US" smtClean="0"/>
-              <a:t>6/11/23</a:t>
+              <a:t>6/13/23</a:t>
             </a:fld>
             <a:endParaRPr lang="en-US"/>
           </a:p>
@@ -4228,19 +4414,34 @@
           <a:p>
             <a:pPr algn="l"/>
             <a:r>
-              <a:rPr lang="en-US" sz="1700" b="0">
+              <a:rPr lang="en-US" sz="1700" b="0" dirty="0">
                 <a:solidFill>
                   <a:srgbClr val="FFFFFF"/>
                 </a:solidFill>
                 <a:effectLst/>
               </a:rPr>
-              <a:t>Harsh Bolakani</a:t>
-            </a:r>
+              <a:t>Harsh </a:t>
+            </a:r>
+            <a:r>
+              <a:rPr lang="en-US" sz="1700" b="0" dirty="0" err="1">
+                <a:solidFill>
+                  <a:srgbClr val="FFFFFF"/>
+                </a:solidFill>
+                <a:effectLst/>
+              </a:rPr>
+              <a:t>Bolakani</a:t>
+            </a:r>
+            <a:endParaRPr lang="en-US" sz="1700" b="0" dirty="0">
+              <a:solidFill>
+                <a:srgbClr val="FFFFFF"/>
+              </a:solidFill>
+              <a:effectLst/>
+            </a:endParaRPr>
           </a:p>
           <a:p>
             <a:pPr algn="l"/>
             <a:r>
-              <a:rPr lang="en-US" sz="1700" b="0">
+              <a:rPr lang="en-US" sz="1700" b="0" dirty="0">
                 <a:solidFill>
                   <a:srgbClr val="FFFFFF"/>
                 </a:solidFill>
@@ -4252,7 +4453,7 @@
           <a:p>
             <a:pPr algn="l"/>
             <a:r>
-              <a:rPr lang="en-US" sz="1700" b="0">
+              <a:rPr lang="en-US" sz="1700" b="0" dirty="0">
                 <a:solidFill>
                   <a:srgbClr val="FFFFFF"/>
                 </a:solidFill>
@@ -7805,11 +8006,11 @@
                 </a:solidFill>
                 <a:effectLst/>
               </a:rPr>
-              <a:t>Our goal for the project is to approach </a:t>
+              <a:t>Our goal for the project is to approach h</a:t>
             </a:r>
             <a:r>
               <a:rPr lang="en-US" sz="2400" dirty="0"/>
-              <a:t>Heart Disease and </a:t>
+              <a:t>eart disease and </a:t>
             </a:r>
             <a:r>
               <a:rPr lang="en-US" sz="2400" b="0" i="0" dirty="0">
@@ -8210,7 +8411,7 @@
         </p:spPr>
         <p:txBody>
           <a:bodyPr anchor="t">
-            <a:normAutofit/>
+            <a:noAutofit/>
           </a:bodyPr>
           <a:lstStyle/>
           <a:p>
@@ -8218,16 +8419,8 @@
               <a:buNone/>
             </a:pPr>
             <a:r>
-              <a:rPr lang="en-US" sz="2000" dirty="0"/>
-              <a:t>Cardiovascular diseases (CVDs) are the number 1 cause of death globally, taking an estimated 17.9 million lives each year, which accounts for 31% of all deaths worldwide. Four out of 5 CVD deaths are due to heart </a:t>
-            </a:r>
-            <a:r>
-              <a:rPr lang="en-US" sz="2000"/>
-              <a:t>attacks or </a:t>
-            </a:r>
-            <a:r>
-              <a:rPr lang="en-US" sz="2000" dirty="0"/>
-              <a:t>strokes, and one-third of these deaths occur prematurely in people under 70 years of age. Heart failure is a common event caused by CVDs and this dataset contains 11 features that can be used to predict heart disease.</a:t>
+              <a:rPr lang="en-US" sz="2400" dirty="0"/>
+              <a:t>Cardiovascular diseases (CVDs) are the number 1 cause of death globally, taking an estimated 17.9 million lives each year, which accounts for 31% of all deaths worldwide. Four out of 5 CVD deaths are due to heart attacks or strokes, and one-third of these deaths occur prematurely in people under 70 years of age. Heart failure is a common event caused by CVDs and this dataset contains 11 features that can be used to predict heart disease.</a:t>
             </a:r>
           </a:p>
           <a:p>
@@ -8235,7 +8428,7 @@
               <a:buNone/>
             </a:pPr>
             <a:r>
-              <a:rPr lang="en-US" sz="2000" dirty="0"/>
+              <a:rPr lang="en-US" sz="2400" dirty="0"/>
               <a:t>People with cardiovascular disease or who are at high cardiovascular risk (due to the presence of one or more risk factors such as hypertension, diabetes, hyperlipidemia or already established disease) need early detection and management wherein a machine learning model can be of great help.</a:t>
             </a:r>
           </a:p>
@@ -9653,7 +9846,7 @@
         <p:spPr>
           <a:xfrm>
             <a:off x="1136397" y="502022"/>
-            <a:ext cx="9688296" cy="1388356"/>
+            <a:ext cx="9688296" cy="790750"/>
           </a:xfrm>
         </p:spPr>
         <p:txBody>
@@ -9668,7 +9861,7 @@
                   <a:srgbClr val="1D1C1D"/>
                 </a:solidFill>
               </a:rPr>
-              <a:t>Decision Tree </a:t>
+              <a:t>Naive Bayes </a:t>
             </a:r>
             <a:r>
               <a:rPr lang="en-US" sz="4000" b="1" dirty="0"/>
@@ -9695,8 +9888,8 @@
         </p:nvSpPr>
         <p:spPr>
           <a:xfrm>
-            <a:off x="1136396" y="2418409"/>
-            <a:ext cx="9783851" cy="3782694"/>
+            <a:off x="1136397" y="1881351"/>
+            <a:ext cx="9688296" cy="3930869"/>
           </a:xfrm>
         </p:spPr>
         <p:txBody>
@@ -9709,110 +9902,82 @@
               <a:buNone/>
             </a:pPr>
             <a:r>
-              <a:rPr lang="en-US" sz="2000" dirty="0"/>
-              <a:t>The decision tree algorithm is a supervised learning algorithm that can be used in both classification or regression analysis. Unlike linear algorithms, decision trees algorithms are capable of handling nonlinear relationships between variables in the data.</a:t>
+              <a:rPr lang="en-US" sz="2000" dirty="0">
+                <a:solidFill>
+                  <a:srgbClr val="1D1C1D"/>
+                </a:solidFill>
+              </a:rPr>
+              <a:t>Naive Bayes classifier is a statistical based classifier which is based on Bayes Theory. It assumes that attributes are statistically independent. This classifier is based on probabilities. Given two events A and B, P (A) is prior probability and P (A|B) is posterior probability, then according to Bayes theorem.</a:t>
+            </a:r>
+          </a:p>
+          <a:p>
+            <a:pPr marL="0" indent="0" algn="ctr">
+              <a:buNone/>
+            </a:pPr>
+            <a:r>
+              <a:rPr lang="en-US" sz="2000" b="1" dirty="0">
+                <a:solidFill>
+                  <a:srgbClr val="1D1C1D"/>
+                </a:solidFill>
+              </a:rPr>
+              <a:t>P (A|B) = P (B/A) P (A)/P (B) </a:t>
+            </a:r>
+            <a:r>
+              <a:rPr lang="en-US" sz="2000" dirty="0">
+                <a:solidFill>
+                  <a:srgbClr val="1D1C1D"/>
+                </a:solidFill>
+              </a:rPr>
+              <a:t>and </a:t>
+            </a:r>
+          </a:p>
+          <a:p>
+            <a:pPr marL="0" indent="0" algn="ctr">
+              <a:buNone/>
+            </a:pPr>
+            <a:r>
+              <a:rPr lang="en-US" sz="2000" b="1" dirty="0">
+                <a:solidFill>
+                  <a:srgbClr val="1D1C1D"/>
+                </a:solidFill>
+              </a:rPr>
+              <a:t>P (B|A) </a:t>
+            </a:r>
+            <a:r>
+              <a:rPr lang="en-US" sz="2000" dirty="0">
+                <a:solidFill>
+                  <a:srgbClr val="1D1C1D"/>
+                </a:solidFill>
+              </a:rPr>
+              <a:t>is computed as </a:t>
+            </a:r>
+            <a:r>
+              <a:rPr lang="en-US" sz="2000" b="1" dirty="0">
+                <a:solidFill>
+                  <a:srgbClr val="1D1C1D"/>
+                </a:solidFill>
+              </a:rPr>
+              <a:t>P (A ∩ B) = P (A)</a:t>
             </a:r>
           </a:p>
           <a:p>
             <a:pPr marL="0" indent="0">
               <a:buNone/>
             </a:pPr>
-            <a:endParaRPr lang="en-US" sz="800" dirty="0">
-              <a:solidFill>
-                <a:srgbClr val="1D1C1D"/>
-              </a:solidFill>
-              <a:effectLst/>
-            </a:endParaRPr>
-          </a:p>
-          <a:p>
-            <a:pPr marL="0" indent="0">
-              <a:buNone/>
-            </a:pPr>
-            <a:r>
-              <a:rPr lang="en-US" sz="2000" dirty="0"/>
-              <a:t>The information gained in the decision tree can be defined as the amount of information improved in the nodes before splitting them for making further decisions. </a:t>
-            </a:r>
-            <a:endParaRPr lang="en-US" sz="2000" dirty="0">
-              <a:solidFill>
-                <a:srgbClr val="1D1C1D"/>
-              </a:solidFill>
-            </a:endParaRPr>
-          </a:p>
-          <a:p>
-            <a:pPr marL="0" indent="0">
-              <a:buNone/>
-            </a:pPr>
-            <a:endParaRPr lang="en-US" sz="800" dirty="0">
-              <a:solidFill>
-                <a:srgbClr val="1D1C1D"/>
-              </a:solidFill>
-              <a:effectLst/>
-            </a:endParaRPr>
-          </a:p>
-          <a:p>
-            <a:pPr marL="0" indent="0">
-              <a:buNone/>
-            </a:pPr>
-            <a:r>
-              <a:rPr lang="en-US" sz="2000" dirty="0"/>
-              <a:t>To measure the information gain we use the entropy. Which is a quantified measurement of the amount of uncertainty because of any process or any given random variable. </a:t>
-            </a:r>
-            <a:r>
-              <a:rPr lang="en-US" sz="2000" i="1" dirty="0"/>
-              <a:t>Mathematically the formula for entropy is:</a:t>
-            </a:r>
-            <a:endParaRPr lang="en-US" sz="2000" i="1" dirty="0">
-              <a:solidFill>
-                <a:srgbClr val="1D1C1D"/>
-              </a:solidFill>
-            </a:endParaRPr>
+            <a:r>
+              <a:rPr lang="en-US" sz="2000" dirty="0">
+                <a:solidFill>
+                  <a:srgbClr val="1D1C1D"/>
+                </a:solidFill>
+              </a:rPr>
+              <a:t>These Bayesian probabilities are used to determine the most likely next event for the given instance given all the training data. Conditional probabilities are determined from the training data. The Naive Bayes model is based on the conditional independence model of each predictor give the target class. This classifier yields optimal prediction (given the assumptions). It can also handle discrete or numeric attribute values.</a:t>
+            </a:r>
           </a:p>
           <a:p>
             <a:pPr marL="0" indent="0">
               <a:buNone/>
             </a:pPr>
             <a:endParaRPr lang="en-US" sz="1200" dirty="0">
-              <a:solidFill>
-                <a:srgbClr val="1D1C1D"/>
-              </a:solidFill>
-            </a:endParaRPr>
-          </a:p>
-          <a:p>
-            <a:pPr marL="0" indent="0">
-              <a:buNone/>
-            </a:pPr>
-            <a:endParaRPr lang="en-US" sz="1200" dirty="0">
-              <a:solidFill>
-                <a:srgbClr val="1D1C1D"/>
-              </a:solidFill>
-              <a:effectLst/>
-            </a:endParaRPr>
-          </a:p>
-          <a:p>
-            <a:pPr marL="0" indent="0">
-              <a:buNone/>
-            </a:pPr>
-            <a:endParaRPr lang="en-US" sz="2000" dirty="0">
-              <a:solidFill>
-                <a:srgbClr val="1D1C1D"/>
-              </a:solidFill>
-            </a:endParaRPr>
-          </a:p>
-          <a:p>
-            <a:pPr marL="0" indent="0">
-              <a:buNone/>
-            </a:pPr>
-            <a:endParaRPr lang="en-US" sz="2000" dirty="0">
-              <a:solidFill>
-                <a:srgbClr val="1D1C1D"/>
-              </a:solidFill>
-            </a:endParaRPr>
-          </a:p>
-          <a:p>
-            <a:pPr marL="0" indent="0">
-              <a:buNone/>
-            </a:pPr>
-            <a:endParaRPr lang="en-US" sz="2000" dirty="0">
               <a:solidFill>
                 <a:srgbClr val="1D1C1D"/>
               </a:solidFill>
@@ -9967,57 +10132,10 @@
           </a:p>
         </p:txBody>
       </p:sp>
-      <p:pic>
-        <p:nvPicPr>
-          <p:cNvPr id="1028" name="Picture 4">
-            <a:extLst>
-              <a:ext uri="{FF2B5EF4-FFF2-40B4-BE49-F238E27FC236}">
-                <a16:creationId xmlns:a16="http://schemas.microsoft.com/office/drawing/2014/main" id="{F1010548-A0F2-E6C0-6A04-BB44B8EBBDCC}"/>
-              </a:ext>
-            </a:extLst>
-          </p:cNvPr>
-          <p:cNvPicPr>
-            <a:picLocks noChangeAspect="1" noChangeArrowheads="1"/>
-          </p:cNvPicPr>
-          <p:nvPr/>
-        </p:nvPicPr>
-        <p:blipFill>
-          <a:blip r:embed="rId2">
-            <a:extLst>
-              <a:ext uri="{28A0092B-C50C-407E-A947-70E740481C1C}">
-                <a14:useLocalDpi xmlns:a14="http://schemas.microsoft.com/office/drawing/2010/main" val="0"/>
-              </a:ext>
-            </a:extLst>
-          </a:blip>
-          <a:srcRect/>
-          <a:stretch>
-            <a:fillRect/>
-          </a:stretch>
-        </p:blipFill>
-        <p:spPr bwMode="auto">
-          <a:xfrm>
-            <a:off x="4488295" y="5502603"/>
-            <a:ext cx="2984500" cy="698500"/>
-          </a:xfrm>
-          <a:prstGeom prst="rect">
-            <a:avLst/>
-          </a:prstGeom>
-          <a:noFill/>
-          <a:extLst>
-            <a:ext uri="{909E8E84-426E-40DD-AFC4-6F175D3DCCD1}">
-              <a14:hiddenFill xmlns:a14="http://schemas.microsoft.com/office/drawing/2010/main">
-                <a:solidFill>
-                  <a:srgbClr val="FFFFFF"/>
-                </a:solidFill>
-              </a14:hiddenFill>
-            </a:ext>
-          </a:extLst>
-        </p:spPr>
-      </p:pic>
     </p:spTree>
     <p:extLst>
       <p:ext uri="{BB962C8B-B14F-4D97-AF65-F5344CB8AC3E}">
-        <p14:creationId xmlns:p14="http://schemas.microsoft.com/office/powerpoint/2010/main" val="3122418942"/>
+        <p14:creationId xmlns:p14="http://schemas.microsoft.com/office/powerpoint/2010/main" val="3757251544"/>
       </p:ext>
     </p:extLst>
   </p:cSld>
@@ -10147,7 +10265,7 @@
         <p:spPr>
           <a:xfrm>
             <a:off x="1136397" y="502022"/>
-            <a:ext cx="9688296" cy="790750"/>
+            <a:ext cx="9688296" cy="1388356"/>
           </a:xfrm>
         </p:spPr>
         <p:txBody>
@@ -10162,7 +10280,7 @@
                   <a:srgbClr val="1D1C1D"/>
                 </a:solidFill>
               </a:rPr>
-              <a:t>Naive Bayes </a:t>
+              <a:t>Decision Tree </a:t>
             </a:r>
             <a:r>
               <a:rPr lang="en-US" sz="4000" b="1" dirty="0"/>
@@ -10189,8 +10307,8 @@
         </p:nvSpPr>
         <p:spPr>
           <a:xfrm>
-            <a:off x="1136397" y="1881351"/>
-            <a:ext cx="9688296" cy="3930869"/>
+            <a:off x="1136396" y="2418409"/>
+            <a:ext cx="9783851" cy="3782694"/>
           </a:xfrm>
         </p:spPr>
         <p:txBody>
@@ -10203,82 +10321,110 @@
               <a:buNone/>
             </a:pPr>
             <a:r>
-              <a:rPr lang="en-US" sz="2000" dirty="0">
-                <a:solidFill>
-                  <a:srgbClr val="1D1C1D"/>
-                </a:solidFill>
-              </a:rPr>
-              <a:t>Naive Bayes classifier is a statistical based classifier which is based on Bayes Theory. It assumes that attributes are statistically independent. This classifier is based on probabilities. Given two events A and B, P (A) is prior probability and P (A|B) is posterior probability, then according to Bayes theorem.</a:t>
-            </a:r>
-          </a:p>
-          <a:p>
-            <a:pPr marL="0" indent="0" algn="ctr">
+              <a:rPr lang="en-US" sz="2000" dirty="0"/>
+              <a:t>The decision tree algorithm is a supervised learning algorithm that can be used in both classification or regression analysis. Unlike linear algorithms, decision trees algorithms are capable of handling nonlinear relationships between variables in the data.</a:t>
+            </a:r>
+          </a:p>
+          <a:p>
+            <a:pPr marL="0" indent="0">
               <a:buNone/>
             </a:pPr>
-            <a:r>
-              <a:rPr lang="en-US" sz="2000" b="1" dirty="0">
-                <a:solidFill>
-                  <a:srgbClr val="1D1C1D"/>
-                </a:solidFill>
-              </a:rPr>
-              <a:t>P (A|B) = P (B/A) P (A)/P (B) </a:t>
-            </a:r>
-            <a:r>
-              <a:rPr lang="en-US" sz="2000" dirty="0">
-                <a:solidFill>
-                  <a:srgbClr val="1D1C1D"/>
-                </a:solidFill>
-              </a:rPr>
-              <a:t>and </a:t>
-            </a:r>
-          </a:p>
-          <a:p>
-            <a:pPr marL="0" indent="0" algn="ctr">
+            <a:endParaRPr lang="en-US" sz="800" dirty="0">
+              <a:solidFill>
+                <a:srgbClr val="1D1C1D"/>
+              </a:solidFill>
+              <a:effectLst/>
+            </a:endParaRPr>
+          </a:p>
+          <a:p>
+            <a:pPr marL="0" indent="0">
               <a:buNone/>
             </a:pPr>
             <a:r>
-              <a:rPr lang="en-US" sz="2000" b="1" dirty="0">
-                <a:solidFill>
-                  <a:srgbClr val="1D1C1D"/>
-                </a:solidFill>
-              </a:rPr>
-              <a:t>P (B|A) </a:t>
-            </a:r>
-            <a:r>
-              <a:rPr lang="en-US" sz="2000" dirty="0">
-                <a:solidFill>
-                  <a:srgbClr val="1D1C1D"/>
-                </a:solidFill>
-              </a:rPr>
-              <a:t>is computed as </a:t>
-            </a:r>
-            <a:r>
-              <a:rPr lang="en-US" sz="2000" b="1" dirty="0">
-                <a:solidFill>
-                  <a:srgbClr val="1D1C1D"/>
-                </a:solidFill>
-              </a:rPr>
-              <a:t>P (A ∩ B) = P (A)</a:t>
-            </a:r>
+              <a:rPr lang="en-US" sz="2000" dirty="0"/>
+              <a:t>The information gained in the decision tree can be defined as the amount of information improved in the nodes before splitting them for making further decisions. </a:t>
+            </a:r>
+            <a:endParaRPr lang="en-US" sz="2000" dirty="0">
+              <a:solidFill>
+                <a:srgbClr val="1D1C1D"/>
+              </a:solidFill>
+            </a:endParaRPr>
           </a:p>
           <a:p>
             <a:pPr marL="0" indent="0">
               <a:buNone/>
             </a:pPr>
-            <a:r>
-              <a:rPr lang="en-US" sz="2000" dirty="0">
-                <a:solidFill>
-                  <a:srgbClr val="1D1C1D"/>
-                </a:solidFill>
-              </a:rPr>
-              <a:t>These Bayesian probabilities are used to determine the most likely next event for the given instance given all the training data. Conditional probabilities are determined from the training data. The Naive Bayes model is based on the conditional independence model of each predictor give the target class. This classifier yields optimal prediction (given the assumptions). It can also handle discrete or numeric attribute values.</a:t>
-            </a:r>
+            <a:endParaRPr lang="en-US" sz="800" dirty="0">
+              <a:solidFill>
+                <a:srgbClr val="1D1C1D"/>
+              </a:solidFill>
+              <a:effectLst/>
+            </a:endParaRPr>
+          </a:p>
+          <a:p>
+            <a:pPr marL="0" indent="0">
+              <a:buNone/>
+            </a:pPr>
+            <a:r>
+              <a:rPr lang="en-US" sz="2000" dirty="0"/>
+              <a:t>To measure the information gain we use the entropy. Which is a quantified measurement of the amount of uncertainty because of any process or any given random variable. </a:t>
+            </a:r>
+            <a:r>
+              <a:rPr lang="en-US" sz="2000" i="1" dirty="0"/>
+              <a:t>Mathematically the formula for entropy is:</a:t>
+            </a:r>
+            <a:endParaRPr lang="en-US" sz="2000" i="1" dirty="0">
+              <a:solidFill>
+                <a:srgbClr val="1D1C1D"/>
+              </a:solidFill>
+            </a:endParaRPr>
           </a:p>
           <a:p>
             <a:pPr marL="0" indent="0">
               <a:buNone/>
             </a:pPr>
             <a:endParaRPr lang="en-US" sz="1200" dirty="0">
+              <a:solidFill>
+                <a:srgbClr val="1D1C1D"/>
+              </a:solidFill>
+            </a:endParaRPr>
+          </a:p>
+          <a:p>
+            <a:pPr marL="0" indent="0">
+              <a:buNone/>
+            </a:pPr>
+            <a:endParaRPr lang="en-US" sz="1200" dirty="0">
+              <a:solidFill>
+                <a:srgbClr val="1D1C1D"/>
+              </a:solidFill>
+              <a:effectLst/>
+            </a:endParaRPr>
+          </a:p>
+          <a:p>
+            <a:pPr marL="0" indent="0">
+              <a:buNone/>
+            </a:pPr>
+            <a:endParaRPr lang="en-US" sz="2000" dirty="0">
+              <a:solidFill>
+                <a:srgbClr val="1D1C1D"/>
+              </a:solidFill>
+            </a:endParaRPr>
+          </a:p>
+          <a:p>
+            <a:pPr marL="0" indent="0">
+              <a:buNone/>
+            </a:pPr>
+            <a:endParaRPr lang="en-US" sz="2000" dirty="0">
+              <a:solidFill>
+                <a:srgbClr val="1D1C1D"/>
+              </a:solidFill>
+            </a:endParaRPr>
+          </a:p>
+          <a:p>
+            <a:pPr marL="0" indent="0">
+              <a:buNone/>
+            </a:pPr>
+            <a:endParaRPr lang="en-US" sz="2000" dirty="0">
               <a:solidFill>
                 <a:srgbClr val="1D1C1D"/>
               </a:solidFill>
@@ -10433,10 +10579,57 @@
           </a:p>
         </p:txBody>
       </p:sp>
+      <p:pic>
+        <p:nvPicPr>
+          <p:cNvPr id="1028" name="Picture 4">
+            <a:extLst>
+              <a:ext uri="{FF2B5EF4-FFF2-40B4-BE49-F238E27FC236}">
+                <a16:creationId xmlns:a16="http://schemas.microsoft.com/office/drawing/2014/main" id="{F1010548-A0F2-E6C0-6A04-BB44B8EBBDCC}"/>
+              </a:ext>
+            </a:extLst>
+          </p:cNvPr>
+          <p:cNvPicPr>
+            <a:picLocks noChangeAspect="1" noChangeArrowheads="1"/>
+          </p:cNvPicPr>
+          <p:nvPr/>
+        </p:nvPicPr>
+        <p:blipFill>
+          <a:blip r:embed="rId2">
+            <a:extLst>
+              <a:ext uri="{28A0092B-C50C-407E-A947-70E740481C1C}">
+                <a14:useLocalDpi xmlns:a14="http://schemas.microsoft.com/office/drawing/2010/main" val="0"/>
+              </a:ext>
+            </a:extLst>
+          </a:blip>
+          <a:srcRect/>
+          <a:stretch>
+            <a:fillRect/>
+          </a:stretch>
+        </p:blipFill>
+        <p:spPr bwMode="auto">
+          <a:xfrm>
+            <a:off x="4488295" y="5502603"/>
+            <a:ext cx="2984500" cy="698500"/>
+          </a:xfrm>
+          <a:prstGeom prst="rect">
+            <a:avLst/>
+          </a:prstGeom>
+          <a:noFill/>
+          <a:extLst>
+            <a:ext uri="{909E8E84-426E-40DD-AFC4-6F175D3DCCD1}">
+              <a14:hiddenFill xmlns:a14="http://schemas.microsoft.com/office/drawing/2010/main">
+                <a:solidFill>
+                  <a:srgbClr val="FFFFFF"/>
+                </a:solidFill>
+              </a14:hiddenFill>
+            </a:ext>
+          </a:extLst>
+        </p:spPr>
+      </p:pic>
     </p:spTree>
     <p:extLst>
       <p:ext uri="{BB962C8B-B14F-4D97-AF65-F5344CB8AC3E}">
-        <p14:creationId xmlns:p14="http://schemas.microsoft.com/office/powerpoint/2010/main" val="3757251544"/>
+        <p14:creationId xmlns:p14="http://schemas.microsoft.com/office/powerpoint/2010/main" val="3122418942"/>
       </p:ext>
     </p:extLst>
   </p:cSld>

--- a/presentation slides/CS613-FinalProject-Presentation.pptx
+++ b/presentation slides/CS613-FinalProject-Presentation.pptx
@@ -547,25 +547,7 @@
                 <a:ea typeface="Calibri" panose="020F0502020204030204" pitchFamily="34" charset="0"/>
                 <a:cs typeface="Times New Roman" panose="02020603050405020304" pitchFamily="18" charset="0"/>
               </a:rPr>
-              <a:t>Naive Bayes </a:t>
-            </a:r>
-            <a:r>
-              <a:rPr lang="en-US" sz="1800" kern="100">
-                <a:effectLst/>
-                <a:latin typeface="Calibri" panose="020F0502020204030204" pitchFamily="34" charset="0"/>
-                <a:ea typeface="Calibri" panose="020F0502020204030204" pitchFamily="34" charset="0"/>
-                <a:cs typeface="Times New Roman" panose="02020603050405020304" pitchFamily="18" charset="0"/>
-              </a:rPr>
-              <a:t>is a </a:t>
-            </a:r>
-            <a:r>
-              <a:rPr lang="en-US" sz="1800" kern="100" dirty="0">
-                <a:effectLst/>
-                <a:latin typeface="Calibri" panose="020F0502020204030204" pitchFamily="34" charset="0"/>
-                <a:ea typeface="Calibri" panose="020F0502020204030204" pitchFamily="34" charset="0"/>
-                <a:cs typeface="Times New Roman" panose="02020603050405020304" pitchFamily="18" charset="0"/>
-              </a:rPr>
-              <a:t>supervised machine learning probabilistic algorithm that’s typically used for classification problems. </a:t>
+              <a:t>Naive Bayes is a supervised machine learning probabilistic algorithm that’s typically used for classification problems. </a:t>
             </a:r>
           </a:p>
           <a:p>
@@ -8000,7 +7982,7 @@
               <a:buNone/>
             </a:pPr>
             <a:r>
-              <a:rPr lang="en-US" sz="2400" b="0" i="0" dirty="0">
+              <a:rPr lang="en-US" sz="2200" b="0" i="0" dirty="0">
                 <a:solidFill>
                   <a:srgbClr val="1D1C1D"/>
                 </a:solidFill>
@@ -8009,11 +7991,11 @@
               <a:t>Our goal for the project is to approach h</a:t>
             </a:r>
             <a:r>
-              <a:rPr lang="en-US" sz="2400" dirty="0"/>
+              <a:rPr lang="en-US" sz="2200" dirty="0"/>
               <a:t>eart disease and </a:t>
             </a:r>
             <a:r>
-              <a:rPr lang="en-US" sz="2400" b="0" i="0" dirty="0">
+              <a:rPr lang="en-US" sz="2200" b="0" i="0" dirty="0">
                 <a:solidFill>
                   <a:srgbClr val="1D1C1D"/>
                 </a:solidFill>
@@ -8022,11 +8004,11 @@
               <a:t>compare different classification algorithms on a </a:t>
             </a:r>
             <a:r>
-              <a:rPr lang="en-US" sz="2400" b="1" dirty="0"/>
+              <a:rPr lang="en-US" sz="2200" b="1" dirty="0"/>
               <a:t>Heart Failure Prediction Dataset</a:t>
             </a:r>
             <a:r>
-              <a:rPr lang="en-US" sz="2400" b="0" i="0" dirty="0">
+              <a:rPr lang="en-US" sz="2200" b="0" i="0" dirty="0">
                 <a:solidFill>
                   <a:srgbClr val="1D1C1D"/>
                 </a:solidFill>
@@ -8035,7 +8017,7 @@
               <a:t> to predict and compare which one does well. We will also compare our algorithms with a neural network to see if does any bette</a:t>
             </a:r>
             <a:r>
-              <a:rPr lang="en-US" sz="2400" dirty="0">
+              <a:rPr lang="en-US" sz="2200" dirty="0">
                 <a:solidFill>
                   <a:srgbClr val="1D1C1D"/>
                 </a:solidFill>
@@ -8043,7 +8025,7 @@
               </a:rPr>
               <a:t>r.</a:t>
             </a:r>
-            <a:endParaRPr lang="en-US" sz="2400" dirty="0">
+            <a:endParaRPr lang="en-US" sz="2200" dirty="0">
               <a:solidFill>
                 <a:srgbClr val="1D1C1D"/>
               </a:solidFill>
@@ -8054,7 +8036,7 @@
               <a:buNone/>
             </a:pPr>
             <a:r>
-              <a:rPr lang="en-US" sz="2400" dirty="0">
+              <a:rPr lang="en-US" sz="2200" dirty="0">
                 <a:solidFill>
                   <a:srgbClr val="1D1C1D"/>
                 </a:solidFill>
@@ -8063,7 +8045,7 @@
               <a:t>Our predictions will have a substantial impact on detecting early identification of heart disease. This important because it can provide treatment, </a:t>
             </a:r>
             <a:r>
-              <a:rPr lang="en-US" sz="2400" dirty="0">
+              <a:rPr lang="en-US" sz="2200" dirty="0">
                 <a:solidFill>
                   <a:srgbClr val="1D1C1D"/>
                 </a:solidFill>
@@ -8076,14 +8058,14 @@
               <a:buNone/>
             </a:pPr>
             <a:r>
-              <a:rPr lang="en-US" sz="2400" dirty="0">
+              <a:rPr lang="en-US" sz="2200" dirty="0">
                 <a:solidFill>
                   <a:srgbClr val="1D1C1D"/>
                 </a:solidFill>
               </a:rPr>
               <a:t>Loss of heart function is irreversible. Once the damage has been done, a person cannot return to having a fully functional heart. Early detection is key.</a:t>
             </a:r>
-            <a:endParaRPr lang="en-US" sz="2400" dirty="0">
+            <a:endParaRPr lang="en-US" sz="2200" dirty="0">
               <a:solidFill>
                 <a:srgbClr val="1D1C1D"/>
               </a:solidFill>
@@ -8419,7 +8401,7 @@
               <a:buNone/>
             </a:pPr>
             <a:r>
-              <a:rPr lang="en-US" sz="2400" dirty="0"/>
+              <a:rPr lang="en-US" sz="2200" dirty="0"/>
               <a:t>Cardiovascular diseases (CVDs) are the number 1 cause of death globally, taking an estimated 17.9 million lives each year, which accounts for 31% of all deaths worldwide. Four out of 5 CVD deaths are due to heart attacks or strokes, and one-third of these deaths occur prematurely in people under 70 years of age. Heart failure is a common event caused by CVDs and this dataset contains 11 features that can be used to predict heart disease.</a:t>
             </a:r>
           </a:p>
@@ -8428,7 +8410,7 @@
               <a:buNone/>
             </a:pPr>
             <a:r>
-              <a:rPr lang="en-US" sz="2400" dirty="0"/>
+              <a:rPr lang="en-US" sz="2200" dirty="0"/>
               <a:t>People with cardiovascular disease or who are at high cardiovascular risk (due to the presence of one or more risk factors such as hypertension, diabetes, hyperlipidemia or already established disease) need early detection and management wherein a machine learning model can be of great help.</a:t>
             </a:r>
           </a:p>

--- a/presentation slides/CS613-FinalProject-Presentation.pptx
+++ b/presentation slides/CS613-FinalProject-Presentation.pptx
@@ -5,7 +5,7 @@
     <p:sldMasterId id="2147483648" r:id="rId1"/>
   </p:sldMasterIdLst>
   <p:notesMasterIdLst>
-    <p:notesMasterId r:id="rId18"/>
+    <p:notesMasterId r:id="rId19"/>
   </p:notesMasterIdLst>
   <p:sldIdLst>
     <p:sldId id="256" r:id="rId2"/>
@@ -16,14 +16,15 @@
     <p:sldId id="284" r:id="rId7"/>
     <p:sldId id="287" r:id="rId8"/>
     <p:sldId id="286" r:id="rId9"/>
-    <p:sldId id="268" r:id="rId10"/>
-    <p:sldId id="278" r:id="rId11"/>
-    <p:sldId id="279" r:id="rId12"/>
-    <p:sldId id="280" r:id="rId13"/>
-    <p:sldId id="262" r:id="rId14"/>
-    <p:sldId id="265" r:id="rId15"/>
-    <p:sldId id="270" r:id="rId16"/>
-    <p:sldId id="271" r:id="rId17"/>
+    <p:sldId id="288" r:id="rId10"/>
+    <p:sldId id="268" r:id="rId11"/>
+    <p:sldId id="278" r:id="rId12"/>
+    <p:sldId id="279" r:id="rId13"/>
+    <p:sldId id="280" r:id="rId14"/>
+    <p:sldId id="262" r:id="rId15"/>
+    <p:sldId id="265" r:id="rId16"/>
+    <p:sldId id="270" r:id="rId17"/>
+    <p:sldId id="271" r:id="rId18"/>
   </p:sldIdLst>
   <p:sldSz cx="12192000" cy="6858000"/>
   <p:notesSz cx="6858000" cy="9144000"/>
@@ -212,7 +213,7 @@
           <a:p>
             <a:fld id="{554293D9-CEF4-E549-8C2B-4C1F408488E2}" type="datetimeFigureOut">
               <a:rPr lang="en-US" smtClean="0"/>
-              <a:t>6/13/23</a:t>
+              <a:t>6/15/23</a:t>
             </a:fld>
             <a:endParaRPr lang="en-US"/>
           </a:p>
@@ -712,7 +713,7 @@
           <a:p>
             <a:fld id="{941248EB-719A-B944-B3C9-708649C4FE49}" type="slidenum">
               <a:rPr lang="en-US" smtClean="0"/>
-              <a:t>9</a:t>
+              <a:t>10</a:t>
             </a:fld>
             <a:endParaRPr lang="en-US"/>
           </a:p>
@@ -878,7 +879,7 @@
           <a:p>
             <a:fld id="{3C5E3940-567D-0E4A-B27A-538E5CA3F251}" type="datetimeFigureOut">
               <a:rPr lang="en-US" smtClean="0"/>
-              <a:t>6/13/23</a:t>
+              <a:t>6/15/23</a:t>
             </a:fld>
             <a:endParaRPr lang="en-US"/>
           </a:p>
@@ -1076,7 +1077,7 @@
           <a:p>
             <a:fld id="{3C5E3940-567D-0E4A-B27A-538E5CA3F251}" type="datetimeFigureOut">
               <a:rPr lang="en-US" smtClean="0"/>
-              <a:t>6/13/23</a:t>
+              <a:t>6/15/23</a:t>
             </a:fld>
             <a:endParaRPr lang="en-US"/>
           </a:p>
@@ -1284,7 +1285,7 @@
           <a:p>
             <a:fld id="{3C5E3940-567D-0E4A-B27A-538E5CA3F251}" type="datetimeFigureOut">
               <a:rPr lang="en-US" smtClean="0"/>
-              <a:t>6/13/23</a:t>
+              <a:t>6/15/23</a:t>
             </a:fld>
             <a:endParaRPr lang="en-US"/>
           </a:p>
@@ -1482,7 +1483,7 @@
           <a:p>
             <a:fld id="{3C5E3940-567D-0E4A-B27A-538E5CA3F251}" type="datetimeFigureOut">
               <a:rPr lang="en-US" smtClean="0"/>
-              <a:t>6/13/23</a:t>
+              <a:t>6/15/23</a:t>
             </a:fld>
             <a:endParaRPr lang="en-US"/>
           </a:p>
@@ -1757,7 +1758,7 @@
           <a:p>
             <a:fld id="{3C5E3940-567D-0E4A-B27A-538E5CA3F251}" type="datetimeFigureOut">
               <a:rPr lang="en-US" smtClean="0"/>
-              <a:t>6/13/23</a:t>
+              <a:t>6/15/23</a:t>
             </a:fld>
             <a:endParaRPr lang="en-US"/>
           </a:p>
@@ -2022,7 +2023,7 @@
           <a:p>
             <a:fld id="{3C5E3940-567D-0E4A-B27A-538E5CA3F251}" type="datetimeFigureOut">
               <a:rPr lang="en-US" smtClean="0"/>
-              <a:t>6/13/23</a:t>
+              <a:t>6/15/23</a:t>
             </a:fld>
             <a:endParaRPr lang="en-US"/>
           </a:p>
@@ -2434,7 +2435,7 @@
           <a:p>
             <a:fld id="{3C5E3940-567D-0E4A-B27A-538E5CA3F251}" type="datetimeFigureOut">
               <a:rPr lang="en-US" smtClean="0"/>
-              <a:t>6/13/23</a:t>
+              <a:t>6/15/23</a:t>
             </a:fld>
             <a:endParaRPr lang="en-US"/>
           </a:p>
@@ -2575,7 +2576,7 @@
           <a:p>
             <a:fld id="{3C5E3940-567D-0E4A-B27A-538E5CA3F251}" type="datetimeFigureOut">
               <a:rPr lang="en-US" smtClean="0"/>
-              <a:t>6/13/23</a:t>
+              <a:t>6/15/23</a:t>
             </a:fld>
             <a:endParaRPr lang="en-US"/>
           </a:p>
@@ -2688,7 +2689,7 @@
           <a:p>
             <a:fld id="{3C5E3940-567D-0E4A-B27A-538E5CA3F251}" type="datetimeFigureOut">
               <a:rPr lang="en-US" smtClean="0"/>
-              <a:t>6/13/23</a:t>
+              <a:t>6/15/23</a:t>
             </a:fld>
             <a:endParaRPr lang="en-US"/>
           </a:p>
@@ -2999,7 +3000,7 @@
           <a:p>
             <a:fld id="{3C5E3940-567D-0E4A-B27A-538E5CA3F251}" type="datetimeFigureOut">
               <a:rPr lang="en-US" smtClean="0"/>
-              <a:t>6/13/23</a:t>
+              <a:t>6/15/23</a:t>
             </a:fld>
             <a:endParaRPr lang="en-US"/>
           </a:p>
@@ -3287,7 +3288,7 @@
           <a:p>
             <a:fld id="{3C5E3940-567D-0E4A-B27A-538E5CA3F251}" type="datetimeFigureOut">
               <a:rPr lang="en-US" smtClean="0"/>
-              <a:t>6/13/23</a:t>
+              <a:t>6/15/23</a:t>
             </a:fld>
             <a:endParaRPr lang="en-US"/>
           </a:p>
@@ -3528,7 +3529,7 @@
           <a:p>
             <a:fld id="{3C5E3940-567D-0E4A-B27A-538E5CA3F251}" type="datetimeFigureOut">
               <a:rPr lang="en-US" smtClean="0"/>
-              <a:t>6/13/23</a:t>
+              <a:t>6/15/23</a:t>
             </a:fld>
             <a:endParaRPr lang="en-US"/>
           </a:p>
@@ -4486,10 +4487,10 @@
       </p:grpSpPr>
       <p:sp useBgFill="1">
         <p:nvSpPr>
-          <p:cNvPr id="8" name="Rectangle 7">
-            <a:extLst>
-              <a:ext uri="{FF2B5EF4-FFF2-40B4-BE49-F238E27FC236}">
-                <a16:creationId xmlns:a16="http://schemas.microsoft.com/office/drawing/2014/main" id="{979E27D9-03C7-44E2-9FF8-15D0C8506AF7}"/>
+          <p:cNvPr id="10" name="Rectangle 9">
+            <a:extLst>
+              <a:ext uri="{FF2B5EF4-FFF2-40B4-BE49-F238E27FC236}">
+                <a16:creationId xmlns:a16="http://schemas.microsoft.com/office/drawing/2014/main" id="{3346177D-ADC4-4968-B747-5CFCD390B5B9}"/>
               </a:ext>
               <a:ext uri="{C183D7F6-B498-43B3-948B-1728B52AA6E4}">
                 <adec:decorative xmlns:adec="http://schemas.microsoft.com/office/drawing/2017/decorative" val="1"/>
@@ -4565,7 +4566,7 @@
           <p:cNvPr id="2" name="Title 1">
             <a:extLst>
               <a:ext uri="{FF2B5EF4-FFF2-40B4-BE49-F238E27FC236}">
-                <a16:creationId xmlns:a16="http://schemas.microsoft.com/office/drawing/2014/main" id="{5C4F02F6-349D-954F-B02F-78EBD3017252}"/>
+                <a16:creationId xmlns:a16="http://schemas.microsoft.com/office/drawing/2014/main" id="{1518A51C-AC5C-224B-83E1-BE4285E72E3E}"/>
               </a:ext>
             </a:extLst>
           </p:cNvPr>
@@ -4578,8 +4579,8 @@
         </p:nvSpPr>
         <p:spPr>
           <a:xfrm>
-            <a:off x="1136397" y="502022"/>
-            <a:ext cx="9688296" cy="1388356"/>
+            <a:off x="5596501" y="489509"/>
+            <a:ext cx="5754896" cy="785562"/>
           </a:xfrm>
         </p:spPr>
         <p:txBody>
@@ -4590,31 +4591,68 @@
           <a:p>
             <a:r>
               <a:rPr lang="en-US" sz="4000" b="1" dirty="0"/>
-              <a:t>Heart Failure Prediction Dataset structure</a:t>
-            </a:r>
-          </a:p>
-        </p:txBody>
-      </p:sp>
-      <p:sp>
-        <p:nvSpPr>
-          <p:cNvPr id="3" name="Content Placeholder 2">
-            <a:extLst>
-              <a:ext uri="{FF2B5EF4-FFF2-40B4-BE49-F238E27FC236}">
-                <a16:creationId xmlns:a16="http://schemas.microsoft.com/office/drawing/2014/main" id="{3A721E59-1DC4-3845-9DB3-10F69E64143F}"/>
-              </a:ext>
-            </a:extLst>
-          </p:cNvPr>
-          <p:cNvSpPr>
-            <a:spLocks noGrp="1"/>
-          </p:cNvSpPr>
-          <p:nvPr>
-            <p:ph idx="1"/>
-          </p:nvPr>
-        </p:nvSpPr>
+              <a:t>Source of Data: </a:t>
+            </a:r>
+            <a:r>
+              <a:rPr lang="en-US" sz="4000" b="1" dirty="0">
+                <a:solidFill>
+                  <a:srgbClr val="00B0F0"/>
+                </a:solidFill>
+              </a:rPr>
+              <a:t>Kaggle</a:t>
+            </a:r>
+          </a:p>
+        </p:txBody>
+      </p:sp>
+      <p:pic>
+        <p:nvPicPr>
+          <p:cNvPr id="5" name="Picture 4">
+            <a:extLst>
+              <a:ext uri="{FF2B5EF4-FFF2-40B4-BE49-F238E27FC236}">
+                <a16:creationId xmlns:a16="http://schemas.microsoft.com/office/drawing/2014/main" id="{5656DBCB-4246-3424-8BF4-9B7FD47CD472}"/>
+              </a:ext>
+            </a:extLst>
+          </p:cNvPr>
+          <p:cNvPicPr>
+            <a:picLocks noChangeAspect="1"/>
+          </p:cNvPicPr>
+          <p:nvPr/>
+        </p:nvPicPr>
+        <p:blipFill>
+          <a:blip r:embed="rId3"/>
+          <a:srcRect/>
+          <a:stretch/>
+        </p:blipFill>
         <p:spPr>
           <a:xfrm>
-            <a:off x="1136397" y="2270234"/>
-            <a:ext cx="9688296" cy="3773213"/>
+            <a:off x="1068130" y="2332206"/>
+            <a:ext cx="3876165" cy="1761893"/>
+          </a:xfrm>
+          <a:prstGeom prst="rect">
+            <a:avLst/>
+          </a:prstGeom>
+        </p:spPr>
+      </p:pic>
+      <p:sp>
+        <p:nvSpPr>
+          <p:cNvPr id="3" name="Content Placeholder 2">
+            <a:extLst>
+              <a:ext uri="{FF2B5EF4-FFF2-40B4-BE49-F238E27FC236}">
+                <a16:creationId xmlns:a16="http://schemas.microsoft.com/office/drawing/2014/main" id="{69AB92F3-2775-4B46-A098-FE988824A88C}"/>
+              </a:ext>
+            </a:extLst>
+          </p:cNvPr>
+          <p:cNvSpPr>
+            <a:spLocks noGrp="1"/>
+          </p:cNvSpPr>
+          <p:nvPr>
+            <p:ph idx="1"/>
+          </p:nvPr>
+        </p:nvSpPr>
+        <p:spPr>
+          <a:xfrm>
+            <a:off x="5596502" y="1537855"/>
+            <a:ext cx="5930480" cy="4599709"/>
           </a:xfrm>
         </p:spPr>
         <p:txBody>
@@ -4627,197 +4665,140 @@
               <a:buNone/>
             </a:pPr>
             <a:r>
-              <a:rPr lang="en-US" sz="1900" b="1" dirty="0"/>
-              <a:t>Age</a:t>
-            </a:r>
-            <a:r>
-              <a:rPr lang="en-US" sz="1900" dirty="0"/>
-              <a:t>: age of the patient [years]</a:t>
+              <a:rPr lang="en-US" sz="2800" dirty="0"/>
+              <a:t>The </a:t>
+            </a:r>
+            <a:r>
+              <a:rPr lang="en-US" b="1" dirty="0"/>
+              <a:t>Heart Failure Prediction Dataset </a:t>
+            </a:r>
+            <a:r>
+              <a:rPr lang="en-US" sz="2800" dirty="0"/>
+              <a:t>dataset was created by combining different datasets already available independently but not combined before. In this dataset, 5 heart datasets are combined over 11 common features which makes it the largest heart disease dataset available so far for research purposes. The five datasets used for its curation are:</a:t>
             </a:r>
           </a:p>
           <a:p>
             <a:pPr marL="0" indent="0">
               <a:buNone/>
             </a:pPr>
-            <a:r>
-              <a:rPr lang="en-US" sz="1900" b="1" dirty="0"/>
-              <a:t>Sex</a:t>
-            </a:r>
-            <a:r>
-              <a:rPr lang="en-US" sz="1900" dirty="0"/>
-              <a:t>: sex of the patient [M: Male, F: Female]</a:t>
+            <a:endParaRPr lang="en-US" sz="1000" dirty="0"/>
+          </a:p>
+          <a:p>
+            <a:pPr>
+              <a:buFont typeface="Arial" panose="020B0604020202020204" pitchFamily="34" charset="0"/>
+              <a:buChar char="•"/>
+            </a:pPr>
+            <a:r>
+              <a:rPr lang="en-US" sz="2000" i="1" dirty="0"/>
+              <a:t>Cleveland</a:t>
+            </a:r>
+            <a:r>
+              <a:rPr lang="en-US" sz="2000" dirty="0"/>
+              <a:t>: 303 observations</a:t>
+            </a:r>
+          </a:p>
+          <a:p>
+            <a:pPr>
+              <a:buFont typeface="Arial" panose="020B0604020202020204" pitchFamily="34" charset="0"/>
+              <a:buChar char="•"/>
+            </a:pPr>
+            <a:r>
+              <a:rPr lang="en-US" sz="2000" i="1" dirty="0"/>
+              <a:t>Hungarian</a:t>
+            </a:r>
+            <a:r>
+              <a:rPr lang="en-US" sz="2000" dirty="0"/>
+              <a:t>: 294 observations</a:t>
+            </a:r>
+          </a:p>
+          <a:p>
+            <a:pPr>
+              <a:buFont typeface="Arial" panose="020B0604020202020204" pitchFamily="34" charset="0"/>
+              <a:buChar char="•"/>
+            </a:pPr>
+            <a:r>
+              <a:rPr lang="en-US" sz="2000" i="1" dirty="0"/>
+              <a:t>Switzerland</a:t>
+            </a:r>
+            <a:r>
+              <a:rPr lang="en-US" sz="2000" dirty="0"/>
+              <a:t>: 123 observations</a:t>
+            </a:r>
+          </a:p>
+          <a:p>
+            <a:pPr>
+              <a:buFont typeface="Arial" panose="020B0604020202020204" pitchFamily="34" charset="0"/>
+              <a:buChar char="•"/>
+            </a:pPr>
+            <a:r>
+              <a:rPr lang="en-US" sz="2000" i="1" dirty="0"/>
+              <a:t>Long Beach VA</a:t>
+            </a:r>
+            <a:r>
+              <a:rPr lang="en-US" sz="2000" dirty="0"/>
+              <a:t>: 200 observations</a:t>
+            </a:r>
+          </a:p>
+          <a:p>
+            <a:pPr>
+              <a:buFont typeface="Arial" panose="020B0604020202020204" pitchFamily="34" charset="0"/>
+              <a:buChar char="•"/>
+            </a:pPr>
+            <a:r>
+              <a:rPr lang="en-US" sz="2000" i="1" dirty="0" err="1"/>
+              <a:t>Stalog</a:t>
+            </a:r>
+            <a:r>
+              <a:rPr lang="en-US" sz="2000" i="1" dirty="0"/>
+              <a:t> (Heart) Data Set</a:t>
+            </a:r>
+            <a:r>
+              <a:rPr lang="en-US" sz="2000" dirty="0"/>
+              <a:t>: 270 observations</a:t>
             </a:r>
           </a:p>
           <a:p>
             <a:pPr marL="0" indent="0">
               <a:buNone/>
             </a:pPr>
-            <a:r>
-              <a:rPr lang="en-US" sz="1900" b="1" dirty="0" err="1"/>
-              <a:t>ChestPainType</a:t>
-            </a:r>
-            <a:r>
-              <a:rPr lang="en-US" sz="1900" dirty="0"/>
-              <a:t>: chest pain type [TA: Typical Angina, ATA: Atypical Angina, NAP: Non-Anginal Pain, ASY: Asymptomatic]</a:t>
-            </a:r>
+            <a:endParaRPr lang="en-US" sz="1000" dirty="0"/>
           </a:p>
           <a:p>
             <a:pPr marL="0" indent="0">
               <a:buNone/>
             </a:pPr>
             <a:r>
-              <a:rPr lang="en-US" sz="1900" b="1" dirty="0" err="1"/>
-              <a:t>RestingBP</a:t>
-            </a:r>
-            <a:r>
-              <a:rPr lang="en-US" sz="1900" dirty="0"/>
-              <a:t>: resting blood pressure [mm Hg]</a:t>
-            </a:r>
+              <a:rPr lang="en-US" sz="1200" dirty="0"/>
+              <a:t>Every dataset used can be found under the Index of heart disease datasets from UCI Machine Learning Repository on the following link: </a:t>
+            </a:r>
+            <a:r>
+              <a:rPr lang="en-US" sz="1200" dirty="0">
+                <a:hlinkClick r:id="rId4"/>
+              </a:rPr>
+              <a:t>https://archive.ics.uci.edu/ml/machine-learning-databases/heart-disease/</a:t>
+            </a:r>
+            <a:endParaRPr lang="en-US" sz="1200" dirty="0"/>
           </a:p>
           <a:p>
             <a:pPr marL="0" indent="0">
               <a:buNone/>
             </a:pPr>
             <a:r>
-              <a:rPr lang="en-US" sz="1900" b="1" dirty="0"/>
-              <a:t>Cholesterol</a:t>
-            </a:r>
-            <a:r>
-              <a:rPr lang="en-US" sz="1900" dirty="0"/>
-              <a:t>: serum cholesterol [mm/dl]</a:t>
-            </a:r>
-          </a:p>
-          <a:p>
-            <a:pPr marL="0" indent="0">
-              <a:buNone/>
-            </a:pPr>
-            <a:r>
-              <a:rPr lang="en-US" sz="1900" b="1" dirty="0" err="1"/>
-              <a:t>FastingBS</a:t>
-            </a:r>
-            <a:r>
-              <a:rPr lang="en-US" sz="1900" dirty="0"/>
-              <a:t>: fasting blood sugar [1: if </a:t>
-            </a:r>
-            <a:r>
-              <a:rPr lang="en-US" sz="1900" dirty="0" err="1"/>
-              <a:t>FastingBS</a:t>
-            </a:r>
-            <a:r>
-              <a:rPr lang="en-US" sz="1900" dirty="0"/>
-              <a:t> &gt; 120 mg/dl, 0: otherwise]</a:t>
-            </a:r>
-          </a:p>
-          <a:p>
-            <a:pPr marL="0" indent="0">
-              <a:buNone/>
-            </a:pPr>
-            <a:r>
-              <a:rPr lang="en-US" sz="1900" b="1" dirty="0" err="1"/>
-              <a:t>RestingECG</a:t>
-            </a:r>
-            <a:r>
-              <a:rPr lang="en-US" sz="1900" dirty="0"/>
-              <a:t>: resting electrocardiogram results [Normal: Normal, ST: having ST-T wave abnormality (T wave inversions and/or ST elevation or depression of &gt; 0.05 mV), LVH: showing probable or definite left ventricular hypertrophy by Estes' criteria]</a:t>
-            </a:r>
-          </a:p>
-          <a:p>
-            <a:pPr marL="0" indent="0">
-              <a:buNone/>
-            </a:pPr>
-            <a:r>
-              <a:rPr lang="en-US" sz="1900" b="1" dirty="0" err="1"/>
-              <a:t>MaxHR</a:t>
-            </a:r>
-            <a:r>
-              <a:rPr lang="en-US" sz="1900" dirty="0"/>
-              <a:t>: maximum heart rate achieved [Numeric value between 60 and 202]</a:t>
-            </a:r>
-          </a:p>
-          <a:p>
-            <a:pPr marL="0" indent="0">
-              <a:buNone/>
-            </a:pPr>
-            <a:r>
-              <a:rPr lang="en-US" sz="1900" b="1" dirty="0" err="1"/>
-              <a:t>ExerciseAngina</a:t>
-            </a:r>
-            <a:r>
-              <a:rPr lang="en-US" sz="1900" dirty="0"/>
-              <a:t>: exercise-induced angina [Y: Yes, N: No]</a:t>
-            </a:r>
-          </a:p>
-          <a:p>
-            <a:pPr marL="0" indent="0">
-              <a:buNone/>
-            </a:pPr>
-            <a:r>
-              <a:rPr lang="en-US" sz="1900" b="1" dirty="0" err="1"/>
-              <a:t>Oldpeak</a:t>
-            </a:r>
-            <a:r>
-              <a:rPr lang="en-US" sz="1900" dirty="0"/>
-              <a:t>: </a:t>
-            </a:r>
-            <a:r>
-              <a:rPr lang="en-US" sz="1900" dirty="0" err="1"/>
-              <a:t>oldpeak</a:t>
-            </a:r>
-            <a:r>
-              <a:rPr lang="en-US" sz="1900" dirty="0"/>
-              <a:t> = ST [Numeric value measured in depression]</a:t>
-            </a:r>
-          </a:p>
-          <a:p>
-            <a:pPr marL="0" indent="0">
-              <a:buNone/>
-            </a:pPr>
-            <a:r>
-              <a:rPr lang="en-US" sz="1900" b="1" dirty="0" err="1"/>
-              <a:t>ST_Slope</a:t>
-            </a:r>
-            <a:r>
-              <a:rPr lang="en-US" sz="1900" dirty="0"/>
-              <a:t>: the slope of the peak exercise ST segment [Up: upsloping, Flat: flat, Down: </a:t>
-            </a:r>
-            <a:r>
-              <a:rPr lang="en-US" sz="1900" dirty="0" err="1"/>
-              <a:t>downsloping</a:t>
-            </a:r>
-            <a:r>
-              <a:rPr lang="en-US" sz="1900" dirty="0"/>
-              <a:t>]</a:t>
-            </a:r>
-          </a:p>
-          <a:p>
-            <a:pPr marL="0" indent="0">
-              <a:buNone/>
-            </a:pPr>
-            <a:r>
-              <a:rPr lang="en-US" sz="1900" b="1" dirty="0" err="1"/>
-              <a:t>HeartDisease</a:t>
-            </a:r>
-            <a:r>
-              <a:rPr lang="en-US" sz="1900" dirty="0"/>
-              <a:t>: output class [1: heart disease, 0: Normal]</a:t>
-            </a:r>
-          </a:p>
-          <a:p>
-            <a:pPr marL="457200" lvl="1" indent="0">
-              <a:buNone/>
-            </a:pPr>
-            <a:endParaRPr lang="en-US" sz="2000" dirty="0">
-              <a:effectLst/>
-            </a:endParaRPr>
-          </a:p>
-        </p:txBody>
-      </p:sp>
-      <p:sp>
-        <p:nvSpPr>
-          <p:cNvPr id="10" name="Rectangle 9">
-            <a:extLst>
-              <a:ext uri="{FF2B5EF4-FFF2-40B4-BE49-F238E27FC236}">
-                <a16:creationId xmlns:a16="http://schemas.microsoft.com/office/drawing/2014/main" id="{EEBF1590-3B36-48EE-A89D-3B6F3CB256AB}"/>
+              <a:rPr lang="en-US" sz="1200" dirty="0">
+                <a:hlinkClick r:id="rId5"/>
+              </a:rPr>
+              <a:t>https://www.kaggle.com/datasets/fedesoriano/heart-failure-prediction</a:t>
+            </a:r>
+            <a:endParaRPr lang="en-US" sz="1200" dirty="0"/>
+          </a:p>
+        </p:txBody>
+      </p:sp>
+      <p:sp>
+        <p:nvSpPr>
+          <p:cNvPr id="12" name="Rectangle 11">
+            <a:extLst>
+              <a:ext uri="{FF2B5EF4-FFF2-40B4-BE49-F238E27FC236}">
+                <a16:creationId xmlns:a16="http://schemas.microsoft.com/office/drawing/2014/main" id="{0844A943-BF79-4FEA-ABB1-3BD54D236606}"/>
               </a:ext>
               <a:ext uri="{C183D7F6-B498-43B3-948B-1728B52AA6E4}">
                 <adec:decorative xmlns:adec="http://schemas.microsoft.com/office/drawing/2017/decorative" val="1"/>
@@ -4848,7 +4829,7 @@
               <a:gs pos="0">
                 <a:schemeClr val="accent1"/>
               </a:gs>
-              <a:gs pos="78000">
+              <a:gs pos="90000">
                 <a:srgbClr val="000000"/>
               </a:gs>
             </a:gsLst>
@@ -4885,10 +4866,10 @@
       </p:sp>
       <p:sp>
         <p:nvSpPr>
-          <p:cNvPr id="12" name="Rectangle 11">
-            <a:extLst>
-              <a:ext uri="{FF2B5EF4-FFF2-40B4-BE49-F238E27FC236}">
-                <a16:creationId xmlns:a16="http://schemas.microsoft.com/office/drawing/2014/main" id="{AC8F6C8C-AB5A-4548-942D-E3FD40ACBC49}"/>
+          <p:cNvPr id="14" name="Rectangle 13">
+            <a:extLst>
+              <a:ext uri="{FF2B5EF4-FFF2-40B4-BE49-F238E27FC236}">
+                <a16:creationId xmlns:a16="http://schemas.microsoft.com/office/drawing/2014/main" id="{6437CC72-F4A8-4DC3-AFAB-D22C482C8100}"/>
               </a:ext>
               <a:ext uri="{C183D7F6-B498-43B3-948B-1728B52AA6E4}">
                 <adec:decorative xmlns:adec="http://schemas.microsoft.com/office/drawing/2017/decorative" val="1"/>
@@ -4918,7 +4899,7 @@
             <a:gsLst>
               <a:gs pos="0">
                 <a:srgbClr val="000000">
-                  <a:alpha val="63000"/>
+                  <a:alpha val="50000"/>
                 </a:srgbClr>
               </a:gs>
               <a:gs pos="100000">
@@ -4961,7 +4942,7 @@
     </p:spTree>
     <p:extLst>
       <p:ext uri="{BB962C8B-B14F-4D97-AF65-F5344CB8AC3E}">
-        <p14:creationId xmlns:p14="http://schemas.microsoft.com/office/powerpoint/2010/main" val="946419350"/>
+        <p14:creationId xmlns:p14="http://schemas.microsoft.com/office/powerpoint/2010/main" val="3001573324"/>
       </p:ext>
     </p:extLst>
   </p:cSld>
@@ -5101,10 +5082,9 @@
           <a:lstStyle/>
           <a:p>
             <a:r>
-              <a:rPr lang="en-US" sz="4000" b="1"/>
-              <a:t>Results and Observations</a:t>
-            </a:r>
-            <a:endParaRPr lang="en-US" sz="4000" b="1" dirty="0"/>
+              <a:rPr lang="en-US" sz="4000" b="1" dirty="0"/>
+              <a:t>Heart Failure Prediction Dataset structure</a:t>
+            </a:r>
           </a:p>
         </p:txBody>
       </p:sp>
@@ -5126,25 +5106,202 @@
         </p:nvSpPr>
         <p:spPr>
           <a:xfrm>
-            <a:off x="1136397" y="2418409"/>
-            <a:ext cx="9688296" cy="3782694"/>
+            <a:off x="1136397" y="2270234"/>
+            <a:ext cx="9688296" cy="3773213"/>
           </a:xfrm>
         </p:spPr>
         <p:txBody>
           <a:bodyPr anchor="t">
-            <a:normAutofit/>
+            <a:normAutofit fontScale="77500" lnSpcReduction="20000"/>
           </a:bodyPr>
           <a:lstStyle/>
           <a:p>
+            <a:pPr marL="0" indent="0">
+              <a:buNone/>
+            </a:pPr>
+            <a:r>
+              <a:rPr lang="en-US" sz="1900" b="1" dirty="0"/>
+              <a:t>Age</a:t>
+            </a:r>
+            <a:r>
+              <a:rPr lang="en-US" sz="1900" dirty="0"/>
+              <a:t>: age of the patient [years]</a:t>
+            </a:r>
+          </a:p>
+          <a:p>
+            <a:pPr marL="0" indent="0">
+              <a:buNone/>
+            </a:pPr>
+            <a:r>
+              <a:rPr lang="en-US" sz="1900" b="1" dirty="0"/>
+              <a:t>Sex</a:t>
+            </a:r>
+            <a:r>
+              <a:rPr lang="en-US" sz="1900" dirty="0"/>
+              <a:t>: sex of the patient [M: Male, F: Female]</a:t>
+            </a:r>
+          </a:p>
+          <a:p>
+            <a:pPr marL="0" indent="0">
+              <a:buNone/>
+            </a:pPr>
+            <a:r>
+              <a:rPr lang="en-US" sz="1900" b="1" dirty="0" err="1"/>
+              <a:t>ChestPainType</a:t>
+            </a:r>
+            <a:r>
+              <a:rPr lang="en-US" sz="1900" dirty="0"/>
+              <a:t>: chest pain type [TA: Typical Angina, ATA: Atypical Angina, NAP: Non-Anginal Pain, ASY: Asymptomatic]</a:t>
+            </a:r>
+          </a:p>
+          <a:p>
+            <a:pPr marL="0" indent="0">
+              <a:buNone/>
+            </a:pPr>
+            <a:r>
+              <a:rPr lang="en-US" sz="1900" b="1" dirty="0" err="1"/>
+              <a:t>RestingBP</a:t>
+            </a:r>
+            <a:r>
+              <a:rPr lang="en-US" sz="1900" dirty="0"/>
+              <a:t>: resting blood pressure [mm Hg]</a:t>
+            </a:r>
+          </a:p>
+          <a:p>
+            <a:pPr marL="0" indent="0">
+              <a:buNone/>
+            </a:pPr>
+            <a:r>
+              <a:rPr lang="en-US" sz="1900" b="1" dirty="0"/>
+              <a:t>Cholesterol</a:t>
+            </a:r>
+            <a:r>
+              <a:rPr lang="en-US" sz="1900" dirty="0"/>
+              <a:t>: serum cholesterol [mm/dl]</a:t>
+            </a:r>
+          </a:p>
+          <a:p>
+            <a:pPr marL="0" indent="0">
+              <a:buNone/>
+            </a:pPr>
+            <a:r>
+              <a:rPr lang="en-US" sz="1900" b="1" dirty="0" err="1"/>
+              <a:t>FastingBS</a:t>
+            </a:r>
+            <a:r>
+              <a:rPr lang="en-US" sz="1900" dirty="0"/>
+              <a:t>: fasting blood sugar [1: if </a:t>
+            </a:r>
+            <a:r>
+              <a:rPr lang="en-US" sz="1900" dirty="0" err="1"/>
+              <a:t>FastingBS</a:t>
+            </a:r>
+            <a:r>
+              <a:rPr lang="en-US" sz="1900" dirty="0"/>
+              <a:t> &gt; 120 mg/dl, 0: otherwise]</a:t>
+            </a:r>
+          </a:p>
+          <a:p>
+            <a:pPr marL="0" indent="0">
+              <a:buNone/>
+            </a:pPr>
+            <a:r>
+              <a:rPr lang="en-US" sz="1900" b="1" dirty="0" err="1"/>
+              <a:t>RestingECG</a:t>
+            </a:r>
+            <a:r>
+              <a:rPr lang="en-US" sz="1900" dirty="0"/>
+              <a:t>: resting electrocardiogram results [Normal: Normal, ST: having ST-T wave abnormality (T wave inversions and/or ST elevation or depression of &gt; 0.05 mV), LVH: showing probable or definite left ventricular hypertrophy by Estes' criteria]</a:t>
+            </a:r>
+          </a:p>
+          <a:p>
+            <a:pPr marL="0" indent="0">
+              <a:buNone/>
+            </a:pPr>
+            <a:r>
+              <a:rPr lang="en-US" sz="1900" b="1" dirty="0" err="1"/>
+              <a:t>MaxHR</a:t>
+            </a:r>
+            <a:r>
+              <a:rPr lang="en-US" sz="1900" dirty="0"/>
+              <a:t>: maximum heart rate achieved [Numeric value between 60 and 202]</a:t>
+            </a:r>
+          </a:p>
+          <a:p>
+            <a:pPr marL="0" indent="0">
+              <a:buNone/>
+            </a:pPr>
+            <a:r>
+              <a:rPr lang="en-US" sz="1900" b="1" dirty="0" err="1"/>
+              <a:t>ExerciseAngina</a:t>
+            </a:r>
+            <a:r>
+              <a:rPr lang="en-US" sz="1900" dirty="0"/>
+              <a:t>: exercise-induced angina [Y: Yes, N: No]</a:t>
+            </a:r>
+          </a:p>
+          <a:p>
+            <a:pPr marL="0" indent="0">
+              <a:buNone/>
+            </a:pPr>
+            <a:r>
+              <a:rPr lang="en-US" sz="1900" b="1" dirty="0" err="1"/>
+              <a:t>Oldpeak</a:t>
+            </a:r>
+            <a:r>
+              <a:rPr lang="en-US" sz="1900" dirty="0"/>
+              <a:t>: </a:t>
+            </a:r>
+            <a:r>
+              <a:rPr lang="en-US" sz="1900" dirty="0" err="1"/>
+              <a:t>oldpeak</a:t>
+            </a:r>
+            <a:r>
+              <a:rPr lang="en-US" sz="1900" dirty="0"/>
+              <a:t> = ST [Numeric value measured in depression]</a:t>
+            </a:r>
+          </a:p>
+          <a:p>
+            <a:pPr marL="0" indent="0">
+              <a:buNone/>
+            </a:pPr>
+            <a:r>
+              <a:rPr lang="en-US" sz="1900" b="1" dirty="0" err="1"/>
+              <a:t>ST_Slope</a:t>
+            </a:r>
+            <a:r>
+              <a:rPr lang="en-US" sz="1900" dirty="0"/>
+              <a:t>: the slope of the peak exercise ST segment [Up: upsloping, Flat: flat, Down: </a:t>
+            </a:r>
+            <a:r>
+              <a:rPr lang="en-US" sz="1900" dirty="0" err="1"/>
+              <a:t>downsloping</a:t>
+            </a:r>
+            <a:r>
+              <a:rPr lang="en-US" sz="1900" dirty="0"/>
+              <a:t>]</a:t>
+            </a:r>
+          </a:p>
+          <a:p>
+            <a:pPr marL="0" indent="0">
+              <a:buNone/>
+            </a:pPr>
+            <a:r>
+              <a:rPr lang="en-US" sz="1900" b="1" dirty="0" err="1"/>
+              <a:t>HeartDisease</a:t>
+            </a:r>
+            <a:r>
+              <a:rPr lang="en-US" sz="1900" dirty="0"/>
+              <a:t>: output class [1: heart disease, 0: Normal]</a:t>
+            </a:r>
+          </a:p>
+          <a:p>
             <a:pPr marL="457200" lvl="1" indent="0">
               <a:buNone/>
             </a:pPr>
-            <a:r>
-              <a:rPr lang="en-US" sz="2000" dirty="0">
-                <a:effectLst/>
-              </a:rPr>
-              <a:t>Words…</a:t>
-            </a:r>
+            <a:endParaRPr lang="en-US" sz="2000" dirty="0">
+              <a:effectLst/>
+            </a:endParaRPr>
           </a:p>
         </p:txBody>
       </p:sp>
@@ -5297,7 +5454,7 @@
     </p:spTree>
     <p:extLst>
       <p:ext uri="{BB962C8B-B14F-4D97-AF65-F5344CB8AC3E}">
-        <p14:creationId xmlns:p14="http://schemas.microsoft.com/office/powerpoint/2010/main" val="639892534"/>
+        <p14:creationId xmlns:p14="http://schemas.microsoft.com/office/powerpoint/2010/main" val="946419350"/>
       </p:ext>
     </p:extLst>
   </p:cSld>
@@ -5437,9 +5594,10 @@
           <a:lstStyle/>
           <a:p>
             <a:r>
-              <a:rPr lang="en-US" sz="4000" b="1" dirty="0"/>
-              <a:t>Future extensions of your work</a:t>
-            </a:r>
+              <a:rPr lang="en-US" sz="4000" b="1"/>
+              <a:t>Results and Observations</a:t>
+            </a:r>
+            <a:endParaRPr lang="en-US" sz="4000" b="1" dirty="0"/>
           </a:p>
         </p:txBody>
       </p:sp>
@@ -5461,13 +5619,13 @@
         </p:nvSpPr>
         <p:spPr>
           <a:xfrm>
-            <a:off x="1136397" y="2418409"/>
+            <a:off x="1136397" y="1890378"/>
             <a:ext cx="9688296" cy="3782694"/>
           </a:xfrm>
         </p:spPr>
         <p:txBody>
           <a:bodyPr anchor="t">
-            <a:normAutofit/>
+            <a:normAutofit fontScale="92500" lnSpcReduction="10000"/>
           </a:bodyPr>
           <a:lstStyle/>
           <a:p>
@@ -5475,11 +5633,98 @@
               <a:buNone/>
             </a:pPr>
             <a:r>
-              <a:rPr lang="en-US" sz="2000" dirty="0">
+              <a:rPr lang="en-US" sz="2000" b="1" u="sng" dirty="0">
                 <a:effectLst/>
               </a:rPr>
-              <a:t>Words…</a:t>
-            </a:r>
+              <a:t>Neural Network</a:t>
+            </a:r>
+          </a:p>
+          <a:p>
+            <a:pPr marL="0" indent="0">
+              <a:buNone/>
+            </a:pPr>
+            <a:r>
+              <a:rPr lang="en-US" sz="1600" dirty="0"/>
+              <a:t>Experiment</a:t>
+            </a:r>
+          </a:p>
+          <a:p>
+            <a:r>
+              <a:rPr lang="en-US" sz="1600" dirty="0"/>
+              <a:t>In our experiment, we chose the </a:t>
+            </a:r>
+            <a:r>
+              <a:rPr lang="en-US" sz="1600" dirty="0" err="1"/>
+              <a:t>pytorch</a:t>
+            </a:r>
+            <a:r>
+              <a:rPr lang="en-US" sz="1600" dirty="0"/>
+              <a:t> library to build a neural network for this classification task. The motivation was to use an available deep learning library that provides various </a:t>
+            </a:r>
+            <a:r>
+              <a:rPr lang="en-US" sz="1600" dirty="0" err="1"/>
+              <a:t>optmizers</a:t>
+            </a:r>
+            <a:r>
+              <a:rPr lang="en-US" sz="1600" dirty="0"/>
+              <a:t> and loss functions and an easy way to tune </a:t>
+            </a:r>
+            <a:r>
+              <a:rPr lang="en-US" sz="1600" dirty="0" err="1"/>
+              <a:t>hyperparamters</a:t>
+            </a:r>
+            <a:r>
+              <a:rPr lang="en-US" sz="1600" dirty="0"/>
+              <a:t> so we can arrive at the most accurate network. In this experiment we found that a neural network with 2 layers performed best with our data set of heart data. we ran the experiment with 8 -14 neurons in the first layer and 2 neurons in the final layer with the </a:t>
+            </a:r>
+            <a:r>
+              <a:rPr lang="en-US" sz="1600" dirty="0" err="1"/>
+              <a:t>leakyrelu</a:t>
+            </a:r>
+            <a:r>
+              <a:rPr lang="en-US" sz="1600" dirty="0"/>
+              <a:t> activation to predict the chances of heart failure.</a:t>
+            </a:r>
+          </a:p>
+          <a:p>
+            <a:endParaRPr lang="en-US" sz="1600" dirty="0"/>
+          </a:p>
+          <a:p>
+            <a:pPr marL="0" indent="0">
+              <a:buNone/>
+            </a:pPr>
+            <a:r>
+              <a:rPr lang="en-US" sz="1600" dirty="0"/>
+              <a:t>Observation</a:t>
+            </a:r>
+          </a:p>
+          <a:p>
+            <a:r>
+              <a:rPr lang="en-US" sz="1600" dirty="0"/>
+              <a:t>We were able to achieve a top accuracy of 86% over the test data with 12 neurons in the first layer and with optimizer set as </a:t>
+            </a:r>
+            <a:r>
+              <a:rPr lang="en-US" sz="1600" dirty="0" err="1"/>
+              <a:t>RMSProp</a:t>
+            </a:r>
+            <a:r>
+              <a:rPr lang="en-US" sz="1600" dirty="0"/>
+              <a:t>.</a:t>
+            </a:r>
+          </a:p>
+          <a:p>
+            <a:endParaRPr lang="en-US" sz="1600" dirty="0"/>
+          </a:p>
+          <a:p>
+            <a:pPr marL="0" indent="0">
+              <a:buNone/>
+            </a:pPr>
+            <a:br>
+              <a:rPr lang="en-US" sz="1600" dirty="0"/>
+            </a:br>
+            <a:endParaRPr lang="en-US" sz="2000" dirty="0">
+              <a:effectLst/>
+            </a:endParaRPr>
           </a:p>
         </p:txBody>
       </p:sp>
@@ -5632,7 +5877,7 @@
     </p:spTree>
     <p:extLst>
       <p:ext uri="{BB962C8B-B14F-4D97-AF65-F5344CB8AC3E}">
-        <p14:creationId xmlns:p14="http://schemas.microsoft.com/office/powerpoint/2010/main" val="1396956347"/>
+        <p14:creationId xmlns:p14="http://schemas.microsoft.com/office/powerpoint/2010/main" val="639892534"/>
       </p:ext>
     </p:extLst>
   </p:cSld>
@@ -5748,6 +5993,341 @@
           <p:cNvPr id="2" name="Title 1">
             <a:extLst>
               <a:ext uri="{FF2B5EF4-FFF2-40B4-BE49-F238E27FC236}">
+                <a16:creationId xmlns:a16="http://schemas.microsoft.com/office/drawing/2014/main" id="{5C4F02F6-349D-954F-B02F-78EBD3017252}"/>
+              </a:ext>
+            </a:extLst>
+          </p:cNvPr>
+          <p:cNvSpPr>
+            <a:spLocks noGrp="1"/>
+          </p:cNvSpPr>
+          <p:nvPr>
+            <p:ph type="title"/>
+          </p:nvPr>
+        </p:nvSpPr>
+        <p:spPr>
+          <a:xfrm>
+            <a:off x="1136397" y="502022"/>
+            <a:ext cx="9688296" cy="1388356"/>
+          </a:xfrm>
+        </p:spPr>
+        <p:txBody>
+          <a:bodyPr anchor="b">
+            <a:normAutofit/>
+          </a:bodyPr>
+          <a:lstStyle/>
+          <a:p>
+            <a:r>
+              <a:rPr lang="en-US" sz="4000" b="1" dirty="0"/>
+              <a:t>Future extensions of your work</a:t>
+            </a:r>
+          </a:p>
+        </p:txBody>
+      </p:sp>
+      <p:sp>
+        <p:nvSpPr>
+          <p:cNvPr id="3" name="Content Placeholder 2">
+            <a:extLst>
+              <a:ext uri="{FF2B5EF4-FFF2-40B4-BE49-F238E27FC236}">
+                <a16:creationId xmlns:a16="http://schemas.microsoft.com/office/drawing/2014/main" id="{3A721E59-1DC4-3845-9DB3-10F69E64143F}"/>
+              </a:ext>
+            </a:extLst>
+          </p:cNvPr>
+          <p:cNvSpPr>
+            <a:spLocks noGrp="1"/>
+          </p:cNvSpPr>
+          <p:nvPr>
+            <p:ph idx="1"/>
+          </p:nvPr>
+        </p:nvSpPr>
+        <p:spPr>
+          <a:xfrm>
+            <a:off x="1136397" y="2418409"/>
+            <a:ext cx="9688296" cy="3782694"/>
+          </a:xfrm>
+        </p:spPr>
+        <p:txBody>
+          <a:bodyPr anchor="t">
+            <a:normAutofit/>
+          </a:bodyPr>
+          <a:lstStyle/>
+          <a:p>
+            <a:pPr marL="457200" lvl="1" indent="0">
+              <a:buNone/>
+            </a:pPr>
+            <a:r>
+              <a:rPr lang="en-US" sz="2000" dirty="0">
+                <a:effectLst/>
+              </a:rPr>
+              <a:t>Words…</a:t>
+            </a:r>
+          </a:p>
+        </p:txBody>
+      </p:sp>
+      <p:sp>
+        <p:nvSpPr>
+          <p:cNvPr id="10" name="Rectangle 9">
+            <a:extLst>
+              <a:ext uri="{FF2B5EF4-FFF2-40B4-BE49-F238E27FC236}">
+                <a16:creationId xmlns:a16="http://schemas.microsoft.com/office/drawing/2014/main" id="{EEBF1590-3B36-48EE-A89D-3B6F3CB256AB}"/>
+              </a:ext>
+              <a:ext uri="{C183D7F6-B498-43B3-948B-1728B52AA6E4}">
+                <adec:decorative xmlns:adec="http://schemas.microsoft.com/office/drawing/2017/decorative" val="1"/>
+              </a:ext>
+            </a:extLst>
+          </p:cNvPr>
+          <p:cNvSpPr>
+            <a:spLocks noGrp="1" noRot="1" noChangeAspect="1" noMove="1" noResize="1" noEditPoints="1" noAdjustHandles="1" noChangeArrowheads="1" noChangeShapeType="1" noTextEdit="1"/>
+          </p:cNvSpPr>
+          <p:nvPr>
+            <p:extLst>
+              <p:ext uri="{386F3935-93C4-4BCD-93E2-E3B085C9AB24}">
+                <p16:designElem xmlns:p16="http://schemas.microsoft.com/office/powerpoint/2015/main" val="1"/>
+              </p:ext>
+            </p:extLst>
+          </p:nvPr>
+        </p:nvSpPr>
+        <p:spPr>
+          <a:xfrm rot="10800000" flipH="1">
+            <a:off x="0" y="6400799"/>
+            <a:ext cx="12192000" cy="456773"/>
+          </a:xfrm>
+          <a:prstGeom prst="rect">
+            <a:avLst/>
+          </a:prstGeom>
+          <a:gradFill>
+            <a:gsLst>
+              <a:gs pos="0">
+                <a:schemeClr val="accent1"/>
+              </a:gs>
+              <a:gs pos="78000">
+                <a:srgbClr val="000000"/>
+              </a:gs>
+            </a:gsLst>
+            <a:lin ang="2400000" scaled="0"/>
+          </a:gradFill>
+          <a:ln>
+            <a:noFill/>
+          </a:ln>
+        </p:spPr>
+        <p:style>
+          <a:lnRef idx="2">
+            <a:schemeClr val="accent1">
+              <a:shade val="50000"/>
+            </a:schemeClr>
+          </a:lnRef>
+          <a:fillRef idx="1">
+            <a:schemeClr val="accent1"/>
+          </a:fillRef>
+          <a:effectRef idx="0">
+            <a:schemeClr val="accent1"/>
+          </a:effectRef>
+          <a:fontRef idx="minor">
+            <a:schemeClr val="lt1"/>
+          </a:fontRef>
+        </p:style>
+        <p:txBody>
+          <a:bodyPr rtlCol="0" anchor="ctr"/>
+          <a:lstStyle/>
+          <a:p>
+            <a:pPr algn="ctr"/>
+            <a:endParaRPr lang="en-US"/>
+          </a:p>
+        </p:txBody>
+      </p:sp>
+      <p:sp>
+        <p:nvSpPr>
+          <p:cNvPr id="12" name="Rectangle 11">
+            <a:extLst>
+              <a:ext uri="{FF2B5EF4-FFF2-40B4-BE49-F238E27FC236}">
+                <a16:creationId xmlns:a16="http://schemas.microsoft.com/office/drawing/2014/main" id="{AC8F6C8C-AB5A-4548-942D-E3FD40ACBC49}"/>
+              </a:ext>
+              <a:ext uri="{C183D7F6-B498-43B3-948B-1728B52AA6E4}">
+                <adec:decorative xmlns:adec="http://schemas.microsoft.com/office/drawing/2017/decorative" val="1"/>
+              </a:ext>
+            </a:extLst>
+          </p:cNvPr>
+          <p:cNvSpPr>
+            <a:spLocks noGrp="1" noRot="1" noChangeAspect="1" noMove="1" noResize="1" noEditPoints="1" noAdjustHandles="1" noChangeArrowheads="1" noChangeShapeType="1" noTextEdit="1"/>
+          </p:cNvSpPr>
+          <p:nvPr>
+            <p:extLst>
+              <p:ext uri="{386F3935-93C4-4BCD-93E2-E3B085C9AB24}">
+                <p16:designElem xmlns:p16="http://schemas.microsoft.com/office/powerpoint/2015/main" val="1"/>
+              </p:ext>
+            </p:extLst>
+          </p:nvPr>
+        </p:nvSpPr>
+        <p:spPr>
+          <a:xfrm flipH="1">
+            <a:off x="4038600" y="6400799"/>
+            <a:ext cx="8153398" cy="456772"/>
+          </a:xfrm>
+          <a:prstGeom prst="rect">
+            <a:avLst/>
+          </a:prstGeom>
+          <a:gradFill>
+            <a:gsLst>
+              <a:gs pos="0">
+                <a:srgbClr val="000000">
+                  <a:alpha val="63000"/>
+                </a:srgbClr>
+              </a:gs>
+              <a:gs pos="100000">
+                <a:schemeClr val="accent1">
+                  <a:lumMod val="75000"/>
+                </a:schemeClr>
+              </a:gs>
+            </a:gsLst>
+            <a:lin ang="13800000" scaled="0"/>
+          </a:gradFill>
+          <a:ln>
+            <a:noFill/>
+          </a:ln>
+        </p:spPr>
+        <p:style>
+          <a:lnRef idx="2">
+            <a:schemeClr val="accent1">
+              <a:shade val="50000"/>
+            </a:schemeClr>
+          </a:lnRef>
+          <a:fillRef idx="1">
+            <a:schemeClr val="accent1"/>
+          </a:fillRef>
+          <a:effectRef idx="0">
+            <a:schemeClr val="accent1"/>
+          </a:effectRef>
+          <a:fontRef idx="minor">
+            <a:schemeClr val="lt1"/>
+          </a:fontRef>
+        </p:style>
+        <p:txBody>
+          <a:bodyPr rtlCol="0" anchor="ctr"/>
+          <a:lstStyle/>
+          <a:p>
+            <a:pPr algn="ctr"/>
+            <a:endParaRPr lang="en-US"/>
+          </a:p>
+        </p:txBody>
+      </p:sp>
+    </p:spTree>
+    <p:extLst>
+      <p:ext uri="{BB962C8B-B14F-4D97-AF65-F5344CB8AC3E}">
+        <p14:creationId xmlns:p14="http://schemas.microsoft.com/office/powerpoint/2010/main" val="1396956347"/>
+      </p:ext>
+    </p:extLst>
+  </p:cSld>
+  <p:clrMapOvr>
+    <a:masterClrMapping/>
+  </p:clrMapOvr>
+</p:sld>
+</file>
+
+<file path=ppt/slides/slide14.xml><?xml version="1.0" encoding="utf-8"?>
+<p:sld xmlns:a="http://schemas.openxmlformats.org/drawingml/2006/main" xmlns:r="http://schemas.openxmlformats.org/officeDocument/2006/relationships" xmlns:p="http://schemas.openxmlformats.org/presentationml/2006/main">
+  <p:cSld>
+    <p:bg>
+      <p:bgPr>
+        <a:solidFill>
+          <a:schemeClr val="bg1"/>
+        </a:solidFill>
+        <a:effectLst/>
+      </p:bgPr>
+    </p:bg>
+    <p:spTree>
+      <p:nvGrpSpPr>
+        <p:cNvPr id="1" name=""/>
+        <p:cNvGrpSpPr/>
+        <p:nvPr/>
+      </p:nvGrpSpPr>
+      <p:grpSpPr>
+        <a:xfrm>
+          <a:off x="0" y="0"/>
+          <a:ext cx="0" cy="0"/>
+          <a:chOff x="0" y="0"/>
+          <a:chExt cx="0" cy="0"/>
+        </a:xfrm>
+      </p:grpSpPr>
+      <p:sp useBgFill="1">
+        <p:nvSpPr>
+          <p:cNvPr id="8" name="Rectangle 7">
+            <a:extLst>
+              <a:ext uri="{FF2B5EF4-FFF2-40B4-BE49-F238E27FC236}">
+                <a16:creationId xmlns:a16="http://schemas.microsoft.com/office/drawing/2014/main" id="{979E27D9-03C7-44E2-9FF8-15D0C8506AF7}"/>
+              </a:ext>
+              <a:ext uri="{C183D7F6-B498-43B3-948B-1728B52AA6E4}">
+                <adec:decorative xmlns:adec="http://schemas.microsoft.com/office/drawing/2017/decorative" val="1"/>
+              </a:ext>
+            </a:extLst>
+          </p:cNvPr>
+          <p:cNvSpPr>
+            <a:spLocks noGrp="1" noRot="1" noChangeAspect="1" noMove="1" noResize="1" noEditPoints="1" noAdjustHandles="1" noChangeArrowheads="1" noChangeShapeType="1" noTextEdit="1"/>
+          </p:cNvSpPr>
+          <p:nvPr>
+            <p:extLst>
+              <p:ext uri="{386F3935-93C4-4BCD-93E2-E3B085C9AB24}">
+                <p16:designElem xmlns:p16="http://schemas.microsoft.com/office/powerpoint/2015/main" val="1"/>
+              </p:ext>
+            </p:extLst>
+          </p:nvPr>
+        </p:nvSpPr>
+        <p:spPr>
+          <a:xfrm>
+            <a:off x="0" y="0"/>
+            <a:ext cx="12192000" cy="6858000"/>
+          </a:xfrm>
+          <a:prstGeom prst="rect">
+            <a:avLst/>
+          </a:prstGeom>
+          <a:ln w="12700" cap="flat" cmpd="sng" algn="ctr">
+            <a:noFill/>
+            <a:prstDash val="solid"/>
+            <a:miter lim="800000"/>
+          </a:ln>
+          <a:effectLst/>
+          <a:extLst>
+            <a:ext uri="{91240B29-F687-4F45-9708-019B960494DF}">
+              <a14:hiddenLine xmlns:a14="http://schemas.microsoft.com/office/drawing/2010/main" w="12700" cap="flat" cmpd="sng" algn="ctr">
+                <a:solidFill>
+                  <a:schemeClr val="accent1">
+                    <a:shade val="50000"/>
+                  </a:schemeClr>
+                </a:solidFill>
+                <a:prstDash val="solid"/>
+                <a:miter lim="800000"/>
+              </a14:hiddenLine>
+            </a:ext>
+          </a:extLst>
+        </p:spPr>
+        <p:style>
+          <a:lnRef idx="2">
+            <a:schemeClr val="accent1">
+              <a:shade val="50000"/>
+            </a:schemeClr>
+          </a:lnRef>
+          <a:fillRef idx="1">
+            <a:schemeClr val="accent1"/>
+          </a:fillRef>
+          <a:effectRef idx="0">
+            <a:schemeClr val="accent1"/>
+          </a:effectRef>
+          <a:fontRef idx="minor">
+            <a:schemeClr val="lt1"/>
+          </a:fontRef>
+        </p:style>
+        <p:txBody>
+          <a:bodyPr rtlCol="0" anchor="ctr"/>
+          <a:lstStyle/>
+          <a:p>
+            <a:pPr algn="ctr"/>
+            <a:endParaRPr lang="en-US"/>
+          </a:p>
+        </p:txBody>
+      </p:sp>
+      <p:sp>
+        <p:nvSpPr>
+          <p:cNvPr id="2" name="Title 1">
+            <a:extLst>
+              <a:ext uri="{FF2B5EF4-FFF2-40B4-BE49-F238E27FC236}">
                 <a16:creationId xmlns:a16="http://schemas.microsoft.com/office/drawing/2014/main" id="{8B337B21-1E26-A847-AC61-FDA5EEFBFA48}"/>
               </a:ext>
             </a:extLst>
@@ -5983,7 +6563,7 @@
 </p:sld>
 </file>
 
-<file path=ppt/slides/slide14.xml><?xml version="1.0" encoding="utf-8"?>
+<file path=ppt/slides/slide15.xml><?xml version="1.0" encoding="utf-8"?>
 <p:sld xmlns:a="http://schemas.openxmlformats.org/drawingml/2006/main" xmlns:r="http://schemas.openxmlformats.org/officeDocument/2006/relationships" xmlns:p="http://schemas.openxmlformats.org/presentationml/2006/main">
   <p:cSld>
     <p:bg>
@@ -6665,7 +7245,7 @@
 </p:sld>
 </file>
 
-<file path=ppt/slides/slide15.xml><?xml version="1.0" encoding="utf-8"?>
+<file path=ppt/slides/slide16.xml><?xml version="1.0" encoding="utf-8"?>
 <p:sld xmlns:a="http://schemas.openxmlformats.org/drawingml/2006/main" xmlns:r="http://schemas.openxmlformats.org/officeDocument/2006/relationships" xmlns:p="http://schemas.openxmlformats.org/presentationml/2006/main">
   <p:cSld>
     <p:bg>
@@ -7214,7 +7794,7 @@
 </p:sld>
 </file>
 
-<file path=ppt/slides/slide16.xml><?xml version="1.0" encoding="utf-8"?>
+<file path=ppt/slides/slide17.xml><?xml version="1.0" encoding="utf-8"?>
 <p:sld xmlns:a="http://schemas.openxmlformats.org/drawingml/2006/main" xmlns:r="http://schemas.openxmlformats.org/officeDocument/2006/relationships" xmlns:p="http://schemas.openxmlformats.org/presentationml/2006/main">
   <p:cSld>
     <p:bg>
@@ -10624,14 +11204,6 @@
 <file path=ppt/slides/slide9.xml><?xml version="1.0" encoding="utf-8"?>
 <p:sld xmlns:a="http://schemas.openxmlformats.org/drawingml/2006/main" xmlns:r="http://schemas.openxmlformats.org/officeDocument/2006/relationships" xmlns:p="http://schemas.openxmlformats.org/presentationml/2006/main">
   <p:cSld>
-    <p:bg>
-      <p:bgPr>
-        <a:solidFill>
-          <a:schemeClr val="bg1"/>
-        </a:solidFill>
-        <a:effectLst/>
-      </p:bgPr>
-    </p:bg>
     <p:spTree>
       <p:nvGrpSpPr>
         <p:cNvPr id="1" name=""/>
@@ -10646,102 +11218,26 @@
           <a:chExt cx="0" cy="0"/>
         </a:xfrm>
       </p:grpSpPr>
-      <p:sp useBgFill="1">
-        <p:nvSpPr>
-          <p:cNvPr id="10" name="Rectangle 9">
-            <a:extLst>
-              <a:ext uri="{FF2B5EF4-FFF2-40B4-BE49-F238E27FC236}">
-                <a16:creationId xmlns:a16="http://schemas.microsoft.com/office/drawing/2014/main" id="{3346177D-ADC4-4968-B747-5CFCD390B5B9}"/>
-              </a:ext>
-              <a:ext uri="{C183D7F6-B498-43B3-948B-1728B52AA6E4}">
-                <adec:decorative xmlns:adec="http://schemas.microsoft.com/office/drawing/2017/decorative" val="1"/>
-              </a:ext>
-            </a:extLst>
-          </p:cNvPr>
-          <p:cNvSpPr>
-            <a:spLocks noGrp="1" noRot="1" noChangeAspect="1" noMove="1" noResize="1" noEditPoints="1" noAdjustHandles="1" noChangeArrowheads="1" noChangeShapeType="1" noTextEdit="1"/>
-          </p:cNvSpPr>
-          <p:nvPr>
-            <p:extLst>
-              <p:ext uri="{386F3935-93C4-4BCD-93E2-E3B085C9AB24}">
-                <p16:designElem xmlns:p16="http://schemas.microsoft.com/office/powerpoint/2015/main" val="1"/>
-              </p:ext>
-            </p:extLst>
+      <p:sp>
+        <p:nvSpPr>
+          <p:cNvPr id="2" name="Title 1">
+            <a:extLst>
+              <a:ext uri="{FF2B5EF4-FFF2-40B4-BE49-F238E27FC236}">
+                <a16:creationId xmlns:a16="http://schemas.microsoft.com/office/drawing/2014/main" id="{5C4F02F6-349D-954F-B02F-78EBD3017252}"/>
+              </a:ext>
+            </a:extLst>
+          </p:cNvPr>
+          <p:cNvSpPr>
+            <a:spLocks noGrp="1"/>
+          </p:cNvSpPr>
+          <p:nvPr>
+            <p:ph type="title"/>
           </p:nvPr>
         </p:nvSpPr>
         <p:spPr>
           <a:xfrm>
-            <a:off x="0" y="0"/>
-            <a:ext cx="12192000" cy="6858000"/>
-          </a:xfrm>
-          <a:prstGeom prst="rect">
-            <a:avLst/>
-          </a:prstGeom>
-          <a:ln w="12700" cap="flat" cmpd="sng" algn="ctr">
-            <a:noFill/>
-            <a:prstDash val="solid"/>
-            <a:miter lim="800000"/>
-          </a:ln>
-          <a:effectLst/>
-          <a:extLst>
-            <a:ext uri="{91240B29-F687-4F45-9708-019B960494DF}">
-              <a14:hiddenLine xmlns:a14="http://schemas.microsoft.com/office/drawing/2010/main" w="12700" cap="flat" cmpd="sng" algn="ctr">
-                <a:solidFill>
-                  <a:schemeClr val="accent1">
-                    <a:shade val="50000"/>
-                  </a:schemeClr>
-                </a:solidFill>
-                <a:prstDash val="solid"/>
-                <a:miter lim="800000"/>
-              </a14:hiddenLine>
-            </a:ext>
-          </a:extLst>
-        </p:spPr>
-        <p:style>
-          <a:lnRef idx="2">
-            <a:schemeClr val="accent1">
-              <a:shade val="50000"/>
-            </a:schemeClr>
-          </a:lnRef>
-          <a:fillRef idx="1">
-            <a:schemeClr val="accent1"/>
-          </a:fillRef>
-          <a:effectRef idx="0">
-            <a:schemeClr val="accent1"/>
-          </a:effectRef>
-          <a:fontRef idx="minor">
-            <a:schemeClr val="lt1"/>
-          </a:fontRef>
-        </p:style>
-        <p:txBody>
-          <a:bodyPr rtlCol="0" anchor="ctr"/>
-          <a:lstStyle/>
-          <a:p>
-            <a:pPr algn="ctr"/>
-            <a:endParaRPr lang="en-US"/>
-          </a:p>
-        </p:txBody>
-      </p:sp>
-      <p:sp>
-        <p:nvSpPr>
-          <p:cNvPr id="2" name="Title 1">
-            <a:extLst>
-              <a:ext uri="{FF2B5EF4-FFF2-40B4-BE49-F238E27FC236}">
-                <a16:creationId xmlns:a16="http://schemas.microsoft.com/office/drawing/2014/main" id="{1518A51C-AC5C-224B-83E1-BE4285E72E3E}"/>
-              </a:ext>
-            </a:extLst>
-          </p:cNvPr>
-          <p:cNvSpPr>
-            <a:spLocks noGrp="1"/>
-          </p:cNvSpPr>
-          <p:nvPr>
-            <p:ph type="title"/>
-          </p:nvPr>
-        </p:nvSpPr>
-        <p:spPr>
-          <a:xfrm>
-            <a:off x="5596501" y="489509"/>
-            <a:ext cx="5754896" cy="785562"/>
+            <a:off x="1136397" y="502022"/>
+            <a:ext cx="9688296" cy="1388356"/>
           </a:xfrm>
         </p:spPr>
         <p:txBody>
@@ -10751,74 +11247,45 @@
           <a:lstStyle/>
           <a:p>
             <a:r>
-              <a:rPr lang="en-US" sz="4000" b="1" dirty="0"/>
-              <a:t>Source of Data: </a:t>
-            </a:r>
-            <a:r>
               <a:rPr lang="en-US" sz="4000" b="1" dirty="0">
                 <a:solidFill>
-                  <a:srgbClr val="00B0F0"/>
+                  <a:srgbClr val="1D1C1D"/>
                 </a:solidFill>
               </a:rPr>
-              <a:t>Kaggle</a:t>
-            </a:r>
-          </a:p>
-        </p:txBody>
-      </p:sp>
-      <p:pic>
-        <p:nvPicPr>
-          <p:cNvPr id="5" name="Picture 4">
-            <a:extLst>
-              <a:ext uri="{FF2B5EF4-FFF2-40B4-BE49-F238E27FC236}">
-                <a16:creationId xmlns:a16="http://schemas.microsoft.com/office/drawing/2014/main" id="{5656DBCB-4246-3424-8BF4-9B7FD47CD472}"/>
-              </a:ext>
-            </a:extLst>
-          </p:cNvPr>
-          <p:cNvPicPr>
-            <a:picLocks noChangeAspect="1"/>
-          </p:cNvPicPr>
-          <p:nvPr/>
-        </p:nvPicPr>
-        <p:blipFill>
-          <a:blip r:embed="rId3"/>
-          <a:srcRect/>
-          <a:stretch/>
-        </p:blipFill>
+              <a:t>Neural Network </a:t>
+            </a:r>
+            <a:r>
+              <a:rPr lang="en-US" sz="4000" b="1" dirty="0"/>
+              <a:t>approach:</a:t>
+            </a:r>
+          </a:p>
+        </p:txBody>
+      </p:sp>
+      <p:sp>
+        <p:nvSpPr>
+          <p:cNvPr id="3" name="Content Placeholder 2">
+            <a:extLst>
+              <a:ext uri="{FF2B5EF4-FFF2-40B4-BE49-F238E27FC236}">
+                <a16:creationId xmlns:a16="http://schemas.microsoft.com/office/drawing/2014/main" id="{3A721E59-1DC4-3845-9DB3-10F69E64143F}"/>
+              </a:ext>
+            </a:extLst>
+          </p:cNvPr>
+          <p:cNvSpPr>
+            <a:spLocks noGrp="1"/>
+          </p:cNvSpPr>
+          <p:nvPr>
+            <p:ph idx="1"/>
+          </p:nvPr>
+        </p:nvSpPr>
         <p:spPr>
           <a:xfrm>
-            <a:off x="1068130" y="2332206"/>
-            <a:ext cx="3876165" cy="1761893"/>
-          </a:xfrm>
-          <a:prstGeom prst="rect">
-            <a:avLst/>
-          </a:prstGeom>
-        </p:spPr>
-      </p:pic>
-      <p:sp>
-        <p:nvSpPr>
-          <p:cNvPr id="3" name="Content Placeholder 2">
-            <a:extLst>
-              <a:ext uri="{FF2B5EF4-FFF2-40B4-BE49-F238E27FC236}">
-                <a16:creationId xmlns:a16="http://schemas.microsoft.com/office/drawing/2014/main" id="{69AB92F3-2775-4B46-A098-FE988824A88C}"/>
-              </a:ext>
-            </a:extLst>
-          </p:cNvPr>
-          <p:cNvSpPr>
-            <a:spLocks noGrp="1"/>
-          </p:cNvSpPr>
-          <p:nvPr>
-            <p:ph idx="1"/>
-          </p:nvPr>
-        </p:nvSpPr>
-        <p:spPr>
-          <a:xfrm>
-            <a:off x="5596502" y="1537855"/>
-            <a:ext cx="5930480" cy="4599709"/>
+            <a:off x="1136396" y="2418409"/>
+            <a:ext cx="9783851" cy="3782694"/>
           </a:xfrm>
         </p:spPr>
         <p:txBody>
           <a:bodyPr anchor="t">
-            <a:normAutofit fontScale="77500" lnSpcReduction="20000"/>
+            <a:normAutofit/>
           </a:bodyPr>
           <a:lstStyle/>
           <a:p>
@@ -10826,284 +11293,131 @@
               <a:buNone/>
             </a:pPr>
             <a:r>
-              <a:rPr lang="en-US" sz="2800" dirty="0"/>
-              <a:t>The </a:t>
-            </a:r>
-            <a:r>
-              <a:rPr lang="en-US" b="1" dirty="0"/>
-              <a:t>Heart Failure Prediction Dataset </a:t>
-            </a:r>
-            <a:r>
-              <a:rPr lang="en-US" sz="2800" dirty="0"/>
-              <a:t>dataset was created by combining different datasets already available independently but not combined before. In this dataset, 5 heart datasets are combined over 11 common features which makes it the largest heart disease dataset available so far for research purposes. The five datasets used for its curation are:</a:t>
+              <a:rPr lang="en-US" sz="2000" dirty="0"/>
+              <a:t>The Neural network approach can be used for classification when the labels are not linearly separable. In the context of Heart Disease prediction, we wanted to compare the performance of a neural network model vs other classification models like Logistic regression, Naïve Bayes and decision trees and find whether Neural network performs better or worse than other classification algorithms. </a:t>
             </a:r>
           </a:p>
           <a:p>
             <a:pPr marL="0" indent="0">
               <a:buNone/>
             </a:pPr>
-            <a:endParaRPr lang="en-US" sz="1000" dirty="0"/>
-          </a:p>
-          <a:p>
-            <a:pPr>
-              <a:buFont typeface="Arial" panose="020B0604020202020204" pitchFamily="34" charset="0"/>
-              <a:buChar char="•"/>
+            <a:endParaRPr lang="en-US" sz="2000" dirty="0">
+              <a:solidFill>
+                <a:srgbClr val="1D1C1D"/>
+              </a:solidFill>
+            </a:endParaRPr>
+          </a:p>
+          <a:p>
+            <a:pPr marL="0" indent="0">
+              <a:buNone/>
             </a:pPr>
             <a:r>
-              <a:rPr lang="en-US" sz="2000" i="1" dirty="0"/>
-              <a:t>Cleveland</a:t>
-            </a:r>
-            <a:r>
-              <a:rPr lang="en-US" sz="2000" dirty="0"/>
-              <a:t>: 303 observations</a:t>
-            </a:r>
-          </a:p>
-          <a:p>
-            <a:pPr>
-              <a:buFont typeface="Arial" panose="020B0604020202020204" pitchFamily="34" charset="0"/>
-              <a:buChar char="•"/>
+              <a:rPr lang="en-US" sz="2000" dirty="0">
+                <a:solidFill>
+                  <a:srgbClr val="1D1C1D"/>
+                </a:solidFill>
+              </a:rPr>
+              <a:t>A feedforward network works by first doing a forward pass on the input data through all the artificial neurons using the current weights and an activation function (like </a:t>
+            </a:r>
+            <a:r>
+              <a:rPr lang="en-US" sz="2000" dirty="0" err="1">
+                <a:solidFill>
+                  <a:srgbClr val="1D1C1D"/>
+                </a:solidFill>
+              </a:rPr>
+              <a:t>Relu</a:t>
+            </a:r>
+            <a:r>
+              <a:rPr lang="en-US" sz="2000" dirty="0">
+                <a:solidFill>
+                  <a:srgbClr val="1D1C1D"/>
+                </a:solidFill>
+              </a:rPr>
+              <a:t>, Sigmoid </a:t>
+            </a:r>
+            <a:r>
+              <a:rPr lang="en-US" sz="2000" dirty="0" err="1">
+                <a:solidFill>
+                  <a:srgbClr val="1D1C1D"/>
+                </a:solidFill>
+              </a:rPr>
+              <a:t>etc</a:t>
+            </a:r>
+            <a:r>
+              <a:rPr lang="en-US" sz="2000" dirty="0">
+                <a:solidFill>
+                  <a:srgbClr val="1D1C1D"/>
+                </a:solidFill>
+              </a:rPr>
+              <a:t>)</a:t>
+            </a:r>
+          </a:p>
+          <a:p>
+            <a:pPr marL="0" indent="0">
+              <a:buNone/>
             </a:pPr>
             <a:r>
-              <a:rPr lang="en-US" sz="2000" i="1" dirty="0"/>
-              <a:t>Hungarian</a:t>
-            </a:r>
-            <a:r>
-              <a:rPr lang="en-US" sz="2000" dirty="0"/>
-              <a:t>: 294 observations</a:t>
-            </a:r>
-          </a:p>
-          <a:p>
-            <a:pPr>
-              <a:buFont typeface="Arial" panose="020B0604020202020204" pitchFamily="34" charset="0"/>
-              <a:buChar char="•"/>
+              <a:rPr lang="en-US" sz="2000" dirty="0">
+                <a:solidFill>
+                  <a:srgbClr val="1D1C1D"/>
+                </a:solidFill>
+              </a:rPr>
+              <a:t>Then the network minimizes the cost by adjusting the weights using back propagation on all the layers to learn the model</a:t>
+            </a:r>
+            <a:endParaRPr lang="en-US" sz="1200" dirty="0">
+              <a:solidFill>
+                <a:srgbClr val="1D1C1D"/>
+              </a:solidFill>
+            </a:endParaRPr>
+          </a:p>
+          <a:p>
+            <a:pPr marL="0" indent="0">
+              <a:buNone/>
             </a:pPr>
-            <a:r>
-              <a:rPr lang="en-US" sz="2000" i="1" dirty="0"/>
-              <a:t>Switzerland</a:t>
-            </a:r>
-            <a:r>
-              <a:rPr lang="en-US" sz="2000" dirty="0"/>
-              <a:t>: 123 observations</a:t>
-            </a:r>
-          </a:p>
-          <a:p>
-            <a:pPr>
-              <a:buFont typeface="Arial" panose="020B0604020202020204" pitchFamily="34" charset="0"/>
-              <a:buChar char="•"/>
+            <a:endParaRPr lang="en-US" sz="1200" dirty="0">
+              <a:solidFill>
+                <a:srgbClr val="1D1C1D"/>
+              </a:solidFill>
+              <a:effectLst/>
+            </a:endParaRPr>
+          </a:p>
+          <a:p>
+            <a:pPr marL="0" indent="0">
+              <a:buNone/>
             </a:pPr>
-            <a:r>
-              <a:rPr lang="en-US" sz="2000" i="1" dirty="0"/>
-              <a:t>Long Beach VA</a:t>
-            </a:r>
-            <a:r>
-              <a:rPr lang="en-US" sz="2000" dirty="0"/>
-              <a:t>: 200 observations</a:t>
-            </a:r>
-          </a:p>
-          <a:p>
-            <a:pPr>
-              <a:buFont typeface="Arial" panose="020B0604020202020204" pitchFamily="34" charset="0"/>
-              <a:buChar char="•"/>
+            <a:endParaRPr lang="en-US" sz="2000" dirty="0">
+              <a:solidFill>
+                <a:srgbClr val="1D1C1D"/>
+              </a:solidFill>
+            </a:endParaRPr>
+          </a:p>
+          <a:p>
+            <a:pPr marL="0" indent="0">
+              <a:buNone/>
             </a:pPr>
-            <a:r>
-              <a:rPr lang="en-US" sz="2000" i="1" dirty="0" err="1"/>
-              <a:t>Stalog</a:t>
-            </a:r>
-            <a:r>
-              <a:rPr lang="en-US" sz="2000" i="1" dirty="0"/>
-              <a:t> (Heart) Data Set</a:t>
-            </a:r>
-            <a:r>
-              <a:rPr lang="en-US" sz="2000" dirty="0"/>
-              <a:t>: 270 observations</a:t>
-            </a:r>
+            <a:endParaRPr lang="en-US" sz="2000" dirty="0">
+              <a:solidFill>
+                <a:srgbClr val="1D1C1D"/>
+              </a:solidFill>
+            </a:endParaRPr>
           </a:p>
           <a:p>
             <a:pPr marL="0" indent="0">
               <a:buNone/>
             </a:pPr>
-            <a:endParaRPr lang="en-US" sz="1000" dirty="0"/>
-          </a:p>
-          <a:p>
-            <a:pPr marL="0" indent="0">
-              <a:buNone/>
-            </a:pPr>
-            <a:r>
-              <a:rPr lang="en-US" sz="1200" dirty="0"/>
-              <a:t>Every dataset used can be found under the Index of heart disease datasets from UCI Machine Learning Repository on the following link: </a:t>
-            </a:r>
-            <a:r>
-              <a:rPr lang="en-US" sz="1200" dirty="0">
-                <a:hlinkClick r:id="rId4"/>
-              </a:rPr>
-              <a:t>https://archive.ics.uci.edu/ml/machine-learning-databases/heart-disease/</a:t>
-            </a:r>
-            <a:endParaRPr lang="en-US" sz="1200" dirty="0"/>
-          </a:p>
-          <a:p>
-            <a:pPr marL="0" indent="0">
-              <a:buNone/>
-            </a:pPr>
-            <a:r>
-              <a:rPr lang="en-US" sz="1200" dirty="0">
-                <a:hlinkClick r:id="rId5"/>
-              </a:rPr>
-              <a:t>https://www.kaggle.com/datasets/fedesoriano/heart-failure-prediction</a:t>
-            </a:r>
-            <a:endParaRPr lang="en-US" sz="1200" dirty="0"/>
-          </a:p>
-        </p:txBody>
-      </p:sp>
-      <p:sp>
-        <p:nvSpPr>
-          <p:cNvPr id="12" name="Rectangle 11">
-            <a:extLst>
-              <a:ext uri="{FF2B5EF4-FFF2-40B4-BE49-F238E27FC236}">
-                <a16:creationId xmlns:a16="http://schemas.microsoft.com/office/drawing/2014/main" id="{0844A943-BF79-4FEA-ABB1-3BD54D236606}"/>
-              </a:ext>
-              <a:ext uri="{C183D7F6-B498-43B3-948B-1728B52AA6E4}">
-                <adec:decorative xmlns:adec="http://schemas.microsoft.com/office/drawing/2017/decorative" val="1"/>
-              </a:ext>
-            </a:extLst>
-          </p:cNvPr>
-          <p:cNvSpPr>
-            <a:spLocks noGrp="1" noRot="1" noChangeAspect="1" noMove="1" noResize="1" noEditPoints="1" noAdjustHandles="1" noChangeArrowheads="1" noChangeShapeType="1" noTextEdit="1"/>
-          </p:cNvSpPr>
-          <p:nvPr>
-            <p:extLst>
-              <p:ext uri="{386F3935-93C4-4BCD-93E2-E3B085C9AB24}">
-                <p16:designElem xmlns:p16="http://schemas.microsoft.com/office/powerpoint/2015/main" val="1"/>
-              </p:ext>
-            </p:extLst>
-          </p:nvPr>
-        </p:nvSpPr>
-        <p:spPr>
-          <a:xfrm rot="10800000" flipH="1">
-            <a:off x="0" y="6400799"/>
-            <a:ext cx="12192000" cy="456773"/>
-          </a:xfrm>
-          <a:prstGeom prst="rect">
-            <a:avLst/>
-          </a:prstGeom>
-          <a:gradFill>
-            <a:gsLst>
-              <a:gs pos="0">
-                <a:schemeClr val="accent1"/>
-              </a:gs>
-              <a:gs pos="90000">
-                <a:srgbClr val="000000"/>
-              </a:gs>
-            </a:gsLst>
-            <a:lin ang="2400000" scaled="0"/>
-          </a:gradFill>
-          <a:ln>
-            <a:noFill/>
-          </a:ln>
-        </p:spPr>
-        <p:style>
-          <a:lnRef idx="2">
-            <a:schemeClr val="accent1">
-              <a:shade val="50000"/>
-            </a:schemeClr>
-          </a:lnRef>
-          <a:fillRef idx="1">
-            <a:schemeClr val="accent1"/>
-          </a:fillRef>
-          <a:effectRef idx="0">
-            <a:schemeClr val="accent1"/>
-          </a:effectRef>
-          <a:fontRef idx="minor">
-            <a:schemeClr val="lt1"/>
-          </a:fontRef>
-        </p:style>
-        <p:txBody>
-          <a:bodyPr rtlCol="0" anchor="ctr"/>
-          <a:lstStyle/>
-          <a:p>
-            <a:pPr algn="ctr"/>
-            <a:endParaRPr lang="en-US"/>
-          </a:p>
-        </p:txBody>
-      </p:sp>
-      <p:sp>
-        <p:nvSpPr>
-          <p:cNvPr id="14" name="Rectangle 13">
-            <a:extLst>
-              <a:ext uri="{FF2B5EF4-FFF2-40B4-BE49-F238E27FC236}">
-                <a16:creationId xmlns:a16="http://schemas.microsoft.com/office/drawing/2014/main" id="{6437CC72-F4A8-4DC3-AFAB-D22C482C8100}"/>
-              </a:ext>
-              <a:ext uri="{C183D7F6-B498-43B3-948B-1728B52AA6E4}">
-                <adec:decorative xmlns:adec="http://schemas.microsoft.com/office/drawing/2017/decorative" val="1"/>
-              </a:ext>
-            </a:extLst>
-          </p:cNvPr>
-          <p:cNvSpPr>
-            <a:spLocks noGrp="1" noRot="1" noChangeAspect="1" noMove="1" noResize="1" noEditPoints="1" noAdjustHandles="1" noChangeArrowheads="1" noChangeShapeType="1" noTextEdit="1"/>
-          </p:cNvSpPr>
-          <p:nvPr>
-            <p:extLst>
-              <p:ext uri="{386F3935-93C4-4BCD-93E2-E3B085C9AB24}">
-                <p16:designElem xmlns:p16="http://schemas.microsoft.com/office/powerpoint/2015/main" val="1"/>
-              </p:ext>
-            </p:extLst>
-          </p:nvPr>
-        </p:nvSpPr>
-        <p:spPr>
-          <a:xfrm flipH="1">
-            <a:off x="4038600" y="6400799"/>
-            <a:ext cx="8153398" cy="456772"/>
-          </a:xfrm>
-          <a:prstGeom prst="rect">
-            <a:avLst/>
-          </a:prstGeom>
-          <a:gradFill>
-            <a:gsLst>
-              <a:gs pos="0">
-                <a:srgbClr val="000000">
-                  <a:alpha val="50000"/>
-                </a:srgbClr>
-              </a:gs>
-              <a:gs pos="100000">
-                <a:schemeClr val="accent1">
-                  <a:lumMod val="75000"/>
-                </a:schemeClr>
-              </a:gs>
-            </a:gsLst>
-            <a:lin ang="13800000" scaled="0"/>
-          </a:gradFill>
-          <a:ln>
-            <a:noFill/>
-          </a:ln>
-        </p:spPr>
-        <p:style>
-          <a:lnRef idx="2">
-            <a:schemeClr val="accent1">
-              <a:shade val="50000"/>
-            </a:schemeClr>
-          </a:lnRef>
-          <a:fillRef idx="1">
-            <a:schemeClr val="accent1"/>
-          </a:fillRef>
-          <a:effectRef idx="0">
-            <a:schemeClr val="accent1"/>
-          </a:effectRef>
-          <a:fontRef idx="minor">
-            <a:schemeClr val="lt1"/>
-          </a:fontRef>
-        </p:style>
-        <p:txBody>
-          <a:bodyPr rtlCol="0" anchor="ctr"/>
-          <a:lstStyle/>
-          <a:p>
-            <a:pPr algn="ctr"/>
-            <a:endParaRPr lang="en-US"/>
+            <a:endParaRPr lang="en-US" sz="2000" dirty="0">
+              <a:solidFill>
+                <a:srgbClr val="1D1C1D"/>
+              </a:solidFill>
+              <a:effectLst/>
+            </a:endParaRPr>
           </a:p>
         </p:txBody>
       </p:sp>
     </p:spTree>
     <p:extLst>
       <p:ext uri="{BB962C8B-B14F-4D97-AF65-F5344CB8AC3E}">
-        <p14:creationId xmlns:p14="http://schemas.microsoft.com/office/powerpoint/2010/main" val="3001573324"/>
+        <p14:creationId xmlns:p14="http://schemas.microsoft.com/office/powerpoint/2010/main" val="2642082695"/>
       </p:ext>
     </p:extLst>
   </p:cSld>

--- a/presentation slides/CS613-FinalProject-Presentation.pptx
+++ b/presentation slides/CS613-FinalProject-Presentation.pptx
@@ -5651,39 +5651,7 @@
           <a:p>
             <a:r>
               <a:rPr lang="en-US" sz="1600" dirty="0"/>
-              <a:t>In our experiment, we chose the </a:t>
-            </a:r>
-            <a:r>
-              <a:rPr lang="en-US" sz="1600" dirty="0" err="1"/>
-              <a:t>pytorch</a:t>
-            </a:r>
-            <a:r>
-              <a:rPr lang="en-US" sz="1600" dirty="0"/>
-              <a:t> library to build a neural network for this classification task. The motivation was to use an available deep learning library that provides various </a:t>
-            </a:r>
-            <a:r>
-              <a:rPr lang="en-US" sz="1600" dirty="0" err="1"/>
-              <a:t>optmizers</a:t>
-            </a:r>
-            <a:r>
-              <a:rPr lang="en-US" sz="1600" dirty="0"/>
-              <a:t> and loss functions and an easy way to tune </a:t>
-            </a:r>
-            <a:r>
-              <a:rPr lang="en-US" sz="1600" dirty="0" err="1"/>
-              <a:t>hyperparamters</a:t>
-            </a:r>
-            <a:r>
-              <a:rPr lang="en-US" sz="1600" dirty="0"/>
-              <a:t> so we can arrive at the most accurate network. In this experiment we found that a neural network with 2 layers performed best with our data set of heart data. we ran the experiment with 8 -14 neurons in the first layer and 2 neurons in the final layer with the </a:t>
-            </a:r>
-            <a:r>
-              <a:rPr lang="en-US" sz="1600" dirty="0" err="1"/>
-              <a:t>leakyrelu</a:t>
-            </a:r>
-            <a:r>
-              <a:rPr lang="en-US" sz="1600" dirty="0"/>
-              <a:t> activation to predict the chances of heart failure.</a:t>
+              <a:t>In our experiment, we chose the PyTorch library to build a neural network for this classification task. The motivation was to use an available deep learning library that provides various optimizers and loss functions and an easy way to tune hyperparameters so we can arrive at the most accurate network. In this experiment we found that a neural network with 2 layers performed best with our data set of heart data. we ran the experiment with 8 -14 neurons in the first layer and 2 neurons in the final layer with the LeakyReLU activation to predict the chances of heart failure.</a:t>
             </a:r>
           </a:p>
           <a:p>
@@ -5701,15 +5669,7 @@
           <a:p>
             <a:r>
               <a:rPr lang="en-US" sz="1600" dirty="0"/>
-              <a:t>We were able to achieve a top accuracy of 86% over the test data with 12 neurons in the first layer and with optimizer set as </a:t>
-            </a:r>
-            <a:r>
-              <a:rPr lang="en-US" sz="1600" dirty="0" err="1"/>
-              <a:t>RMSProp</a:t>
-            </a:r>
-            <a:r>
-              <a:rPr lang="en-US" sz="1600" dirty="0"/>
-              <a:t>.</a:t>
+              <a:t>We were able to achieve a top accuracy of 86% over the test data with 12 neurons in the first layer and with optimizer set as RMSProp.</a:t>
             </a:r>
           </a:p>
           <a:p>

--- a/presentation slides/CS613-FinalProject-Presentation.pptx
+++ b/presentation slides/CS613-FinalProject-Presentation.pptx
@@ -5,7 +5,7 @@
     <p:sldMasterId id="2147483648" r:id="rId1"/>
   </p:sldMasterIdLst>
   <p:notesMasterIdLst>
-    <p:notesMasterId r:id="rId19"/>
+    <p:notesMasterId r:id="rId21"/>
   </p:notesMasterIdLst>
   <p:sldIdLst>
     <p:sldId id="256" r:id="rId2"/>
@@ -19,12 +19,14 @@
     <p:sldId id="288" r:id="rId10"/>
     <p:sldId id="268" r:id="rId11"/>
     <p:sldId id="278" r:id="rId12"/>
-    <p:sldId id="279" r:id="rId13"/>
-    <p:sldId id="280" r:id="rId14"/>
-    <p:sldId id="262" r:id="rId15"/>
-    <p:sldId id="265" r:id="rId16"/>
-    <p:sldId id="270" r:id="rId17"/>
-    <p:sldId id="271" r:id="rId18"/>
+    <p:sldId id="289" r:id="rId13"/>
+    <p:sldId id="290" r:id="rId14"/>
+    <p:sldId id="279" r:id="rId15"/>
+    <p:sldId id="280" r:id="rId16"/>
+    <p:sldId id="262" r:id="rId17"/>
+    <p:sldId id="265" r:id="rId18"/>
+    <p:sldId id="270" r:id="rId19"/>
+    <p:sldId id="271" r:id="rId20"/>
   </p:sldIdLst>
   <p:sldSz cx="12192000" cy="6858000"/>
   <p:notesSz cx="6858000" cy="9144000"/>
@@ -5594,10 +5596,9 @@
           <a:lstStyle/>
           <a:p>
             <a:r>
-              <a:rPr lang="en-US" sz="4000" b="1"/>
-              <a:t>Results and Observations</a:t>
-            </a:r>
-            <a:endParaRPr lang="en-US" sz="4000" b="1" dirty="0"/>
+              <a:rPr lang="en-US" sz="4000" b="1" dirty="0"/>
+              <a:t>Exploratory Data Analysis</a:t>
+            </a:r>
           </a:p>
         </p:txBody>
       </p:sp>
@@ -5619,69 +5620,45 @@
         </p:nvSpPr>
         <p:spPr>
           <a:xfrm>
-            <a:off x="1136397" y="1890378"/>
-            <a:ext cx="9688296" cy="3782694"/>
+            <a:off x="1136397" y="2270234"/>
+            <a:ext cx="9688296" cy="3773213"/>
           </a:xfrm>
         </p:spPr>
         <p:txBody>
           <a:bodyPr anchor="t">
-            <a:normAutofit fontScale="92500" lnSpcReduction="10000"/>
+            <a:normAutofit/>
           </a:bodyPr>
           <a:lstStyle/>
           <a:p>
-            <a:pPr marL="457200" lvl="1" indent="0">
+            <a:pPr marL="0" indent="0">
               <a:buNone/>
             </a:pPr>
             <a:r>
-              <a:rPr lang="en-US" sz="2000" b="1" u="sng" dirty="0">
+              <a:rPr lang="en-US" sz="2400" dirty="0"/>
+              <a:t>Before training our models, we need to observe and analyze the data to see what we are going to work with. The goal here is to learn more about the data and become a topic export on the dataset you are working with.</a:t>
+            </a:r>
+          </a:p>
+          <a:p>
+            <a:pPr marL="0" indent="0">
+              <a:buNone/>
+            </a:pPr>
+            <a:endParaRPr lang="en-US" sz="2400" dirty="0"/>
+          </a:p>
+          <a:p>
+            <a:pPr marL="0" indent="0">
+              <a:buNone/>
+            </a:pPr>
+            <a:r>
+              <a:rPr lang="en-US" sz="2400" b="0" dirty="0">
                 <a:effectLst/>
               </a:rPr>
-              <a:t>Neural Network</a:t>
-            </a:r>
-          </a:p>
-          <a:p>
-            <a:pPr marL="0" indent="0">
+              <a:t>This data set includes a patient's medical data(resting heart rate, cholesterol levels, blood pressure, blood sugar levels, etc.). Our Goal in this section is to determine factors that contribute to heart failure and find correlation of various factors.</a:t>
+            </a:r>
+          </a:p>
+          <a:p>
+            <a:pPr marL="457200" lvl="1" indent="0">
               <a:buNone/>
             </a:pPr>
-            <a:r>
-              <a:rPr lang="en-US" sz="1600" dirty="0"/>
-              <a:t>Experiment</a:t>
-            </a:r>
-          </a:p>
-          <a:p>
-            <a:r>
-              <a:rPr lang="en-US" sz="1600" dirty="0"/>
-              <a:t>In our experiment, we chose the PyTorch library to build a neural network for this classification task. The motivation was to use an available deep learning library that provides various optimizers and loss functions and an easy way to tune hyperparameters so we can arrive at the most accurate network. In this experiment we found that a neural network with 2 layers performed best with our data set of heart data. we ran the experiment with 8 -14 neurons in the first layer and 2 neurons in the final layer with the LeakyReLU activation to predict the chances of heart failure.</a:t>
-            </a:r>
-          </a:p>
-          <a:p>
-            <a:endParaRPr lang="en-US" sz="1600" dirty="0"/>
-          </a:p>
-          <a:p>
-            <a:pPr marL="0" indent="0">
-              <a:buNone/>
-            </a:pPr>
-            <a:r>
-              <a:rPr lang="en-US" sz="1600" dirty="0"/>
-              <a:t>Observation</a:t>
-            </a:r>
-          </a:p>
-          <a:p>
-            <a:r>
-              <a:rPr lang="en-US" sz="1600" dirty="0"/>
-              <a:t>We were able to achieve a top accuracy of 86% over the test data with 12 neurons in the first layer and with optimizer set as RMSProp.</a:t>
-            </a:r>
-          </a:p>
-          <a:p>
-            <a:endParaRPr lang="en-US" sz="1600" dirty="0"/>
-          </a:p>
-          <a:p>
-            <a:pPr marL="0" indent="0">
-              <a:buNone/>
-            </a:pPr>
-            <a:br>
-              <a:rPr lang="en-US" sz="1600" dirty="0"/>
-            </a:br>
             <a:endParaRPr lang="en-US" sz="2000" dirty="0">
               <a:effectLst/>
             </a:endParaRPr>
@@ -5837,7 +5814,7 @@
     </p:spTree>
     <p:extLst>
       <p:ext uri="{BB962C8B-B14F-4D97-AF65-F5344CB8AC3E}">
-        <p14:creationId xmlns:p14="http://schemas.microsoft.com/office/powerpoint/2010/main" val="639892534"/>
+        <p14:creationId xmlns:p14="http://schemas.microsoft.com/office/powerpoint/2010/main" val="3263931852"/>
       </p:ext>
     </p:extLst>
   </p:cSld>
@@ -5978,7 +5955,7 @@
           <a:p>
             <a:r>
               <a:rPr lang="en-US" sz="4000" b="1" dirty="0"/>
-              <a:t>Future extensions of your work</a:t>
+              <a:t>Exploratory Data Analysis</a:t>
             </a:r>
           </a:p>
         </p:txBody>
@@ -6001,8 +5978,8 @@
         </p:nvSpPr>
         <p:spPr>
           <a:xfrm>
-            <a:off x="1136397" y="2418409"/>
-            <a:ext cx="9688296" cy="3782694"/>
+            <a:off x="1136397" y="2270235"/>
+            <a:ext cx="4797679" cy="957874"/>
           </a:xfrm>
         </p:spPr>
         <p:txBody>
@@ -6011,14 +5988,12 @@
           </a:bodyPr>
           <a:lstStyle/>
           <a:p>
-            <a:pPr marL="457200" lvl="1" indent="0">
+            <a:pPr marL="0" indent="0">
               <a:buNone/>
             </a:pPr>
             <a:r>
-              <a:rPr lang="en-US" sz="2000" dirty="0">
-                <a:effectLst/>
-              </a:rPr>
-              <a:t>Words…</a:t>
+              <a:rPr lang="en-US" sz="2000" dirty="0"/>
+              <a:t>We have 508 people with heart disease and 410 people without heart disease, so our problem is balanced.</a:t>
             </a:r>
           </a:p>
         </p:txBody>
@@ -6169,10 +6144,273 @@
           </a:p>
         </p:txBody>
       </p:sp>
+      <p:sp>
+        <p:nvSpPr>
+          <p:cNvPr id="9" name="Content Placeholder 2">
+            <a:extLst>
+              <a:ext uri="{FF2B5EF4-FFF2-40B4-BE49-F238E27FC236}">
+                <a16:creationId xmlns:a16="http://schemas.microsoft.com/office/drawing/2014/main" id="{0DA9B480-B2BF-22DE-12B6-4E7977EC9E50}"/>
+              </a:ext>
+            </a:extLst>
+          </p:cNvPr>
+          <p:cNvSpPr txBox="1">
+            <a:spLocks/>
+          </p:cNvSpPr>
+          <p:nvPr/>
+        </p:nvSpPr>
+        <p:spPr>
+          <a:xfrm>
+            <a:off x="6523575" y="2270235"/>
+            <a:ext cx="4797679" cy="769311"/>
+          </a:xfrm>
+          <a:prstGeom prst="rect">
+            <a:avLst/>
+          </a:prstGeom>
+        </p:spPr>
+        <p:txBody>
+          <a:bodyPr vert="horz" lIns="91440" tIns="45720" rIns="91440" bIns="45720" rtlCol="0" anchor="t">
+            <a:normAutofit/>
+          </a:bodyPr>
+          <a:lstStyle>
+            <a:lvl1pPr marL="228600" indent="-228600" algn="l" defTabSz="914400" rtl="0" eaLnBrk="1" latinLnBrk="0" hangingPunct="1">
+              <a:lnSpc>
+                <a:spcPct val="90000"/>
+              </a:lnSpc>
+              <a:spcBef>
+                <a:spcPts val="1000"/>
+              </a:spcBef>
+              <a:buFont typeface="Arial" panose="020B0604020202020204" pitchFamily="34" charset="0"/>
+              <a:buChar char="•"/>
+              <a:defRPr sz="2800" kern="1200">
+                <a:solidFill>
+                  <a:schemeClr val="tx1"/>
+                </a:solidFill>
+                <a:latin typeface="+mn-lt"/>
+                <a:ea typeface="+mn-ea"/>
+                <a:cs typeface="+mn-cs"/>
+              </a:defRPr>
+            </a:lvl1pPr>
+            <a:lvl2pPr marL="685800" indent="-228600" algn="l" defTabSz="914400" rtl="0" eaLnBrk="1" latinLnBrk="0" hangingPunct="1">
+              <a:lnSpc>
+                <a:spcPct val="90000"/>
+              </a:lnSpc>
+              <a:spcBef>
+                <a:spcPts val="500"/>
+              </a:spcBef>
+              <a:buFont typeface="Arial" panose="020B0604020202020204" pitchFamily="34" charset="0"/>
+              <a:buChar char="•"/>
+              <a:defRPr sz="2400" kern="1200">
+                <a:solidFill>
+                  <a:schemeClr val="tx1"/>
+                </a:solidFill>
+                <a:latin typeface="+mn-lt"/>
+                <a:ea typeface="+mn-ea"/>
+                <a:cs typeface="+mn-cs"/>
+              </a:defRPr>
+            </a:lvl2pPr>
+            <a:lvl3pPr marL="1143000" indent="-228600" algn="l" defTabSz="914400" rtl="0" eaLnBrk="1" latinLnBrk="0" hangingPunct="1">
+              <a:lnSpc>
+                <a:spcPct val="90000"/>
+              </a:lnSpc>
+              <a:spcBef>
+                <a:spcPts val="500"/>
+              </a:spcBef>
+              <a:buFont typeface="Arial" panose="020B0604020202020204" pitchFamily="34" charset="0"/>
+              <a:buChar char="•"/>
+              <a:defRPr sz="2000" kern="1200">
+                <a:solidFill>
+                  <a:schemeClr val="tx1"/>
+                </a:solidFill>
+                <a:latin typeface="+mn-lt"/>
+                <a:ea typeface="+mn-ea"/>
+                <a:cs typeface="+mn-cs"/>
+              </a:defRPr>
+            </a:lvl3pPr>
+            <a:lvl4pPr marL="1600200" indent="-228600" algn="l" defTabSz="914400" rtl="0" eaLnBrk="1" latinLnBrk="0" hangingPunct="1">
+              <a:lnSpc>
+                <a:spcPct val="90000"/>
+              </a:lnSpc>
+              <a:spcBef>
+                <a:spcPts val="500"/>
+              </a:spcBef>
+              <a:buFont typeface="Arial" panose="020B0604020202020204" pitchFamily="34" charset="0"/>
+              <a:buChar char="•"/>
+              <a:defRPr sz="1800" kern="1200">
+                <a:solidFill>
+                  <a:schemeClr val="tx1"/>
+                </a:solidFill>
+                <a:latin typeface="+mn-lt"/>
+                <a:ea typeface="+mn-ea"/>
+                <a:cs typeface="+mn-cs"/>
+              </a:defRPr>
+            </a:lvl4pPr>
+            <a:lvl5pPr marL="2057400" indent="-228600" algn="l" defTabSz="914400" rtl="0" eaLnBrk="1" latinLnBrk="0" hangingPunct="1">
+              <a:lnSpc>
+                <a:spcPct val="90000"/>
+              </a:lnSpc>
+              <a:spcBef>
+                <a:spcPts val="500"/>
+              </a:spcBef>
+              <a:buFont typeface="Arial" panose="020B0604020202020204" pitchFamily="34" charset="0"/>
+              <a:buChar char="•"/>
+              <a:defRPr sz="1800" kern="1200">
+                <a:solidFill>
+                  <a:schemeClr val="tx1"/>
+                </a:solidFill>
+                <a:latin typeface="+mn-lt"/>
+                <a:ea typeface="+mn-ea"/>
+                <a:cs typeface="+mn-cs"/>
+              </a:defRPr>
+            </a:lvl5pPr>
+            <a:lvl6pPr marL="2514600" indent="-228600" algn="l" defTabSz="914400" rtl="0" eaLnBrk="1" latinLnBrk="0" hangingPunct="1">
+              <a:lnSpc>
+                <a:spcPct val="90000"/>
+              </a:lnSpc>
+              <a:spcBef>
+                <a:spcPts val="500"/>
+              </a:spcBef>
+              <a:buFont typeface="Arial" panose="020B0604020202020204" pitchFamily="34" charset="0"/>
+              <a:buChar char="•"/>
+              <a:defRPr sz="1800" kern="1200">
+                <a:solidFill>
+                  <a:schemeClr val="tx1"/>
+                </a:solidFill>
+                <a:latin typeface="+mn-lt"/>
+                <a:ea typeface="+mn-ea"/>
+                <a:cs typeface="+mn-cs"/>
+              </a:defRPr>
+            </a:lvl6pPr>
+            <a:lvl7pPr marL="2971800" indent="-228600" algn="l" defTabSz="914400" rtl="0" eaLnBrk="1" latinLnBrk="0" hangingPunct="1">
+              <a:lnSpc>
+                <a:spcPct val="90000"/>
+              </a:lnSpc>
+              <a:spcBef>
+                <a:spcPts val="500"/>
+              </a:spcBef>
+              <a:buFont typeface="Arial" panose="020B0604020202020204" pitchFamily="34" charset="0"/>
+              <a:buChar char="•"/>
+              <a:defRPr sz="1800" kern="1200">
+                <a:solidFill>
+                  <a:schemeClr val="tx1"/>
+                </a:solidFill>
+                <a:latin typeface="+mn-lt"/>
+                <a:ea typeface="+mn-ea"/>
+                <a:cs typeface="+mn-cs"/>
+              </a:defRPr>
+            </a:lvl7pPr>
+            <a:lvl8pPr marL="3429000" indent="-228600" algn="l" defTabSz="914400" rtl="0" eaLnBrk="1" latinLnBrk="0" hangingPunct="1">
+              <a:lnSpc>
+                <a:spcPct val="90000"/>
+              </a:lnSpc>
+              <a:spcBef>
+                <a:spcPts val="500"/>
+              </a:spcBef>
+              <a:buFont typeface="Arial" panose="020B0604020202020204" pitchFamily="34" charset="0"/>
+              <a:buChar char="•"/>
+              <a:defRPr sz="1800" kern="1200">
+                <a:solidFill>
+                  <a:schemeClr val="tx1"/>
+                </a:solidFill>
+                <a:latin typeface="+mn-lt"/>
+                <a:ea typeface="+mn-ea"/>
+                <a:cs typeface="+mn-cs"/>
+              </a:defRPr>
+            </a:lvl8pPr>
+            <a:lvl9pPr marL="3886200" indent="-228600" algn="l" defTabSz="914400" rtl="0" eaLnBrk="1" latinLnBrk="0" hangingPunct="1">
+              <a:lnSpc>
+                <a:spcPct val="90000"/>
+              </a:lnSpc>
+              <a:spcBef>
+                <a:spcPts val="500"/>
+              </a:spcBef>
+              <a:buFont typeface="Arial" panose="020B0604020202020204" pitchFamily="34" charset="0"/>
+              <a:buChar char="•"/>
+              <a:defRPr sz="1800" kern="1200">
+                <a:solidFill>
+                  <a:schemeClr val="tx1"/>
+                </a:solidFill>
+                <a:latin typeface="+mn-lt"/>
+                <a:ea typeface="+mn-ea"/>
+                <a:cs typeface="+mn-cs"/>
+              </a:defRPr>
+            </a:lvl9pPr>
+          </a:lstStyle>
+          <a:p>
+            <a:pPr marL="0" indent="0">
+              <a:buFont typeface="Arial" panose="020B0604020202020204" pitchFamily="34" charset="0"/>
+              <a:buNone/>
+            </a:pPr>
+            <a:r>
+              <a:rPr lang="en-US" sz="2000" dirty="0"/>
+              <a:t>This dataset looks perfect to use as we don’t have null values.</a:t>
+            </a:r>
+          </a:p>
+        </p:txBody>
+      </p:sp>
+      <p:pic>
+        <p:nvPicPr>
+          <p:cNvPr id="14" name="Picture 13" descr="A picture containing text, screenshot, rectangle, display&#10;&#10;Description automatically generated">
+            <a:extLst>
+              <a:ext uri="{FF2B5EF4-FFF2-40B4-BE49-F238E27FC236}">
+                <a16:creationId xmlns:a16="http://schemas.microsoft.com/office/drawing/2014/main" id="{0DAFAE32-CF5A-256E-524E-FA417459D0C2}"/>
+              </a:ext>
+            </a:extLst>
+          </p:cNvPr>
+          <p:cNvPicPr>
+            <a:picLocks noChangeAspect="1"/>
+          </p:cNvPicPr>
+          <p:nvPr/>
+        </p:nvPicPr>
+        <p:blipFill>
+          <a:blip r:embed="rId2"/>
+          <a:stretch>
+            <a:fillRect/>
+          </a:stretch>
+        </p:blipFill>
+        <p:spPr>
+          <a:xfrm>
+            <a:off x="1611239" y="3228109"/>
+            <a:ext cx="3834054" cy="2964873"/>
+          </a:xfrm>
+          <a:prstGeom prst="rect">
+            <a:avLst/>
+          </a:prstGeom>
+        </p:spPr>
+      </p:pic>
+      <p:pic>
+        <p:nvPicPr>
+          <p:cNvPr id="16" name="Picture 15" descr="A screenshot of a computer program&#10;&#10;Description automatically generated with medium confidence">
+            <a:extLst>
+              <a:ext uri="{FF2B5EF4-FFF2-40B4-BE49-F238E27FC236}">
+                <a16:creationId xmlns:a16="http://schemas.microsoft.com/office/drawing/2014/main" id="{BAB32BA9-01A5-5B9E-AA86-AB6037772E73}"/>
+              </a:ext>
+            </a:extLst>
+          </p:cNvPr>
+          <p:cNvPicPr>
+            <a:picLocks noChangeAspect="1"/>
+          </p:cNvPicPr>
+          <p:nvPr/>
+        </p:nvPicPr>
+        <p:blipFill>
+          <a:blip r:embed="rId3"/>
+          <a:stretch>
+            <a:fillRect/>
+          </a:stretch>
+        </p:blipFill>
+        <p:spPr>
+          <a:xfrm>
+            <a:off x="7545315" y="3082330"/>
+            <a:ext cx="2505217" cy="3039571"/>
+          </a:xfrm>
+          <a:prstGeom prst="rect">
+            <a:avLst/>
+          </a:prstGeom>
+        </p:spPr>
+      </p:pic>
     </p:spTree>
     <p:extLst>
       <p:ext uri="{BB962C8B-B14F-4D97-AF65-F5344CB8AC3E}">
-        <p14:creationId xmlns:p14="http://schemas.microsoft.com/office/powerpoint/2010/main" val="1396956347"/>
+        <p14:creationId xmlns:p14="http://schemas.microsoft.com/office/powerpoint/2010/main" val="1625597915"/>
       </p:ext>
     </p:extLst>
   </p:cSld>
@@ -6288,6 +6526,724 @@
           <p:cNvPr id="2" name="Title 1">
             <a:extLst>
               <a:ext uri="{FF2B5EF4-FFF2-40B4-BE49-F238E27FC236}">
+                <a16:creationId xmlns:a16="http://schemas.microsoft.com/office/drawing/2014/main" id="{5C4F02F6-349D-954F-B02F-78EBD3017252}"/>
+              </a:ext>
+            </a:extLst>
+          </p:cNvPr>
+          <p:cNvSpPr>
+            <a:spLocks noGrp="1"/>
+          </p:cNvSpPr>
+          <p:nvPr>
+            <p:ph type="title"/>
+          </p:nvPr>
+        </p:nvSpPr>
+        <p:spPr>
+          <a:xfrm>
+            <a:off x="1136397" y="502022"/>
+            <a:ext cx="9688296" cy="1388356"/>
+          </a:xfrm>
+        </p:spPr>
+        <p:txBody>
+          <a:bodyPr anchor="b">
+            <a:normAutofit/>
+          </a:bodyPr>
+          <a:lstStyle/>
+          <a:p>
+            <a:r>
+              <a:rPr lang="en-US" sz="4000" b="1"/>
+              <a:t>Results and Observations</a:t>
+            </a:r>
+            <a:endParaRPr lang="en-US" sz="4000" b="1" dirty="0"/>
+          </a:p>
+        </p:txBody>
+      </p:sp>
+      <p:sp>
+        <p:nvSpPr>
+          <p:cNvPr id="3" name="Content Placeholder 2">
+            <a:extLst>
+              <a:ext uri="{FF2B5EF4-FFF2-40B4-BE49-F238E27FC236}">
+                <a16:creationId xmlns:a16="http://schemas.microsoft.com/office/drawing/2014/main" id="{3A721E59-1DC4-3845-9DB3-10F69E64143F}"/>
+              </a:ext>
+            </a:extLst>
+          </p:cNvPr>
+          <p:cNvSpPr>
+            <a:spLocks noGrp="1"/>
+          </p:cNvSpPr>
+          <p:nvPr>
+            <p:ph idx="1"/>
+          </p:nvPr>
+        </p:nvSpPr>
+        <p:spPr>
+          <a:xfrm>
+            <a:off x="1136397" y="1890378"/>
+            <a:ext cx="9688296" cy="3782694"/>
+          </a:xfrm>
+        </p:spPr>
+        <p:txBody>
+          <a:bodyPr anchor="t">
+            <a:normAutofit fontScale="92500" lnSpcReduction="10000"/>
+          </a:bodyPr>
+          <a:lstStyle/>
+          <a:p>
+            <a:pPr marL="457200" lvl="1" indent="0">
+              <a:buNone/>
+            </a:pPr>
+            <a:r>
+              <a:rPr lang="en-US" sz="2000" b="1" u="sng" dirty="0">
+                <a:effectLst/>
+              </a:rPr>
+              <a:t>Neural Network</a:t>
+            </a:r>
+          </a:p>
+          <a:p>
+            <a:pPr marL="0" indent="0">
+              <a:buNone/>
+            </a:pPr>
+            <a:r>
+              <a:rPr lang="en-US" sz="1600" dirty="0"/>
+              <a:t>Experiment</a:t>
+            </a:r>
+          </a:p>
+          <a:p>
+            <a:r>
+              <a:rPr lang="en-US" sz="1600" dirty="0"/>
+              <a:t>In our experiment, we chose the PyTorch library to build a neural network for this classification task. The motivation was to use an available deep learning library that provides various optimizers and loss functions and an easy way to tune hyperparameters so we can arrive at the most accurate network. In this experiment we found that a neural network with 2 layers performed best with our data set of heart data. we ran the experiment with 8 -14 neurons in the first layer and 2 neurons in the final layer with the LeakyReLU activation to predict the chances of heart failure.</a:t>
+            </a:r>
+          </a:p>
+          <a:p>
+            <a:endParaRPr lang="en-US" sz="1600" dirty="0"/>
+          </a:p>
+          <a:p>
+            <a:pPr marL="0" indent="0">
+              <a:buNone/>
+            </a:pPr>
+            <a:r>
+              <a:rPr lang="en-US" sz="1600" dirty="0"/>
+              <a:t>Observation</a:t>
+            </a:r>
+          </a:p>
+          <a:p>
+            <a:r>
+              <a:rPr lang="en-US" sz="1600" dirty="0"/>
+              <a:t>We were able to achieve a top accuracy of 86% over the test data with 12 neurons in the first layer and with optimizer set as RMSProp.</a:t>
+            </a:r>
+          </a:p>
+          <a:p>
+            <a:endParaRPr lang="en-US" sz="1600" dirty="0"/>
+          </a:p>
+          <a:p>
+            <a:pPr marL="0" indent="0">
+              <a:buNone/>
+            </a:pPr>
+            <a:br>
+              <a:rPr lang="en-US" sz="1600" dirty="0"/>
+            </a:br>
+            <a:endParaRPr lang="en-US" sz="2000" dirty="0">
+              <a:effectLst/>
+            </a:endParaRPr>
+          </a:p>
+        </p:txBody>
+      </p:sp>
+      <p:sp>
+        <p:nvSpPr>
+          <p:cNvPr id="10" name="Rectangle 9">
+            <a:extLst>
+              <a:ext uri="{FF2B5EF4-FFF2-40B4-BE49-F238E27FC236}">
+                <a16:creationId xmlns:a16="http://schemas.microsoft.com/office/drawing/2014/main" id="{EEBF1590-3B36-48EE-A89D-3B6F3CB256AB}"/>
+              </a:ext>
+              <a:ext uri="{C183D7F6-B498-43B3-948B-1728B52AA6E4}">
+                <adec:decorative xmlns:adec="http://schemas.microsoft.com/office/drawing/2017/decorative" val="1"/>
+              </a:ext>
+            </a:extLst>
+          </p:cNvPr>
+          <p:cNvSpPr>
+            <a:spLocks noGrp="1" noRot="1" noChangeAspect="1" noMove="1" noResize="1" noEditPoints="1" noAdjustHandles="1" noChangeArrowheads="1" noChangeShapeType="1" noTextEdit="1"/>
+          </p:cNvSpPr>
+          <p:nvPr>
+            <p:extLst>
+              <p:ext uri="{386F3935-93C4-4BCD-93E2-E3B085C9AB24}">
+                <p16:designElem xmlns:p16="http://schemas.microsoft.com/office/powerpoint/2015/main" val="1"/>
+              </p:ext>
+            </p:extLst>
+          </p:nvPr>
+        </p:nvSpPr>
+        <p:spPr>
+          <a:xfrm rot="10800000" flipH="1">
+            <a:off x="0" y="6400799"/>
+            <a:ext cx="12192000" cy="456773"/>
+          </a:xfrm>
+          <a:prstGeom prst="rect">
+            <a:avLst/>
+          </a:prstGeom>
+          <a:gradFill>
+            <a:gsLst>
+              <a:gs pos="0">
+                <a:schemeClr val="accent1"/>
+              </a:gs>
+              <a:gs pos="78000">
+                <a:srgbClr val="000000"/>
+              </a:gs>
+            </a:gsLst>
+            <a:lin ang="2400000" scaled="0"/>
+          </a:gradFill>
+          <a:ln>
+            <a:noFill/>
+          </a:ln>
+        </p:spPr>
+        <p:style>
+          <a:lnRef idx="2">
+            <a:schemeClr val="accent1">
+              <a:shade val="50000"/>
+            </a:schemeClr>
+          </a:lnRef>
+          <a:fillRef idx="1">
+            <a:schemeClr val="accent1"/>
+          </a:fillRef>
+          <a:effectRef idx="0">
+            <a:schemeClr val="accent1"/>
+          </a:effectRef>
+          <a:fontRef idx="minor">
+            <a:schemeClr val="lt1"/>
+          </a:fontRef>
+        </p:style>
+        <p:txBody>
+          <a:bodyPr rtlCol="0" anchor="ctr"/>
+          <a:lstStyle/>
+          <a:p>
+            <a:pPr algn="ctr"/>
+            <a:endParaRPr lang="en-US"/>
+          </a:p>
+        </p:txBody>
+      </p:sp>
+      <p:sp>
+        <p:nvSpPr>
+          <p:cNvPr id="12" name="Rectangle 11">
+            <a:extLst>
+              <a:ext uri="{FF2B5EF4-FFF2-40B4-BE49-F238E27FC236}">
+                <a16:creationId xmlns:a16="http://schemas.microsoft.com/office/drawing/2014/main" id="{AC8F6C8C-AB5A-4548-942D-E3FD40ACBC49}"/>
+              </a:ext>
+              <a:ext uri="{C183D7F6-B498-43B3-948B-1728B52AA6E4}">
+                <adec:decorative xmlns:adec="http://schemas.microsoft.com/office/drawing/2017/decorative" val="1"/>
+              </a:ext>
+            </a:extLst>
+          </p:cNvPr>
+          <p:cNvSpPr>
+            <a:spLocks noGrp="1" noRot="1" noChangeAspect="1" noMove="1" noResize="1" noEditPoints="1" noAdjustHandles="1" noChangeArrowheads="1" noChangeShapeType="1" noTextEdit="1"/>
+          </p:cNvSpPr>
+          <p:nvPr>
+            <p:extLst>
+              <p:ext uri="{386F3935-93C4-4BCD-93E2-E3B085C9AB24}">
+                <p16:designElem xmlns:p16="http://schemas.microsoft.com/office/powerpoint/2015/main" val="1"/>
+              </p:ext>
+            </p:extLst>
+          </p:nvPr>
+        </p:nvSpPr>
+        <p:spPr>
+          <a:xfrm flipH="1">
+            <a:off x="4038600" y="6400799"/>
+            <a:ext cx="8153398" cy="456772"/>
+          </a:xfrm>
+          <a:prstGeom prst="rect">
+            <a:avLst/>
+          </a:prstGeom>
+          <a:gradFill>
+            <a:gsLst>
+              <a:gs pos="0">
+                <a:srgbClr val="000000">
+                  <a:alpha val="63000"/>
+                </a:srgbClr>
+              </a:gs>
+              <a:gs pos="100000">
+                <a:schemeClr val="accent1">
+                  <a:lumMod val="75000"/>
+                </a:schemeClr>
+              </a:gs>
+            </a:gsLst>
+            <a:lin ang="13800000" scaled="0"/>
+          </a:gradFill>
+          <a:ln>
+            <a:noFill/>
+          </a:ln>
+        </p:spPr>
+        <p:style>
+          <a:lnRef idx="2">
+            <a:schemeClr val="accent1">
+              <a:shade val="50000"/>
+            </a:schemeClr>
+          </a:lnRef>
+          <a:fillRef idx="1">
+            <a:schemeClr val="accent1"/>
+          </a:fillRef>
+          <a:effectRef idx="0">
+            <a:schemeClr val="accent1"/>
+          </a:effectRef>
+          <a:fontRef idx="minor">
+            <a:schemeClr val="lt1"/>
+          </a:fontRef>
+        </p:style>
+        <p:txBody>
+          <a:bodyPr rtlCol="0" anchor="ctr"/>
+          <a:lstStyle/>
+          <a:p>
+            <a:pPr algn="ctr"/>
+            <a:endParaRPr lang="en-US"/>
+          </a:p>
+        </p:txBody>
+      </p:sp>
+    </p:spTree>
+    <p:extLst>
+      <p:ext uri="{BB962C8B-B14F-4D97-AF65-F5344CB8AC3E}">
+        <p14:creationId xmlns:p14="http://schemas.microsoft.com/office/powerpoint/2010/main" val="639892534"/>
+      </p:ext>
+    </p:extLst>
+  </p:cSld>
+  <p:clrMapOvr>
+    <a:masterClrMapping/>
+  </p:clrMapOvr>
+</p:sld>
+</file>
+
+<file path=ppt/slides/slide15.xml><?xml version="1.0" encoding="utf-8"?>
+<p:sld xmlns:a="http://schemas.openxmlformats.org/drawingml/2006/main" xmlns:r="http://schemas.openxmlformats.org/officeDocument/2006/relationships" xmlns:p="http://schemas.openxmlformats.org/presentationml/2006/main">
+  <p:cSld>
+    <p:bg>
+      <p:bgPr>
+        <a:solidFill>
+          <a:schemeClr val="bg1"/>
+        </a:solidFill>
+        <a:effectLst/>
+      </p:bgPr>
+    </p:bg>
+    <p:spTree>
+      <p:nvGrpSpPr>
+        <p:cNvPr id="1" name=""/>
+        <p:cNvGrpSpPr/>
+        <p:nvPr/>
+      </p:nvGrpSpPr>
+      <p:grpSpPr>
+        <a:xfrm>
+          <a:off x="0" y="0"/>
+          <a:ext cx="0" cy="0"/>
+          <a:chOff x="0" y="0"/>
+          <a:chExt cx="0" cy="0"/>
+        </a:xfrm>
+      </p:grpSpPr>
+      <p:sp useBgFill="1">
+        <p:nvSpPr>
+          <p:cNvPr id="8" name="Rectangle 7">
+            <a:extLst>
+              <a:ext uri="{FF2B5EF4-FFF2-40B4-BE49-F238E27FC236}">
+                <a16:creationId xmlns:a16="http://schemas.microsoft.com/office/drawing/2014/main" id="{979E27D9-03C7-44E2-9FF8-15D0C8506AF7}"/>
+              </a:ext>
+              <a:ext uri="{C183D7F6-B498-43B3-948B-1728B52AA6E4}">
+                <adec:decorative xmlns:adec="http://schemas.microsoft.com/office/drawing/2017/decorative" val="1"/>
+              </a:ext>
+            </a:extLst>
+          </p:cNvPr>
+          <p:cNvSpPr>
+            <a:spLocks noGrp="1" noRot="1" noChangeAspect="1" noMove="1" noResize="1" noEditPoints="1" noAdjustHandles="1" noChangeArrowheads="1" noChangeShapeType="1" noTextEdit="1"/>
+          </p:cNvSpPr>
+          <p:nvPr>
+            <p:extLst>
+              <p:ext uri="{386F3935-93C4-4BCD-93E2-E3B085C9AB24}">
+                <p16:designElem xmlns:p16="http://schemas.microsoft.com/office/powerpoint/2015/main" val="1"/>
+              </p:ext>
+            </p:extLst>
+          </p:nvPr>
+        </p:nvSpPr>
+        <p:spPr>
+          <a:xfrm>
+            <a:off x="0" y="0"/>
+            <a:ext cx="12192000" cy="6858000"/>
+          </a:xfrm>
+          <a:prstGeom prst="rect">
+            <a:avLst/>
+          </a:prstGeom>
+          <a:ln w="12700" cap="flat" cmpd="sng" algn="ctr">
+            <a:noFill/>
+            <a:prstDash val="solid"/>
+            <a:miter lim="800000"/>
+          </a:ln>
+          <a:effectLst/>
+          <a:extLst>
+            <a:ext uri="{91240B29-F687-4F45-9708-019B960494DF}">
+              <a14:hiddenLine xmlns:a14="http://schemas.microsoft.com/office/drawing/2010/main" w="12700" cap="flat" cmpd="sng" algn="ctr">
+                <a:solidFill>
+                  <a:schemeClr val="accent1">
+                    <a:shade val="50000"/>
+                  </a:schemeClr>
+                </a:solidFill>
+                <a:prstDash val="solid"/>
+                <a:miter lim="800000"/>
+              </a14:hiddenLine>
+            </a:ext>
+          </a:extLst>
+        </p:spPr>
+        <p:style>
+          <a:lnRef idx="2">
+            <a:schemeClr val="accent1">
+              <a:shade val="50000"/>
+            </a:schemeClr>
+          </a:lnRef>
+          <a:fillRef idx="1">
+            <a:schemeClr val="accent1"/>
+          </a:fillRef>
+          <a:effectRef idx="0">
+            <a:schemeClr val="accent1"/>
+          </a:effectRef>
+          <a:fontRef idx="minor">
+            <a:schemeClr val="lt1"/>
+          </a:fontRef>
+        </p:style>
+        <p:txBody>
+          <a:bodyPr rtlCol="0" anchor="ctr"/>
+          <a:lstStyle/>
+          <a:p>
+            <a:pPr algn="ctr"/>
+            <a:endParaRPr lang="en-US"/>
+          </a:p>
+        </p:txBody>
+      </p:sp>
+      <p:sp>
+        <p:nvSpPr>
+          <p:cNvPr id="2" name="Title 1">
+            <a:extLst>
+              <a:ext uri="{FF2B5EF4-FFF2-40B4-BE49-F238E27FC236}">
+                <a16:creationId xmlns:a16="http://schemas.microsoft.com/office/drawing/2014/main" id="{5C4F02F6-349D-954F-B02F-78EBD3017252}"/>
+              </a:ext>
+            </a:extLst>
+          </p:cNvPr>
+          <p:cNvSpPr>
+            <a:spLocks noGrp="1"/>
+          </p:cNvSpPr>
+          <p:nvPr>
+            <p:ph type="title"/>
+          </p:nvPr>
+        </p:nvSpPr>
+        <p:spPr>
+          <a:xfrm>
+            <a:off x="1136397" y="502022"/>
+            <a:ext cx="9688296" cy="1388356"/>
+          </a:xfrm>
+        </p:spPr>
+        <p:txBody>
+          <a:bodyPr anchor="b">
+            <a:normAutofit/>
+          </a:bodyPr>
+          <a:lstStyle/>
+          <a:p>
+            <a:r>
+              <a:rPr lang="en-US" sz="4000" b="1" dirty="0"/>
+              <a:t>Future extensions of your work</a:t>
+            </a:r>
+          </a:p>
+        </p:txBody>
+      </p:sp>
+      <p:sp>
+        <p:nvSpPr>
+          <p:cNvPr id="3" name="Content Placeholder 2">
+            <a:extLst>
+              <a:ext uri="{FF2B5EF4-FFF2-40B4-BE49-F238E27FC236}">
+                <a16:creationId xmlns:a16="http://schemas.microsoft.com/office/drawing/2014/main" id="{3A721E59-1DC4-3845-9DB3-10F69E64143F}"/>
+              </a:ext>
+            </a:extLst>
+          </p:cNvPr>
+          <p:cNvSpPr>
+            <a:spLocks noGrp="1"/>
+          </p:cNvSpPr>
+          <p:nvPr>
+            <p:ph idx="1"/>
+          </p:nvPr>
+        </p:nvSpPr>
+        <p:spPr>
+          <a:xfrm>
+            <a:off x="1136397" y="2418409"/>
+            <a:ext cx="9688296" cy="3782694"/>
+          </a:xfrm>
+        </p:spPr>
+        <p:txBody>
+          <a:bodyPr anchor="t">
+            <a:normAutofit/>
+          </a:bodyPr>
+          <a:lstStyle/>
+          <a:p>
+            <a:pPr marL="457200" lvl="1" indent="0">
+              <a:buNone/>
+            </a:pPr>
+            <a:r>
+              <a:rPr lang="en-US" sz="2000" dirty="0">
+                <a:effectLst/>
+              </a:rPr>
+              <a:t>Words…</a:t>
+            </a:r>
+          </a:p>
+        </p:txBody>
+      </p:sp>
+      <p:sp>
+        <p:nvSpPr>
+          <p:cNvPr id="10" name="Rectangle 9">
+            <a:extLst>
+              <a:ext uri="{FF2B5EF4-FFF2-40B4-BE49-F238E27FC236}">
+                <a16:creationId xmlns:a16="http://schemas.microsoft.com/office/drawing/2014/main" id="{EEBF1590-3B36-48EE-A89D-3B6F3CB256AB}"/>
+              </a:ext>
+              <a:ext uri="{C183D7F6-B498-43B3-948B-1728B52AA6E4}">
+                <adec:decorative xmlns:adec="http://schemas.microsoft.com/office/drawing/2017/decorative" val="1"/>
+              </a:ext>
+            </a:extLst>
+          </p:cNvPr>
+          <p:cNvSpPr>
+            <a:spLocks noGrp="1" noRot="1" noChangeAspect="1" noMove="1" noResize="1" noEditPoints="1" noAdjustHandles="1" noChangeArrowheads="1" noChangeShapeType="1" noTextEdit="1"/>
+          </p:cNvSpPr>
+          <p:nvPr>
+            <p:extLst>
+              <p:ext uri="{386F3935-93C4-4BCD-93E2-E3B085C9AB24}">
+                <p16:designElem xmlns:p16="http://schemas.microsoft.com/office/powerpoint/2015/main" val="1"/>
+              </p:ext>
+            </p:extLst>
+          </p:nvPr>
+        </p:nvSpPr>
+        <p:spPr>
+          <a:xfrm rot="10800000" flipH="1">
+            <a:off x="0" y="6400799"/>
+            <a:ext cx="12192000" cy="456773"/>
+          </a:xfrm>
+          <a:prstGeom prst="rect">
+            <a:avLst/>
+          </a:prstGeom>
+          <a:gradFill>
+            <a:gsLst>
+              <a:gs pos="0">
+                <a:schemeClr val="accent1"/>
+              </a:gs>
+              <a:gs pos="78000">
+                <a:srgbClr val="000000"/>
+              </a:gs>
+            </a:gsLst>
+            <a:lin ang="2400000" scaled="0"/>
+          </a:gradFill>
+          <a:ln>
+            <a:noFill/>
+          </a:ln>
+        </p:spPr>
+        <p:style>
+          <a:lnRef idx="2">
+            <a:schemeClr val="accent1">
+              <a:shade val="50000"/>
+            </a:schemeClr>
+          </a:lnRef>
+          <a:fillRef idx="1">
+            <a:schemeClr val="accent1"/>
+          </a:fillRef>
+          <a:effectRef idx="0">
+            <a:schemeClr val="accent1"/>
+          </a:effectRef>
+          <a:fontRef idx="minor">
+            <a:schemeClr val="lt1"/>
+          </a:fontRef>
+        </p:style>
+        <p:txBody>
+          <a:bodyPr rtlCol="0" anchor="ctr"/>
+          <a:lstStyle/>
+          <a:p>
+            <a:pPr algn="ctr"/>
+            <a:endParaRPr lang="en-US"/>
+          </a:p>
+        </p:txBody>
+      </p:sp>
+      <p:sp>
+        <p:nvSpPr>
+          <p:cNvPr id="12" name="Rectangle 11">
+            <a:extLst>
+              <a:ext uri="{FF2B5EF4-FFF2-40B4-BE49-F238E27FC236}">
+                <a16:creationId xmlns:a16="http://schemas.microsoft.com/office/drawing/2014/main" id="{AC8F6C8C-AB5A-4548-942D-E3FD40ACBC49}"/>
+              </a:ext>
+              <a:ext uri="{C183D7F6-B498-43B3-948B-1728B52AA6E4}">
+                <adec:decorative xmlns:adec="http://schemas.microsoft.com/office/drawing/2017/decorative" val="1"/>
+              </a:ext>
+            </a:extLst>
+          </p:cNvPr>
+          <p:cNvSpPr>
+            <a:spLocks noGrp="1" noRot="1" noChangeAspect="1" noMove="1" noResize="1" noEditPoints="1" noAdjustHandles="1" noChangeArrowheads="1" noChangeShapeType="1" noTextEdit="1"/>
+          </p:cNvSpPr>
+          <p:nvPr>
+            <p:extLst>
+              <p:ext uri="{386F3935-93C4-4BCD-93E2-E3B085C9AB24}">
+                <p16:designElem xmlns:p16="http://schemas.microsoft.com/office/powerpoint/2015/main" val="1"/>
+              </p:ext>
+            </p:extLst>
+          </p:nvPr>
+        </p:nvSpPr>
+        <p:spPr>
+          <a:xfrm flipH="1">
+            <a:off x="4038600" y="6400799"/>
+            <a:ext cx="8153398" cy="456772"/>
+          </a:xfrm>
+          <a:prstGeom prst="rect">
+            <a:avLst/>
+          </a:prstGeom>
+          <a:gradFill>
+            <a:gsLst>
+              <a:gs pos="0">
+                <a:srgbClr val="000000">
+                  <a:alpha val="63000"/>
+                </a:srgbClr>
+              </a:gs>
+              <a:gs pos="100000">
+                <a:schemeClr val="accent1">
+                  <a:lumMod val="75000"/>
+                </a:schemeClr>
+              </a:gs>
+            </a:gsLst>
+            <a:lin ang="13800000" scaled="0"/>
+          </a:gradFill>
+          <a:ln>
+            <a:noFill/>
+          </a:ln>
+        </p:spPr>
+        <p:style>
+          <a:lnRef idx="2">
+            <a:schemeClr val="accent1">
+              <a:shade val="50000"/>
+            </a:schemeClr>
+          </a:lnRef>
+          <a:fillRef idx="1">
+            <a:schemeClr val="accent1"/>
+          </a:fillRef>
+          <a:effectRef idx="0">
+            <a:schemeClr val="accent1"/>
+          </a:effectRef>
+          <a:fontRef idx="minor">
+            <a:schemeClr val="lt1"/>
+          </a:fontRef>
+        </p:style>
+        <p:txBody>
+          <a:bodyPr rtlCol="0" anchor="ctr"/>
+          <a:lstStyle/>
+          <a:p>
+            <a:pPr algn="ctr"/>
+            <a:endParaRPr lang="en-US"/>
+          </a:p>
+        </p:txBody>
+      </p:sp>
+    </p:spTree>
+    <p:extLst>
+      <p:ext uri="{BB962C8B-B14F-4D97-AF65-F5344CB8AC3E}">
+        <p14:creationId xmlns:p14="http://schemas.microsoft.com/office/powerpoint/2010/main" val="1396956347"/>
+      </p:ext>
+    </p:extLst>
+  </p:cSld>
+  <p:clrMapOvr>
+    <a:masterClrMapping/>
+  </p:clrMapOvr>
+</p:sld>
+</file>
+
+<file path=ppt/slides/slide16.xml><?xml version="1.0" encoding="utf-8"?>
+<p:sld xmlns:a="http://schemas.openxmlformats.org/drawingml/2006/main" xmlns:r="http://schemas.openxmlformats.org/officeDocument/2006/relationships" xmlns:p="http://schemas.openxmlformats.org/presentationml/2006/main">
+  <p:cSld>
+    <p:bg>
+      <p:bgPr>
+        <a:solidFill>
+          <a:schemeClr val="bg1"/>
+        </a:solidFill>
+        <a:effectLst/>
+      </p:bgPr>
+    </p:bg>
+    <p:spTree>
+      <p:nvGrpSpPr>
+        <p:cNvPr id="1" name=""/>
+        <p:cNvGrpSpPr/>
+        <p:nvPr/>
+      </p:nvGrpSpPr>
+      <p:grpSpPr>
+        <a:xfrm>
+          <a:off x="0" y="0"/>
+          <a:ext cx="0" cy="0"/>
+          <a:chOff x="0" y="0"/>
+          <a:chExt cx="0" cy="0"/>
+        </a:xfrm>
+      </p:grpSpPr>
+      <p:sp useBgFill="1">
+        <p:nvSpPr>
+          <p:cNvPr id="8" name="Rectangle 7">
+            <a:extLst>
+              <a:ext uri="{FF2B5EF4-FFF2-40B4-BE49-F238E27FC236}">
+                <a16:creationId xmlns:a16="http://schemas.microsoft.com/office/drawing/2014/main" id="{979E27D9-03C7-44E2-9FF8-15D0C8506AF7}"/>
+              </a:ext>
+              <a:ext uri="{C183D7F6-B498-43B3-948B-1728B52AA6E4}">
+                <adec:decorative xmlns:adec="http://schemas.microsoft.com/office/drawing/2017/decorative" val="1"/>
+              </a:ext>
+            </a:extLst>
+          </p:cNvPr>
+          <p:cNvSpPr>
+            <a:spLocks noGrp="1" noRot="1" noChangeAspect="1" noMove="1" noResize="1" noEditPoints="1" noAdjustHandles="1" noChangeArrowheads="1" noChangeShapeType="1" noTextEdit="1"/>
+          </p:cNvSpPr>
+          <p:nvPr>
+            <p:extLst>
+              <p:ext uri="{386F3935-93C4-4BCD-93E2-E3B085C9AB24}">
+                <p16:designElem xmlns:p16="http://schemas.microsoft.com/office/powerpoint/2015/main" val="1"/>
+              </p:ext>
+            </p:extLst>
+          </p:nvPr>
+        </p:nvSpPr>
+        <p:spPr>
+          <a:xfrm>
+            <a:off x="0" y="0"/>
+            <a:ext cx="12192000" cy="6858000"/>
+          </a:xfrm>
+          <a:prstGeom prst="rect">
+            <a:avLst/>
+          </a:prstGeom>
+          <a:ln w="12700" cap="flat" cmpd="sng" algn="ctr">
+            <a:noFill/>
+            <a:prstDash val="solid"/>
+            <a:miter lim="800000"/>
+          </a:ln>
+          <a:effectLst/>
+          <a:extLst>
+            <a:ext uri="{91240B29-F687-4F45-9708-019B960494DF}">
+              <a14:hiddenLine xmlns:a14="http://schemas.microsoft.com/office/drawing/2010/main" w="12700" cap="flat" cmpd="sng" algn="ctr">
+                <a:solidFill>
+                  <a:schemeClr val="accent1">
+                    <a:shade val="50000"/>
+                  </a:schemeClr>
+                </a:solidFill>
+                <a:prstDash val="solid"/>
+                <a:miter lim="800000"/>
+              </a14:hiddenLine>
+            </a:ext>
+          </a:extLst>
+        </p:spPr>
+        <p:style>
+          <a:lnRef idx="2">
+            <a:schemeClr val="accent1">
+              <a:shade val="50000"/>
+            </a:schemeClr>
+          </a:lnRef>
+          <a:fillRef idx="1">
+            <a:schemeClr val="accent1"/>
+          </a:fillRef>
+          <a:effectRef idx="0">
+            <a:schemeClr val="accent1"/>
+          </a:effectRef>
+          <a:fontRef idx="minor">
+            <a:schemeClr val="lt1"/>
+          </a:fontRef>
+        </p:style>
+        <p:txBody>
+          <a:bodyPr rtlCol="0" anchor="ctr"/>
+          <a:lstStyle/>
+          <a:p>
+            <a:pPr algn="ctr"/>
+            <a:endParaRPr lang="en-US"/>
+          </a:p>
+        </p:txBody>
+      </p:sp>
+      <p:sp>
+        <p:nvSpPr>
+          <p:cNvPr id="2" name="Title 1">
+            <a:extLst>
+              <a:ext uri="{FF2B5EF4-FFF2-40B4-BE49-F238E27FC236}">
                 <a16:creationId xmlns:a16="http://schemas.microsoft.com/office/drawing/2014/main" id="{8B337B21-1E26-A847-AC61-FDA5EEFBFA48}"/>
               </a:ext>
             </a:extLst>
@@ -6523,7 +7479,7 @@
 </p:sld>
 </file>
 
-<file path=ppt/slides/slide15.xml><?xml version="1.0" encoding="utf-8"?>
+<file path=ppt/slides/slide17.xml><?xml version="1.0" encoding="utf-8"?>
 <p:sld xmlns:a="http://schemas.openxmlformats.org/drawingml/2006/main" xmlns:r="http://schemas.openxmlformats.org/officeDocument/2006/relationships" xmlns:p="http://schemas.openxmlformats.org/presentationml/2006/main">
   <p:cSld>
     <p:bg>
@@ -7205,7 +8161,7 @@
 </p:sld>
 </file>
 
-<file path=ppt/slides/slide16.xml><?xml version="1.0" encoding="utf-8"?>
+<file path=ppt/slides/slide18.xml><?xml version="1.0" encoding="utf-8"?>
 <p:sld xmlns:a="http://schemas.openxmlformats.org/drawingml/2006/main" xmlns:r="http://schemas.openxmlformats.org/officeDocument/2006/relationships" xmlns:p="http://schemas.openxmlformats.org/presentationml/2006/main">
   <p:cSld>
     <p:bg>
@@ -7754,7 +8710,7 @@
 </p:sld>
 </file>
 
-<file path=ppt/slides/slide17.xml><?xml version="1.0" encoding="utf-8"?>
+<file path=ppt/slides/slide19.xml><?xml version="1.0" encoding="utf-8"?>
 <p:sld xmlns:a="http://schemas.openxmlformats.org/drawingml/2006/main" xmlns:r="http://schemas.openxmlformats.org/officeDocument/2006/relationships" xmlns:p="http://schemas.openxmlformats.org/presentationml/2006/main">
   <p:cSld>
     <p:bg>

--- a/presentation slides/CS613-FinalProject-Presentation.pptx
+++ b/presentation slides/CS613-FinalProject-Presentation.pptx
@@ -5,7 +5,7 @@
     <p:sldMasterId id="2147483648" r:id="rId1"/>
   </p:sldMasterIdLst>
   <p:notesMasterIdLst>
-    <p:notesMasterId r:id="rId21"/>
+    <p:notesMasterId r:id="rId22"/>
   </p:notesMasterIdLst>
   <p:sldIdLst>
     <p:sldId id="256" r:id="rId2"/>
@@ -14,19 +14,20 @@
     <p:sldId id="276" r:id="rId5"/>
     <p:sldId id="283" r:id="rId6"/>
     <p:sldId id="284" r:id="rId7"/>
-    <p:sldId id="287" r:id="rId8"/>
-    <p:sldId id="286" r:id="rId9"/>
-    <p:sldId id="288" r:id="rId10"/>
-    <p:sldId id="268" r:id="rId11"/>
-    <p:sldId id="278" r:id="rId12"/>
-    <p:sldId id="289" r:id="rId13"/>
-    <p:sldId id="290" r:id="rId14"/>
-    <p:sldId id="279" r:id="rId15"/>
-    <p:sldId id="280" r:id="rId16"/>
-    <p:sldId id="262" r:id="rId17"/>
-    <p:sldId id="265" r:id="rId18"/>
-    <p:sldId id="270" r:id="rId19"/>
-    <p:sldId id="271" r:id="rId20"/>
+    <p:sldId id="288" r:id="rId8"/>
+    <p:sldId id="268" r:id="rId9"/>
+    <p:sldId id="278" r:id="rId10"/>
+    <p:sldId id="289" r:id="rId11"/>
+    <p:sldId id="290" r:id="rId12"/>
+    <p:sldId id="279" r:id="rId13"/>
+    <p:sldId id="280" r:id="rId14"/>
+    <p:sldId id="262" r:id="rId15"/>
+    <p:sldId id="265" r:id="rId16"/>
+    <p:sldId id="270" r:id="rId17"/>
+    <p:sldId id="271" r:id="rId18"/>
+    <p:sldId id="291" r:id="rId19"/>
+    <p:sldId id="287" r:id="rId20"/>
+    <p:sldId id="286" r:id="rId21"/>
   </p:sldIdLst>
   <p:sldSz cx="12192000" cy="6858000"/>
   <p:notesSz cx="6858000" cy="9144000"/>
@@ -526,90 +527,6 @@
           <a:bodyPr/>
           <a:lstStyle/>
           <a:p>
-            <a:pPr marL="0" marR="0" lvl="0" indent="0" algn="l" defTabSz="914400" rtl="0" eaLnBrk="1" fontAlgn="auto" latinLnBrk="0" hangingPunct="1">
-              <a:lnSpc>
-                <a:spcPct val="100000"/>
-              </a:lnSpc>
-              <a:spcBef>
-                <a:spcPts val="0"/>
-              </a:spcBef>
-              <a:spcAft>
-                <a:spcPts val="0"/>
-              </a:spcAft>
-              <a:buClrTx/>
-              <a:buSzTx/>
-              <a:buFontTx/>
-              <a:buNone/>
-              <a:tabLst/>
-              <a:defRPr/>
-            </a:pPr>
-            <a:r>
-              <a:rPr lang="en-US" sz="1800" kern="100" dirty="0">
-                <a:effectLst/>
-                <a:latin typeface="Calibri" panose="020F0502020204030204" pitchFamily="34" charset="0"/>
-                <a:ea typeface="Calibri" panose="020F0502020204030204" pitchFamily="34" charset="0"/>
-                <a:cs typeface="Times New Roman" panose="02020603050405020304" pitchFamily="18" charset="0"/>
-              </a:rPr>
-              <a:t>Naive Bayes is a supervised machine learning probabilistic algorithm that’s typically used for classification problems. </a:t>
-            </a:r>
-          </a:p>
-          <a:p>
-            <a:pPr marL="0" marR="0" lvl="0" indent="0" algn="l" defTabSz="914400" rtl="0" eaLnBrk="1" fontAlgn="auto" latinLnBrk="0" hangingPunct="1">
-              <a:lnSpc>
-                <a:spcPct val="100000"/>
-              </a:lnSpc>
-              <a:spcBef>
-                <a:spcPts val="0"/>
-              </a:spcBef>
-              <a:spcAft>
-                <a:spcPts val="0"/>
-              </a:spcAft>
-              <a:buClrTx/>
-              <a:buSzTx/>
-              <a:buFontTx/>
-              <a:buNone/>
-              <a:tabLst/>
-              <a:defRPr/>
-            </a:pPr>
-            <a:r>
-              <a:rPr lang="en-US" sz="1800" kern="100" dirty="0">
-                <a:effectLst/>
-                <a:latin typeface="Calibri" panose="020F0502020204030204" pitchFamily="34" charset="0"/>
-                <a:ea typeface="Calibri" panose="020F0502020204030204" pitchFamily="34" charset="0"/>
-                <a:cs typeface="Times New Roman" panose="02020603050405020304" pitchFamily="18" charset="0"/>
-              </a:rPr>
-              <a:t>Naive Bayes is simple, intuitive, and yet performs surprisingly well in many cases. It seeks to model the distribution of inputs of a given class or category. </a:t>
-            </a:r>
-          </a:p>
-          <a:p>
-            <a:pPr marL="0" marR="0" lvl="0" indent="0" algn="l" defTabSz="914400" rtl="0" eaLnBrk="1" fontAlgn="auto" latinLnBrk="0" hangingPunct="1">
-              <a:lnSpc>
-                <a:spcPct val="100000"/>
-              </a:lnSpc>
-              <a:spcBef>
-                <a:spcPts val="0"/>
-              </a:spcBef>
-              <a:spcAft>
-                <a:spcPts val="0"/>
-              </a:spcAft>
-              <a:buClrTx/>
-              <a:buSzTx/>
-              <a:buFontTx/>
-              <a:buNone/>
-              <a:tabLst/>
-              <a:defRPr/>
-            </a:pPr>
-            <a:r>
-              <a:rPr lang="en-US" sz="1800" kern="100" dirty="0">
-                <a:effectLst/>
-                <a:latin typeface="Calibri" panose="020F0502020204030204" pitchFamily="34" charset="0"/>
-                <a:ea typeface="Calibri" panose="020F0502020204030204" pitchFamily="34" charset="0"/>
-                <a:cs typeface="Times New Roman" panose="02020603050405020304" pitchFamily="18" charset="0"/>
-              </a:rPr>
-              <a:t>Unlike discriminative classifiers, like logistic regression, it does not learn which features are most important to differentiate between classes.</a:t>
-            </a:r>
-          </a:p>
-          <a:p>
             <a:endParaRPr lang="en-US" dirty="0"/>
           </a:p>
         </p:txBody>
@@ -631,7 +548,7 @@
           <a:p>
             <a:fld id="{941248EB-719A-B944-B3C9-708649C4FE49}" type="slidenum">
               <a:rPr lang="en-US" smtClean="0"/>
-              <a:t>7</a:t>
+              <a:t>8</a:t>
             </a:fld>
             <a:endParaRPr lang="en-US"/>
           </a:p>
@@ -640,7 +557,7 @@
     </p:spTree>
     <p:extLst>
       <p:ext uri="{BB962C8B-B14F-4D97-AF65-F5344CB8AC3E}">
-        <p14:creationId xmlns:p14="http://schemas.microsoft.com/office/powerpoint/2010/main" val="2179916367"/>
+        <p14:creationId xmlns:p14="http://schemas.microsoft.com/office/powerpoint/2010/main" val="2349668919"/>
       </p:ext>
     </p:extLst>
   </p:cSld>
@@ -694,6 +611,90 @@
           <a:bodyPr/>
           <a:lstStyle/>
           <a:p>
+            <a:pPr marL="0" marR="0" lvl="0" indent="0" algn="l" defTabSz="914400" rtl="0" eaLnBrk="1" fontAlgn="auto" latinLnBrk="0" hangingPunct="1">
+              <a:lnSpc>
+                <a:spcPct val="100000"/>
+              </a:lnSpc>
+              <a:spcBef>
+                <a:spcPts val="0"/>
+              </a:spcBef>
+              <a:spcAft>
+                <a:spcPts val="0"/>
+              </a:spcAft>
+              <a:buClrTx/>
+              <a:buSzTx/>
+              <a:buFontTx/>
+              <a:buNone/>
+              <a:tabLst/>
+              <a:defRPr/>
+            </a:pPr>
+            <a:r>
+              <a:rPr lang="en-US" sz="1800" kern="100" dirty="0">
+                <a:effectLst/>
+                <a:latin typeface="Calibri" panose="020F0502020204030204" pitchFamily="34" charset="0"/>
+                <a:ea typeface="Calibri" panose="020F0502020204030204" pitchFamily="34" charset="0"/>
+                <a:cs typeface="Times New Roman" panose="02020603050405020304" pitchFamily="18" charset="0"/>
+              </a:rPr>
+              <a:t>Naive Bayes is a supervised machine learning probabilistic algorithm that’s typically used for classification problems. </a:t>
+            </a:r>
+          </a:p>
+          <a:p>
+            <a:pPr marL="0" marR="0" lvl="0" indent="0" algn="l" defTabSz="914400" rtl="0" eaLnBrk="1" fontAlgn="auto" latinLnBrk="0" hangingPunct="1">
+              <a:lnSpc>
+                <a:spcPct val="100000"/>
+              </a:lnSpc>
+              <a:spcBef>
+                <a:spcPts val="0"/>
+              </a:spcBef>
+              <a:spcAft>
+                <a:spcPts val="0"/>
+              </a:spcAft>
+              <a:buClrTx/>
+              <a:buSzTx/>
+              <a:buFontTx/>
+              <a:buNone/>
+              <a:tabLst/>
+              <a:defRPr/>
+            </a:pPr>
+            <a:r>
+              <a:rPr lang="en-US" sz="1800" kern="100" dirty="0">
+                <a:effectLst/>
+                <a:latin typeface="Calibri" panose="020F0502020204030204" pitchFamily="34" charset="0"/>
+                <a:ea typeface="Calibri" panose="020F0502020204030204" pitchFamily="34" charset="0"/>
+                <a:cs typeface="Times New Roman" panose="02020603050405020304" pitchFamily="18" charset="0"/>
+              </a:rPr>
+              <a:t>Naive Bayes is simple, intuitive, and yet performs surprisingly well in many cases. It seeks to model the distribution of inputs of a given class or category. </a:t>
+            </a:r>
+          </a:p>
+          <a:p>
+            <a:pPr marL="0" marR="0" lvl="0" indent="0" algn="l" defTabSz="914400" rtl="0" eaLnBrk="1" fontAlgn="auto" latinLnBrk="0" hangingPunct="1">
+              <a:lnSpc>
+                <a:spcPct val="100000"/>
+              </a:lnSpc>
+              <a:spcBef>
+                <a:spcPts val="0"/>
+              </a:spcBef>
+              <a:spcAft>
+                <a:spcPts val="0"/>
+              </a:spcAft>
+              <a:buClrTx/>
+              <a:buSzTx/>
+              <a:buFontTx/>
+              <a:buNone/>
+              <a:tabLst/>
+              <a:defRPr/>
+            </a:pPr>
+            <a:r>
+              <a:rPr lang="en-US" sz="1800" kern="100" dirty="0">
+                <a:effectLst/>
+                <a:latin typeface="Calibri" panose="020F0502020204030204" pitchFamily="34" charset="0"/>
+                <a:ea typeface="Calibri" panose="020F0502020204030204" pitchFamily="34" charset="0"/>
+                <a:cs typeface="Times New Roman" panose="02020603050405020304" pitchFamily="18" charset="0"/>
+              </a:rPr>
+              <a:t>Unlike discriminative classifiers, like logistic regression, it does not learn which features are most important to differentiate between classes.</a:t>
+            </a:r>
+          </a:p>
+          <a:p>
             <a:endParaRPr lang="en-US" dirty="0"/>
           </a:p>
         </p:txBody>
@@ -715,7 +716,7 @@
           <a:p>
             <a:fld id="{941248EB-719A-B944-B3C9-708649C4FE49}" type="slidenum">
               <a:rPr lang="en-US" smtClean="0"/>
-              <a:t>10</a:t>
+              <a:t>19</a:t>
             </a:fld>
             <a:endParaRPr lang="en-US"/>
           </a:p>
@@ -724,7 +725,7 @@
     </p:spTree>
     <p:extLst>
       <p:ext uri="{BB962C8B-B14F-4D97-AF65-F5344CB8AC3E}">
-        <p14:creationId xmlns:p14="http://schemas.microsoft.com/office/powerpoint/2010/main" val="2349668919"/>
+        <p14:creationId xmlns:p14="http://schemas.microsoft.com/office/powerpoint/2010/main" val="2179916367"/>
       </p:ext>
     </p:extLst>
   </p:cSld>
@@ -4489,10 +4490,10 @@
       </p:grpSpPr>
       <p:sp useBgFill="1">
         <p:nvSpPr>
-          <p:cNvPr id="10" name="Rectangle 9">
-            <a:extLst>
-              <a:ext uri="{FF2B5EF4-FFF2-40B4-BE49-F238E27FC236}">
-                <a16:creationId xmlns:a16="http://schemas.microsoft.com/office/drawing/2014/main" id="{3346177D-ADC4-4968-B747-5CFCD390B5B9}"/>
+          <p:cNvPr id="8" name="Rectangle 7">
+            <a:extLst>
+              <a:ext uri="{FF2B5EF4-FFF2-40B4-BE49-F238E27FC236}">
+                <a16:creationId xmlns:a16="http://schemas.microsoft.com/office/drawing/2014/main" id="{979E27D9-03C7-44E2-9FF8-15D0C8506AF7}"/>
               </a:ext>
               <a:ext uri="{C183D7F6-B498-43B3-948B-1728B52AA6E4}">
                 <adec:decorative xmlns:adec="http://schemas.microsoft.com/office/drawing/2017/decorative" val="1"/>
@@ -4568,498 +4569,6 @@
           <p:cNvPr id="2" name="Title 1">
             <a:extLst>
               <a:ext uri="{FF2B5EF4-FFF2-40B4-BE49-F238E27FC236}">
-                <a16:creationId xmlns:a16="http://schemas.microsoft.com/office/drawing/2014/main" id="{1518A51C-AC5C-224B-83E1-BE4285E72E3E}"/>
-              </a:ext>
-            </a:extLst>
-          </p:cNvPr>
-          <p:cNvSpPr>
-            <a:spLocks noGrp="1"/>
-          </p:cNvSpPr>
-          <p:nvPr>
-            <p:ph type="title"/>
-          </p:nvPr>
-        </p:nvSpPr>
-        <p:spPr>
-          <a:xfrm>
-            <a:off x="5596501" y="489509"/>
-            <a:ext cx="5754896" cy="785562"/>
-          </a:xfrm>
-        </p:spPr>
-        <p:txBody>
-          <a:bodyPr anchor="b">
-            <a:normAutofit/>
-          </a:bodyPr>
-          <a:lstStyle/>
-          <a:p>
-            <a:r>
-              <a:rPr lang="en-US" sz="4000" b="1" dirty="0"/>
-              <a:t>Source of Data: </a:t>
-            </a:r>
-            <a:r>
-              <a:rPr lang="en-US" sz="4000" b="1" dirty="0">
-                <a:solidFill>
-                  <a:srgbClr val="00B0F0"/>
-                </a:solidFill>
-              </a:rPr>
-              <a:t>Kaggle</a:t>
-            </a:r>
-          </a:p>
-        </p:txBody>
-      </p:sp>
-      <p:pic>
-        <p:nvPicPr>
-          <p:cNvPr id="5" name="Picture 4">
-            <a:extLst>
-              <a:ext uri="{FF2B5EF4-FFF2-40B4-BE49-F238E27FC236}">
-                <a16:creationId xmlns:a16="http://schemas.microsoft.com/office/drawing/2014/main" id="{5656DBCB-4246-3424-8BF4-9B7FD47CD472}"/>
-              </a:ext>
-            </a:extLst>
-          </p:cNvPr>
-          <p:cNvPicPr>
-            <a:picLocks noChangeAspect="1"/>
-          </p:cNvPicPr>
-          <p:nvPr/>
-        </p:nvPicPr>
-        <p:blipFill>
-          <a:blip r:embed="rId3"/>
-          <a:srcRect/>
-          <a:stretch/>
-        </p:blipFill>
-        <p:spPr>
-          <a:xfrm>
-            <a:off x="1068130" y="2332206"/>
-            <a:ext cx="3876165" cy="1761893"/>
-          </a:xfrm>
-          <a:prstGeom prst="rect">
-            <a:avLst/>
-          </a:prstGeom>
-        </p:spPr>
-      </p:pic>
-      <p:sp>
-        <p:nvSpPr>
-          <p:cNvPr id="3" name="Content Placeholder 2">
-            <a:extLst>
-              <a:ext uri="{FF2B5EF4-FFF2-40B4-BE49-F238E27FC236}">
-                <a16:creationId xmlns:a16="http://schemas.microsoft.com/office/drawing/2014/main" id="{69AB92F3-2775-4B46-A098-FE988824A88C}"/>
-              </a:ext>
-            </a:extLst>
-          </p:cNvPr>
-          <p:cNvSpPr>
-            <a:spLocks noGrp="1"/>
-          </p:cNvSpPr>
-          <p:nvPr>
-            <p:ph idx="1"/>
-          </p:nvPr>
-        </p:nvSpPr>
-        <p:spPr>
-          <a:xfrm>
-            <a:off x="5596502" y="1537855"/>
-            <a:ext cx="5930480" cy="4599709"/>
-          </a:xfrm>
-        </p:spPr>
-        <p:txBody>
-          <a:bodyPr anchor="t">
-            <a:normAutofit fontScale="77500" lnSpcReduction="20000"/>
-          </a:bodyPr>
-          <a:lstStyle/>
-          <a:p>
-            <a:pPr marL="0" indent="0">
-              <a:buNone/>
-            </a:pPr>
-            <a:r>
-              <a:rPr lang="en-US" sz="2800" dirty="0"/>
-              <a:t>The </a:t>
-            </a:r>
-            <a:r>
-              <a:rPr lang="en-US" b="1" dirty="0"/>
-              <a:t>Heart Failure Prediction Dataset </a:t>
-            </a:r>
-            <a:r>
-              <a:rPr lang="en-US" sz="2800" dirty="0"/>
-              <a:t>dataset was created by combining different datasets already available independently but not combined before. In this dataset, 5 heart datasets are combined over 11 common features which makes it the largest heart disease dataset available so far for research purposes. The five datasets used for its curation are:</a:t>
-            </a:r>
-          </a:p>
-          <a:p>
-            <a:pPr marL="0" indent="0">
-              <a:buNone/>
-            </a:pPr>
-            <a:endParaRPr lang="en-US" sz="1000" dirty="0"/>
-          </a:p>
-          <a:p>
-            <a:pPr>
-              <a:buFont typeface="Arial" panose="020B0604020202020204" pitchFamily="34" charset="0"/>
-              <a:buChar char="•"/>
-            </a:pPr>
-            <a:r>
-              <a:rPr lang="en-US" sz="2000" i="1" dirty="0"/>
-              <a:t>Cleveland</a:t>
-            </a:r>
-            <a:r>
-              <a:rPr lang="en-US" sz="2000" dirty="0"/>
-              <a:t>: 303 observations</a:t>
-            </a:r>
-          </a:p>
-          <a:p>
-            <a:pPr>
-              <a:buFont typeface="Arial" panose="020B0604020202020204" pitchFamily="34" charset="0"/>
-              <a:buChar char="•"/>
-            </a:pPr>
-            <a:r>
-              <a:rPr lang="en-US" sz="2000" i="1" dirty="0"/>
-              <a:t>Hungarian</a:t>
-            </a:r>
-            <a:r>
-              <a:rPr lang="en-US" sz="2000" dirty="0"/>
-              <a:t>: 294 observations</a:t>
-            </a:r>
-          </a:p>
-          <a:p>
-            <a:pPr>
-              <a:buFont typeface="Arial" panose="020B0604020202020204" pitchFamily="34" charset="0"/>
-              <a:buChar char="•"/>
-            </a:pPr>
-            <a:r>
-              <a:rPr lang="en-US" sz="2000" i="1" dirty="0"/>
-              <a:t>Switzerland</a:t>
-            </a:r>
-            <a:r>
-              <a:rPr lang="en-US" sz="2000" dirty="0"/>
-              <a:t>: 123 observations</a:t>
-            </a:r>
-          </a:p>
-          <a:p>
-            <a:pPr>
-              <a:buFont typeface="Arial" panose="020B0604020202020204" pitchFamily="34" charset="0"/>
-              <a:buChar char="•"/>
-            </a:pPr>
-            <a:r>
-              <a:rPr lang="en-US" sz="2000" i="1" dirty="0"/>
-              <a:t>Long Beach VA</a:t>
-            </a:r>
-            <a:r>
-              <a:rPr lang="en-US" sz="2000" dirty="0"/>
-              <a:t>: 200 observations</a:t>
-            </a:r>
-          </a:p>
-          <a:p>
-            <a:pPr>
-              <a:buFont typeface="Arial" panose="020B0604020202020204" pitchFamily="34" charset="0"/>
-              <a:buChar char="•"/>
-            </a:pPr>
-            <a:r>
-              <a:rPr lang="en-US" sz="2000" i="1" dirty="0" err="1"/>
-              <a:t>Stalog</a:t>
-            </a:r>
-            <a:r>
-              <a:rPr lang="en-US" sz="2000" i="1" dirty="0"/>
-              <a:t> (Heart) Data Set</a:t>
-            </a:r>
-            <a:r>
-              <a:rPr lang="en-US" sz="2000" dirty="0"/>
-              <a:t>: 270 observations</a:t>
-            </a:r>
-          </a:p>
-          <a:p>
-            <a:pPr marL="0" indent="0">
-              <a:buNone/>
-            </a:pPr>
-            <a:endParaRPr lang="en-US" sz="1000" dirty="0"/>
-          </a:p>
-          <a:p>
-            <a:pPr marL="0" indent="0">
-              <a:buNone/>
-            </a:pPr>
-            <a:r>
-              <a:rPr lang="en-US" sz="1200" dirty="0"/>
-              <a:t>Every dataset used can be found under the Index of heart disease datasets from UCI Machine Learning Repository on the following link: </a:t>
-            </a:r>
-            <a:r>
-              <a:rPr lang="en-US" sz="1200" dirty="0">
-                <a:hlinkClick r:id="rId4"/>
-              </a:rPr>
-              <a:t>https://archive.ics.uci.edu/ml/machine-learning-databases/heart-disease/</a:t>
-            </a:r>
-            <a:endParaRPr lang="en-US" sz="1200" dirty="0"/>
-          </a:p>
-          <a:p>
-            <a:pPr marL="0" indent="0">
-              <a:buNone/>
-            </a:pPr>
-            <a:r>
-              <a:rPr lang="en-US" sz="1200" dirty="0">
-                <a:hlinkClick r:id="rId5"/>
-              </a:rPr>
-              <a:t>https://www.kaggle.com/datasets/fedesoriano/heart-failure-prediction</a:t>
-            </a:r>
-            <a:endParaRPr lang="en-US" sz="1200" dirty="0"/>
-          </a:p>
-        </p:txBody>
-      </p:sp>
-      <p:sp>
-        <p:nvSpPr>
-          <p:cNvPr id="12" name="Rectangle 11">
-            <a:extLst>
-              <a:ext uri="{FF2B5EF4-FFF2-40B4-BE49-F238E27FC236}">
-                <a16:creationId xmlns:a16="http://schemas.microsoft.com/office/drawing/2014/main" id="{0844A943-BF79-4FEA-ABB1-3BD54D236606}"/>
-              </a:ext>
-              <a:ext uri="{C183D7F6-B498-43B3-948B-1728B52AA6E4}">
-                <adec:decorative xmlns:adec="http://schemas.microsoft.com/office/drawing/2017/decorative" val="1"/>
-              </a:ext>
-            </a:extLst>
-          </p:cNvPr>
-          <p:cNvSpPr>
-            <a:spLocks noGrp="1" noRot="1" noChangeAspect="1" noMove="1" noResize="1" noEditPoints="1" noAdjustHandles="1" noChangeArrowheads="1" noChangeShapeType="1" noTextEdit="1"/>
-          </p:cNvSpPr>
-          <p:nvPr>
-            <p:extLst>
-              <p:ext uri="{386F3935-93C4-4BCD-93E2-E3B085C9AB24}">
-                <p16:designElem xmlns:p16="http://schemas.microsoft.com/office/powerpoint/2015/main" val="1"/>
-              </p:ext>
-            </p:extLst>
-          </p:nvPr>
-        </p:nvSpPr>
-        <p:spPr>
-          <a:xfrm rot="10800000" flipH="1">
-            <a:off x="0" y="6400799"/>
-            <a:ext cx="12192000" cy="456773"/>
-          </a:xfrm>
-          <a:prstGeom prst="rect">
-            <a:avLst/>
-          </a:prstGeom>
-          <a:gradFill>
-            <a:gsLst>
-              <a:gs pos="0">
-                <a:schemeClr val="accent1"/>
-              </a:gs>
-              <a:gs pos="90000">
-                <a:srgbClr val="000000"/>
-              </a:gs>
-            </a:gsLst>
-            <a:lin ang="2400000" scaled="0"/>
-          </a:gradFill>
-          <a:ln>
-            <a:noFill/>
-          </a:ln>
-        </p:spPr>
-        <p:style>
-          <a:lnRef idx="2">
-            <a:schemeClr val="accent1">
-              <a:shade val="50000"/>
-            </a:schemeClr>
-          </a:lnRef>
-          <a:fillRef idx="1">
-            <a:schemeClr val="accent1"/>
-          </a:fillRef>
-          <a:effectRef idx="0">
-            <a:schemeClr val="accent1"/>
-          </a:effectRef>
-          <a:fontRef idx="minor">
-            <a:schemeClr val="lt1"/>
-          </a:fontRef>
-        </p:style>
-        <p:txBody>
-          <a:bodyPr rtlCol="0" anchor="ctr"/>
-          <a:lstStyle/>
-          <a:p>
-            <a:pPr algn="ctr"/>
-            <a:endParaRPr lang="en-US"/>
-          </a:p>
-        </p:txBody>
-      </p:sp>
-      <p:sp>
-        <p:nvSpPr>
-          <p:cNvPr id="14" name="Rectangle 13">
-            <a:extLst>
-              <a:ext uri="{FF2B5EF4-FFF2-40B4-BE49-F238E27FC236}">
-                <a16:creationId xmlns:a16="http://schemas.microsoft.com/office/drawing/2014/main" id="{6437CC72-F4A8-4DC3-AFAB-D22C482C8100}"/>
-              </a:ext>
-              <a:ext uri="{C183D7F6-B498-43B3-948B-1728B52AA6E4}">
-                <adec:decorative xmlns:adec="http://schemas.microsoft.com/office/drawing/2017/decorative" val="1"/>
-              </a:ext>
-            </a:extLst>
-          </p:cNvPr>
-          <p:cNvSpPr>
-            <a:spLocks noGrp="1" noRot="1" noChangeAspect="1" noMove="1" noResize="1" noEditPoints="1" noAdjustHandles="1" noChangeArrowheads="1" noChangeShapeType="1" noTextEdit="1"/>
-          </p:cNvSpPr>
-          <p:nvPr>
-            <p:extLst>
-              <p:ext uri="{386F3935-93C4-4BCD-93E2-E3B085C9AB24}">
-                <p16:designElem xmlns:p16="http://schemas.microsoft.com/office/powerpoint/2015/main" val="1"/>
-              </p:ext>
-            </p:extLst>
-          </p:nvPr>
-        </p:nvSpPr>
-        <p:spPr>
-          <a:xfrm flipH="1">
-            <a:off x="4038600" y="6400799"/>
-            <a:ext cx="8153398" cy="456772"/>
-          </a:xfrm>
-          <a:prstGeom prst="rect">
-            <a:avLst/>
-          </a:prstGeom>
-          <a:gradFill>
-            <a:gsLst>
-              <a:gs pos="0">
-                <a:srgbClr val="000000">
-                  <a:alpha val="50000"/>
-                </a:srgbClr>
-              </a:gs>
-              <a:gs pos="100000">
-                <a:schemeClr val="accent1">
-                  <a:lumMod val="75000"/>
-                </a:schemeClr>
-              </a:gs>
-            </a:gsLst>
-            <a:lin ang="13800000" scaled="0"/>
-          </a:gradFill>
-          <a:ln>
-            <a:noFill/>
-          </a:ln>
-        </p:spPr>
-        <p:style>
-          <a:lnRef idx="2">
-            <a:schemeClr val="accent1">
-              <a:shade val="50000"/>
-            </a:schemeClr>
-          </a:lnRef>
-          <a:fillRef idx="1">
-            <a:schemeClr val="accent1"/>
-          </a:fillRef>
-          <a:effectRef idx="0">
-            <a:schemeClr val="accent1"/>
-          </a:effectRef>
-          <a:fontRef idx="minor">
-            <a:schemeClr val="lt1"/>
-          </a:fontRef>
-        </p:style>
-        <p:txBody>
-          <a:bodyPr rtlCol="0" anchor="ctr"/>
-          <a:lstStyle/>
-          <a:p>
-            <a:pPr algn="ctr"/>
-            <a:endParaRPr lang="en-US"/>
-          </a:p>
-        </p:txBody>
-      </p:sp>
-    </p:spTree>
-    <p:extLst>
-      <p:ext uri="{BB962C8B-B14F-4D97-AF65-F5344CB8AC3E}">
-        <p14:creationId xmlns:p14="http://schemas.microsoft.com/office/powerpoint/2010/main" val="3001573324"/>
-      </p:ext>
-    </p:extLst>
-  </p:cSld>
-  <p:clrMapOvr>
-    <a:masterClrMapping/>
-  </p:clrMapOvr>
-</p:sld>
-</file>
-
-<file path=ppt/slides/slide11.xml><?xml version="1.0" encoding="utf-8"?>
-<p:sld xmlns:a="http://schemas.openxmlformats.org/drawingml/2006/main" xmlns:r="http://schemas.openxmlformats.org/officeDocument/2006/relationships" xmlns:p="http://schemas.openxmlformats.org/presentationml/2006/main">
-  <p:cSld>
-    <p:bg>
-      <p:bgPr>
-        <a:solidFill>
-          <a:schemeClr val="bg1"/>
-        </a:solidFill>
-        <a:effectLst/>
-      </p:bgPr>
-    </p:bg>
-    <p:spTree>
-      <p:nvGrpSpPr>
-        <p:cNvPr id="1" name=""/>
-        <p:cNvGrpSpPr/>
-        <p:nvPr/>
-      </p:nvGrpSpPr>
-      <p:grpSpPr>
-        <a:xfrm>
-          <a:off x="0" y="0"/>
-          <a:ext cx="0" cy="0"/>
-          <a:chOff x="0" y="0"/>
-          <a:chExt cx="0" cy="0"/>
-        </a:xfrm>
-      </p:grpSpPr>
-      <p:sp useBgFill="1">
-        <p:nvSpPr>
-          <p:cNvPr id="8" name="Rectangle 7">
-            <a:extLst>
-              <a:ext uri="{FF2B5EF4-FFF2-40B4-BE49-F238E27FC236}">
-                <a16:creationId xmlns:a16="http://schemas.microsoft.com/office/drawing/2014/main" id="{979E27D9-03C7-44E2-9FF8-15D0C8506AF7}"/>
-              </a:ext>
-              <a:ext uri="{C183D7F6-B498-43B3-948B-1728B52AA6E4}">
-                <adec:decorative xmlns:adec="http://schemas.microsoft.com/office/drawing/2017/decorative" val="1"/>
-              </a:ext>
-            </a:extLst>
-          </p:cNvPr>
-          <p:cNvSpPr>
-            <a:spLocks noGrp="1" noRot="1" noChangeAspect="1" noMove="1" noResize="1" noEditPoints="1" noAdjustHandles="1" noChangeArrowheads="1" noChangeShapeType="1" noTextEdit="1"/>
-          </p:cNvSpPr>
-          <p:nvPr>
-            <p:extLst>
-              <p:ext uri="{386F3935-93C4-4BCD-93E2-E3B085C9AB24}">
-                <p16:designElem xmlns:p16="http://schemas.microsoft.com/office/powerpoint/2015/main" val="1"/>
-              </p:ext>
-            </p:extLst>
-          </p:nvPr>
-        </p:nvSpPr>
-        <p:spPr>
-          <a:xfrm>
-            <a:off x="0" y="0"/>
-            <a:ext cx="12192000" cy="6858000"/>
-          </a:xfrm>
-          <a:prstGeom prst="rect">
-            <a:avLst/>
-          </a:prstGeom>
-          <a:ln w="12700" cap="flat" cmpd="sng" algn="ctr">
-            <a:noFill/>
-            <a:prstDash val="solid"/>
-            <a:miter lim="800000"/>
-          </a:ln>
-          <a:effectLst/>
-          <a:extLst>
-            <a:ext uri="{91240B29-F687-4F45-9708-019B960494DF}">
-              <a14:hiddenLine xmlns:a14="http://schemas.microsoft.com/office/drawing/2010/main" w="12700" cap="flat" cmpd="sng" algn="ctr">
-                <a:solidFill>
-                  <a:schemeClr val="accent1">
-                    <a:shade val="50000"/>
-                  </a:schemeClr>
-                </a:solidFill>
-                <a:prstDash val="solid"/>
-                <a:miter lim="800000"/>
-              </a14:hiddenLine>
-            </a:ext>
-          </a:extLst>
-        </p:spPr>
-        <p:style>
-          <a:lnRef idx="2">
-            <a:schemeClr val="accent1">
-              <a:shade val="50000"/>
-            </a:schemeClr>
-          </a:lnRef>
-          <a:fillRef idx="1">
-            <a:schemeClr val="accent1"/>
-          </a:fillRef>
-          <a:effectRef idx="0">
-            <a:schemeClr val="accent1"/>
-          </a:effectRef>
-          <a:fontRef idx="minor">
-            <a:schemeClr val="lt1"/>
-          </a:fontRef>
-        </p:style>
-        <p:txBody>
-          <a:bodyPr rtlCol="0" anchor="ctr"/>
-          <a:lstStyle/>
-          <a:p>
-            <a:pPr algn="ctr"/>
-            <a:endParaRPr lang="en-US"/>
-          </a:p>
-        </p:txBody>
-      </p:sp>
-      <p:sp>
-        <p:nvSpPr>
-          <p:cNvPr id="2" name="Title 1">
-            <a:extLst>
-              <a:ext uri="{FF2B5EF4-FFF2-40B4-BE49-F238E27FC236}">
                 <a16:creationId xmlns:a16="http://schemas.microsoft.com/office/drawing/2014/main" id="{5C4F02F6-349D-954F-B02F-78EBD3017252}"/>
               </a:ext>
             </a:extLst>
@@ -5085,7 +4594,7 @@
           <a:p>
             <a:r>
               <a:rPr lang="en-US" sz="4000" b="1" dirty="0"/>
-              <a:t>Heart Failure Prediction Dataset structure</a:t>
+              <a:t>Exploratory Data Analysis</a:t>
             </a:r>
           </a:p>
         </p:txBody>
@@ -5114,7 +4623,7 @@
         </p:spPr>
         <p:txBody>
           <a:bodyPr anchor="t">
-            <a:normAutofit fontScale="77500" lnSpcReduction="20000"/>
+            <a:normAutofit/>
           </a:bodyPr>
           <a:lstStyle/>
           <a:p>
@@ -5122,179 +4631,25 @@
               <a:buNone/>
             </a:pPr>
             <a:r>
-              <a:rPr lang="en-US" sz="1900" b="1" dirty="0"/>
-              <a:t>Age</a:t>
-            </a:r>
-            <a:r>
-              <a:rPr lang="en-US" sz="1900" dirty="0"/>
-              <a:t>: age of the patient [years]</a:t>
+              <a:rPr lang="en-US" sz="2400" dirty="0"/>
+              <a:t>Before training our models, we need to observe and analyze the data to see what we are going to work with. The goal here is to learn more about the data and become a topic export on the dataset you are working with.</a:t>
             </a:r>
           </a:p>
           <a:p>
             <a:pPr marL="0" indent="0">
               <a:buNone/>
             </a:pPr>
-            <a:r>
-              <a:rPr lang="en-US" sz="1900" b="1" dirty="0"/>
-              <a:t>Sex</a:t>
-            </a:r>
-            <a:r>
-              <a:rPr lang="en-US" sz="1900" dirty="0"/>
-              <a:t>: sex of the patient [M: Male, F: Female]</a:t>
-            </a:r>
+            <a:endParaRPr lang="en-US" sz="2400" dirty="0"/>
           </a:p>
           <a:p>
             <a:pPr marL="0" indent="0">
               <a:buNone/>
             </a:pPr>
             <a:r>
-              <a:rPr lang="en-US" sz="1900" b="1" dirty="0" err="1"/>
-              <a:t>ChestPainType</a:t>
-            </a:r>
-            <a:r>
-              <a:rPr lang="en-US" sz="1900" dirty="0"/>
-              <a:t>: chest pain type [TA: Typical Angina, ATA: Atypical Angina, NAP: Non-Anginal Pain, ASY: Asymptomatic]</a:t>
-            </a:r>
-          </a:p>
-          <a:p>
-            <a:pPr marL="0" indent="0">
-              <a:buNone/>
-            </a:pPr>
-            <a:r>
-              <a:rPr lang="en-US" sz="1900" b="1" dirty="0" err="1"/>
-              <a:t>RestingBP</a:t>
-            </a:r>
-            <a:r>
-              <a:rPr lang="en-US" sz="1900" dirty="0"/>
-              <a:t>: resting blood pressure [mm Hg]</a:t>
-            </a:r>
-          </a:p>
-          <a:p>
-            <a:pPr marL="0" indent="0">
-              <a:buNone/>
-            </a:pPr>
-            <a:r>
-              <a:rPr lang="en-US" sz="1900" b="1" dirty="0"/>
-              <a:t>Cholesterol</a:t>
-            </a:r>
-            <a:r>
-              <a:rPr lang="en-US" sz="1900" dirty="0"/>
-              <a:t>: serum cholesterol [mm/dl]</a:t>
-            </a:r>
-          </a:p>
-          <a:p>
-            <a:pPr marL="0" indent="0">
-              <a:buNone/>
-            </a:pPr>
-            <a:r>
-              <a:rPr lang="en-US" sz="1900" b="1" dirty="0" err="1"/>
-              <a:t>FastingBS</a:t>
-            </a:r>
-            <a:r>
-              <a:rPr lang="en-US" sz="1900" dirty="0"/>
-              <a:t>: fasting blood sugar [1: if </a:t>
-            </a:r>
-            <a:r>
-              <a:rPr lang="en-US" sz="1900" dirty="0" err="1"/>
-              <a:t>FastingBS</a:t>
-            </a:r>
-            <a:r>
-              <a:rPr lang="en-US" sz="1900" dirty="0"/>
-              <a:t> &gt; 120 mg/dl, 0: otherwise]</a:t>
-            </a:r>
-          </a:p>
-          <a:p>
-            <a:pPr marL="0" indent="0">
-              <a:buNone/>
-            </a:pPr>
-            <a:r>
-              <a:rPr lang="en-US" sz="1900" b="1" dirty="0" err="1"/>
-              <a:t>RestingECG</a:t>
-            </a:r>
-            <a:r>
-              <a:rPr lang="en-US" sz="1900" dirty="0"/>
-              <a:t>: resting electrocardiogram results [Normal: Normal, ST: having ST-T wave abnormality (T wave inversions and/or ST elevation or depression of &gt; 0.05 mV), LVH: showing probable or definite left ventricular hypertrophy by Estes' criteria]</a:t>
-            </a:r>
-          </a:p>
-          <a:p>
-            <a:pPr marL="0" indent="0">
-              <a:buNone/>
-            </a:pPr>
-            <a:r>
-              <a:rPr lang="en-US" sz="1900" b="1" dirty="0" err="1"/>
-              <a:t>MaxHR</a:t>
-            </a:r>
-            <a:r>
-              <a:rPr lang="en-US" sz="1900" dirty="0"/>
-              <a:t>: maximum heart rate achieved [Numeric value between 60 and 202]</a:t>
-            </a:r>
-          </a:p>
-          <a:p>
-            <a:pPr marL="0" indent="0">
-              <a:buNone/>
-            </a:pPr>
-            <a:r>
-              <a:rPr lang="en-US" sz="1900" b="1" dirty="0" err="1"/>
-              <a:t>ExerciseAngina</a:t>
-            </a:r>
-            <a:r>
-              <a:rPr lang="en-US" sz="1900" dirty="0"/>
-              <a:t>: exercise-induced angina [Y: Yes, N: No]</a:t>
-            </a:r>
-          </a:p>
-          <a:p>
-            <a:pPr marL="0" indent="0">
-              <a:buNone/>
-            </a:pPr>
-            <a:r>
-              <a:rPr lang="en-US" sz="1900" b="1" dirty="0" err="1"/>
-              <a:t>Oldpeak</a:t>
-            </a:r>
-            <a:r>
-              <a:rPr lang="en-US" sz="1900" dirty="0"/>
-              <a:t>: </a:t>
-            </a:r>
-            <a:r>
-              <a:rPr lang="en-US" sz="1900" dirty="0" err="1"/>
-              <a:t>oldpeak</a:t>
-            </a:r>
-            <a:r>
-              <a:rPr lang="en-US" sz="1900" dirty="0"/>
-              <a:t> = ST [Numeric value measured in depression]</a:t>
-            </a:r>
-          </a:p>
-          <a:p>
-            <a:pPr marL="0" indent="0">
-              <a:buNone/>
-            </a:pPr>
-            <a:r>
-              <a:rPr lang="en-US" sz="1900" b="1" dirty="0" err="1"/>
-              <a:t>ST_Slope</a:t>
-            </a:r>
-            <a:r>
-              <a:rPr lang="en-US" sz="1900" dirty="0"/>
-              <a:t>: the slope of the peak exercise ST segment [Up: upsloping, Flat: flat, Down: </a:t>
-            </a:r>
-            <a:r>
-              <a:rPr lang="en-US" sz="1900" dirty="0" err="1"/>
-              <a:t>downsloping</a:t>
-            </a:r>
-            <a:r>
-              <a:rPr lang="en-US" sz="1900" dirty="0"/>
-              <a:t>]</a:t>
-            </a:r>
-          </a:p>
-          <a:p>
-            <a:pPr marL="0" indent="0">
-              <a:buNone/>
-            </a:pPr>
-            <a:r>
-              <a:rPr lang="en-US" sz="1900" b="1" dirty="0" err="1"/>
-              <a:t>HeartDisease</a:t>
-            </a:r>
-            <a:r>
-              <a:rPr lang="en-US" sz="1900" dirty="0"/>
-              <a:t>: output class [1: heart disease, 0: Normal]</a:t>
+              <a:rPr lang="en-US" sz="2400" b="0" dirty="0">
+                <a:effectLst/>
+              </a:rPr>
+              <a:t>This data set includes a patient's medical data(resting heart rate, cholesterol levels, blood pressure, blood sugar levels, etc.). Our Goal in this section is to determine factors that contribute to heart failure and find correlation of various factors.</a:t>
             </a:r>
           </a:p>
           <a:p>
@@ -5456,364 +4811,6 @@
     </p:spTree>
     <p:extLst>
       <p:ext uri="{BB962C8B-B14F-4D97-AF65-F5344CB8AC3E}">
-        <p14:creationId xmlns:p14="http://schemas.microsoft.com/office/powerpoint/2010/main" val="946419350"/>
-      </p:ext>
-    </p:extLst>
-  </p:cSld>
-  <p:clrMapOvr>
-    <a:masterClrMapping/>
-  </p:clrMapOvr>
-</p:sld>
-</file>
-
-<file path=ppt/slides/slide12.xml><?xml version="1.0" encoding="utf-8"?>
-<p:sld xmlns:a="http://schemas.openxmlformats.org/drawingml/2006/main" xmlns:r="http://schemas.openxmlformats.org/officeDocument/2006/relationships" xmlns:p="http://schemas.openxmlformats.org/presentationml/2006/main">
-  <p:cSld>
-    <p:bg>
-      <p:bgPr>
-        <a:solidFill>
-          <a:schemeClr val="bg1"/>
-        </a:solidFill>
-        <a:effectLst/>
-      </p:bgPr>
-    </p:bg>
-    <p:spTree>
-      <p:nvGrpSpPr>
-        <p:cNvPr id="1" name=""/>
-        <p:cNvGrpSpPr/>
-        <p:nvPr/>
-      </p:nvGrpSpPr>
-      <p:grpSpPr>
-        <a:xfrm>
-          <a:off x="0" y="0"/>
-          <a:ext cx="0" cy="0"/>
-          <a:chOff x="0" y="0"/>
-          <a:chExt cx="0" cy="0"/>
-        </a:xfrm>
-      </p:grpSpPr>
-      <p:sp useBgFill="1">
-        <p:nvSpPr>
-          <p:cNvPr id="8" name="Rectangle 7">
-            <a:extLst>
-              <a:ext uri="{FF2B5EF4-FFF2-40B4-BE49-F238E27FC236}">
-                <a16:creationId xmlns:a16="http://schemas.microsoft.com/office/drawing/2014/main" id="{979E27D9-03C7-44E2-9FF8-15D0C8506AF7}"/>
-              </a:ext>
-              <a:ext uri="{C183D7F6-B498-43B3-948B-1728B52AA6E4}">
-                <adec:decorative xmlns:adec="http://schemas.microsoft.com/office/drawing/2017/decorative" val="1"/>
-              </a:ext>
-            </a:extLst>
-          </p:cNvPr>
-          <p:cNvSpPr>
-            <a:spLocks noGrp="1" noRot="1" noChangeAspect="1" noMove="1" noResize="1" noEditPoints="1" noAdjustHandles="1" noChangeArrowheads="1" noChangeShapeType="1" noTextEdit="1"/>
-          </p:cNvSpPr>
-          <p:nvPr>
-            <p:extLst>
-              <p:ext uri="{386F3935-93C4-4BCD-93E2-E3B085C9AB24}">
-                <p16:designElem xmlns:p16="http://schemas.microsoft.com/office/powerpoint/2015/main" val="1"/>
-              </p:ext>
-            </p:extLst>
-          </p:nvPr>
-        </p:nvSpPr>
-        <p:spPr>
-          <a:xfrm>
-            <a:off x="0" y="0"/>
-            <a:ext cx="12192000" cy="6858000"/>
-          </a:xfrm>
-          <a:prstGeom prst="rect">
-            <a:avLst/>
-          </a:prstGeom>
-          <a:ln w="12700" cap="flat" cmpd="sng" algn="ctr">
-            <a:noFill/>
-            <a:prstDash val="solid"/>
-            <a:miter lim="800000"/>
-          </a:ln>
-          <a:effectLst/>
-          <a:extLst>
-            <a:ext uri="{91240B29-F687-4F45-9708-019B960494DF}">
-              <a14:hiddenLine xmlns:a14="http://schemas.microsoft.com/office/drawing/2010/main" w="12700" cap="flat" cmpd="sng" algn="ctr">
-                <a:solidFill>
-                  <a:schemeClr val="accent1">
-                    <a:shade val="50000"/>
-                  </a:schemeClr>
-                </a:solidFill>
-                <a:prstDash val="solid"/>
-                <a:miter lim="800000"/>
-              </a14:hiddenLine>
-            </a:ext>
-          </a:extLst>
-        </p:spPr>
-        <p:style>
-          <a:lnRef idx="2">
-            <a:schemeClr val="accent1">
-              <a:shade val="50000"/>
-            </a:schemeClr>
-          </a:lnRef>
-          <a:fillRef idx="1">
-            <a:schemeClr val="accent1"/>
-          </a:fillRef>
-          <a:effectRef idx="0">
-            <a:schemeClr val="accent1"/>
-          </a:effectRef>
-          <a:fontRef idx="minor">
-            <a:schemeClr val="lt1"/>
-          </a:fontRef>
-        </p:style>
-        <p:txBody>
-          <a:bodyPr rtlCol="0" anchor="ctr"/>
-          <a:lstStyle/>
-          <a:p>
-            <a:pPr algn="ctr"/>
-            <a:endParaRPr lang="en-US"/>
-          </a:p>
-        </p:txBody>
-      </p:sp>
-      <p:sp>
-        <p:nvSpPr>
-          <p:cNvPr id="2" name="Title 1">
-            <a:extLst>
-              <a:ext uri="{FF2B5EF4-FFF2-40B4-BE49-F238E27FC236}">
-                <a16:creationId xmlns:a16="http://schemas.microsoft.com/office/drawing/2014/main" id="{5C4F02F6-349D-954F-B02F-78EBD3017252}"/>
-              </a:ext>
-            </a:extLst>
-          </p:cNvPr>
-          <p:cNvSpPr>
-            <a:spLocks noGrp="1"/>
-          </p:cNvSpPr>
-          <p:nvPr>
-            <p:ph type="title"/>
-          </p:nvPr>
-        </p:nvSpPr>
-        <p:spPr>
-          <a:xfrm>
-            <a:off x="1136397" y="502022"/>
-            <a:ext cx="9688296" cy="1388356"/>
-          </a:xfrm>
-        </p:spPr>
-        <p:txBody>
-          <a:bodyPr anchor="b">
-            <a:normAutofit/>
-          </a:bodyPr>
-          <a:lstStyle/>
-          <a:p>
-            <a:r>
-              <a:rPr lang="en-US" sz="4000" b="1" dirty="0"/>
-              <a:t>Exploratory Data Analysis</a:t>
-            </a:r>
-          </a:p>
-        </p:txBody>
-      </p:sp>
-      <p:sp>
-        <p:nvSpPr>
-          <p:cNvPr id="3" name="Content Placeholder 2">
-            <a:extLst>
-              <a:ext uri="{FF2B5EF4-FFF2-40B4-BE49-F238E27FC236}">
-                <a16:creationId xmlns:a16="http://schemas.microsoft.com/office/drawing/2014/main" id="{3A721E59-1DC4-3845-9DB3-10F69E64143F}"/>
-              </a:ext>
-            </a:extLst>
-          </p:cNvPr>
-          <p:cNvSpPr>
-            <a:spLocks noGrp="1"/>
-          </p:cNvSpPr>
-          <p:nvPr>
-            <p:ph idx="1"/>
-          </p:nvPr>
-        </p:nvSpPr>
-        <p:spPr>
-          <a:xfrm>
-            <a:off x="1136397" y="2270234"/>
-            <a:ext cx="9688296" cy="3773213"/>
-          </a:xfrm>
-        </p:spPr>
-        <p:txBody>
-          <a:bodyPr anchor="t">
-            <a:normAutofit/>
-          </a:bodyPr>
-          <a:lstStyle/>
-          <a:p>
-            <a:pPr marL="0" indent="0">
-              <a:buNone/>
-            </a:pPr>
-            <a:r>
-              <a:rPr lang="en-US" sz="2400" dirty="0"/>
-              <a:t>Before training our models, we need to observe and analyze the data to see what we are going to work with. The goal here is to learn more about the data and become a topic export on the dataset you are working with.</a:t>
-            </a:r>
-          </a:p>
-          <a:p>
-            <a:pPr marL="0" indent="0">
-              <a:buNone/>
-            </a:pPr>
-            <a:endParaRPr lang="en-US" sz="2400" dirty="0"/>
-          </a:p>
-          <a:p>
-            <a:pPr marL="0" indent="0">
-              <a:buNone/>
-            </a:pPr>
-            <a:r>
-              <a:rPr lang="en-US" sz="2400" b="0" dirty="0">
-                <a:effectLst/>
-              </a:rPr>
-              <a:t>This data set includes a patient's medical data(resting heart rate, cholesterol levels, blood pressure, blood sugar levels, etc.). Our Goal in this section is to determine factors that contribute to heart failure and find correlation of various factors.</a:t>
-            </a:r>
-          </a:p>
-          <a:p>
-            <a:pPr marL="457200" lvl="1" indent="0">
-              <a:buNone/>
-            </a:pPr>
-            <a:endParaRPr lang="en-US" sz="2000" dirty="0">
-              <a:effectLst/>
-            </a:endParaRPr>
-          </a:p>
-        </p:txBody>
-      </p:sp>
-      <p:sp>
-        <p:nvSpPr>
-          <p:cNvPr id="10" name="Rectangle 9">
-            <a:extLst>
-              <a:ext uri="{FF2B5EF4-FFF2-40B4-BE49-F238E27FC236}">
-                <a16:creationId xmlns:a16="http://schemas.microsoft.com/office/drawing/2014/main" id="{EEBF1590-3B36-48EE-A89D-3B6F3CB256AB}"/>
-              </a:ext>
-              <a:ext uri="{C183D7F6-B498-43B3-948B-1728B52AA6E4}">
-                <adec:decorative xmlns:adec="http://schemas.microsoft.com/office/drawing/2017/decorative" val="1"/>
-              </a:ext>
-            </a:extLst>
-          </p:cNvPr>
-          <p:cNvSpPr>
-            <a:spLocks noGrp="1" noRot="1" noChangeAspect="1" noMove="1" noResize="1" noEditPoints="1" noAdjustHandles="1" noChangeArrowheads="1" noChangeShapeType="1" noTextEdit="1"/>
-          </p:cNvSpPr>
-          <p:nvPr>
-            <p:extLst>
-              <p:ext uri="{386F3935-93C4-4BCD-93E2-E3B085C9AB24}">
-                <p16:designElem xmlns:p16="http://schemas.microsoft.com/office/powerpoint/2015/main" val="1"/>
-              </p:ext>
-            </p:extLst>
-          </p:nvPr>
-        </p:nvSpPr>
-        <p:spPr>
-          <a:xfrm rot="10800000" flipH="1">
-            <a:off x="0" y="6400799"/>
-            <a:ext cx="12192000" cy="456773"/>
-          </a:xfrm>
-          <a:prstGeom prst="rect">
-            <a:avLst/>
-          </a:prstGeom>
-          <a:gradFill>
-            <a:gsLst>
-              <a:gs pos="0">
-                <a:schemeClr val="accent1"/>
-              </a:gs>
-              <a:gs pos="78000">
-                <a:srgbClr val="000000"/>
-              </a:gs>
-            </a:gsLst>
-            <a:lin ang="2400000" scaled="0"/>
-          </a:gradFill>
-          <a:ln>
-            <a:noFill/>
-          </a:ln>
-        </p:spPr>
-        <p:style>
-          <a:lnRef idx="2">
-            <a:schemeClr val="accent1">
-              <a:shade val="50000"/>
-            </a:schemeClr>
-          </a:lnRef>
-          <a:fillRef idx="1">
-            <a:schemeClr val="accent1"/>
-          </a:fillRef>
-          <a:effectRef idx="0">
-            <a:schemeClr val="accent1"/>
-          </a:effectRef>
-          <a:fontRef idx="minor">
-            <a:schemeClr val="lt1"/>
-          </a:fontRef>
-        </p:style>
-        <p:txBody>
-          <a:bodyPr rtlCol="0" anchor="ctr"/>
-          <a:lstStyle/>
-          <a:p>
-            <a:pPr algn="ctr"/>
-            <a:endParaRPr lang="en-US"/>
-          </a:p>
-        </p:txBody>
-      </p:sp>
-      <p:sp>
-        <p:nvSpPr>
-          <p:cNvPr id="12" name="Rectangle 11">
-            <a:extLst>
-              <a:ext uri="{FF2B5EF4-FFF2-40B4-BE49-F238E27FC236}">
-                <a16:creationId xmlns:a16="http://schemas.microsoft.com/office/drawing/2014/main" id="{AC8F6C8C-AB5A-4548-942D-E3FD40ACBC49}"/>
-              </a:ext>
-              <a:ext uri="{C183D7F6-B498-43B3-948B-1728B52AA6E4}">
-                <adec:decorative xmlns:adec="http://schemas.microsoft.com/office/drawing/2017/decorative" val="1"/>
-              </a:ext>
-            </a:extLst>
-          </p:cNvPr>
-          <p:cNvSpPr>
-            <a:spLocks noGrp="1" noRot="1" noChangeAspect="1" noMove="1" noResize="1" noEditPoints="1" noAdjustHandles="1" noChangeArrowheads="1" noChangeShapeType="1" noTextEdit="1"/>
-          </p:cNvSpPr>
-          <p:nvPr>
-            <p:extLst>
-              <p:ext uri="{386F3935-93C4-4BCD-93E2-E3B085C9AB24}">
-                <p16:designElem xmlns:p16="http://schemas.microsoft.com/office/powerpoint/2015/main" val="1"/>
-              </p:ext>
-            </p:extLst>
-          </p:nvPr>
-        </p:nvSpPr>
-        <p:spPr>
-          <a:xfrm flipH="1">
-            <a:off x="4038600" y="6400799"/>
-            <a:ext cx="8153398" cy="456772"/>
-          </a:xfrm>
-          <a:prstGeom prst="rect">
-            <a:avLst/>
-          </a:prstGeom>
-          <a:gradFill>
-            <a:gsLst>
-              <a:gs pos="0">
-                <a:srgbClr val="000000">
-                  <a:alpha val="63000"/>
-                </a:srgbClr>
-              </a:gs>
-              <a:gs pos="100000">
-                <a:schemeClr val="accent1">
-                  <a:lumMod val="75000"/>
-                </a:schemeClr>
-              </a:gs>
-            </a:gsLst>
-            <a:lin ang="13800000" scaled="0"/>
-          </a:gradFill>
-          <a:ln>
-            <a:noFill/>
-          </a:ln>
-        </p:spPr>
-        <p:style>
-          <a:lnRef idx="2">
-            <a:schemeClr val="accent1">
-              <a:shade val="50000"/>
-            </a:schemeClr>
-          </a:lnRef>
-          <a:fillRef idx="1">
-            <a:schemeClr val="accent1"/>
-          </a:fillRef>
-          <a:effectRef idx="0">
-            <a:schemeClr val="accent1"/>
-          </a:effectRef>
-          <a:fontRef idx="minor">
-            <a:schemeClr val="lt1"/>
-          </a:fontRef>
-        </p:style>
-        <p:txBody>
-          <a:bodyPr rtlCol="0" anchor="ctr"/>
-          <a:lstStyle/>
-          <a:p>
-            <a:pPr algn="ctr"/>
-            <a:endParaRPr lang="en-US"/>
-          </a:p>
-        </p:txBody>
-      </p:sp>
-    </p:spTree>
-    <p:extLst>
-      <p:ext uri="{BB962C8B-B14F-4D97-AF65-F5344CB8AC3E}">
         <p14:creationId xmlns:p14="http://schemas.microsoft.com/office/powerpoint/2010/main" val="3263931852"/>
       </p:ext>
     </p:extLst>
@@ -5824,7 +4821,7 @@
 </p:sld>
 </file>
 
-<file path=ppt/slides/slide13.xml><?xml version="1.0" encoding="utf-8"?>
+<file path=ppt/slides/slide11.xml><?xml version="1.0" encoding="utf-8"?>
 <p:sld xmlns:a="http://schemas.openxmlformats.org/drawingml/2006/main" xmlns:r="http://schemas.openxmlformats.org/officeDocument/2006/relationships" xmlns:p="http://schemas.openxmlformats.org/presentationml/2006/main">
   <p:cSld>
     <p:bg>
@@ -6420,6 +5417,724 @@
 </p:sld>
 </file>
 
+<file path=ppt/slides/slide12.xml><?xml version="1.0" encoding="utf-8"?>
+<p:sld xmlns:a="http://schemas.openxmlformats.org/drawingml/2006/main" xmlns:r="http://schemas.openxmlformats.org/officeDocument/2006/relationships" xmlns:p="http://schemas.openxmlformats.org/presentationml/2006/main">
+  <p:cSld>
+    <p:bg>
+      <p:bgPr>
+        <a:solidFill>
+          <a:schemeClr val="bg1"/>
+        </a:solidFill>
+        <a:effectLst/>
+      </p:bgPr>
+    </p:bg>
+    <p:spTree>
+      <p:nvGrpSpPr>
+        <p:cNvPr id="1" name=""/>
+        <p:cNvGrpSpPr/>
+        <p:nvPr/>
+      </p:nvGrpSpPr>
+      <p:grpSpPr>
+        <a:xfrm>
+          <a:off x="0" y="0"/>
+          <a:ext cx="0" cy="0"/>
+          <a:chOff x="0" y="0"/>
+          <a:chExt cx="0" cy="0"/>
+        </a:xfrm>
+      </p:grpSpPr>
+      <p:sp useBgFill="1">
+        <p:nvSpPr>
+          <p:cNvPr id="8" name="Rectangle 7">
+            <a:extLst>
+              <a:ext uri="{FF2B5EF4-FFF2-40B4-BE49-F238E27FC236}">
+                <a16:creationId xmlns:a16="http://schemas.microsoft.com/office/drawing/2014/main" id="{979E27D9-03C7-44E2-9FF8-15D0C8506AF7}"/>
+              </a:ext>
+              <a:ext uri="{C183D7F6-B498-43B3-948B-1728B52AA6E4}">
+                <adec:decorative xmlns:adec="http://schemas.microsoft.com/office/drawing/2017/decorative" val="1"/>
+              </a:ext>
+            </a:extLst>
+          </p:cNvPr>
+          <p:cNvSpPr>
+            <a:spLocks noGrp="1" noRot="1" noChangeAspect="1" noMove="1" noResize="1" noEditPoints="1" noAdjustHandles="1" noChangeArrowheads="1" noChangeShapeType="1" noTextEdit="1"/>
+          </p:cNvSpPr>
+          <p:nvPr>
+            <p:extLst>
+              <p:ext uri="{386F3935-93C4-4BCD-93E2-E3B085C9AB24}">
+                <p16:designElem xmlns:p16="http://schemas.microsoft.com/office/powerpoint/2015/main" val="1"/>
+              </p:ext>
+            </p:extLst>
+          </p:nvPr>
+        </p:nvSpPr>
+        <p:spPr>
+          <a:xfrm>
+            <a:off x="0" y="0"/>
+            <a:ext cx="12192000" cy="6858000"/>
+          </a:xfrm>
+          <a:prstGeom prst="rect">
+            <a:avLst/>
+          </a:prstGeom>
+          <a:ln w="12700" cap="flat" cmpd="sng" algn="ctr">
+            <a:noFill/>
+            <a:prstDash val="solid"/>
+            <a:miter lim="800000"/>
+          </a:ln>
+          <a:effectLst/>
+          <a:extLst>
+            <a:ext uri="{91240B29-F687-4F45-9708-019B960494DF}">
+              <a14:hiddenLine xmlns:a14="http://schemas.microsoft.com/office/drawing/2010/main" w="12700" cap="flat" cmpd="sng" algn="ctr">
+                <a:solidFill>
+                  <a:schemeClr val="accent1">
+                    <a:shade val="50000"/>
+                  </a:schemeClr>
+                </a:solidFill>
+                <a:prstDash val="solid"/>
+                <a:miter lim="800000"/>
+              </a14:hiddenLine>
+            </a:ext>
+          </a:extLst>
+        </p:spPr>
+        <p:style>
+          <a:lnRef idx="2">
+            <a:schemeClr val="accent1">
+              <a:shade val="50000"/>
+            </a:schemeClr>
+          </a:lnRef>
+          <a:fillRef idx="1">
+            <a:schemeClr val="accent1"/>
+          </a:fillRef>
+          <a:effectRef idx="0">
+            <a:schemeClr val="accent1"/>
+          </a:effectRef>
+          <a:fontRef idx="minor">
+            <a:schemeClr val="lt1"/>
+          </a:fontRef>
+        </p:style>
+        <p:txBody>
+          <a:bodyPr rtlCol="0" anchor="ctr"/>
+          <a:lstStyle/>
+          <a:p>
+            <a:pPr algn="ctr"/>
+            <a:endParaRPr lang="en-US"/>
+          </a:p>
+        </p:txBody>
+      </p:sp>
+      <p:sp>
+        <p:nvSpPr>
+          <p:cNvPr id="2" name="Title 1">
+            <a:extLst>
+              <a:ext uri="{FF2B5EF4-FFF2-40B4-BE49-F238E27FC236}">
+                <a16:creationId xmlns:a16="http://schemas.microsoft.com/office/drawing/2014/main" id="{5C4F02F6-349D-954F-B02F-78EBD3017252}"/>
+              </a:ext>
+            </a:extLst>
+          </p:cNvPr>
+          <p:cNvSpPr>
+            <a:spLocks noGrp="1"/>
+          </p:cNvSpPr>
+          <p:nvPr>
+            <p:ph type="title"/>
+          </p:nvPr>
+        </p:nvSpPr>
+        <p:spPr>
+          <a:xfrm>
+            <a:off x="1136397" y="502022"/>
+            <a:ext cx="9688296" cy="1388356"/>
+          </a:xfrm>
+        </p:spPr>
+        <p:txBody>
+          <a:bodyPr anchor="b">
+            <a:normAutofit/>
+          </a:bodyPr>
+          <a:lstStyle/>
+          <a:p>
+            <a:r>
+              <a:rPr lang="en-US" sz="4000" b="1"/>
+              <a:t>Results and Observations</a:t>
+            </a:r>
+            <a:endParaRPr lang="en-US" sz="4000" b="1" dirty="0"/>
+          </a:p>
+        </p:txBody>
+      </p:sp>
+      <p:sp>
+        <p:nvSpPr>
+          <p:cNvPr id="3" name="Content Placeholder 2">
+            <a:extLst>
+              <a:ext uri="{FF2B5EF4-FFF2-40B4-BE49-F238E27FC236}">
+                <a16:creationId xmlns:a16="http://schemas.microsoft.com/office/drawing/2014/main" id="{3A721E59-1DC4-3845-9DB3-10F69E64143F}"/>
+              </a:ext>
+            </a:extLst>
+          </p:cNvPr>
+          <p:cNvSpPr>
+            <a:spLocks noGrp="1"/>
+          </p:cNvSpPr>
+          <p:nvPr>
+            <p:ph idx="1"/>
+          </p:nvPr>
+        </p:nvSpPr>
+        <p:spPr>
+          <a:xfrm>
+            <a:off x="1136397" y="1890378"/>
+            <a:ext cx="9688296" cy="3782694"/>
+          </a:xfrm>
+        </p:spPr>
+        <p:txBody>
+          <a:bodyPr anchor="t">
+            <a:normAutofit fontScale="92500" lnSpcReduction="10000"/>
+          </a:bodyPr>
+          <a:lstStyle/>
+          <a:p>
+            <a:pPr marL="457200" lvl="1" indent="0">
+              <a:buNone/>
+            </a:pPr>
+            <a:r>
+              <a:rPr lang="en-US" sz="2000" b="1" u="sng" dirty="0">
+                <a:effectLst/>
+              </a:rPr>
+              <a:t>Neural Network</a:t>
+            </a:r>
+          </a:p>
+          <a:p>
+            <a:pPr marL="0" indent="0">
+              <a:buNone/>
+            </a:pPr>
+            <a:r>
+              <a:rPr lang="en-US" sz="1600" dirty="0"/>
+              <a:t>Experiment</a:t>
+            </a:r>
+          </a:p>
+          <a:p>
+            <a:r>
+              <a:rPr lang="en-US" sz="1600" dirty="0"/>
+              <a:t>In our experiment, we chose the PyTorch library to build a neural network for this classification task. The motivation was to use an available deep learning library that provides various optimizers and loss functions and an easy way to tune hyperparameters so we can arrive at the most accurate network. In this experiment we found that a neural network with 2 layers performed best with our data set of heart data. we ran the experiment with 8 -14 neurons in the first layer and 2 neurons in the final layer with the LeakyReLU activation to predict the chances of heart failure.</a:t>
+            </a:r>
+          </a:p>
+          <a:p>
+            <a:endParaRPr lang="en-US" sz="1600" dirty="0"/>
+          </a:p>
+          <a:p>
+            <a:pPr marL="0" indent="0">
+              <a:buNone/>
+            </a:pPr>
+            <a:r>
+              <a:rPr lang="en-US" sz="1600" dirty="0"/>
+              <a:t>Observation</a:t>
+            </a:r>
+          </a:p>
+          <a:p>
+            <a:r>
+              <a:rPr lang="en-US" sz="1600" dirty="0"/>
+              <a:t>We were able to achieve a top accuracy of 86% over the test data with 12 neurons in the first layer and with optimizer set as RMSProp.</a:t>
+            </a:r>
+          </a:p>
+          <a:p>
+            <a:endParaRPr lang="en-US" sz="1600" dirty="0"/>
+          </a:p>
+          <a:p>
+            <a:pPr marL="0" indent="0">
+              <a:buNone/>
+            </a:pPr>
+            <a:br>
+              <a:rPr lang="en-US" sz="1600" dirty="0"/>
+            </a:br>
+            <a:endParaRPr lang="en-US" sz="2000" dirty="0">
+              <a:effectLst/>
+            </a:endParaRPr>
+          </a:p>
+        </p:txBody>
+      </p:sp>
+      <p:sp>
+        <p:nvSpPr>
+          <p:cNvPr id="10" name="Rectangle 9">
+            <a:extLst>
+              <a:ext uri="{FF2B5EF4-FFF2-40B4-BE49-F238E27FC236}">
+                <a16:creationId xmlns:a16="http://schemas.microsoft.com/office/drawing/2014/main" id="{EEBF1590-3B36-48EE-A89D-3B6F3CB256AB}"/>
+              </a:ext>
+              <a:ext uri="{C183D7F6-B498-43B3-948B-1728B52AA6E4}">
+                <adec:decorative xmlns:adec="http://schemas.microsoft.com/office/drawing/2017/decorative" val="1"/>
+              </a:ext>
+            </a:extLst>
+          </p:cNvPr>
+          <p:cNvSpPr>
+            <a:spLocks noGrp="1" noRot="1" noChangeAspect="1" noMove="1" noResize="1" noEditPoints="1" noAdjustHandles="1" noChangeArrowheads="1" noChangeShapeType="1" noTextEdit="1"/>
+          </p:cNvSpPr>
+          <p:nvPr>
+            <p:extLst>
+              <p:ext uri="{386F3935-93C4-4BCD-93E2-E3B085C9AB24}">
+                <p16:designElem xmlns:p16="http://schemas.microsoft.com/office/powerpoint/2015/main" val="1"/>
+              </p:ext>
+            </p:extLst>
+          </p:nvPr>
+        </p:nvSpPr>
+        <p:spPr>
+          <a:xfrm rot="10800000" flipH="1">
+            <a:off x="0" y="6400799"/>
+            <a:ext cx="12192000" cy="456773"/>
+          </a:xfrm>
+          <a:prstGeom prst="rect">
+            <a:avLst/>
+          </a:prstGeom>
+          <a:gradFill>
+            <a:gsLst>
+              <a:gs pos="0">
+                <a:schemeClr val="accent1"/>
+              </a:gs>
+              <a:gs pos="78000">
+                <a:srgbClr val="000000"/>
+              </a:gs>
+            </a:gsLst>
+            <a:lin ang="2400000" scaled="0"/>
+          </a:gradFill>
+          <a:ln>
+            <a:noFill/>
+          </a:ln>
+        </p:spPr>
+        <p:style>
+          <a:lnRef idx="2">
+            <a:schemeClr val="accent1">
+              <a:shade val="50000"/>
+            </a:schemeClr>
+          </a:lnRef>
+          <a:fillRef idx="1">
+            <a:schemeClr val="accent1"/>
+          </a:fillRef>
+          <a:effectRef idx="0">
+            <a:schemeClr val="accent1"/>
+          </a:effectRef>
+          <a:fontRef idx="minor">
+            <a:schemeClr val="lt1"/>
+          </a:fontRef>
+        </p:style>
+        <p:txBody>
+          <a:bodyPr rtlCol="0" anchor="ctr"/>
+          <a:lstStyle/>
+          <a:p>
+            <a:pPr algn="ctr"/>
+            <a:endParaRPr lang="en-US"/>
+          </a:p>
+        </p:txBody>
+      </p:sp>
+      <p:sp>
+        <p:nvSpPr>
+          <p:cNvPr id="12" name="Rectangle 11">
+            <a:extLst>
+              <a:ext uri="{FF2B5EF4-FFF2-40B4-BE49-F238E27FC236}">
+                <a16:creationId xmlns:a16="http://schemas.microsoft.com/office/drawing/2014/main" id="{AC8F6C8C-AB5A-4548-942D-E3FD40ACBC49}"/>
+              </a:ext>
+              <a:ext uri="{C183D7F6-B498-43B3-948B-1728B52AA6E4}">
+                <adec:decorative xmlns:adec="http://schemas.microsoft.com/office/drawing/2017/decorative" val="1"/>
+              </a:ext>
+            </a:extLst>
+          </p:cNvPr>
+          <p:cNvSpPr>
+            <a:spLocks noGrp="1" noRot="1" noChangeAspect="1" noMove="1" noResize="1" noEditPoints="1" noAdjustHandles="1" noChangeArrowheads="1" noChangeShapeType="1" noTextEdit="1"/>
+          </p:cNvSpPr>
+          <p:nvPr>
+            <p:extLst>
+              <p:ext uri="{386F3935-93C4-4BCD-93E2-E3B085C9AB24}">
+                <p16:designElem xmlns:p16="http://schemas.microsoft.com/office/powerpoint/2015/main" val="1"/>
+              </p:ext>
+            </p:extLst>
+          </p:nvPr>
+        </p:nvSpPr>
+        <p:spPr>
+          <a:xfrm flipH="1">
+            <a:off x="4038600" y="6400799"/>
+            <a:ext cx="8153398" cy="456772"/>
+          </a:xfrm>
+          <a:prstGeom prst="rect">
+            <a:avLst/>
+          </a:prstGeom>
+          <a:gradFill>
+            <a:gsLst>
+              <a:gs pos="0">
+                <a:srgbClr val="000000">
+                  <a:alpha val="63000"/>
+                </a:srgbClr>
+              </a:gs>
+              <a:gs pos="100000">
+                <a:schemeClr val="accent1">
+                  <a:lumMod val="75000"/>
+                </a:schemeClr>
+              </a:gs>
+            </a:gsLst>
+            <a:lin ang="13800000" scaled="0"/>
+          </a:gradFill>
+          <a:ln>
+            <a:noFill/>
+          </a:ln>
+        </p:spPr>
+        <p:style>
+          <a:lnRef idx="2">
+            <a:schemeClr val="accent1">
+              <a:shade val="50000"/>
+            </a:schemeClr>
+          </a:lnRef>
+          <a:fillRef idx="1">
+            <a:schemeClr val="accent1"/>
+          </a:fillRef>
+          <a:effectRef idx="0">
+            <a:schemeClr val="accent1"/>
+          </a:effectRef>
+          <a:fontRef idx="minor">
+            <a:schemeClr val="lt1"/>
+          </a:fontRef>
+        </p:style>
+        <p:txBody>
+          <a:bodyPr rtlCol="0" anchor="ctr"/>
+          <a:lstStyle/>
+          <a:p>
+            <a:pPr algn="ctr"/>
+            <a:endParaRPr lang="en-US"/>
+          </a:p>
+        </p:txBody>
+      </p:sp>
+    </p:spTree>
+    <p:extLst>
+      <p:ext uri="{BB962C8B-B14F-4D97-AF65-F5344CB8AC3E}">
+        <p14:creationId xmlns:p14="http://schemas.microsoft.com/office/powerpoint/2010/main" val="639892534"/>
+      </p:ext>
+    </p:extLst>
+  </p:cSld>
+  <p:clrMapOvr>
+    <a:masterClrMapping/>
+  </p:clrMapOvr>
+</p:sld>
+</file>
+
+<file path=ppt/slides/slide13.xml><?xml version="1.0" encoding="utf-8"?>
+<p:sld xmlns:a="http://schemas.openxmlformats.org/drawingml/2006/main" xmlns:r="http://schemas.openxmlformats.org/officeDocument/2006/relationships" xmlns:p="http://schemas.openxmlformats.org/presentationml/2006/main">
+  <p:cSld>
+    <p:bg>
+      <p:bgPr>
+        <a:solidFill>
+          <a:schemeClr val="bg1"/>
+        </a:solidFill>
+        <a:effectLst/>
+      </p:bgPr>
+    </p:bg>
+    <p:spTree>
+      <p:nvGrpSpPr>
+        <p:cNvPr id="1" name=""/>
+        <p:cNvGrpSpPr/>
+        <p:nvPr/>
+      </p:nvGrpSpPr>
+      <p:grpSpPr>
+        <a:xfrm>
+          <a:off x="0" y="0"/>
+          <a:ext cx="0" cy="0"/>
+          <a:chOff x="0" y="0"/>
+          <a:chExt cx="0" cy="0"/>
+        </a:xfrm>
+      </p:grpSpPr>
+      <p:sp useBgFill="1">
+        <p:nvSpPr>
+          <p:cNvPr id="8" name="Rectangle 7">
+            <a:extLst>
+              <a:ext uri="{FF2B5EF4-FFF2-40B4-BE49-F238E27FC236}">
+                <a16:creationId xmlns:a16="http://schemas.microsoft.com/office/drawing/2014/main" id="{979E27D9-03C7-44E2-9FF8-15D0C8506AF7}"/>
+              </a:ext>
+              <a:ext uri="{C183D7F6-B498-43B3-948B-1728B52AA6E4}">
+                <adec:decorative xmlns:adec="http://schemas.microsoft.com/office/drawing/2017/decorative" val="1"/>
+              </a:ext>
+            </a:extLst>
+          </p:cNvPr>
+          <p:cNvSpPr>
+            <a:spLocks noGrp="1" noRot="1" noChangeAspect="1" noMove="1" noResize="1" noEditPoints="1" noAdjustHandles="1" noChangeArrowheads="1" noChangeShapeType="1" noTextEdit="1"/>
+          </p:cNvSpPr>
+          <p:nvPr>
+            <p:extLst>
+              <p:ext uri="{386F3935-93C4-4BCD-93E2-E3B085C9AB24}">
+                <p16:designElem xmlns:p16="http://schemas.microsoft.com/office/powerpoint/2015/main" val="1"/>
+              </p:ext>
+            </p:extLst>
+          </p:nvPr>
+        </p:nvSpPr>
+        <p:spPr>
+          <a:xfrm>
+            <a:off x="0" y="0"/>
+            <a:ext cx="12192000" cy="6858000"/>
+          </a:xfrm>
+          <a:prstGeom prst="rect">
+            <a:avLst/>
+          </a:prstGeom>
+          <a:ln w="12700" cap="flat" cmpd="sng" algn="ctr">
+            <a:noFill/>
+            <a:prstDash val="solid"/>
+            <a:miter lim="800000"/>
+          </a:ln>
+          <a:effectLst/>
+          <a:extLst>
+            <a:ext uri="{91240B29-F687-4F45-9708-019B960494DF}">
+              <a14:hiddenLine xmlns:a14="http://schemas.microsoft.com/office/drawing/2010/main" w="12700" cap="flat" cmpd="sng" algn="ctr">
+                <a:solidFill>
+                  <a:schemeClr val="accent1">
+                    <a:shade val="50000"/>
+                  </a:schemeClr>
+                </a:solidFill>
+                <a:prstDash val="solid"/>
+                <a:miter lim="800000"/>
+              </a14:hiddenLine>
+            </a:ext>
+          </a:extLst>
+        </p:spPr>
+        <p:style>
+          <a:lnRef idx="2">
+            <a:schemeClr val="accent1">
+              <a:shade val="50000"/>
+            </a:schemeClr>
+          </a:lnRef>
+          <a:fillRef idx="1">
+            <a:schemeClr val="accent1"/>
+          </a:fillRef>
+          <a:effectRef idx="0">
+            <a:schemeClr val="accent1"/>
+          </a:effectRef>
+          <a:fontRef idx="minor">
+            <a:schemeClr val="lt1"/>
+          </a:fontRef>
+        </p:style>
+        <p:txBody>
+          <a:bodyPr rtlCol="0" anchor="ctr"/>
+          <a:lstStyle/>
+          <a:p>
+            <a:pPr algn="ctr"/>
+            <a:endParaRPr lang="en-US"/>
+          </a:p>
+        </p:txBody>
+      </p:sp>
+      <p:sp>
+        <p:nvSpPr>
+          <p:cNvPr id="2" name="Title 1">
+            <a:extLst>
+              <a:ext uri="{FF2B5EF4-FFF2-40B4-BE49-F238E27FC236}">
+                <a16:creationId xmlns:a16="http://schemas.microsoft.com/office/drawing/2014/main" id="{5C4F02F6-349D-954F-B02F-78EBD3017252}"/>
+              </a:ext>
+            </a:extLst>
+          </p:cNvPr>
+          <p:cNvSpPr>
+            <a:spLocks noGrp="1"/>
+          </p:cNvSpPr>
+          <p:nvPr>
+            <p:ph type="title"/>
+          </p:nvPr>
+        </p:nvSpPr>
+        <p:spPr>
+          <a:xfrm>
+            <a:off x="1136397" y="502022"/>
+            <a:ext cx="9688296" cy="1388356"/>
+          </a:xfrm>
+        </p:spPr>
+        <p:txBody>
+          <a:bodyPr anchor="b">
+            <a:normAutofit/>
+          </a:bodyPr>
+          <a:lstStyle/>
+          <a:p>
+            <a:r>
+              <a:rPr lang="en-US" sz="4000" b="1" dirty="0"/>
+              <a:t>Future extensions of your work</a:t>
+            </a:r>
+          </a:p>
+        </p:txBody>
+      </p:sp>
+      <p:sp>
+        <p:nvSpPr>
+          <p:cNvPr id="3" name="Content Placeholder 2">
+            <a:extLst>
+              <a:ext uri="{FF2B5EF4-FFF2-40B4-BE49-F238E27FC236}">
+                <a16:creationId xmlns:a16="http://schemas.microsoft.com/office/drawing/2014/main" id="{3A721E59-1DC4-3845-9DB3-10F69E64143F}"/>
+              </a:ext>
+            </a:extLst>
+          </p:cNvPr>
+          <p:cNvSpPr>
+            <a:spLocks noGrp="1"/>
+          </p:cNvSpPr>
+          <p:nvPr>
+            <p:ph idx="1"/>
+          </p:nvPr>
+        </p:nvSpPr>
+        <p:spPr>
+          <a:xfrm>
+            <a:off x="1136397" y="2418409"/>
+            <a:ext cx="9688296" cy="3782694"/>
+          </a:xfrm>
+        </p:spPr>
+        <p:txBody>
+          <a:bodyPr anchor="t">
+            <a:normAutofit/>
+          </a:bodyPr>
+          <a:lstStyle/>
+          <a:p>
+            <a:pPr marL="457200" lvl="1" indent="0">
+              <a:buNone/>
+            </a:pPr>
+            <a:r>
+              <a:rPr lang="en-US" sz="2000" dirty="0">
+                <a:effectLst/>
+              </a:rPr>
+              <a:t>Words…</a:t>
+            </a:r>
+          </a:p>
+        </p:txBody>
+      </p:sp>
+      <p:sp>
+        <p:nvSpPr>
+          <p:cNvPr id="10" name="Rectangle 9">
+            <a:extLst>
+              <a:ext uri="{FF2B5EF4-FFF2-40B4-BE49-F238E27FC236}">
+                <a16:creationId xmlns:a16="http://schemas.microsoft.com/office/drawing/2014/main" id="{EEBF1590-3B36-48EE-A89D-3B6F3CB256AB}"/>
+              </a:ext>
+              <a:ext uri="{C183D7F6-B498-43B3-948B-1728B52AA6E4}">
+                <adec:decorative xmlns:adec="http://schemas.microsoft.com/office/drawing/2017/decorative" val="1"/>
+              </a:ext>
+            </a:extLst>
+          </p:cNvPr>
+          <p:cNvSpPr>
+            <a:spLocks noGrp="1" noRot="1" noChangeAspect="1" noMove="1" noResize="1" noEditPoints="1" noAdjustHandles="1" noChangeArrowheads="1" noChangeShapeType="1" noTextEdit="1"/>
+          </p:cNvSpPr>
+          <p:nvPr>
+            <p:extLst>
+              <p:ext uri="{386F3935-93C4-4BCD-93E2-E3B085C9AB24}">
+                <p16:designElem xmlns:p16="http://schemas.microsoft.com/office/powerpoint/2015/main" val="1"/>
+              </p:ext>
+            </p:extLst>
+          </p:nvPr>
+        </p:nvSpPr>
+        <p:spPr>
+          <a:xfrm rot="10800000" flipH="1">
+            <a:off x="0" y="6400799"/>
+            <a:ext cx="12192000" cy="456773"/>
+          </a:xfrm>
+          <a:prstGeom prst="rect">
+            <a:avLst/>
+          </a:prstGeom>
+          <a:gradFill>
+            <a:gsLst>
+              <a:gs pos="0">
+                <a:schemeClr val="accent1"/>
+              </a:gs>
+              <a:gs pos="78000">
+                <a:srgbClr val="000000"/>
+              </a:gs>
+            </a:gsLst>
+            <a:lin ang="2400000" scaled="0"/>
+          </a:gradFill>
+          <a:ln>
+            <a:noFill/>
+          </a:ln>
+        </p:spPr>
+        <p:style>
+          <a:lnRef idx="2">
+            <a:schemeClr val="accent1">
+              <a:shade val="50000"/>
+            </a:schemeClr>
+          </a:lnRef>
+          <a:fillRef idx="1">
+            <a:schemeClr val="accent1"/>
+          </a:fillRef>
+          <a:effectRef idx="0">
+            <a:schemeClr val="accent1"/>
+          </a:effectRef>
+          <a:fontRef idx="minor">
+            <a:schemeClr val="lt1"/>
+          </a:fontRef>
+        </p:style>
+        <p:txBody>
+          <a:bodyPr rtlCol="0" anchor="ctr"/>
+          <a:lstStyle/>
+          <a:p>
+            <a:pPr algn="ctr"/>
+            <a:endParaRPr lang="en-US"/>
+          </a:p>
+        </p:txBody>
+      </p:sp>
+      <p:sp>
+        <p:nvSpPr>
+          <p:cNvPr id="12" name="Rectangle 11">
+            <a:extLst>
+              <a:ext uri="{FF2B5EF4-FFF2-40B4-BE49-F238E27FC236}">
+                <a16:creationId xmlns:a16="http://schemas.microsoft.com/office/drawing/2014/main" id="{AC8F6C8C-AB5A-4548-942D-E3FD40ACBC49}"/>
+              </a:ext>
+              <a:ext uri="{C183D7F6-B498-43B3-948B-1728B52AA6E4}">
+                <adec:decorative xmlns:adec="http://schemas.microsoft.com/office/drawing/2017/decorative" val="1"/>
+              </a:ext>
+            </a:extLst>
+          </p:cNvPr>
+          <p:cNvSpPr>
+            <a:spLocks noGrp="1" noRot="1" noChangeAspect="1" noMove="1" noResize="1" noEditPoints="1" noAdjustHandles="1" noChangeArrowheads="1" noChangeShapeType="1" noTextEdit="1"/>
+          </p:cNvSpPr>
+          <p:nvPr>
+            <p:extLst>
+              <p:ext uri="{386F3935-93C4-4BCD-93E2-E3B085C9AB24}">
+                <p16:designElem xmlns:p16="http://schemas.microsoft.com/office/powerpoint/2015/main" val="1"/>
+              </p:ext>
+            </p:extLst>
+          </p:nvPr>
+        </p:nvSpPr>
+        <p:spPr>
+          <a:xfrm flipH="1">
+            <a:off x="4038600" y="6400799"/>
+            <a:ext cx="8153398" cy="456772"/>
+          </a:xfrm>
+          <a:prstGeom prst="rect">
+            <a:avLst/>
+          </a:prstGeom>
+          <a:gradFill>
+            <a:gsLst>
+              <a:gs pos="0">
+                <a:srgbClr val="000000">
+                  <a:alpha val="63000"/>
+                </a:srgbClr>
+              </a:gs>
+              <a:gs pos="100000">
+                <a:schemeClr val="accent1">
+                  <a:lumMod val="75000"/>
+                </a:schemeClr>
+              </a:gs>
+            </a:gsLst>
+            <a:lin ang="13800000" scaled="0"/>
+          </a:gradFill>
+          <a:ln>
+            <a:noFill/>
+          </a:ln>
+        </p:spPr>
+        <p:style>
+          <a:lnRef idx="2">
+            <a:schemeClr val="accent1">
+              <a:shade val="50000"/>
+            </a:schemeClr>
+          </a:lnRef>
+          <a:fillRef idx="1">
+            <a:schemeClr val="accent1"/>
+          </a:fillRef>
+          <a:effectRef idx="0">
+            <a:schemeClr val="accent1"/>
+          </a:effectRef>
+          <a:fontRef idx="minor">
+            <a:schemeClr val="lt1"/>
+          </a:fontRef>
+        </p:style>
+        <p:txBody>
+          <a:bodyPr rtlCol="0" anchor="ctr"/>
+          <a:lstStyle/>
+          <a:p>
+            <a:pPr algn="ctr"/>
+            <a:endParaRPr lang="en-US"/>
+          </a:p>
+        </p:txBody>
+      </p:sp>
+    </p:spTree>
+    <p:extLst>
+      <p:ext uri="{BB962C8B-B14F-4D97-AF65-F5344CB8AC3E}">
+        <p14:creationId xmlns:p14="http://schemas.microsoft.com/office/powerpoint/2010/main" val="1396956347"/>
+      </p:ext>
+    </p:extLst>
+  </p:cSld>
+  <p:clrMapOvr>
+    <a:masterClrMapping/>
+  </p:clrMapOvr>
+</p:sld>
+</file>
+
 <file path=ppt/slides/slide14.xml><?xml version="1.0" encoding="utf-8"?>
 <p:sld xmlns:a="http://schemas.openxmlformats.org/drawingml/2006/main" xmlns:r="http://schemas.openxmlformats.org/officeDocument/2006/relationships" xmlns:p="http://schemas.openxmlformats.org/presentationml/2006/main">
   <p:cSld>
@@ -6526,724 +6241,6 @@
           <p:cNvPr id="2" name="Title 1">
             <a:extLst>
               <a:ext uri="{FF2B5EF4-FFF2-40B4-BE49-F238E27FC236}">
-                <a16:creationId xmlns:a16="http://schemas.microsoft.com/office/drawing/2014/main" id="{5C4F02F6-349D-954F-B02F-78EBD3017252}"/>
-              </a:ext>
-            </a:extLst>
-          </p:cNvPr>
-          <p:cNvSpPr>
-            <a:spLocks noGrp="1"/>
-          </p:cNvSpPr>
-          <p:nvPr>
-            <p:ph type="title"/>
-          </p:nvPr>
-        </p:nvSpPr>
-        <p:spPr>
-          <a:xfrm>
-            <a:off x="1136397" y="502022"/>
-            <a:ext cx="9688296" cy="1388356"/>
-          </a:xfrm>
-        </p:spPr>
-        <p:txBody>
-          <a:bodyPr anchor="b">
-            <a:normAutofit/>
-          </a:bodyPr>
-          <a:lstStyle/>
-          <a:p>
-            <a:r>
-              <a:rPr lang="en-US" sz="4000" b="1"/>
-              <a:t>Results and Observations</a:t>
-            </a:r>
-            <a:endParaRPr lang="en-US" sz="4000" b="1" dirty="0"/>
-          </a:p>
-        </p:txBody>
-      </p:sp>
-      <p:sp>
-        <p:nvSpPr>
-          <p:cNvPr id="3" name="Content Placeholder 2">
-            <a:extLst>
-              <a:ext uri="{FF2B5EF4-FFF2-40B4-BE49-F238E27FC236}">
-                <a16:creationId xmlns:a16="http://schemas.microsoft.com/office/drawing/2014/main" id="{3A721E59-1DC4-3845-9DB3-10F69E64143F}"/>
-              </a:ext>
-            </a:extLst>
-          </p:cNvPr>
-          <p:cNvSpPr>
-            <a:spLocks noGrp="1"/>
-          </p:cNvSpPr>
-          <p:nvPr>
-            <p:ph idx="1"/>
-          </p:nvPr>
-        </p:nvSpPr>
-        <p:spPr>
-          <a:xfrm>
-            <a:off x="1136397" y="1890378"/>
-            <a:ext cx="9688296" cy="3782694"/>
-          </a:xfrm>
-        </p:spPr>
-        <p:txBody>
-          <a:bodyPr anchor="t">
-            <a:normAutofit fontScale="92500" lnSpcReduction="10000"/>
-          </a:bodyPr>
-          <a:lstStyle/>
-          <a:p>
-            <a:pPr marL="457200" lvl="1" indent="0">
-              <a:buNone/>
-            </a:pPr>
-            <a:r>
-              <a:rPr lang="en-US" sz="2000" b="1" u="sng" dirty="0">
-                <a:effectLst/>
-              </a:rPr>
-              <a:t>Neural Network</a:t>
-            </a:r>
-          </a:p>
-          <a:p>
-            <a:pPr marL="0" indent="0">
-              <a:buNone/>
-            </a:pPr>
-            <a:r>
-              <a:rPr lang="en-US" sz="1600" dirty="0"/>
-              <a:t>Experiment</a:t>
-            </a:r>
-          </a:p>
-          <a:p>
-            <a:r>
-              <a:rPr lang="en-US" sz="1600" dirty="0"/>
-              <a:t>In our experiment, we chose the PyTorch library to build a neural network for this classification task. The motivation was to use an available deep learning library that provides various optimizers and loss functions and an easy way to tune hyperparameters so we can arrive at the most accurate network. In this experiment we found that a neural network with 2 layers performed best with our data set of heart data. we ran the experiment with 8 -14 neurons in the first layer and 2 neurons in the final layer with the LeakyReLU activation to predict the chances of heart failure.</a:t>
-            </a:r>
-          </a:p>
-          <a:p>
-            <a:endParaRPr lang="en-US" sz="1600" dirty="0"/>
-          </a:p>
-          <a:p>
-            <a:pPr marL="0" indent="0">
-              <a:buNone/>
-            </a:pPr>
-            <a:r>
-              <a:rPr lang="en-US" sz="1600" dirty="0"/>
-              <a:t>Observation</a:t>
-            </a:r>
-          </a:p>
-          <a:p>
-            <a:r>
-              <a:rPr lang="en-US" sz="1600" dirty="0"/>
-              <a:t>We were able to achieve a top accuracy of 86% over the test data with 12 neurons in the first layer and with optimizer set as RMSProp.</a:t>
-            </a:r>
-          </a:p>
-          <a:p>
-            <a:endParaRPr lang="en-US" sz="1600" dirty="0"/>
-          </a:p>
-          <a:p>
-            <a:pPr marL="0" indent="0">
-              <a:buNone/>
-            </a:pPr>
-            <a:br>
-              <a:rPr lang="en-US" sz="1600" dirty="0"/>
-            </a:br>
-            <a:endParaRPr lang="en-US" sz="2000" dirty="0">
-              <a:effectLst/>
-            </a:endParaRPr>
-          </a:p>
-        </p:txBody>
-      </p:sp>
-      <p:sp>
-        <p:nvSpPr>
-          <p:cNvPr id="10" name="Rectangle 9">
-            <a:extLst>
-              <a:ext uri="{FF2B5EF4-FFF2-40B4-BE49-F238E27FC236}">
-                <a16:creationId xmlns:a16="http://schemas.microsoft.com/office/drawing/2014/main" id="{EEBF1590-3B36-48EE-A89D-3B6F3CB256AB}"/>
-              </a:ext>
-              <a:ext uri="{C183D7F6-B498-43B3-948B-1728B52AA6E4}">
-                <adec:decorative xmlns:adec="http://schemas.microsoft.com/office/drawing/2017/decorative" val="1"/>
-              </a:ext>
-            </a:extLst>
-          </p:cNvPr>
-          <p:cNvSpPr>
-            <a:spLocks noGrp="1" noRot="1" noChangeAspect="1" noMove="1" noResize="1" noEditPoints="1" noAdjustHandles="1" noChangeArrowheads="1" noChangeShapeType="1" noTextEdit="1"/>
-          </p:cNvSpPr>
-          <p:nvPr>
-            <p:extLst>
-              <p:ext uri="{386F3935-93C4-4BCD-93E2-E3B085C9AB24}">
-                <p16:designElem xmlns:p16="http://schemas.microsoft.com/office/powerpoint/2015/main" val="1"/>
-              </p:ext>
-            </p:extLst>
-          </p:nvPr>
-        </p:nvSpPr>
-        <p:spPr>
-          <a:xfrm rot="10800000" flipH="1">
-            <a:off x="0" y="6400799"/>
-            <a:ext cx="12192000" cy="456773"/>
-          </a:xfrm>
-          <a:prstGeom prst="rect">
-            <a:avLst/>
-          </a:prstGeom>
-          <a:gradFill>
-            <a:gsLst>
-              <a:gs pos="0">
-                <a:schemeClr val="accent1"/>
-              </a:gs>
-              <a:gs pos="78000">
-                <a:srgbClr val="000000"/>
-              </a:gs>
-            </a:gsLst>
-            <a:lin ang="2400000" scaled="0"/>
-          </a:gradFill>
-          <a:ln>
-            <a:noFill/>
-          </a:ln>
-        </p:spPr>
-        <p:style>
-          <a:lnRef idx="2">
-            <a:schemeClr val="accent1">
-              <a:shade val="50000"/>
-            </a:schemeClr>
-          </a:lnRef>
-          <a:fillRef idx="1">
-            <a:schemeClr val="accent1"/>
-          </a:fillRef>
-          <a:effectRef idx="0">
-            <a:schemeClr val="accent1"/>
-          </a:effectRef>
-          <a:fontRef idx="minor">
-            <a:schemeClr val="lt1"/>
-          </a:fontRef>
-        </p:style>
-        <p:txBody>
-          <a:bodyPr rtlCol="0" anchor="ctr"/>
-          <a:lstStyle/>
-          <a:p>
-            <a:pPr algn="ctr"/>
-            <a:endParaRPr lang="en-US"/>
-          </a:p>
-        </p:txBody>
-      </p:sp>
-      <p:sp>
-        <p:nvSpPr>
-          <p:cNvPr id="12" name="Rectangle 11">
-            <a:extLst>
-              <a:ext uri="{FF2B5EF4-FFF2-40B4-BE49-F238E27FC236}">
-                <a16:creationId xmlns:a16="http://schemas.microsoft.com/office/drawing/2014/main" id="{AC8F6C8C-AB5A-4548-942D-E3FD40ACBC49}"/>
-              </a:ext>
-              <a:ext uri="{C183D7F6-B498-43B3-948B-1728B52AA6E4}">
-                <adec:decorative xmlns:adec="http://schemas.microsoft.com/office/drawing/2017/decorative" val="1"/>
-              </a:ext>
-            </a:extLst>
-          </p:cNvPr>
-          <p:cNvSpPr>
-            <a:spLocks noGrp="1" noRot="1" noChangeAspect="1" noMove="1" noResize="1" noEditPoints="1" noAdjustHandles="1" noChangeArrowheads="1" noChangeShapeType="1" noTextEdit="1"/>
-          </p:cNvSpPr>
-          <p:nvPr>
-            <p:extLst>
-              <p:ext uri="{386F3935-93C4-4BCD-93E2-E3B085C9AB24}">
-                <p16:designElem xmlns:p16="http://schemas.microsoft.com/office/powerpoint/2015/main" val="1"/>
-              </p:ext>
-            </p:extLst>
-          </p:nvPr>
-        </p:nvSpPr>
-        <p:spPr>
-          <a:xfrm flipH="1">
-            <a:off x="4038600" y="6400799"/>
-            <a:ext cx="8153398" cy="456772"/>
-          </a:xfrm>
-          <a:prstGeom prst="rect">
-            <a:avLst/>
-          </a:prstGeom>
-          <a:gradFill>
-            <a:gsLst>
-              <a:gs pos="0">
-                <a:srgbClr val="000000">
-                  <a:alpha val="63000"/>
-                </a:srgbClr>
-              </a:gs>
-              <a:gs pos="100000">
-                <a:schemeClr val="accent1">
-                  <a:lumMod val="75000"/>
-                </a:schemeClr>
-              </a:gs>
-            </a:gsLst>
-            <a:lin ang="13800000" scaled="0"/>
-          </a:gradFill>
-          <a:ln>
-            <a:noFill/>
-          </a:ln>
-        </p:spPr>
-        <p:style>
-          <a:lnRef idx="2">
-            <a:schemeClr val="accent1">
-              <a:shade val="50000"/>
-            </a:schemeClr>
-          </a:lnRef>
-          <a:fillRef idx="1">
-            <a:schemeClr val="accent1"/>
-          </a:fillRef>
-          <a:effectRef idx="0">
-            <a:schemeClr val="accent1"/>
-          </a:effectRef>
-          <a:fontRef idx="minor">
-            <a:schemeClr val="lt1"/>
-          </a:fontRef>
-        </p:style>
-        <p:txBody>
-          <a:bodyPr rtlCol="0" anchor="ctr"/>
-          <a:lstStyle/>
-          <a:p>
-            <a:pPr algn="ctr"/>
-            <a:endParaRPr lang="en-US"/>
-          </a:p>
-        </p:txBody>
-      </p:sp>
-    </p:spTree>
-    <p:extLst>
-      <p:ext uri="{BB962C8B-B14F-4D97-AF65-F5344CB8AC3E}">
-        <p14:creationId xmlns:p14="http://schemas.microsoft.com/office/powerpoint/2010/main" val="639892534"/>
-      </p:ext>
-    </p:extLst>
-  </p:cSld>
-  <p:clrMapOvr>
-    <a:masterClrMapping/>
-  </p:clrMapOvr>
-</p:sld>
-</file>
-
-<file path=ppt/slides/slide15.xml><?xml version="1.0" encoding="utf-8"?>
-<p:sld xmlns:a="http://schemas.openxmlformats.org/drawingml/2006/main" xmlns:r="http://schemas.openxmlformats.org/officeDocument/2006/relationships" xmlns:p="http://schemas.openxmlformats.org/presentationml/2006/main">
-  <p:cSld>
-    <p:bg>
-      <p:bgPr>
-        <a:solidFill>
-          <a:schemeClr val="bg1"/>
-        </a:solidFill>
-        <a:effectLst/>
-      </p:bgPr>
-    </p:bg>
-    <p:spTree>
-      <p:nvGrpSpPr>
-        <p:cNvPr id="1" name=""/>
-        <p:cNvGrpSpPr/>
-        <p:nvPr/>
-      </p:nvGrpSpPr>
-      <p:grpSpPr>
-        <a:xfrm>
-          <a:off x="0" y="0"/>
-          <a:ext cx="0" cy="0"/>
-          <a:chOff x="0" y="0"/>
-          <a:chExt cx="0" cy="0"/>
-        </a:xfrm>
-      </p:grpSpPr>
-      <p:sp useBgFill="1">
-        <p:nvSpPr>
-          <p:cNvPr id="8" name="Rectangle 7">
-            <a:extLst>
-              <a:ext uri="{FF2B5EF4-FFF2-40B4-BE49-F238E27FC236}">
-                <a16:creationId xmlns:a16="http://schemas.microsoft.com/office/drawing/2014/main" id="{979E27D9-03C7-44E2-9FF8-15D0C8506AF7}"/>
-              </a:ext>
-              <a:ext uri="{C183D7F6-B498-43B3-948B-1728B52AA6E4}">
-                <adec:decorative xmlns:adec="http://schemas.microsoft.com/office/drawing/2017/decorative" val="1"/>
-              </a:ext>
-            </a:extLst>
-          </p:cNvPr>
-          <p:cNvSpPr>
-            <a:spLocks noGrp="1" noRot="1" noChangeAspect="1" noMove="1" noResize="1" noEditPoints="1" noAdjustHandles="1" noChangeArrowheads="1" noChangeShapeType="1" noTextEdit="1"/>
-          </p:cNvSpPr>
-          <p:nvPr>
-            <p:extLst>
-              <p:ext uri="{386F3935-93C4-4BCD-93E2-E3B085C9AB24}">
-                <p16:designElem xmlns:p16="http://schemas.microsoft.com/office/powerpoint/2015/main" val="1"/>
-              </p:ext>
-            </p:extLst>
-          </p:nvPr>
-        </p:nvSpPr>
-        <p:spPr>
-          <a:xfrm>
-            <a:off x="0" y="0"/>
-            <a:ext cx="12192000" cy="6858000"/>
-          </a:xfrm>
-          <a:prstGeom prst="rect">
-            <a:avLst/>
-          </a:prstGeom>
-          <a:ln w="12700" cap="flat" cmpd="sng" algn="ctr">
-            <a:noFill/>
-            <a:prstDash val="solid"/>
-            <a:miter lim="800000"/>
-          </a:ln>
-          <a:effectLst/>
-          <a:extLst>
-            <a:ext uri="{91240B29-F687-4F45-9708-019B960494DF}">
-              <a14:hiddenLine xmlns:a14="http://schemas.microsoft.com/office/drawing/2010/main" w="12700" cap="flat" cmpd="sng" algn="ctr">
-                <a:solidFill>
-                  <a:schemeClr val="accent1">
-                    <a:shade val="50000"/>
-                  </a:schemeClr>
-                </a:solidFill>
-                <a:prstDash val="solid"/>
-                <a:miter lim="800000"/>
-              </a14:hiddenLine>
-            </a:ext>
-          </a:extLst>
-        </p:spPr>
-        <p:style>
-          <a:lnRef idx="2">
-            <a:schemeClr val="accent1">
-              <a:shade val="50000"/>
-            </a:schemeClr>
-          </a:lnRef>
-          <a:fillRef idx="1">
-            <a:schemeClr val="accent1"/>
-          </a:fillRef>
-          <a:effectRef idx="0">
-            <a:schemeClr val="accent1"/>
-          </a:effectRef>
-          <a:fontRef idx="minor">
-            <a:schemeClr val="lt1"/>
-          </a:fontRef>
-        </p:style>
-        <p:txBody>
-          <a:bodyPr rtlCol="0" anchor="ctr"/>
-          <a:lstStyle/>
-          <a:p>
-            <a:pPr algn="ctr"/>
-            <a:endParaRPr lang="en-US"/>
-          </a:p>
-        </p:txBody>
-      </p:sp>
-      <p:sp>
-        <p:nvSpPr>
-          <p:cNvPr id="2" name="Title 1">
-            <a:extLst>
-              <a:ext uri="{FF2B5EF4-FFF2-40B4-BE49-F238E27FC236}">
-                <a16:creationId xmlns:a16="http://schemas.microsoft.com/office/drawing/2014/main" id="{5C4F02F6-349D-954F-B02F-78EBD3017252}"/>
-              </a:ext>
-            </a:extLst>
-          </p:cNvPr>
-          <p:cNvSpPr>
-            <a:spLocks noGrp="1"/>
-          </p:cNvSpPr>
-          <p:nvPr>
-            <p:ph type="title"/>
-          </p:nvPr>
-        </p:nvSpPr>
-        <p:spPr>
-          <a:xfrm>
-            <a:off x="1136397" y="502022"/>
-            <a:ext cx="9688296" cy="1388356"/>
-          </a:xfrm>
-        </p:spPr>
-        <p:txBody>
-          <a:bodyPr anchor="b">
-            <a:normAutofit/>
-          </a:bodyPr>
-          <a:lstStyle/>
-          <a:p>
-            <a:r>
-              <a:rPr lang="en-US" sz="4000" b="1" dirty="0"/>
-              <a:t>Future extensions of your work</a:t>
-            </a:r>
-          </a:p>
-        </p:txBody>
-      </p:sp>
-      <p:sp>
-        <p:nvSpPr>
-          <p:cNvPr id="3" name="Content Placeholder 2">
-            <a:extLst>
-              <a:ext uri="{FF2B5EF4-FFF2-40B4-BE49-F238E27FC236}">
-                <a16:creationId xmlns:a16="http://schemas.microsoft.com/office/drawing/2014/main" id="{3A721E59-1DC4-3845-9DB3-10F69E64143F}"/>
-              </a:ext>
-            </a:extLst>
-          </p:cNvPr>
-          <p:cNvSpPr>
-            <a:spLocks noGrp="1"/>
-          </p:cNvSpPr>
-          <p:nvPr>
-            <p:ph idx="1"/>
-          </p:nvPr>
-        </p:nvSpPr>
-        <p:spPr>
-          <a:xfrm>
-            <a:off x="1136397" y="2418409"/>
-            <a:ext cx="9688296" cy="3782694"/>
-          </a:xfrm>
-        </p:spPr>
-        <p:txBody>
-          <a:bodyPr anchor="t">
-            <a:normAutofit/>
-          </a:bodyPr>
-          <a:lstStyle/>
-          <a:p>
-            <a:pPr marL="457200" lvl="1" indent="0">
-              <a:buNone/>
-            </a:pPr>
-            <a:r>
-              <a:rPr lang="en-US" sz="2000" dirty="0">
-                <a:effectLst/>
-              </a:rPr>
-              <a:t>Words…</a:t>
-            </a:r>
-          </a:p>
-        </p:txBody>
-      </p:sp>
-      <p:sp>
-        <p:nvSpPr>
-          <p:cNvPr id="10" name="Rectangle 9">
-            <a:extLst>
-              <a:ext uri="{FF2B5EF4-FFF2-40B4-BE49-F238E27FC236}">
-                <a16:creationId xmlns:a16="http://schemas.microsoft.com/office/drawing/2014/main" id="{EEBF1590-3B36-48EE-A89D-3B6F3CB256AB}"/>
-              </a:ext>
-              <a:ext uri="{C183D7F6-B498-43B3-948B-1728B52AA6E4}">
-                <adec:decorative xmlns:adec="http://schemas.microsoft.com/office/drawing/2017/decorative" val="1"/>
-              </a:ext>
-            </a:extLst>
-          </p:cNvPr>
-          <p:cNvSpPr>
-            <a:spLocks noGrp="1" noRot="1" noChangeAspect="1" noMove="1" noResize="1" noEditPoints="1" noAdjustHandles="1" noChangeArrowheads="1" noChangeShapeType="1" noTextEdit="1"/>
-          </p:cNvSpPr>
-          <p:nvPr>
-            <p:extLst>
-              <p:ext uri="{386F3935-93C4-4BCD-93E2-E3B085C9AB24}">
-                <p16:designElem xmlns:p16="http://schemas.microsoft.com/office/powerpoint/2015/main" val="1"/>
-              </p:ext>
-            </p:extLst>
-          </p:nvPr>
-        </p:nvSpPr>
-        <p:spPr>
-          <a:xfrm rot="10800000" flipH="1">
-            <a:off x="0" y="6400799"/>
-            <a:ext cx="12192000" cy="456773"/>
-          </a:xfrm>
-          <a:prstGeom prst="rect">
-            <a:avLst/>
-          </a:prstGeom>
-          <a:gradFill>
-            <a:gsLst>
-              <a:gs pos="0">
-                <a:schemeClr val="accent1"/>
-              </a:gs>
-              <a:gs pos="78000">
-                <a:srgbClr val="000000"/>
-              </a:gs>
-            </a:gsLst>
-            <a:lin ang="2400000" scaled="0"/>
-          </a:gradFill>
-          <a:ln>
-            <a:noFill/>
-          </a:ln>
-        </p:spPr>
-        <p:style>
-          <a:lnRef idx="2">
-            <a:schemeClr val="accent1">
-              <a:shade val="50000"/>
-            </a:schemeClr>
-          </a:lnRef>
-          <a:fillRef idx="1">
-            <a:schemeClr val="accent1"/>
-          </a:fillRef>
-          <a:effectRef idx="0">
-            <a:schemeClr val="accent1"/>
-          </a:effectRef>
-          <a:fontRef idx="minor">
-            <a:schemeClr val="lt1"/>
-          </a:fontRef>
-        </p:style>
-        <p:txBody>
-          <a:bodyPr rtlCol="0" anchor="ctr"/>
-          <a:lstStyle/>
-          <a:p>
-            <a:pPr algn="ctr"/>
-            <a:endParaRPr lang="en-US"/>
-          </a:p>
-        </p:txBody>
-      </p:sp>
-      <p:sp>
-        <p:nvSpPr>
-          <p:cNvPr id="12" name="Rectangle 11">
-            <a:extLst>
-              <a:ext uri="{FF2B5EF4-FFF2-40B4-BE49-F238E27FC236}">
-                <a16:creationId xmlns:a16="http://schemas.microsoft.com/office/drawing/2014/main" id="{AC8F6C8C-AB5A-4548-942D-E3FD40ACBC49}"/>
-              </a:ext>
-              <a:ext uri="{C183D7F6-B498-43B3-948B-1728B52AA6E4}">
-                <adec:decorative xmlns:adec="http://schemas.microsoft.com/office/drawing/2017/decorative" val="1"/>
-              </a:ext>
-            </a:extLst>
-          </p:cNvPr>
-          <p:cNvSpPr>
-            <a:spLocks noGrp="1" noRot="1" noChangeAspect="1" noMove="1" noResize="1" noEditPoints="1" noAdjustHandles="1" noChangeArrowheads="1" noChangeShapeType="1" noTextEdit="1"/>
-          </p:cNvSpPr>
-          <p:nvPr>
-            <p:extLst>
-              <p:ext uri="{386F3935-93C4-4BCD-93E2-E3B085C9AB24}">
-                <p16:designElem xmlns:p16="http://schemas.microsoft.com/office/powerpoint/2015/main" val="1"/>
-              </p:ext>
-            </p:extLst>
-          </p:nvPr>
-        </p:nvSpPr>
-        <p:spPr>
-          <a:xfrm flipH="1">
-            <a:off x="4038600" y="6400799"/>
-            <a:ext cx="8153398" cy="456772"/>
-          </a:xfrm>
-          <a:prstGeom prst="rect">
-            <a:avLst/>
-          </a:prstGeom>
-          <a:gradFill>
-            <a:gsLst>
-              <a:gs pos="0">
-                <a:srgbClr val="000000">
-                  <a:alpha val="63000"/>
-                </a:srgbClr>
-              </a:gs>
-              <a:gs pos="100000">
-                <a:schemeClr val="accent1">
-                  <a:lumMod val="75000"/>
-                </a:schemeClr>
-              </a:gs>
-            </a:gsLst>
-            <a:lin ang="13800000" scaled="0"/>
-          </a:gradFill>
-          <a:ln>
-            <a:noFill/>
-          </a:ln>
-        </p:spPr>
-        <p:style>
-          <a:lnRef idx="2">
-            <a:schemeClr val="accent1">
-              <a:shade val="50000"/>
-            </a:schemeClr>
-          </a:lnRef>
-          <a:fillRef idx="1">
-            <a:schemeClr val="accent1"/>
-          </a:fillRef>
-          <a:effectRef idx="0">
-            <a:schemeClr val="accent1"/>
-          </a:effectRef>
-          <a:fontRef idx="minor">
-            <a:schemeClr val="lt1"/>
-          </a:fontRef>
-        </p:style>
-        <p:txBody>
-          <a:bodyPr rtlCol="0" anchor="ctr"/>
-          <a:lstStyle/>
-          <a:p>
-            <a:pPr algn="ctr"/>
-            <a:endParaRPr lang="en-US"/>
-          </a:p>
-        </p:txBody>
-      </p:sp>
-    </p:spTree>
-    <p:extLst>
-      <p:ext uri="{BB962C8B-B14F-4D97-AF65-F5344CB8AC3E}">
-        <p14:creationId xmlns:p14="http://schemas.microsoft.com/office/powerpoint/2010/main" val="1396956347"/>
-      </p:ext>
-    </p:extLst>
-  </p:cSld>
-  <p:clrMapOvr>
-    <a:masterClrMapping/>
-  </p:clrMapOvr>
-</p:sld>
-</file>
-
-<file path=ppt/slides/slide16.xml><?xml version="1.0" encoding="utf-8"?>
-<p:sld xmlns:a="http://schemas.openxmlformats.org/drawingml/2006/main" xmlns:r="http://schemas.openxmlformats.org/officeDocument/2006/relationships" xmlns:p="http://schemas.openxmlformats.org/presentationml/2006/main">
-  <p:cSld>
-    <p:bg>
-      <p:bgPr>
-        <a:solidFill>
-          <a:schemeClr val="bg1"/>
-        </a:solidFill>
-        <a:effectLst/>
-      </p:bgPr>
-    </p:bg>
-    <p:spTree>
-      <p:nvGrpSpPr>
-        <p:cNvPr id="1" name=""/>
-        <p:cNvGrpSpPr/>
-        <p:nvPr/>
-      </p:nvGrpSpPr>
-      <p:grpSpPr>
-        <a:xfrm>
-          <a:off x="0" y="0"/>
-          <a:ext cx="0" cy="0"/>
-          <a:chOff x="0" y="0"/>
-          <a:chExt cx="0" cy="0"/>
-        </a:xfrm>
-      </p:grpSpPr>
-      <p:sp useBgFill="1">
-        <p:nvSpPr>
-          <p:cNvPr id="8" name="Rectangle 7">
-            <a:extLst>
-              <a:ext uri="{FF2B5EF4-FFF2-40B4-BE49-F238E27FC236}">
-                <a16:creationId xmlns:a16="http://schemas.microsoft.com/office/drawing/2014/main" id="{979E27D9-03C7-44E2-9FF8-15D0C8506AF7}"/>
-              </a:ext>
-              <a:ext uri="{C183D7F6-B498-43B3-948B-1728B52AA6E4}">
-                <adec:decorative xmlns:adec="http://schemas.microsoft.com/office/drawing/2017/decorative" val="1"/>
-              </a:ext>
-            </a:extLst>
-          </p:cNvPr>
-          <p:cNvSpPr>
-            <a:spLocks noGrp="1" noRot="1" noChangeAspect="1" noMove="1" noResize="1" noEditPoints="1" noAdjustHandles="1" noChangeArrowheads="1" noChangeShapeType="1" noTextEdit="1"/>
-          </p:cNvSpPr>
-          <p:nvPr>
-            <p:extLst>
-              <p:ext uri="{386F3935-93C4-4BCD-93E2-E3B085C9AB24}">
-                <p16:designElem xmlns:p16="http://schemas.microsoft.com/office/powerpoint/2015/main" val="1"/>
-              </p:ext>
-            </p:extLst>
-          </p:nvPr>
-        </p:nvSpPr>
-        <p:spPr>
-          <a:xfrm>
-            <a:off x="0" y="0"/>
-            <a:ext cx="12192000" cy="6858000"/>
-          </a:xfrm>
-          <a:prstGeom prst="rect">
-            <a:avLst/>
-          </a:prstGeom>
-          <a:ln w="12700" cap="flat" cmpd="sng" algn="ctr">
-            <a:noFill/>
-            <a:prstDash val="solid"/>
-            <a:miter lim="800000"/>
-          </a:ln>
-          <a:effectLst/>
-          <a:extLst>
-            <a:ext uri="{91240B29-F687-4F45-9708-019B960494DF}">
-              <a14:hiddenLine xmlns:a14="http://schemas.microsoft.com/office/drawing/2010/main" w="12700" cap="flat" cmpd="sng" algn="ctr">
-                <a:solidFill>
-                  <a:schemeClr val="accent1">
-                    <a:shade val="50000"/>
-                  </a:schemeClr>
-                </a:solidFill>
-                <a:prstDash val="solid"/>
-                <a:miter lim="800000"/>
-              </a14:hiddenLine>
-            </a:ext>
-          </a:extLst>
-        </p:spPr>
-        <p:style>
-          <a:lnRef idx="2">
-            <a:schemeClr val="accent1">
-              <a:shade val="50000"/>
-            </a:schemeClr>
-          </a:lnRef>
-          <a:fillRef idx="1">
-            <a:schemeClr val="accent1"/>
-          </a:fillRef>
-          <a:effectRef idx="0">
-            <a:schemeClr val="accent1"/>
-          </a:effectRef>
-          <a:fontRef idx="minor">
-            <a:schemeClr val="lt1"/>
-          </a:fontRef>
-        </p:style>
-        <p:txBody>
-          <a:bodyPr rtlCol="0" anchor="ctr"/>
-          <a:lstStyle/>
-          <a:p>
-            <a:pPr algn="ctr"/>
-            <a:endParaRPr lang="en-US"/>
-          </a:p>
-        </p:txBody>
-      </p:sp>
-      <p:sp>
-        <p:nvSpPr>
-          <p:cNvPr id="2" name="Title 1">
-            <a:extLst>
-              <a:ext uri="{FF2B5EF4-FFF2-40B4-BE49-F238E27FC236}">
                 <a16:creationId xmlns:a16="http://schemas.microsoft.com/office/drawing/2014/main" id="{8B337B21-1E26-A847-AC61-FDA5EEFBFA48}"/>
               </a:ext>
             </a:extLst>
@@ -7479,7 +6476,7 @@
 </p:sld>
 </file>
 
-<file path=ppt/slides/slide17.xml><?xml version="1.0" encoding="utf-8"?>
+<file path=ppt/slides/slide15.xml><?xml version="1.0" encoding="utf-8"?>
 <p:sld xmlns:a="http://schemas.openxmlformats.org/drawingml/2006/main" xmlns:r="http://schemas.openxmlformats.org/officeDocument/2006/relationships" xmlns:p="http://schemas.openxmlformats.org/presentationml/2006/main">
   <p:cSld>
     <p:bg>
@@ -8161,7 +7158,7 @@
 </p:sld>
 </file>
 
-<file path=ppt/slides/slide18.xml><?xml version="1.0" encoding="utf-8"?>
+<file path=ppt/slides/slide16.xml><?xml version="1.0" encoding="utf-8"?>
 <p:sld xmlns:a="http://schemas.openxmlformats.org/drawingml/2006/main" xmlns:r="http://schemas.openxmlformats.org/officeDocument/2006/relationships" xmlns:p="http://schemas.openxmlformats.org/presentationml/2006/main">
   <p:cSld>
     <p:bg>
@@ -8710,7 +7707,7 @@
 </p:sld>
 </file>
 
-<file path=ppt/slides/slide19.xml><?xml version="1.0" encoding="utf-8"?>
+<file path=ppt/slides/slide17.xml><?xml version="1.0" encoding="utf-8"?>
 <p:sld xmlns:a="http://schemas.openxmlformats.org/drawingml/2006/main" xmlns:r="http://schemas.openxmlformats.org/officeDocument/2006/relationships" xmlns:p="http://schemas.openxmlformats.org/presentationml/2006/main">
   <p:cSld>
     <p:bg>
@@ -9310,6 +8307,812 @@
 </p:sld>
 </file>
 
+<file path=ppt/slides/slide18.xml><?xml version="1.0" encoding="utf-8"?>
+<p:sld xmlns:a="http://schemas.openxmlformats.org/drawingml/2006/main" xmlns:r="http://schemas.openxmlformats.org/officeDocument/2006/relationships" xmlns:p="http://schemas.openxmlformats.org/presentationml/2006/main">
+  <p:cSld>
+    <p:bg>
+      <p:bgPr>
+        <a:solidFill>
+          <a:schemeClr val="bg1"/>
+        </a:solidFill>
+        <a:effectLst/>
+      </p:bgPr>
+    </p:bg>
+    <p:spTree>
+      <p:nvGrpSpPr>
+        <p:cNvPr id="1" name=""/>
+        <p:cNvGrpSpPr/>
+        <p:nvPr/>
+      </p:nvGrpSpPr>
+      <p:grpSpPr>
+        <a:xfrm>
+          <a:off x="0" y="0"/>
+          <a:ext cx="0" cy="0"/>
+          <a:chOff x="0" y="0"/>
+          <a:chExt cx="0" cy="0"/>
+        </a:xfrm>
+      </p:grpSpPr>
+      <p:sp useBgFill="1">
+        <p:nvSpPr>
+          <p:cNvPr id="8" name="Rectangle 7">
+            <a:extLst>
+              <a:ext uri="{FF2B5EF4-FFF2-40B4-BE49-F238E27FC236}">
+                <a16:creationId xmlns:a16="http://schemas.microsoft.com/office/drawing/2014/main" id="{979E27D9-03C7-44E2-9FF8-15D0C8506AF7}"/>
+              </a:ext>
+              <a:ext uri="{C183D7F6-B498-43B3-948B-1728B52AA6E4}">
+                <adec:decorative xmlns:adec="http://schemas.microsoft.com/office/drawing/2017/decorative" val="1"/>
+              </a:ext>
+            </a:extLst>
+          </p:cNvPr>
+          <p:cNvSpPr>
+            <a:spLocks noGrp="1" noRot="1" noChangeAspect="1" noMove="1" noResize="1" noEditPoints="1" noAdjustHandles="1" noChangeArrowheads="1" noChangeShapeType="1" noTextEdit="1"/>
+          </p:cNvSpPr>
+          <p:nvPr>
+            <p:extLst>
+              <p:ext uri="{386F3935-93C4-4BCD-93E2-E3B085C9AB24}">
+                <p16:designElem xmlns:p16="http://schemas.microsoft.com/office/powerpoint/2015/main" val="1"/>
+              </p:ext>
+            </p:extLst>
+          </p:nvPr>
+        </p:nvSpPr>
+        <p:spPr>
+          <a:xfrm>
+            <a:off x="0" y="0"/>
+            <a:ext cx="12192000" cy="6858000"/>
+          </a:xfrm>
+          <a:prstGeom prst="rect">
+            <a:avLst/>
+          </a:prstGeom>
+          <a:ln w="12700" cap="flat" cmpd="sng" algn="ctr">
+            <a:noFill/>
+            <a:prstDash val="solid"/>
+            <a:miter lim="800000"/>
+          </a:ln>
+          <a:effectLst/>
+          <a:extLst>
+            <a:ext uri="{91240B29-F687-4F45-9708-019B960494DF}">
+              <a14:hiddenLine xmlns:a14="http://schemas.microsoft.com/office/drawing/2010/main" w="12700" cap="flat" cmpd="sng" algn="ctr">
+                <a:solidFill>
+                  <a:schemeClr val="accent1">
+                    <a:shade val="50000"/>
+                  </a:schemeClr>
+                </a:solidFill>
+                <a:prstDash val="solid"/>
+                <a:miter lim="800000"/>
+              </a14:hiddenLine>
+            </a:ext>
+          </a:extLst>
+        </p:spPr>
+        <p:style>
+          <a:lnRef idx="2">
+            <a:schemeClr val="accent1">
+              <a:shade val="50000"/>
+            </a:schemeClr>
+          </a:lnRef>
+          <a:fillRef idx="1">
+            <a:schemeClr val="accent1"/>
+          </a:fillRef>
+          <a:effectRef idx="0">
+            <a:schemeClr val="accent1"/>
+          </a:effectRef>
+          <a:fontRef idx="minor">
+            <a:schemeClr val="lt1"/>
+          </a:fontRef>
+        </p:style>
+        <p:txBody>
+          <a:bodyPr rtlCol="0" anchor="ctr"/>
+          <a:lstStyle/>
+          <a:p>
+            <a:pPr algn="ctr"/>
+            <a:endParaRPr lang="en-US"/>
+          </a:p>
+        </p:txBody>
+      </p:sp>
+      <p:sp>
+        <p:nvSpPr>
+          <p:cNvPr id="2" name="Title 1">
+            <a:extLst>
+              <a:ext uri="{FF2B5EF4-FFF2-40B4-BE49-F238E27FC236}">
+                <a16:creationId xmlns:a16="http://schemas.microsoft.com/office/drawing/2014/main" id="{5C4F02F6-349D-954F-B02F-78EBD3017252}"/>
+              </a:ext>
+            </a:extLst>
+          </p:cNvPr>
+          <p:cNvSpPr>
+            <a:spLocks noGrp="1"/>
+          </p:cNvSpPr>
+          <p:nvPr>
+            <p:ph type="title"/>
+          </p:nvPr>
+        </p:nvSpPr>
+        <p:spPr>
+          <a:xfrm>
+            <a:off x="1136397" y="502022"/>
+            <a:ext cx="9688296" cy="1388356"/>
+          </a:xfrm>
+        </p:spPr>
+        <p:txBody>
+          <a:bodyPr anchor="b">
+            <a:normAutofit/>
+          </a:bodyPr>
+          <a:lstStyle/>
+          <a:p>
+            <a:r>
+              <a:rPr lang="en-US" sz="4000" b="1" dirty="0">
+                <a:solidFill>
+                  <a:srgbClr val="1D1C1D"/>
+                </a:solidFill>
+              </a:rPr>
+              <a:t>L</a:t>
+            </a:r>
+            <a:r>
+              <a:rPr lang="en-US" sz="4000" b="1" i="0" dirty="0">
+                <a:solidFill>
+                  <a:srgbClr val="1D1C1D"/>
+                </a:solidFill>
+                <a:effectLst/>
+              </a:rPr>
+              <a:t>ogistic </a:t>
+            </a:r>
+            <a:r>
+              <a:rPr lang="en-US" sz="4000" b="1" dirty="0">
+                <a:solidFill>
+                  <a:srgbClr val="1D1C1D"/>
+                </a:solidFill>
+              </a:rPr>
+              <a:t>R</a:t>
+            </a:r>
+            <a:r>
+              <a:rPr lang="en-US" sz="4000" b="1" i="0" dirty="0">
+                <a:solidFill>
+                  <a:srgbClr val="1D1C1D"/>
+                </a:solidFill>
+                <a:effectLst/>
+              </a:rPr>
+              <a:t>egression </a:t>
+            </a:r>
+            <a:r>
+              <a:rPr lang="en-US" sz="4000" b="1" dirty="0"/>
+              <a:t>approach:</a:t>
+            </a:r>
+          </a:p>
+        </p:txBody>
+      </p:sp>
+      <p:sp>
+        <p:nvSpPr>
+          <p:cNvPr id="3" name="Content Placeholder 2">
+            <a:extLst>
+              <a:ext uri="{FF2B5EF4-FFF2-40B4-BE49-F238E27FC236}">
+                <a16:creationId xmlns:a16="http://schemas.microsoft.com/office/drawing/2014/main" id="{3A721E59-1DC4-3845-9DB3-10F69E64143F}"/>
+              </a:ext>
+            </a:extLst>
+          </p:cNvPr>
+          <p:cNvSpPr>
+            <a:spLocks noGrp="1"/>
+          </p:cNvSpPr>
+          <p:nvPr>
+            <p:ph idx="1"/>
+          </p:nvPr>
+        </p:nvSpPr>
+        <p:spPr>
+          <a:xfrm>
+            <a:off x="1136397" y="2418409"/>
+            <a:ext cx="9783852" cy="3782694"/>
+          </a:xfrm>
+        </p:spPr>
+        <p:txBody>
+          <a:bodyPr anchor="t">
+            <a:normAutofit/>
+          </a:bodyPr>
+          <a:lstStyle/>
+          <a:p>
+            <a:pPr marL="0" indent="0">
+              <a:buNone/>
+            </a:pPr>
+            <a:r>
+              <a:rPr lang="en-US" sz="2000" dirty="0"/>
+              <a:t>One of the simplest and best ML classification algorithm is Logistic Regression. The LR is the supervised ML binary classification algorithm widely used in most application. It works on categorical dependent variable the result can be discrete or binary categorical variable 0 or 1. </a:t>
+            </a:r>
+          </a:p>
+          <a:p>
+            <a:pPr marL="0" indent="0">
+              <a:buNone/>
+            </a:pPr>
+            <a:r>
+              <a:rPr lang="en-US" sz="2000" dirty="0"/>
+              <a:t>The sigmoid function is used as a cost function. Sigmoid function maps a predicted real value to a probabilistic value between ‘0’ and ‘1’.</a:t>
+            </a:r>
+          </a:p>
+          <a:p>
+            <a:pPr marL="0" indent="0">
+              <a:buNone/>
+            </a:pPr>
+            <a:endParaRPr lang="en-US" sz="2000" dirty="0">
+              <a:solidFill>
+                <a:srgbClr val="1D1C1D"/>
+              </a:solidFill>
+              <a:effectLst/>
+            </a:endParaRPr>
+          </a:p>
+        </p:txBody>
+      </p:sp>
+      <p:sp>
+        <p:nvSpPr>
+          <p:cNvPr id="10" name="Rectangle 9">
+            <a:extLst>
+              <a:ext uri="{FF2B5EF4-FFF2-40B4-BE49-F238E27FC236}">
+                <a16:creationId xmlns:a16="http://schemas.microsoft.com/office/drawing/2014/main" id="{EEBF1590-3B36-48EE-A89D-3B6F3CB256AB}"/>
+              </a:ext>
+              <a:ext uri="{C183D7F6-B498-43B3-948B-1728B52AA6E4}">
+                <adec:decorative xmlns:adec="http://schemas.microsoft.com/office/drawing/2017/decorative" val="1"/>
+              </a:ext>
+            </a:extLst>
+          </p:cNvPr>
+          <p:cNvSpPr>
+            <a:spLocks noGrp="1" noRot="1" noChangeAspect="1" noMove="1" noResize="1" noEditPoints="1" noAdjustHandles="1" noChangeArrowheads="1" noChangeShapeType="1" noTextEdit="1"/>
+          </p:cNvSpPr>
+          <p:nvPr>
+            <p:extLst>
+              <p:ext uri="{386F3935-93C4-4BCD-93E2-E3B085C9AB24}">
+                <p16:designElem xmlns:p16="http://schemas.microsoft.com/office/powerpoint/2015/main" val="1"/>
+              </p:ext>
+            </p:extLst>
+          </p:nvPr>
+        </p:nvSpPr>
+        <p:spPr>
+          <a:xfrm rot="10800000" flipH="1">
+            <a:off x="0" y="6400799"/>
+            <a:ext cx="12192000" cy="456773"/>
+          </a:xfrm>
+          <a:prstGeom prst="rect">
+            <a:avLst/>
+          </a:prstGeom>
+          <a:gradFill>
+            <a:gsLst>
+              <a:gs pos="0">
+                <a:schemeClr val="accent1"/>
+              </a:gs>
+              <a:gs pos="78000">
+                <a:srgbClr val="000000"/>
+              </a:gs>
+            </a:gsLst>
+            <a:lin ang="2400000" scaled="0"/>
+          </a:gradFill>
+          <a:ln>
+            <a:noFill/>
+          </a:ln>
+        </p:spPr>
+        <p:style>
+          <a:lnRef idx="2">
+            <a:schemeClr val="accent1">
+              <a:shade val="50000"/>
+            </a:schemeClr>
+          </a:lnRef>
+          <a:fillRef idx="1">
+            <a:schemeClr val="accent1"/>
+          </a:fillRef>
+          <a:effectRef idx="0">
+            <a:schemeClr val="accent1"/>
+          </a:effectRef>
+          <a:fontRef idx="minor">
+            <a:schemeClr val="lt1"/>
+          </a:fontRef>
+        </p:style>
+        <p:txBody>
+          <a:bodyPr rtlCol="0" anchor="ctr"/>
+          <a:lstStyle/>
+          <a:p>
+            <a:pPr algn="ctr"/>
+            <a:endParaRPr lang="en-US"/>
+          </a:p>
+        </p:txBody>
+      </p:sp>
+      <p:sp>
+        <p:nvSpPr>
+          <p:cNvPr id="12" name="Rectangle 11">
+            <a:extLst>
+              <a:ext uri="{FF2B5EF4-FFF2-40B4-BE49-F238E27FC236}">
+                <a16:creationId xmlns:a16="http://schemas.microsoft.com/office/drawing/2014/main" id="{AC8F6C8C-AB5A-4548-942D-E3FD40ACBC49}"/>
+              </a:ext>
+              <a:ext uri="{C183D7F6-B498-43B3-948B-1728B52AA6E4}">
+                <adec:decorative xmlns:adec="http://schemas.microsoft.com/office/drawing/2017/decorative" val="1"/>
+              </a:ext>
+            </a:extLst>
+          </p:cNvPr>
+          <p:cNvSpPr>
+            <a:spLocks noGrp="1" noRot="1" noChangeAspect="1" noMove="1" noResize="1" noEditPoints="1" noAdjustHandles="1" noChangeArrowheads="1" noChangeShapeType="1" noTextEdit="1"/>
+          </p:cNvSpPr>
+          <p:nvPr>
+            <p:extLst>
+              <p:ext uri="{386F3935-93C4-4BCD-93E2-E3B085C9AB24}">
+                <p16:designElem xmlns:p16="http://schemas.microsoft.com/office/powerpoint/2015/main" val="1"/>
+              </p:ext>
+            </p:extLst>
+          </p:nvPr>
+        </p:nvSpPr>
+        <p:spPr>
+          <a:xfrm flipH="1">
+            <a:off x="4038600" y="6400799"/>
+            <a:ext cx="8153398" cy="456772"/>
+          </a:xfrm>
+          <a:prstGeom prst="rect">
+            <a:avLst/>
+          </a:prstGeom>
+          <a:gradFill>
+            <a:gsLst>
+              <a:gs pos="0">
+                <a:srgbClr val="000000">
+                  <a:alpha val="63000"/>
+                </a:srgbClr>
+              </a:gs>
+              <a:gs pos="100000">
+                <a:schemeClr val="accent1">
+                  <a:lumMod val="75000"/>
+                </a:schemeClr>
+              </a:gs>
+            </a:gsLst>
+            <a:lin ang="13800000" scaled="0"/>
+          </a:gradFill>
+          <a:ln>
+            <a:noFill/>
+          </a:ln>
+        </p:spPr>
+        <p:style>
+          <a:lnRef idx="2">
+            <a:schemeClr val="accent1">
+              <a:shade val="50000"/>
+            </a:schemeClr>
+          </a:lnRef>
+          <a:fillRef idx="1">
+            <a:schemeClr val="accent1"/>
+          </a:fillRef>
+          <a:effectRef idx="0">
+            <a:schemeClr val="accent1"/>
+          </a:effectRef>
+          <a:fontRef idx="minor">
+            <a:schemeClr val="lt1"/>
+          </a:fontRef>
+        </p:style>
+        <p:txBody>
+          <a:bodyPr rtlCol="0" anchor="ctr"/>
+          <a:lstStyle/>
+          <a:p>
+            <a:pPr algn="ctr"/>
+            <a:endParaRPr lang="en-US"/>
+          </a:p>
+        </p:txBody>
+      </p:sp>
+    </p:spTree>
+    <p:extLst>
+      <p:ext uri="{BB962C8B-B14F-4D97-AF65-F5344CB8AC3E}">
+        <p14:creationId xmlns:p14="http://schemas.microsoft.com/office/powerpoint/2010/main" val="2261571993"/>
+      </p:ext>
+    </p:extLst>
+  </p:cSld>
+  <p:clrMapOvr>
+    <a:masterClrMapping/>
+  </p:clrMapOvr>
+</p:sld>
+</file>
+
+<file path=ppt/slides/slide19.xml><?xml version="1.0" encoding="utf-8"?>
+<p:sld xmlns:a="http://schemas.openxmlformats.org/drawingml/2006/main" xmlns:r="http://schemas.openxmlformats.org/officeDocument/2006/relationships" xmlns:p="http://schemas.openxmlformats.org/presentationml/2006/main">
+  <p:cSld>
+    <p:bg>
+      <p:bgPr>
+        <a:solidFill>
+          <a:schemeClr val="bg1"/>
+        </a:solidFill>
+        <a:effectLst/>
+      </p:bgPr>
+    </p:bg>
+    <p:spTree>
+      <p:nvGrpSpPr>
+        <p:cNvPr id="1" name=""/>
+        <p:cNvGrpSpPr/>
+        <p:nvPr/>
+      </p:nvGrpSpPr>
+      <p:grpSpPr>
+        <a:xfrm>
+          <a:off x="0" y="0"/>
+          <a:ext cx="0" cy="0"/>
+          <a:chOff x="0" y="0"/>
+          <a:chExt cx="0" cy="0"/>
+        </a:xfrm>
+      </p:grpSpPr>
+      <p:sp useBgFill="1">
+        <p:nvSpPr>
+          <p:cNvPr id="8" name="Rectangle 7">
+            <a:extLst>
+              <a:ext uri="{FF2B5EF4-FFF2-40B4-BE49-F238E27FC236}">
+                <a16:creationId xmlns:a16="http://schemas.microsoft.com/office/drawing/2014/main" id="{979E27D9-03C7-44E2-9FF8-15D0C8506AF7}"/>
+              </a:ext>
+              <a:ext uri="{C183D7F6-B498-43B3-948B-1728B52AA6E4}">
+                <adec:decorative xmlns:adec="http://schemas.microsoft.com/office/drawing/2017/decorative" val="1"/>
+              </a:ext>
+            </a:extLst>
+          </p:cNvPr>
+          <p:cNvSpPr>
+            <a:spLocks noGrp="1" noRot="1" noChangeAspect="1" noMove="1" noResize="1" noEditPoints="1" noAdjustHandles="1" noChangeArrowheads="1" noChangeShapeType="1" noTextEdit="1"/>
+          </p:cNvSpPr>
+          <p:nvPr>
+            <p:extLst>
+              <p:ext uri="{386F3935-93C4-4BCD-93E2-E3B085C9AB24}">
+                <p16:designElem xmlns:p16="http://schemas.microsoft.com/office/powerpoint/2015/main" val="1"/>
+              </p:ext>
+            </p:extLst>
+          </p:nvPr>
+        </p:nvSpPr>
+        <p:spPr>
+          <a:xfrm>
+            <a:off x="0" y="0"/>
+            <a:ext cx="12192000" cy="6858000"/>
+          </a:xfrm>
+          <a:prstGeom prst="rect">
+            <a:avLst/>
+          </a:prstGeom>
+          <a:ln w="12700" cap="flat" cmpd="sng" algn="ctr">
+            <a:noFill/>
+            <a:prstDash val="solid"/>
+            <a:miter lim="800000"/>
+          </a:ln>
+          <a:effectLst/>
+          <a:extLst>
+            <a:ext uri="{91240B29-F687-4F45-9708-019B960494DF}">
+              <a14:hiddenLine xmlns:a14="http://schemas.microsoft.com/office/drawing/2010/main" w="12700" cap="flat" cmpd="sng" algn="ctr">
+                <a:solidFill>
+                  <a:schemeClr val="accent1">
+                    <a:shade val="50000"/>
+                  </a:schemeClr>
+                </a:solidFill>
+                <a:prstDash val="solid"/>
+                <a:miter lim="800000"/>
+              </a14:hiddenLine>
+            </a:ext>
+          </a:extLst>
+        </p:spPr>
+        <p:style>
+          <a:lnRef idx="2">
+            <a:schemeClr val="accent1">
+              <a:shade val="50000"/>
+            </a:schemeClr>
+          </a:lnRef>
+          <a:fillRef idx="1">
+            <a:schemeClr val="accent1"/>
+          </a:fillRef>
+          <a:effectRef idx="0">
+            <a:schemeClr val="accent1"/>
+          </a:effectRef>
+          <a:fontRef idx="minor">
+            <a:schemeClr val="lt1"/>
+          </a:fontRef>
+        </p:style>
+        <p:txBody>
+          <a:bodyPr rtlCol="0" anchor="ctr"/>
+          <a:lstStyle/>
+          <a:p>
+            <a:pPr algn="ctr"/>
+            <a:endParaRPr lang="en-US"/>
+          </a:p>
+        </p:txBody>
+      </p:sp>
+      <p:sp>
+        <p:nvSpPr>
+          <p:cNvPr id="2" name="Title 1">
+            <a:extLst>
+              <a:ext uri="{FF2B5EF4-FFF2-40B4-BE49-F238E27FC236}">
+                <a16:creationId xmlns:a16="http://schemas.microsoft.com/office/drawing/2014/main" id="{5C4F02F6-349D-954F-B02F-78EBD3017252}"/>
+              </a:ext>
+            </a:extLst>
+          </p:cNvPr>
+          <p:cNvSpPr>
+            <a:spLocks noGrp="1"/>
+          </p:cNvSpPr>
+          <p:nvPr>
+            <p:ph type="title"/>
+          </p:nvPr>
+        </p:nvSpPr>
+        <p:spPr>
+          <a:xfrm>
+            <a:off x="1136397" y="502022"/>
+            <a:ext cx="9688296" cy="790750"/>
+          </a:xfrm>
+        </p:spPr>
+        <p:txBody>
+          <a:bodyPr anchor="b">
+            <a:normAutofit/>
+          </a:bodyPr>
+          <a:lstStyle/>
+          <a:p>
+            <a:r>
+              <a:rPr lang="en-US" sz="4000" b="1" dirty="0">
+                <a:solidFill>
+                  <a:srgbClr val="1D1C1D"/>
+                </a:solidFill>
+              </a:rPr>
+              <a:t>Naive Bayes </a:t>
+            </a:r>
+            <a:r>
+              <a:rPr lang="en-US" sz="4000" b="1" dirty="0"/>
+              <a:t>approach:</a:t>
+            </a:r>
+          </a:p>
+        </p:txBody>
+      </p:sp>
+      <p:sp>
+        <p:nvSpPr>
+          <p:cNvPr id="3" name="Content Placeholder 2">
+            <a:extLst>
+              <a:ext uri="{FF2B5EF4-FFF2-40B4-BE49-F238E27FC236}">
+                <a16:creationId xmlns:a16="http://schemas.microsoft.com/office/drawing/2014/main" id="{3A721E59-1DC4-3845-9DB3-10F69E64143F}"/>
+              </a:ext>
+            </a:extLst>
+          </p:cNvPr>
+          <p:cNvSpPr>
+            <a:spLocks noGrp="1"/>
+          </p:cNvSpPr>
+          <p:nvPr>
+            <p:ph idx="1"/>
+          </p:nvPr>
+        </p:nvSpPr>
+        <p:spPr>
+          <a:xfrm>
+            <a:off x="1136397" y="1881351"/>
+            <a:ext cx="9688296" cy="3930869"/>
+          </a:xfrm>
+        </p:spPr>
+        <p:txBody>
+          <a:bodyPr anchor="t">
+            <a:normAutofit/>
+          </a:bodyPr>
+          <a:lstStyle/>
+          <a:p>
+            <a:pPr marL="0" indent="0">
+              <a:buNone/>
+            </a:pPr>
+            <a:r>
+              <a:rPr lang="en-US" sz="2000" dirty="0">
+                <a:solidFill>
+                  <a:srgbClr val="1D1C1D"/>
+                </a:solidFill>
+              </a:rPr>
+              <a:t>Naive Bayes classifier is a statistical based classifier which is based on Bayes Theory. It assumes that attributes are statistically independent. This classifier is based on probabilities. Given two events A and B, P (A) is prior probability and P (A|B) is posterior probability, then according to Bayes theorem.</a:t>
+            </a:r>
+          </a:p>
+          <a:p>
+            <a:pPr marL="0" indent="0" algn="ctr">
+              <a:buNone/>
+            </a:pPr>
+            <a:r>
+              <a:rPr lang="en-US" sz="2000" b="1" dirty="0">
+                <a:solidFill>
+                  <a:srgbClr val="1D1C1D"/>
+                </a:solidFill>
+              </a:rPr>
+              <a:t>P (A|B) = P (B/A) P (A)/P (B) </a:t>
+            </a:r>
+            <a:r>
+              <a:rPr lang="en-US" sz="2000" dirty="0">
+                <a:solidFill>
+                  <a:srgbClr val="1D1C1D"/>
+                </a:solidFill>
+              </a:rPr>
+              <a:t>and </a:t>
+            </a:r>
+          </a:p>
+          <a:p>
+            <a:pPr marL="0" indent="0" algn="ctr">
+              <a:buNone/>
+            </a:pPr>
+            <a:r>
+              <a:rPr lang="en-US" sz="2000" b="1" dirty="0">
+                <a:solidFill>
+                  <a:srgbClr val="1D1C1D"/>
+                </a:solidFill>
+              </a:rPr>
+              <a:t>P (B|A) </a:t>
+            </a:r>
+            <a:r>
+              <a:rPr lang="en-US" sz="2000" dirty="0">
+                <a:solidFill>
+                  <a:srgbClr val="1D1C1D"/>
+                </a:solidFill>
+              </a:rPr>
+              <a:t>is computed as </a:t>
+            </a:r>
+            <a:r>
+              <a:rPr lang="en-US" sz="2000" b="1" dirty="0">
+                <a:solidFill>
+                  <a:srgbClr val="1D1C1D"/>
+                </a:solidFill>
+              </a:rPr>
+              <a:t>P (A ∩ B) = P (A)</a:t>
+            </a:r>
+          </a:p>
+          <a:p>
+            <a:pPr marL="0" indent="0">
+              <a:buNone/>
+            </a:pPr>
+            <a:r>
+              <a:rPr lang="en-US" sz="2000" dirty="0">
+                <a:solidFill>
+                  <a:srgbClr val="1D1C1D"/>
+                </a:solidFill>
+              </a:rPr>
+              <a:t>These Bayesian probabilities are used to determine the most likely next event for the given instance given all the training data. Conditional probabilities are determined from the training data. The Naive Bayes model is based on the conditional independence model of each predictor give the target class. This classifier yields optimal prediction (given the assumptions). It can also handle discrete or numeric attribute values.</a:t>
+            </a:r>
+          </a:p>
+          <a:p>
+            <a:pPr marL="0" indent="0">
+              <a:buNone/>
+            </a:pPr>
+            <a:endParaRPr lang="en-US" sz="1200" dirty="0">
+              <a:solidFill>
+                <a:srgbClr val="1D1C1D"/>
+              </a:solidFill>
+              <a:effectLst/>
+            </a:endParaRPr>
+          </a:p>
+        </p:txBody>
+      </p:sp>
+      <p:sp>
+        <p:nvSpPr>
+          <p:cNvPr id="10" name="Rectangle 9">
+            <a:extLst>
+              <a:ext uri="{FF2B5EF4-FFF2-40B4-BE49-F238E27FC236}">
+                <a16:creationId xmlns:a16="http://schemas.microsoft.com/office/drawing/2014/main" id="{EEBF1590-3B36-48EE-A89D-3B6F3CB256AB}"/>
+              </a:ext>
+              <a:ext uri="{C183D7F6-B498-43B3-948B-1728B52AA6E4}">
+                <adec:decorative xmlns:adec="http://schemas.microsoft.com/office/drawing/2017/decorative" val="1"/>
+              </a:ext>
+            </a:extLst>
+          </p:cNvPr>
+          <p:cNvSpPr>
+            <a:spLocks noGrp="1" noRot="1" noChangeAspect="1" noMove="1" noResize="1" noEditPoints="1" noAdjustHandles="1" noChangeArrowheads="1" noChangeShapeType="1" noTextEdit="1"/>
+          </p:cNvSpPr>
+          <p:nvPr>
+            <p:extLst>
+              <p:ext uri="{386F3935-93C4-4BCD-93E2-E3B085C9AB24}">
+                <p16:designElem xmlns:p16="http://schemas.microsoft.com/office/powerpoint/2015/main" val="1"/>
+              </p:ext>
+            </p:extLst>
+          </p:nvPr>
+        </p:nvSpPr>
+        <p:spPr>
+          <a:xfrm rot="10800000" flipH="1">
+            <a:off x="0" y="6400799"/>
+            <a:ext cx="12192000" cy="456773"/>
+          </a:xfrm>
+          <a:prstGeom prst="rect">
+            <a:avLst/>
+          </a:prstGeom>
+          <a:gradFill>
+            <a:gsLst>
+              <a:gs pos="0">
+                <a:schemeClr val="accent1"/>
+              </a:gs>
+              <a:gs pos="78000">
+                <a:srgbClr val="000000"/>
+              </a:gs>
+            </a:gsLst>
+            <a:lin ang="2400000" scaled="0"/>
+          </a:gradFill>
+          <a:ln>
+            <a:noFill/>
+          </a:ln>
+        </p:spPr>
+        <p:style>
+          <a:lnRef idx="2">
+            <a:schemeClr val="accent1">
+              <a:shade val="50000"/>
+            </a:schemeClr>
+          </a:lnRef>
+          <a:fillRef idx="1">
+            <a:schemeClr val="accent1"/>
+          </a:fillRef>
+          <a:effectRef idx="0">
+            <a:schemeClr val="accent1"/>
+          </a:effectRef>
+          <a:fontRef idx="minor">
+            <a:schemeClr val="lt1"/>
+          </a:fontRef>
+        </p:style>
+        <p:txBody>
+          <a:bodyPr rtlCol="0" anchor="ctr"/>
+          <a:lstStyle/>
+          <a:p>
+            <a:pPr algn="ctr"/>
+            <a:endParaRPr lang="en-US"/>
+          </a:p>
+        </p:txBody>
+      </p:sp>
+      <p:sp>
+        <p:nvSpPr>
+          <p:cNvPr id="12" name="Rectangle 11">
+            <a:extLst>
+              <a:ext uri="{FF2B5EF4-FFF2-40B4-BE49-F238E27FC236}">
+                <a16:creationId xmlns:a16="http://schemas.microsoft.com/office/drawing/2014/main" id="{AC8F6C8C-AB5A-4548-942D-E3FD40ACBC49}"/>
+              </a:ext>
+              <a:ext uri="{C183D7F6-B498-43B3-948B-1728B52AA6E4}">
+                <adec:decorative xmlns:adec="http://schemas.microsoft.com/office/drawing/2017/decorative" val="1"/>
+              </a:ext>
+            </a:extLst>
+          </p:cNvPr>
+          <p:cNvSpPr>
+            <a:spLocks noGrp="1" noRot="1" noChangeAspect="1" noMove="1" noResize="1" noEditPoints="1" noAdjustHandles="1" noChangeArrowheads="1" noChangeShapeType="1" noTextEdit="1"/>
+          </p:cNvSpPr>
+          <p:nvPr>
+            <p:extLst>
+              <p:ext uri="{386F3935-93C4-4BCD-93E2-E3B085C9AB24}">
+                <p16:designElem xmlns:p16="http://schemas.microsoft.com/office/powerpoint/2015/main" val="1"/>
+              </p:ext>
+            </p:extLst>
+          </p:nvPr>
+        </p:nvSpPr>
+        <p:spPr>
+          <a:xfrm flipH="1">
+            <a:off x="4038600" y="6400799"/>
+            <a:ext cx="8153398" cy="456772"/>
+          </a:xfrm>
+          <a:prstGeom prst="rect">
+            <a:avLst/>
+          </a:prstGeom>
+          <a:gradFill>
+            <a:gsLst>
+              <a:gs pos="0">
+                <a:srgbClr val="000000">
+                  <a:alpha val="63000"/>
+                </a:srgbClr>
+              </a:gs>
+              <a:gs pos="100000">
+                <a:schemeClr val="accent1">
+                  <a:lumMod val="75000"/>
+                </a:schemeClr>
+              </a:gs>
+            </a:gsLst>
+            <a:lin ang="13800000" scaled="0"/>
+          </a:gradFill>
+          <a:ln>
+            <a:noFill/>
+          </a:ln>
+        </p:spPr>
+        <p:style>
+          <a:lnRef idx="2">
+            <a:schemeClr val="accent1">
+              <a:shade val="50000"/>
+            </a:schemeClr>
+          </a:lnRef>
+          <a:fillRef idx="1">
+            <a:schemeClr val="accent1"/>
+          </a:fillRef>
+          <a:effectRef idx="0">
+            <a:schemeClr val="accent1"/>
+          </a:effectRef>
+          <a:fontRef idx="minor">
+            <a:schemeClr val="lt1"/>
+          </a:fontRef>
+        </p:style>
+        <p:txBody>
+          <a:bodyPr rtlCol="0" anchor="ctr"/>
+          <a:lstStyle/>
+          <a:p>
+            <a:pPr algn="ctr"/>
+            <a:endParaRPr lang="en-US"/>
+          </a:p>
+        </p:txBody>
+      </p:sp>
+    </p:spTree>
+    <p:extLst>
+      <p:ext uri="{BB962C8B-B14F-4D97-AF65-F5344CB8AC3E}">
+        <p14:creationId xmlns:p14="http://schemas.microsoft.com/office/powerpoint/2010/main" val="3757251544"/>
+      </p:ext>
+    </p:extLst>
+  </p:cSld>
+  <p:clrMapOvr>
+    <a:masterClrMapping/>
+  </p:clrMapOvr>
+</p:sld>
+</file>
+
 <file path=ppt/slides/slide2.xml><?xml version="1.0" encoding="utf-8"?>
 <p:sld xmlns:a="http://schemas.openxmlformats.org/drawingml/2006/main" xmlns:r="http://schemas.openxmlformats.org/officeDocument/2006/relationships" xmlns:p="http://schemas.openxmlformats.org/presentationml/2006/main">
   <p:cSld>
@@ -9720,6 +9523,500 @@
     <p:extLst>
       <p:ext uri="{BB962C8B-B14F-4D97-AF65-F5344CB8AC3E}">
         <p14:creationId xmlns:p14="http://schemas.microsoft.com/office/powerpoint/2010/main" val="3886532544"/>
+      </p:ext>
+    </p:extLst>
+  </p:cSld>
+  <p:clrMapOvr>
+    <a:masterClrMapping/>
+  </p:clrMapOvr>
+</p:sld>
+</file>
+
+<file path=ppt/slides/slide20.xml><?xml version="1.0" encoding="utf-8"?>
+<p:sld xmlns:a="http://schemas.openxmlformats.org/drawingml/2006/main" xmlns:r="http://schemas.openxmlformats.org/officeDocument/2006/relationships" xmlns:p="http://schemas.openxmlformats.org/presentationml/2006/main">
+  <p:cSld>
+    <p:bg>
+      <p:bgPr>
+        <a:solidFill>
+          <a:schemeClr val="bg1"/>
+        </a:solidFill>
+        <a:effectLst/>
+      </p:bgPr>
+    </p:bg>
+    <p:spTree>
+      <p:nvGrpSpPr>
+        <p:cNvPr id="1" name=""/>
+        <p:cNvGrpSpPr/>
+        <p:nvPr/>
+      </p:nvGrpSpPr>
+      <p:grpSpPr>
+        <a:xfrm>
+          <a:off x="0" y="0"/>
+          <a:ext cx="0" cy="0"/>
+          <a:chOff x="0" y="0"/>
+          <a:chExt cx="0" cy="0"/>
+        </a:xfrm>
+      </p:grpSpPr>
+      <p:sp useBgFill="1">
+        <p:nvSpPr>
+          <p:cNvPr id="8" name="Rectangle 7">
+            <a:extLst>
+              <a:ext uri="{FF2B5EF4-FFF2-40B4-BE49-F238E27FC236}">
+                <a16:creationId xmlns:a16="http://schemas.microsoft.com/office/drawing/2014/main" id="{979E27D9-03C7-44E2-9FF8-15D0C8506AF7}"/>
+              </a:ext>
+              <a:ext uri="{C183D7F6-B498-43B3-948B-1728B52AA6E4}">
+                <adec:decorative xmlns:adec="http://schemas.microsoft.com/office/drawing/2017/decorative" val="1"/>
+              </a:ext>
+            </a:extLst>
+          </p:cNvPr>
+          <p:cNvSpPr>
+            <a:spLocks noGrp="1" noRot="1" noChangeAspect="1" noMove="1" noResize="1" noEditPoints="1" noAdjustHandles="1" noChangeArrowheads="1" noChangeShapeType="1" noTextEdit="1"/>
+          </p:cNvSpPr>
+          <p:nvPr>
+            <p:extLst>
+              <p:ext uri="{386F3935-93C4-4BCD-93E2-E3B085C9AB24}">
+                <p16:designElem xmlns:p16="http://schemas.microsoft.com/office/powerpoint/2015/main" val="1"/>
+              </p:ext>
+            </p:extLst>
+          </p:nvPr>
+        </p:nvSpPr>
+        <p:spPr>
+          <a:xfrm>
+            <a:off x="0" y="0"/>
+            <a:ext cx="12192000" cy="6858000"/>
+          </a:xfrm>
+          <a:prstGeom prst="rect">
+            <a:avLst/>
+          </a:prstGeom>
+          <a:ln w="12700" cap="flat" cmpd="sng" algn="ctr">
+            <a:noFill/>
+            <a:prstDash val="solid"/>
+            <a:miter lim="800000"/>
+          </a:ln>
+          <a:effectLst/>
+          <a:extLst>
+            <a:ext uri="{91240B29-F687-4F45-9708-019B960494DF}">
+              <a14:hiddenLine xmlns:a14="http://schemas.microsoft.com/office/drawing/2010/main" w="12700" cap="flat" cmpd="sng" algn="ctr">
+                <a:solidFill>
+                  <a:schemeClr val="accent1">
+                    <a:shade val="50000"/>
+                  </a:schemeClr>
+                </a:solidFill>
+                <a:prstDash val="solid"/>
+                <a:miter lim="800000"/>
+              </a14:hiddenLine>
+            </a:ext>
+          </a:extLst>
+        </p:spPr>
+        <p:style>
+          <a:lnRef idx="2">
+            <a:schemeClr val="accent1">
+              <a:shade val="50000"/>
+            </a:schemeClr>
+          </a:lnRef>
+          <a:fillRef idx="1">
+            <a:schemeClr val="accent1"/>
+          </a:fillRef>
+          <a:effectRef idx="0">
+            <a:schemeClr val="accent1"/>
+          </a:effectRef>
+          <a:fontRef idx="minor">
+            <a:schemeClr val="lt1"/>
+          </a:fontRef>
+        </p:style>
+        <p:txBody>
+          <a:bodyPr rtlCol="0" anchor="ctr"/>
+          <a:lstStyle/>
+          <a:p>
+            <a:pPr algn="ctr"/>
+            <a:endParaRPr lang="en-US"/>
+          </a:p>
+        </p:txBody>
+      </p:sp>
+      <p:sp>
+        <p:nvSpPr>
+          <p:cNvPr id="2" name="Title 1">
+            <a:extLst>
+              <a:ext uri="{FF2B5EF4-FFF2-40B4-BE49-F238E27FC236}">
+                <a16:creationId xmlns:a16="http://schemas.microsoft.com/office/drawing/2014/main" id="{5C4F02F6-349D-954F-B02F-78EBD3017252}"/>
+              </a:ext>
+            </a:extLst>
+          </p:cNvPr>
+          <p:cNvSpPr>
+            <a:spLocks noGrp="1"/>
+          </p:cNvSpPr>
+          <p:nvPr>
+            <p:ph type="title"/>
+          </p:nvPr>
+        </p:nvSpPr>
+        <p:spPr>
+          <a:xfrm>
+            <a:off x="1136397" y="502022"/>
+            <a:ext cx="9688296" cy="1388356"/>
+          </a:xfrm>
+        </p:spPr>
+        <p:txBody>
+          <a:bodyPr anchor="b">
+            <a:normAutofit/>
+          </a:bodyPr>
+          <a:lstStyle/>
+          <a:p>
+            <a:r>
+              <a:rPr lang="en-US" sz="4000" b="1" dirty="0">
+                <a:solidFill>
+                  <a:srgbClr val="1D1C1D"/>
+                </a:solidFill>
+              </a:rPr>
+              <a:t>Decision Tree </a:t>
+            </a:r>
+            <a:r>
+              <a:rPr lang="en-US" sz="4000" b="1" dirty="0"/>
+              <a:t>approach:</a:t>
+            </a:r>
+          </a:p>
+        </p:txBody>
+      </p:sp>
+      <p:sp>
+        <p:nvSpPr>
+          <p:cNvPr id="3" name="Content Placeholder 2">
+            <a:extLst>
+              <a:ext uri="{FF2B5EF4-FFF2-40B4-BE49-F238E27FC236}">
+                <a16:creationId xmlns:a16="http://schemas.microsoft.com/office/drawing/2014/main" id="{3A721E59-1DC4-3845-9DB3-10F69E64143F}"/>
+              </a:ext>
+            </a:extLst>
+          </p:cNvPr>
+          <p:cNvSpPr>
+            <a:spLocks noGrp="1"/>
+          </p:cNvSpPr>
+          <p:nvPr>
+            <p:ph idx="1"/>
+          </p:nvPr>
+        </p:nvSpPr>
+        <p:spPr>
+          <a:xfrm>
+            <a:off x="1136396" y="2418409"/>
+            <a:ext cx="9783851" cy="3782694"/>
+          </a:xfrm>
+        </p:spPr>
+        <p:txBody>
+          <a:bodyPr anchor="t">
+            <a:normAutofit/>
+          </a:bodyPr>
+          <a:lstStyle/>
+          <a:p>
+            <a:pPr marL="0" indent="0">
+              <a:buNone/>
+            </a:pPr>
+            <a:r>
+              <a:rPr lang="en-US" sz="2000" dirty="0"/>
+              <a:t>The decision tree algorithm is a supervised learning algorithm that can be used in both classification or regression analysis. Unlike linear algorithms, decision trees algorithms are capable of handling nonlinear relationships between variables in the data.</a:t>
+            </a:r>
+          </a:p>
+          <a:p>
+            <a:pPr marL="0" indent="0">
+              <a:buNone/>
+            </a:pPr>
+            <a:endParaRPr lang="en-US" sz="800" dirty="0">
+              <a:solidFill>
+                <a:srgbClr val="1D1C1D"/>
+              </a:solidFill>
+              <a:effectLst/>
+            </a:endParaRPr>
+          </a:p>
+          <a:p>
+            <a:pPr marL="0" indent="0">
+              <a:buNone/>
+            </a:pPr>
+            <a:r>
+              <a:rPr lang="en-US" sz="2000" dirty="0"/>
+              <a:t>The information gained in the decision tree can be defined as the amount of information improved in the nodes before splitting them for making further decisions. </a:t>
+            </a:r>
+            <a:endParaRPr lang="en-US" sz="2000" dirty="0">
+              <a:solidFill>
+                <a:srgbClr val="1D1C1D"/>
+              </a:solidFill>
+            </a:endParaRPr>
+          </a:p>
+          <a:p>
+            <a:pPr marL="0" indent="0">
+              <a:buNone/>
+            </a:pPr>
+            <a:endParaRPr lang="en-US" sz="800" dirty="0">
+              <a:solidFill>
+                <a:srgbClr val="1D1C1D"/>
+              </a:solidFill>
+              <a:effectLst/>
+            </a:endParaRPr>
+          </a:p>
+          <a:p>
+            <a:pPr marL="0" indent="0">
+              <a:buNone/>
+            </a:pPr>
+            <a:r>
+              <a:rPr lang="en-US" sz="2000" dirty="0"/>
+              <a:t>To measure the information gain we use the entropy. Which is a quantified measurement of the amount of uncertainty because of any process or any given random variable. </a:t>
+            </a:r>
+            <a:r>
+              <a:rPr lang="en-US" sz="2000" i="1" dirty="0"/>
+              <a:t>Mathematically the formula for entropy is:</a:t>
+            </a:r>
+            <a:endParaRPr lang="en-US" sz="2000" i="1" dirty="0">
+              <a:solidFill>
+                <a:srgbClr val="1D1C1D"/>
+              </a:solidFill>
+            </a:endParaRPr>
+          </a:p>
+          <a:p>
+            <a:pPr marL="0" indent="0">
+              <a:buNone/>
+            </a:pPr>
+            <a:endParaRPr lang="en-US" sz="1200" dirty="0">
+              <a:solidFill>
+                <a:srgbClr val="1D1C1D"/>
+              </a:solidFill>
+            </a:endParaRPr>
+          </a:p>
+          <a:p>
+            <a:pPr marL="0" indent="0">
+              <a:buNone/>
+            </a:pPr>
+            <a:endParaRPr lang="en-US" sz="1200" dirty="0">
+              <a:solidFill>
+                <a:srgbClr val="1D1C1D"/>
+              </a:solidFill>
+              <a:effectLst/>
+            </a:endParaRPr>
+          </a:p>
+          <a:p>
+            <a:pPr marL="0" indent="0">
+              <a:buNone/>
+            </a:pPr>
+            <a:endParaRPr lang="en-US" sz="2000" dirty="0">
+              <a:solidFill>
+                <a:srgbClr val="1D1C1D"/>
+              </a:solidFill>
+            </a:endParaRPr>
+          </a:p>
+          <a:p>
+            <a:pPr marL="0" indent="0">
+              <a:buNone/>
+            </a:pPr>
+            <a:endParaRPr lang="en-US" sz="2000" dirty="0">
+              <a:solidFill>
+                <a:srgbClr val="1D1C1D"/>
+              </a:solidFill>
+            </a:endParaRPr>
+          </a:p>
+          <a:p>
+            <a:pPr marL="0" indent="0">
+              <a:buNone/>
+            </a:pPr>
+            <a:endParaRPr lang="en-US" sz="2000" dirty="0">
+              <a:solidFill>
+                <a:srgbClr val="1D1C1D"/>
+              </a:solidFill>
+              <a:effectLst/>
+            </a:endParaRPr>
+          </a:p>
+        </p:txBody>
+      </p:sp>
+      <p:sp>
+        <p:nvSpPr>
+          <p:cNvPr id="10" name="Rectangle 9">
+            <a:extLst>
+              <a:ext uri="{FF2B5EF4-FFF2-40B4-BE49-F238E27FC236}">
+                <a16:creationId xmlns:a16="http://schemas.microsoft.com/office/drawing/2014/main" id="{EEBF1590-3B36-48EE-A89D-3B6F3CB256AB}"/>
+              </a:ext>
+              <a:ext uri="{C183D7F6-B498-43B3-948B-1728B52AA6E4}">
+                <adec:decorative xmlns:adec="http://schemas.microsoft.com/office/drawing/2017/decorative" val="1"/>
+              </a:ext>
+            </a:extLst>
+          </p:cNvPr>
+          <p:cNvSpPr>
+            <a:spLocks noGrp="1" noRot="1" noChangeAspect="1" noMove="1" noResize="1" noEditPoints="1" noAdjustHandles="1" noChangeArrowheads="1" noChangeShapeType="1" noTextEdit="1"/>
+          </p:cNvSpPr>
+          <p:nvPr>
+            <p:extLst>
+              <p:ext uri="{386F3935-93C4-4BCD-93E2-E3B085C9AB24}">
+                <p16:designElem xmlns:p16="http://schemas.microsoft.com/office/powerpoint/2015/main" val="1"/>
+              </p:ext>
+            </p:extLst>
+          </p:nvPr>
+        </p:nvSpPr>
+        <p:spPr>
+          <a:xfrm rot="10800000" flipH="1">
+            <a:off x="0" y="6400799"/>
+            <a:ext cx="12192000" cy="456773"/>
+          </a:xfrm>
+          <a:prstGeom prst="rect">
+            <a:avLst/>
+          </a:prstGeom>
+          <a:gradFill>
+            <a:gsLst>
+              <a:gs pos="0">
+                <a:schemeClr val="accent1"/>
+              </a:gs>
+              <a:gs pos="78000">
+                <a:srgbClr val="000000"/>
+              </a:gs>
+            </a:gsLst>
+            <a:lin ang="2400000" scaled="0"/>
+          </a:gradFill>
+          <a:ln>
+            <a:noFill/>
+          </a:ln>
+        </p:spPr>
+        <p:style>
+          <a:lnRef idx="2">
+            <a:schemeClr val="accent1">
+              <a:shade val="50000"/>
+            </a:schemeClr>
+          </a:lnRef>
+          <a:fillRef idx="1">
+            <a:schemeClr val="accent1"/>
+          </a:fillRef>
+          <a:effectRef idx="0">
+            <a:schemeClr val="accent1"/>
+          </a:effectRef>
+          <a:fontRef idx="minor">
+            <a:schemeClr val="lt1"/>
+          </a:fontRef>
+        </p:style>
+        <p:txBody>
+          <a:bodyPr rtlCol="0" anchor="ctr"/>
+          <a:lstStyle/>
+          <a:p>
+            <a:pPr algn="ctr"/>
+            <a:endParaRPr lang="en-US"/>
+          </a:p>
+        </p:txBody>
+      </p:sp>
+      <p:sp>
+        <p:nvSpPr>
+          <p:cNvPr id="12" name="Rectangle 11">
+            <a:extLst>
+              <a:ext uri="{FF2B5EF4-FFF2-40B4-BE49-F238E27FC236}">
+                <a16:creationId xmlns:a16="http://schemas.microsoft.com/office/drawing/2014/main" id="{AC8F6C8C-AB5A-4548-942D-E3FD40ACBC49}"/>
+              </a:ext>
+              <a:ext uri="{C183D7F6-B498-43B3-948B-1728B52AA6E4}">
+                <adec:decorative xmlns:adec="http://schemas.microsoft.com/office/drawing/2017/decorative" val="1"/>
+              </a:ext>
+            </a:extLst>
+          </p:cNvPr>
+          <p:cNvSpPr>
+            <a:spLocks noGrp="1" noRot="1" noChangeAspect="1" noMove="1" noResize="1" noEditPoints="1" noAdjustHandles="1" noChangeArrowheads="1" noChangeShapeType="1" noTextEdit="1"/>
+          </p:cNvSpPr>
+          <p:nvPr>
+            <p:extLst>
+              <p:ext uri="{386F3935-93C4-4BCD-93E2-E3B085C9AB24}">
+                <p16:designElem xmlns:p16="http://schemas.microsoft.com/office/powerpoint/2015/main" val="1"/>
+              </p:ext>
+            </p:extLst>
+          </p:nvPr>
+        </p:nvSpPr>
+        <p:spPr>
+          <a:xfrm flipH="1">
+            <a:off x="4038600" y="6400799"/>
+            <a:ext cx="8153398" cy="456772"/>
+          </a:xfrm>
+          <a:prstGeom prst="rect">
+            <a:avLst/>
+          </a:prstGeom>
+          <a:gradFill>
+            <a:gsLst>
+              <a:gs pos="0">
+                <a:srgbClr val="000000">
+                  <a:alpha val="63000"/>
+                </a:srgbClr>
+              </a:gs>
+              <a:gs pos="100000">
+                <a:schemeClr val="accent1">
+                  <a:lumMod val="75000"/>
+                </a:schemeClr>
+              </a:gs>
+            </a:gsLst>
+            <a:lin ang="13800000" scaled="0"/>
+          </a:gradFill>
+          <a:ln>
+            <a:noFill/>
+          </a:ln>
+        </p:spPr>
+        <p:style>
+          <a:lnRef idx="2">
+            <a:schemeClr val="accent1">
+              <a:shade val="50000"/>
+            </a:schemeClr>
+          </a:lnRef>
+          <a:fillRef idx="1">
+            <a:schemeClr val="accent1"/>
+          </a:fillRef>
+          <a:effectRef idx="0">
+            <a:schemeClr val="accent1"/>
+          </a:effectRef>
+          <a:fontRef idx="minor">
+            <a:schemeClr val="lt1"/>
+          </a:fontRef>
+        </p:style>
+        <p:txBody>
+          <a:bodyPr rtlCol="0" anchor="ctr"/>
+          <a:lstStyle/>
+          <a:p>
+            <a:pPr algn="ctr"/>
+            <a:endParaRPr lang="en-US"/>
+          </a:p>
+        </p:txBody>
+      </p:sp>
+      <p:pic>
+        <p:nvPicPr>
+          <p:cNvPr id="1028" name="Picture 4">
+            <a:extLst>
+              <a:ext uri="{FF2B5EF4-FFF2-40B4-BE49-F238E27FC236}">
+                <a16:creationId xmlns:a16="http://schemas.microsoft.com/office/drawing/2014/main" id="{F1010548-A0F2-E6C0-6A04-BB44B8EBBDCC}"/>
+              </a:ext>
+            </a:extLst>
+          </p:cNvPr>
+          <p:cNvPicPr>
+            <a:picLocks noChangeAspect="1" noChangeArrowheads="1"/>
+          </p:cNvPicPr>
+          <p:nvPr/>
+        </p:nvPicPr>
+        <p:blipFill>
+          <a:blip r:embed="rId2">
+            <a:extLst>
+              <a:ext uri="{28A0092B-C50C-407E-A947-70E740481C1C}">
+                <a14:useLocalDpi xmlns:a14="http://schemas.microsoft.com/office/drawing/2010/main" val="0"/>
+              </a:ext>
+            </a:extLst>
+          </a:blip>
+          <a:srcRect/>
+          <a:stretch>
+            <a:fillRect/>
+          </a:stretch>
+        </p:blipFill>
+        <p:spPr bwMode="auto">
+          <a:xfrm>
+            <a:off x="4488295" y="5502603"/>
+            <a:ext cx="2984500" cy="698500"/>
+          </a:xfrm>
+          <a:prstGeom prst="rect">
+            <a:avLst/>
+          </a:prstGeom>
+          <a:noFill/>
+          <a:extLst>
+            <a:ext uri="{909E8E84-426E-40DD-AFC4-6F175D3DCCD1}">
+              <a14:hiddenFill xmlns:a14="http://schemas.microsoft.com/office/drawing/2010/main">
+                <a:solidFill>
+                  <a:srgbClr val="FFFFFF"/>
+                </a:solidFill>
+              </a14:hiddenFill>
+            </a:ext>
+          </a:extLst>
+        </p:spPr>
+      </p:pic>
+    </p:spTree>
+    <p:extLst>
+      <p:ext uri="{BB962C8B-B14F-4D97-AF65-F5344CB8AC3E}">
+        <p14:creationId xmlns:p14="http://schemas.microsoft.com/office/powerpoint/2010/main" val="3122418942"/>
       </p:ext>
     </p:extLst>
   </p:cSld>
@@ -10947,95 +11244,115 @@
           <a:lstStyle/>
           <a:p>
             <a:r>
-              <a:rPr lang="en-US" sz="4000" b="1" dirty="0">
+              <a:rPr lang="en-US" sz="4000" b="1" dirty="0"/>
+              <a:t>Basic Approach:</a:t>
+            </a:r>
+          </a:p>
+        </p:txBody>
+      </p:sp>
+      <p:sp>
+        <p:nvSpPr>
+          <p:cNvPr id="3" name="Content Placeholder 2">
+            <a:extLst>
+              <a:ext uri="{FF2B5EF4-FFF2-40B4-BE49-F238E27FC236}">
+                <a16:creationId xmlns:a16="http://schemas.microsoft.com/office/drawing/2014/main" id="{3A721E59-1DC4-3845-9DB3-10F69E64143F}"/>
+              </a:ext>
+            </a:extLst>
+          </p:cNvPr>
+          <p:cNvSpPr>
+            <a:spLocks noGrp="1"/>
+          </p:cNvSpPr>
+          <p:nvPr>
+            <p:ph idx="1"/>
+          </p:nvPr>
+        </p:nvSpPr>
+        <p:spPr>
+          <a:xfrm>
+            <a:off x="1136397" y="2418409"/>
+            <a:ext cx="9783852" cy="3782694"/>
+          </a:xfrm>
+        </p:spPr>
+        <p:txBody>
+          <a:bodyPr anchor="t">
+            <a:normAutofit lnSpcReduction="10000"/>
+          </a:bodyPr>
+          <a:lstStyle/>
+          <a:p>
+            <a:pPr marL="0" indent="0">
+              <a:buNone/>
+            </a:pPr>
+            <a:r>
+              <a:rPr lang="en-US" sz="2000" b="1" dirty="0"/>
+              <a:t>Logistic regression </a:t>
+            </a:r>
+            <a:r>
+              <a:rPr lang="en-US" sz="2000" dirty="0"/>
+              <a:t>is a statistical modeling technique used to predict the probability of a binary outcome based on one or more independent variables. The goal of logistic regression is to estimate the probability of the "success" outcome given the values of the independent variables.</a:t>
+            </a:r>
+          </a:p>
+          <a:p>
+            <a:pPr marL="0" indent="0">
+              <a:buNone/>
+            </a:pPr>
+            <a:endParaRPr lang="en-US" sz="900" dirty="0">
+              <a:solidFill>
+                <a:srgbClr val="1D1C1D"/>
+              </a:solidFill>
+              <a:effectLst/>
+            </a:endParaRPr>
+          </a:p>
+          <a:p>
+            <a:pPr marL="0" indent="0">
+              <a:buNone/>
+            </a:pPr>
+            <a:r>
+              <a:rPr lang="en-US" sz="2000" b="1" dirty="0"/>
+              <a:t>Naïve Bayes </a:t>
+            </a:r>
+            <a:r>
+              <a:rPr lang="en-US" sz="2000" dirty="0"/>
+              <a:t>classifiers are a type of probabilistic machine learning model that calculate the probability of a given instance belonging to a particular class based on the probabilities of its features.</a:t>
+            </a:r>
+            <a:r>
+              <a:rPr lang="en-US" sz="2000" dirty="0">
                 <a:solidFill>
                   <a:srgbClr val="1D1C1D"/>
                 </a:solidFill>
               </a:rPr>
-              <a:t>L</a:t>
-            </a:r>
-            <a:r>
-              <a:rPr lang="en-US" sz="4000" b="1" i="0" dirty="0">
-                <a:solidFill>
-                  <a:srgbClr val="1D1C1D"/>
-                </a:solidFill>
-                <a:effectLst/>
-              </a:rPr>
-              <a:t>ogistic </a:t>
-            </a:r>
-            <a:r>
-              <a:rPr lang="en-US" sz="4000" b="1" dirty="0">
-                <a:solidFill>
-                  <a:srgbClr val="1D1C1D"/>
-                </a:solidFill>
-              </a:rPr>
-              <a:t>R</a:t>
-            </a:r>
-            <a:r>
-              <a:rPr lang="en-US" sz="4000" b="1" i="0" dirty="0">
-                <a:solidFill>
-                  <a:srgbClr val="1D1C1D"/>
-                </a:solidFill>
-                <a:effectLst/>
-              </a:rPr>
-              <a:t>egression </a:t>
-            </a:r>
-            <a:r>
-              <a:rPr lang="en-US" sz="4000" b="1" dirty="0"/>
-              <a:t>approach:</a:t>
-            </a:r>
-          </a:p>
-        </p:txBody>
-      </p:sp>
-      <p:sp>
-        <p:nvSpPr>
-          <p:cNvPr id="3" name="Content Placeholder 2">
-            <a:extLst>
-              <a:ext uri="{FF2B5EF4-FFF2-40B4-BE49-F238E27FC236}">
-                <a16:creationId xmlns:a16="http://schemas.microsoft.com/office/drawing/2014/main" id="{3A721E59-1DC4-3845-9DB3-10F69E64143F}"/>
-              </a:ext>
-            </a:extLst>
-          </p:cNvPr>
-          <p:cNvSpPr>
-            <a:spLocks noGrp="1"/>
-          </p:cNvSpPr>
-          <p:nvPr>
-            <p:ph idx="1"/>
-          </p:nvPr>
-        </p:nvSpPr>
-        <p:spPr>
-          <a:xfrm>
-            <a:off x="1136397" y="2418409"/>
-            <a:ext cx="9783852" cy="3782694"/>
-          </a:xfrm>
-        </p:spPr>
-        <p:txBody>
-          <a:bodyPr anchor="t">
-            <a:normAutofit/>
-          </a:bodyPr>
-          <a:lstStyle/>
+              <a:t> </a:t>
+            </a:r>
+            <a:r>
+              <a:rPr lang="en-US" sz="2000" dirty="0"/>
+              <a:t>It assumes that all features are conditionally independent of each other given the class label.</a:t>
+            </a:r>
+          </a:p>
           <a:p>
             <a:pPr marL="0" indent="0">
               <a:buNone/>
             </a:pPr>
+            <a:endParaRPr lang="en-US" sz="900" dirty="0">
+              <a:solidFill>
+                <a:srgbClr val="1D1C1D"/>
+              </a:solidFill>
+              <a:effectLst/>
+            </a:endParaRPr>
+          </a:p>
+          <a:p>
+            <a:pPr marL="0" indent="0">
+              <a:buNone/>
+            </a:pPr>
             <a:r>
               <a:rPr lang="en-US" sz="2000" dirty="0"/>
-              <a:t>One of the simplest and best ML classification algorithm is Logistic Regression. The LR is the supervised ML binary classification algorithm widely used in most application. It works on categorical dependent variable the result can be discrete or binary categorical variable 0 or 1. </a:t>
-            </a:r>
-          </a:p>
-          <a:p>
-            <a:pPr marL="0" indent="0">
-              <a:buNone/>
-            </a:pPr>
+              <a:t>A </a:t>
+            </a:r>
+            <a:r>
+              <a:rPr lang="en-US" sz="2000" b="1" dirty="0"/>
+              <a:t>decision tree </a:t>
+            </a:r>
             <a:r>
               <a:rPr lang="en-US" sz="2000" dirty="0"/>
-              <a:t>The sigmoid function is used as a cost function. Sigmoid function maps a predicted real value to a probabilistic value between ‘0’ and ‘1’.</a:t>
-            </a:r>
-          </a:p>
-          <a:p>
-            <a:pPr marL="0" indent="0">
-              <a:buNone/>
-            </a:pPr>
+              <a:t>is a supervised machine learning algorithm that can be used for both classification and regression tasks. Decision trees have several advantages, including their interpretability, ability to handle both numerical and categorical features, and their capability to capture non-linear relationships and interactions among features. </a:t>
+            </a:r>
             <a:endParaRPr lang="en-US" sz="2000" dirty="0">
               <a:solidFill>
                 <a:srgbClr val="1D1C1D"/>
@@ -11207,14 +11524,6 @@
 <file path=ppt/slides/slide7.xml><?xml version="1.0" encoding="utf-8"?>
 <p:sld xmlns:a="http://schemas.openxmlformats.org/drawingml/2006/main" xmlns:r="http://schemas.openxmlformats.org/officeDocument/2006/relationships" xmlns:p="http://schemas.openxmlformats.org/presentationml/2006/main">
   <p:cSld>
-    <p:bg>
-      <p:bgPr>
-        <a:solidFill>
-          <a:schemeClr val="bg1"/>
-        </a:solidFill>
-        <a:effectLst/>
-      </p:bgPr>
-    </p:bg>
     <p:spTree>
       <p:nvGrpSpPr>
         <p:cNvPr id="1" name=""/>
@@ -11229,82 +11538,6 @@
           <a:chExt cx="0" cy="0"/>
         </a:xfrm>
       </p:grpSpPr>
-      <p:sp useBgFill="1">
-        <p:nvSpPr>
-          <p:cNvPr id="8" name="Rectangle 7">
-            <a:extLst>
-              <a:ext uri="{FF2B5EF4-FFF2-40B4-BE49-F238E27FC236}">
-                <a16:creationId xmlns:a16="http://schemas.microsoft.com/office/drawing/2014/main" id="{979E27D9-03C7-44E2-9FF8-15D0C8506AF7}"/>
-              </a:ext>
-              <a:ext uri="{C183D7F6-B498-43B3-948B-1728B52AA6E4}">
-                <adec:decorative xmlns:adec="http://schemas.microsoft.com/office/drawing/2017/decorative" val="1"/>
-              </a:ext>
-            </a:extLst>
-          </p:cNvPr>
-          <p:cNvSpPr>
-            <a:spLocks noGrp="1" noRot="1" noChangeAspect="1" noMove="1" noResize="1" noEditPoints="1" noAdjustHandles="1" noChangeArrowheads="1" noChangeShapeType="1" noTextEdit="1"/>
-          </p:cNvSpPr>
-          <p:nvPr>
-            <p:extLst>
-              <p:ext uri="{386F3935-93C4-4BCD-93E2-E3B085C9AB24}">
-                <p16:designElem xmlns:p16="http://schemas.microsoft.com/office/powerpoint/2015/main" val="1"/>
-              </p:ext>
-            </p:extLst>
-          </p:nvPr>
-        </p:nvSpPr>
-        <p:spPr>
-          <a:xfrm>
-            <a:off x="0" y="0"/>
-            <a:ext cx="12192000" cy="6858000"/>
-          </a:xfrm>
-          <a:prstGeom prst="rect">
-            <a:avLst/>
-          </a:prstGeom>
-          <a:ln w="12700" cap="flat" cmpd="sng" algn="ctr">
-            <a:noFill/>
-            <a:prstDash val="solid"/>
-            <a:miter lim="800000"/>
-          </a:ln>
-          <a:effectLst/>
-          <a:extLst>
-            <a:ext uri="{91240B29-F687-4F45-9708-019B960494DF}">
-              <a14:hiddenLine xmlns:a14="http://schemas.microsoft.com/office/drawing/2010/main" w="12700" cap="flat" cmpd="sng" algn="ctr">
-                <a:solidFill>
-                  <a:schemeClr val="accent1">
-                    <a:shade val="50000"/>
-                  </a:schemeClr>
-                </a:solidFill>
-                <a:prstDash val="solid"/>
-                <a:miter lim="800000"/>
-              </a14:hiddenLine>
-            </a:ext>
-          </a:extLst>
-        </p:spPr>
-        <p:style>
-          <a:lnRef idx="2">
-            <a:schemeClr val="accent1">
-              <a:shade val="50000"/>
-            </a:schemeClr>
-          </a:lnRef>
-          <a:fillRef idx="1">
-            <a:schemeClr val="accent1"/>
-          </a:fillRef>
-          <a:effectRef idx="0">
-            <a:schemeClr val="accent1"/>
-          </a:effectRef>
-          <a:fontRef idx="minor">
-            <a:schemeClr val="lt1"/>
-          </a:fontRef>
-        </p:style>
-        <p:txBody>
-          <a:bodyPr rtlCol="0" anchor="ctr"/>
-          <a:lstStyle/>
-          <a:p>
-            <a:pPr algn="ctr"/>
-            <a:endParaRPr lang="en-US"/>
-          </a:p>
-        </p:txBody>
-      </p:sp>
       <p:sp>
         <p:nvSpPr>
           <p:cNvPr id="2" name="Title 1">
@@ -11324,7 +11557,7 @@
         <p:spPr>
           <a:xfrm>
             <a:off x="1136397" y="502022"/>
-            <a:ext cx="9688296" cy="790750"/>
+            <a:ext cx="9688296" cy="1388356"/>
           </a:xfrm>
         </p:spPr>
         <p:txBody>
@@ -11339,7 +11572,7 @@
                   <a:srgbClr val="1D1C1D"/>
                 </a:solidFill>
               </a:rPr>
-              <a:t>Naive Bayes </a:t>
+              <a:t>Neural Network </a:t>
             </a:r>
             <a:r>
               <a:rPr lang="en-US" sz="4000" b="1" dirty="0"/>
@@ -11366,8 +11599,8 @@
         </p:nvSpPr>
         <p:spPr>
           <a:xfrm>
-            <a:off x="1136397" y="1881351"/>
-            <a:ext cx="9688296" cy="3930869"/>
+            <a:off x="1136396" y="2418409"/>
+            <a:ext cx="9783851" cy="3782694"/>
           </a:xfrm>
         </p:spPr>
         <p:txBody>
@@ -11375,6 +11608,25 @@
             <a:normAutofit/>
           </a:bodyPr>
           <a:lstStyle/>
+          <a:p>
+            <a:pPr marL="0" indent="0">
+              <a:buNone/>
+            </a:pPr>
+            <a:r>
+              <a:rPr lang="en-US" sz="2000" dirty="0"/>
+              <a:t>The Neural network approach can be used for classification when the labels are not linearly separable. In the context of Heart Disease prediction, we wanted to compare the performance of a neural network model vs other classification models like Logistic regression, Naïve Bayes and decision trees and find whether Neural network performs better or worse than other classification algorithms. </a:t>
+            </a:r>
+          </a:p>
+          <a:p>
+            <a:pPr marL="0" indent="0">
+              <a:buNone/>
+            </a:pPr>
+            <a:endParaRPr lang="en-US" sz="2000" dirty="0">
+              <a:solidFill>
+                <a:srgbClr val="1D1C1D"/>
+              </a:solidFill>
+            </a:endParaRPr>
+          </a:p>
           <a:p>
             <a:pPr marL="0" indent="0">
               <a:buNone/>
@@ -11385,20 +11637,15 @@
                   <a:srgbClr val="1D1C1D"/>
                 </a:solidFill>
               </a:rPr>
-              <a:t>Naive Bayes classifier is a statistical based classifier which is based on Bayes Theory. It assumes that attributes are statistically independent. This classifier is based on probabilities. Given two events A and B, P (A) is prior probability and P (A|B) is posterior probability, then according to Bayes theorem.</a:t>
-            </a:r>
-          </a:p>
-          <a:p>
-            <a:pPr marL="0" indent="0" algn="ctr">
-              <a:buNone/>
-            </a:pPr>
-            <a:r>
-              <a:rPr lang="en-US" sz="2000" b="1" dirty="0">
+              <a:t>A feedforward network works by first doing a forward pass on the input data through all the artificial neurons using the current weights and an activation function (like </a:t>
+            </a:r>
+            <a:r>
+              <a:rPr lang="en-US" sz="2000" dirty="0" err="1">
                 <a:solidFill>
                   <a:srgbClr val="1D1C1D"/>
                 </a:solidFill>
               </a:rPr>
-              <a:t>P (A|B) = P (B/A) P (A)/P (B) </a:t>
+              <a:t>Relu</a:t>
             </a:r>
             <a:r>
               <a:rPr lang="en-US" sz="2000" dirty="0">
@@ -11406,20 +11653,15 @@
                   <a:srgbClr val="1D1C1D"/>
                 </a:solidFill>
               </a:rPr>
-              <a:t>and </a:t>
-            </a:r>
-          </a:p>
-          <a:p>
-            <a:pPr marL="0" indent="0" algn="ctr">
-              <a:buNone/>
-            </a:pPr>
-            <a:r>
-              <a:rPr lang="en-US" sz="2000" b="1" dirty="0">
+              <a:t>, Sigmoid </a:t>
+            </a:r>
+            <a:r>
+              <a:rPr lang="en-US" sz="2000" dirty="0" err="1">
                 <a:solidFill>
                   <a:srgbClr val="1D1C1D"/>
                 </a:solidFill>
               </a:rPr>
-              <a:t>P (B|A) </a:t>
+              <a:t>etc</a:t>
             </a:r>
             <a:r>
               <a:rPr lang="en-US" sz="2000" dirty="0">
@@ -11427,15 +11669,7 @@
                   <a:srgbClr val="1D1C1D"/>
                 </a:solidFill>
               </a:rPr>
-              <a:t>is computed as </a:t>
-            </a:r>
-            <a:r>
-              <a:rPr lang="en-US" sz="2000" b="1" dirty="0">
-                <a:solidFill>
-                  <a:srgbClr val="1D1C1D"/>
-                </a:solidFill>
-              </a:rPr>
-              <a:t>P (A ∩ B) = P (A)</a:t>
+              <a:t>)</a:t>
             </a:r>
           </a:p>
           <a:p>
@@ -11448,8 +11682,13 @@
                   <a:srgbClr val="1D1C1D"/>
                 </a:solidFill>
               </a:rPr>
-              <a:t>These Bayesian probabilities are used to determine the most likely next event for the given instance given all the training data. Conditional probabilities are determined from the training data. The Naive Bayes model is based on the conditional independence model of each predictor give the target class. This classifier yields optimal prediction (given the assumptions). It can also handle discrete or numeric attribute values.</a:t>
-            </a:r>
+              <a:t>Then the network minimizes the cost by adjusting the weights using back propagation on all the layers to learn the model</a:t>
+            </a:r>
+            <a:endParaRPr lang="en-US" sz="1200" dirty="0">
+              <a:solidFill>
+                <a:srgbClr val="1D1C1D"/>
+              </a:solidFill>
+            </a:endParaRPr>
           </a:p>
           <a:p>
             <a:pPr marL="0" indent="0">
@@ -11462,158 +11701,43 @@
               <a:effectLst/>
             </a:endParaRPr>
           </a:p>
-        </p:txBody>
-      </p:sp>
-      <p:sp>
-        <p:nvSpPr>
-          <p:cNvPr id="10" name="Rectangle 9">
-            <a:extLst>
-              <a:ext uri="{FF2B5EF4-FFF2-40B4-BE49-F238E27FC236}">
-                <a16:creationId xmlns:a16="http://schemas.microsoft.com/office/drawing/2014/main" id="{EEBF1590-3B36-48EE-A89D-3B6F3CB256AB}"/>
-              </a:ext>
-              <a:ext uri="{C183D7F6-B498-43B3-948B-1728B52AA6E4}">
-                <adec:decorative xmlns:adec="http://schemas.microsoft.com/office/drawing/2017/decorative" val="1"/>
-              </a:ext>
-            </a:extLst>
-          </p:cNvPr>
-          <p:cNvSpPr>
-            <a:spLocks noGrp="1" noRot="1" noChangeAspect="1" noMove="1" noResize="1" noEditPoints="1" noAdjustHandles="1" noChangeArrowheads="1" noChangeShapeType="1" noTextEdit="1"/>
-          </p:cNvSpPr>
-          <p:nvPr>
-            <p:extLst>
-              <p:ext uri="{386F3935-93C4-4BCD-93E2-E3B085C9AB24}">
-                <p16:designElem xmlns:p16="http://schemas.microsoft.com/office/powerpoint/2015/main" val="1"/>
-              </p:ext>
-            </p:extLst>
-          </p:nvPr>
-        </p:nvSpPr>
-        <p:spPr>
-          <a:xfrm rot="10800000" flipH="1">
-            <a:off x="0" y="6400799"/>
-            <a:ext cx="12192000" cy="456773"/>
-          </a:xfrm>
-          <a:prstGeom prst="rect">
-            <a:avLst/>
-          </a:prstGeom>
-          <a:gradFill>
-            <a:gsLst>
-              <a:gs pos="0">
-                <a:schemeClr val="accent1"/>
-              </a:gs>
-              <a:gs pos="78000">
-                <a:srgbClr val="000000"/>
-              </a:gs>
-            </a:gsLst>
-            <a:lin ang="2400000" scaled="0"/>
-          </a:gradFill>
-          <a:ln>
-            <a:noFill/>
-          </a:ln>
-        </p:spPr>
-        <p:style>
-          <a:lnRef idx="2">
-            <a:schemeClr val="accent1">
-              <a:shade val="50000"/>
-            </a:schemeClr>
-          </a:lnRef>
-          <a:fillRef idx="1">
-            <a:schemeClr val="accent1"/>
-          </a:fillRef>
-          <a:effectRef idx="0">
-            <a:schemeClr val="accent1"/>
-          </a:effectRef>
-          <a:fontRef idx="minor">
-            <a:schemeClr val="lt1"/>
-          </a:fontRef>
-        </p:style>
-        <p:txBody>
-          <a:bodyPr rtlCol="0" anchor="ctr"/>
-          <a:lstStyle/>
-          <a:p>
-            <a:pPr algn="ctr"/>
-            <a:endParaRPr lang="en-US"/>
-          </a:p>
-        </p:txBody>
-      </p:sp>
-      <p:sp>
-        <p:nvSpPr>
-          <p:cNvPr id="12" name="Rectangle 11">
-            <a:extLst>
-              <a:ext uri="{FF2B5EF4-FFF2-40B4-BE49-F238E27FC236}">
-                <a16:creationId xmlns:a16="http://schemas.microsoft.com/office/drawing/2014/main" id="{AC8F6C8C-AB5A-4548-942D-E3FD40ACBC49}"/>
-              </a:ext>
-              <a:ext uri="{C183D7F6-B498-43B3-948B-1728B52AA6E4}">
-                <adec:decorative xmlns:adec="http://schemas.microsoft.com/office/drawing/2017/decorative" val="1"/>
-              </a:ext>
-            </a:extLst>
-          </p:cNvPr>
-          <p:cNvSpPr>
-            <a:spLocks noGrp="1" noRot="1" noChangeAspect="1" noMove="1" noResize="1" noEditPoints="1" noAdjustHandles="1" noChangeArrowheads="1" noChangeShapeType="1" noTextEdit="1"/>
-          </p:cNvSpPr>
-          <p:nvPr>
-            <p:extLst>
-              <p:ext uri="{386F3935-93C4-4BCD-93E2-E3B085C9AB24}">
-                <p16:designElem xmlns:p16="http://schemas.microsoft.com/office/powerpoint/2015/main" val="1"/>
-              </p:ext>
-            </p:extLst>
-          </p:nvPr>
-        </p:nvSpPr>
-        <p:spPr>
-          <a:xfrm flipH="1">
-            <a:off x="4038600" y="6400799"/>
-            <a:ext cx="8153398" cy="456772"/>
-          </a:xfrm>
-          <a:prstGeom prst="rect">
-            <a:avLst/>
-          </a:prstGeom>
-          <a:gradFill>
-            <a:gsLst>
-              <a:gs pos="0">
-                <a:srgbClr val="000000">
-                  <a:alpha val="63000"/>
-                </a:srgbClr>
-              </a:gs>
-              <a:gs pos="100000">
-                <a:schemeClr val="accent1">
-                  <a:lumMod val="75000"/>
-                </a:schemeClr>
-              </a:gs>
-            </a:gsLst>
-            <a:lin ang="13800000" scaled="0"/>
-          </a:gradFill>
-          <a:ln>
-            <a:noFill/>
-          </a:ln>
-        </p:spPr>
-        <p:style>
-          <a:lnRef idx="2">
-            <a:schemeClr val="accent1">
-              <a:shade val="50000"/>
-            </a:schemeClr>
-          </a:lnRef>
-          <a:fillRef idx="1">
-            <a:schemeClr val="accent1"/>
-          </a:fillRef>
-          <a:effectRef idx="0">
-            <a:schemeClr val="accent1"/>
-          </a:effectRef>
-          <a:fontRef idx="minor">
-            <a:schemeClr val="lt1"/>
-          </a:fontRef>
-        </p:style>
-        <p:txBody>
-          <a:bodyPr rtlCol="0" anchor="ctr"/>
-          <a:lstStyle/>
-          <a:p>
-            <a:pPr algn="ctr"/>
-            <a:endParaRPr lang="en-US"/>
+          <a:p>
+            <a:pPr marL="0" indent="0">
+              <a:buNone/>
+            </a:pPr>
+            <a:endParaRPr lang="en-US" sz="2000" dirty="0">
+              <a:solidFill>
+                <a:srgbClr val="1D1C1D"/>
+              </a:solidFill>
+            </a:endParaRPr>
+          </a:p>
+          <a:p>
+            <a:pPr marL="0" indent="0">
+              <a:buNone/>
+            </a:pPr>
+            <a:endParaRPr lang="en-US" sz="2000" dirty="0">
+              <a:solidFill>
+                <a:srgbClr val="1D1C1D"/>
+              </a:solidFill>
+            </a:endParaRPr>
+          </a:p>
+          <a:p>
+            <a:pPr marL="0" indent="0">
+              <a:buNone/>
+            </a:pPr>
+            <a:endParaRPr lang="en-US" sz="2000" dirty="0">
+              <a:solidFill>
+                <a:srgbClr val="1D1C1D"/>
+              </a:solidFill>
+              <a:effectLst/>
+            </a:endParaRPr>
           </a:p>
         </p:txBody>
       </p:sp>
     </p:spTree>
     <p:extLst>
       <p:ext uri="{BB962C8B-B14F-4D97-AF65-F5344CB8AC3E}">
-        <p14:creationId xmlns:p14="http://schemas.microsoft.com/office/powerpoint/2010/main" val="3757251544"/>
+        <p14:creationId xmlns:p14="http://schemas.microsoft.com/office/powerpoint/2010/main" val="2642082695"/>
       </p:ext>
     </p:extLst>
   </p:cSld>
@@ -11650,10 +11774,10 @@
       </p:grpSpPr>
       <p:sp useBgFill="1">
         <p:nvSpPr>
-          <p:cNvPr id="8" name="Rectangle 7">
-            <a:extLst>
-              <a:ext uri="{FF2B5EF4-FFF2-40B4-BE49-F238E27FC236}">
-                <a16:creationId xmlns:a16="http://schemas.microsoft.com/office/drawing/2014/main" id="{979E27D9-03C7-44E2-9FF8-15D0C8506AF7}"/>
+          <p:cNvPr id="10" name="Rectangle 9">
+            <a:extLst>
+              <a:ext uri="{FF2B5EF4-FFF2-40B4-BE49-F238E27FC236}">
+                <a16:creationId xmlns:a16="http://schemas.microsoft.com/office/drawing/2014/main" id="{3346177D-ADC4-4968-B747-5CFCD390B5B9}"/>
               </a:ext>
               <a:ext uri="{C183D7F6-B498-43B3-948B-1728B52AA6E4}">
                 <adec:decorative xmlns:adec="http://schemas.microsoft.com/office/drawing/2017/decorative" val="1"/>
@@ -11729,6 +11853,498 @@
           <p:cNvPr id="2" name="Title 1">
             <a:extLst>
               <a:ext uri="{FF2B5EF4-FFF2-40B4-BE49-F238E27FC236}">
+                <a16:creationId xmlns:a16="http://schemas.microsoft.com/office/drawing/2014/main" id="{1518A51C-AC5C-224B-83E1-BE4285E72E3E}"/>
+              </a:ext>
+            </a:extLst>
+          </p:cNvPr>
+          <p:cNvSpPr>
+            <a:spLocks noGrp="1"/>
+          </p:cNvSpPr>
+          <p:nvPr>
+            <p:ph type="title"/>
+          </p:nvPr>
+        </p:nvSpPr>
+        <p:spPr>
+          <a:xfrm>
+            <a:off x="5596501" y="489509"/>
+            <a:ext cx="5754896" cy="785562"/>
+          </a:xfrm>
+        </p:spPr>
+        <p:txBody>
+          <a:bodyPr anchor="b">
+            <a:normAutofit/>
+          </a:bodyPr>
+          <a:lstStyle/>
+          <a:p>
+            <a:r>
+              <a:rPr lang="en-US" sz="4000" b="1" dirty="0"/>
+              <a:t>Source of Data: </a:t>
+            </a:r>
+            <a:r>
+              <a:rPr lang="en-US" sz="4000" b="1" dirty="0">
+                <a:solidFill>
+                  <a:srgbClr val="00B0F0"/>
+                </a:solidFill>
+              </a:rPr>
+              <a:t>Kaggle</a:t>
+            </a:r>
+          </a:p>
+        </p:txBody>
+      </p:sp>
+      <p:pic>
+        <p:nvPicPr>
+          <p:cNvPr id="5" name="Picture 4">
+            <a:extLst>
+              <a:ext uri="{FF2B5EF4-FFF2-40B4-BE49-F238E27FC236}">
+                <a16:creationId xmlns:a16="http://schemas.microsoft.com/office/drawing/2014/main" id="{5656DBCB-4246-3424-8BF4-9B7FD47CD472}"/>
+              </a:ext>
+            </a:extLst>
+          </p:cNvPr>
+          <p:cNvPicPr>
+            <a:picLocks noChangeAspect="1"/>
+          </p:cNvPicPr>
+          <p:nvPr/>
+        </p:nvPicPr>
+        <p:blipFill>
+          <a:blip r:embed="rId3"/>
+          <a:srcRect/>
+          <a:stretch/>
+        </p:blipFill>
+        <p:spPr>
+          <a:xfrm>
+            <a:off x="1068130" y="2332206"/>
+            <a:ext cx="3876165" cy="1761893"/>
+          </a:xfrm>
+          <a:prstGeom prst="rect">
+            <a:avLst/>
+          </a:prstGeom>
+        </p:spPr>
+      </p:pic>
+      <p:sp>
+        <p:nvSpPr>
+          <p:cNvPr id="3" name="Content Placeholder 2">
+            <a:extLst>
+              <a:ext uri="{FF2B5EF4-FFF2-40B4-BE49-F238E27FC236}">
+                <a16:creationId xmlns:a16="http://schemas.microsoft.com/office/drawing/2014/main" id="{69AB92F3-2775-4B46-A098-FE988824A88C}"/>
+              </a:ext>
+            </a:extLst>
+          </p:cNvPr>
+          <p:cNvSpPr>
+            <a:spLocks noGrp="1"/>
+          </p:cNvSpPr>
+          <p:nvPr>
+            <p:ph idx="1"/>
+          </p:nvPr>
+        </p:nvSpPr>
+        <p:spPr>
+          <a:xfrm>
+            <a:off x="5596502" y="1537855"/>
+            <a:ext cx="5930480" cy="4599709"/>
+          </a:xfrm>
+        </p:spPr>
+        <p:txBody>
+          <a:bodyPr anchor="t">
+            <a:normAutofit fontScale="77500" lnSpcReduction="20000"/>
+          </a:bodyPr>
+          <a:lstStyle/>
+          <a:p>
+            <a:pPr marL="0" indent="0">
+              <a:buNone/>
+            </a:pPr>
+            <a:r>
+              <a:rPr lang="en-US" sz="2800" dirty="0"/>
+              <a:t>The </a:t>
+            </a:r>
+            <a:r>
+              <a:rPr lang="en-US" b="1" dirty="0"/>
+              <a:t>Heart Failure Prediction Dataset </a:t>
+            </a:r>
+            <a:r>
+              <a:rPr lang="en-US" sz="2800" dirty="0"/>
+              <a:t>dataset was created by combining different datasets already available independently but not combined before. In this dataset, 5 heart datasets are combined over 11 common features which makes it the largest heart disease dataset available so far for research purposes. The five datasets used for its curation are:</a:t>
+            </a:r>
+          </a:p>
+          <a:p>
+            <a:pPr marL="0" indent="0">
+              <a:buNone/>
+            </a:pPr>
+            <a:endParaRPr lang="en-US" sz="1000" dirty="0"/>
+          </a:p>
+          <a:p>
+            <a:pPr>
+              <a:buFont typeface="Arial" panose="020B0604020202020204" pitchFamily="34" charset="0"/>
+              <a:buChar char="•"/>
+            </a:pPr>
+            <a:r>
+              <a:rPr lang="en-US" sz="2000" i="1" dirty="0"/>
+              <a:t>Cleveland</a:t>
+            </a:r>
+            <a:r>
+              <a:rPr lang="en-US" sz="2000" dirty="0"/>
+              <a:t>: 303 observations</a:t>
+            </a:r>
+          </a:p>
+          <a:p>
+            <a:pPr>
+              <a:buFont typeface="Arial" panose="020B0604020202020204" pitchFamily="34" charset="0"/>
+              <a:buChar char="•"/>
+            </a:pPr>
+            <a:r>
+              <a:rPr lang="en-US" sz="2000" i="1" dirty="0"/>
+              <a:t>Hungarian</a:t>
+            </a:r>
+            <a:r>
+              <a:rPr lang="en-US" sz="2000" dirty="0"/>
+              <a:t>: 294 observations</a:t>
+            </a:r>
+          </a:p>
+          <a:p>
+            <a:pPr>
+              <a:buFont typeface="Arial" panose="020B0604020202020204" pitchFamily="34" charset="0"/>
+              <a:buChar char="•"/>
+            </a:pPr>
+            <a:r>
+              <a:rPr lang="en-US" sz="2000" i="1" dirty="0"/>
+              <a:t>Switzerland</a:t>
+            </a:r>
+            <a:r>
+              <a:rPr lang="en-US" sz="2000" dirty="0"/>
+              <a:t>: 123 observations</a:t>
+            </a:r>
+          </a:p>
+          <a:p>
+            <a:pPr>
+              <a:buFont typeface="Arial" panose="020B0604020202020204" pitchFamily="34" charset="0"/>
+              <a:buChar char="•"/>
+            </a:pPr>
+            <a:r>
+              <a:rPr lang="en-US" sz="2000" i="1" dirty="0"/>
+              <a:t>Long Beach VA</a:t>
+            </a:r>
+            <a:r>
+              <a:rPr lang="en-US" sz="2000" dirty="0"/>
+              <a:t>: 200 observations</a:t>
+            </a:r>
+          </a:p>
+          <a:p>
+            <a:pPr>
+              <a:buFont typeface="Arial" panose="020B0604020202020204" pitchFamily="34" charset="0"/>
+              <a:buChar char="•"/>
+            </a:pPr>
+            <a:r>
+              <a:rPr lang="en-US" sz="2000" i="1" dirty="0" err="1"/>
+              <a:t>Stalog</a:t>
+            </a:r>
+            <a:r>
+              <a:rPr lang="en-US" sz="2000" i="1" dirty="0"/>
+              <a:t> (Heart) Data Set</a:t>
+            </a:r>
+            <a:r>
+              <a:rPr lang="en-US" sz="2000" dirty="0"/>
+              <a:t>: 270 observations</a:t>
+            </a:r>
+          </a:p>
+          <a:p>
+            <a:pPr marL="0" indent="0">
+              <a:buNone/>
+            </a:pPr>
+            <a:endParaRPr lang="en-US" sz="1000" dirty="0"/>
+          </a:p>
+          <a:p>
+            <a:pPr marL="0" indent="0">
+              <a:buNone/>
+            </a:pPr>
+            <a:r>
+              <a:rPr lang="en-US" sz="1200" dirty="0"/>
+              <a:t>Every dataset used can be found under the Index of heart disease datasets from UCI Machine Learning Repository on the following link: </a:t>
+            </a:r>
+            <a:r>
+              <a:rPr lang="en-US" sz="1200" dirty="0">
+                <a:hlinkClick r:id="rId4"/>
+              </a:rPr>
+              <a:t>https://archive.ics.uci.edu/ml/machine-learning-databases/heart-disease/</a:t>
+            </a:r>
+            <a:endParaRPr lang="en-US" sz="1200" dirty="0"/>
+          </a:p>
+          <a:p>
+            <a:pPr marL="0" indent="0">
+              <a:buNone/>
+            </a:pPr>
+            <a:r>
+              <a:rPr lang="en-US" sz="1200" dirty="0">
+                <a:hlinkClick r:id="rId5"/>
+              </a:rPr>
+              <a:t>https://www.kaggle.com/datasets/fedesoriano/heart-failure-prediction</a:t>
+            </a:r>
+            <a:endParaRPr lang="en-US" sz="1200" dirty="0"/>
+          </a:p>
+        </p:txBody>
+      </p:sp>
+      <p:sp>
+        <p:nvSpPr>
+          <p:cNvPr id="12" name="Rectangle 11">
+            <a:extLst>
+              <a:ext uri="{FF2B5EF4-FFF2-40B4-BE49-F238E27FC236}">
+                <a16:creationId xmlns:a16="http://schemas.microsoft.com/office/drawing/2014/main" id="{0844A943-BF79-4FEA-ABB1-3BD54D236606}"/>
+              </a:ext>
+              <a:ext uri="{C183D7F6-B498-43B3-948B-1728B52AA6E4}">
+                <adec:decorative xmlns:adec="http://schemas.microsoft.com/office/drawing/2017/decorative" val="1"/>
+              </a:ext>
+            </a:extLst>
+          </p:cNvPr>
+          <p:cNvSpPr>
+            <a:spLocks noGrp="1" noRot="1" noChangeAspect="1" noMove="1" noResize="1" noEditPoints="1" noAdjustHandles="1" noChangeArrowheads="1" noChangeShapeType="1" noTextEdit="1"/>
+          </p:cNvSpPr>
+          <p:nvPr>
+            <p:extLst>
+              <p:ext uri="{386F3935-93C4-4BCD-93E2-E3B085C9AB24}">
+                <p16:designElem xmlns:p16="http://schemas.microsoft.com/office/powerpoint/2015/main" val="1"/>
+              </p:ext>
+            </p:extLst>
+          </p:nvPr>
+        </p:nvSpPr>
+        <p:spPr>
+          <a:xfrm rot="10800000" flipH="1">
+            <a:off x="0" y="6400799"/>
+            <a:ext cx="12192000" cy="456773"/>
+          </a:xfrm>
+          <a:prstGeom prst="rect">
+            <a:avLst/>
+          </a:prstGeom>
+          <a:gradFill>
+            <a:gsLst>
+              <a:gs pos="0">
+                <a:schemeClr val="accent1"/>
+              </a:gs>
+              <a:gs pos="90000">
+                <a:srgbClr val="000000"/>
+              </a:gs>
+            </a:gsLst>
+            <a:lin ang="2400000" scaled="0"/>
+          </a:gradFill>
+          <a:ln>
+            <a:noFill/>
+          </a:ln>
+        </p:spPr>
+        <p:style>
+          <a:lnRef idx="2">
+            <a:schemeClr val="accent1">
+              <a:shade val="50000"/>
+            </a:schemeClr>
+          </a:lnRef>
+          <a:fillRef idx="1">
+            <a:schemeClr val="accent1"/>
+          </a:fillRef>
+          <a:effectRef idx="0">
+            <a:schemeClr val="accent1"/>
+          </a:effectRef>
+          <a:fontRef idx="minor">
+            <a:schemeClr val="lt1"/>
+          </a:fontRef>
+        </p:style>
+        <p:txBody>
+          <a:bodyPr rtlCol="0" anchor="ctr"/>
+          <a:lstStyle/>
+          <a:p>
+            <a:pPr algn="ctr"/>
+            <a:endParaRPr lang="en-US"/>
+          </a:p>
+        </p:txBody>
+      </p:sp>
+      <p:sp>
+        <p:nvSpPr>
+          <p:cNvPr id="14" name="Rectangle 13">
+            <a:extLst>
+              <a:ext uri="{FF2B5EF4-FFF2-40B4-BE49-F238E27FC236}">
+                <a16:creationId xmlns:a16="http://schemas.microsoft.com/office/drawing/2014/main" id="{6437CC72-F4A8-4DC3-AFAB-D22C482C8100}"/>
+              </a:ext>
+              <a:ext uri="{C183D7F6-B498-43B3-948B-1728B52AA6E4}">
+                <adec:decorative xmlns:adec="http://schemas.microsoft.com/office/drawing/2017/decorative" val="1"/>
+              </a:ext>
+            </a:extLst>
+          </p:cNvPr>
+          <p:cNvSpPr>
+            <a:spLocks noGrp="1" noRot="1" noChangeAspect="1" noMove="1" noResize="1" noEditPoints="1" noAdjustHandles="1" noChangeArrowheads="1" noChangeShapeType="1" noTextEdit="1"/>
+          </p:cNvSpPr>
+          <p:nvPr>
+            <p:extLst>
+              <p:ext uri="{386F3935-93C4-4BCD-93E2-E3B085C9AB24}">
+                <p16:designElem xmlns:p16="http://schemas.microsoft.com/office/powerpoint/2015/main" val="1"/>
+              </p:ext>
+            </p:extLst>
+          </p:nvPr>
+        </p:nvSpPr>
+        <p:spPr>
+          <a:xfrm flipH="1">
+            <a:off x="4038600" y="6400799"/>
+            <a:ext cx="8153398" cy="456772"/>
+          </a:xfrm>
+          <a:prstGeom prst="rect">
+            <a:avLst/>
+          </a:prstGeom>
+          <a:gradFill>
+            <a:gsLst>
+              <a:gs pos="0">
+                <a:srgbClr val="000000">
+                  <a:alpha val="50000"/>
+                </a:srgbClr>
+              </a:gs>
+              <a:gs pos="100000">
+                <a:schemeClr val="accent1">
+                  <a:lumMod val="75000"/>
+                </a:schemeClr>
+              </a:gs>
+            </a:gsLst>
+            <a:lin ang="13800000" scaled="0"/>
+          </a:gradFill>
+          <a:ln>
+            <a:noFill/>
+          </a:ln>
+        </p:spPr>
+        <p:style>
+          <a:lnRef idx="2">
+            <a:schemeClr val="accent1">
+              <a:shade val="50000"/>
+            </a:schemeClr>
+          </a:lnRef>
+          <a:fillRef idx="1">
+            <a:schemeClr val="accent1"/>
+          </a:fillRef>
+          <a:effectRef idx="0">
+            <a:schemeClr val="accent1"/>
+          </a:effectRef>
+          <a:fontRef idx="minor">
+            <a:schemeClr val="lt1"/>
+          </a:fontRef>
+        </p:style>
+        <p:txBody>
+          <a:bodyPr rtlCol="0" anchor="ctr"/>
+          <a:lstStyle/>
+          <a:p>
+            <a:pPr algn="ctr"/>
+            <a:endParaRPr lang="en-US"/>
+          </a:p>
+        </p:txBody>
+      </p:sp>
+    </p:spTree>
+    <p:extLst>
+      <p:ext uri="{BB962C8B-B14F-4D97-AF65-F5344CB8AC3E}">
+        <p14:creationId xmlns:p14="http://schemas.microsoft.com/office/powerpoint/2010/main" val="3001573324"/>
+      </p:ext>
+    </p:extLst>
+  </p:cSld>
+  <p:clrMapOvr>
+    <a:masterClrMapping/>
+  </p:clrMapOvr>
+</p:sld>
+</file>
+
+<file path=ppt/slides/slide9.xml><?xml version="1.0" encoding="utf-8"?>
+<p:sld xmlns:a="http://schemas.openxmlformats.org/drawingml/2006/main" xmlns:r="http://schemas.openxmlformats.org/officeDocument/2006/relationships" xmlns:p="http://schemas.openxmlformats.org/presentationml/2006/main">
+  <p:cSld>
+    <p:bg>
+      <p:bgPr>
+        <a:solidFill>
+          <a:schemeClr val="bg1"/>
+        </a:solidFill>
+        <a:effectLst/>
+      </p:bgPr>
+    </p:bg>
+    <p:spTree>
+      <p:nvGrpSpPr>
+        <p:cNvPr id="1" name=""/>
+        <p:cNvGrpSpPr/>
+        <p:nvPr/>
+      </p:nvGrpSpPr>
+      <p:grpSpPr>
+        <a:xfrm>
+          <a:off x="0" y="0"/>
+          <a:ext cx="0" cy="0"/>
+          <a:chOff x="0" y="0"/>
+          <a:chExt cx="0" cy="0"/>
+        </a:xfrm>
+      </p:grpSpPr>
+      <p:sp useBgFill="1">
+        <p:nvSpPr>
+          <p:cNvPr id="8" name="Rectangle 7">
+            <a:extLst>
+              <a:ext uri="{FF2B5EF4-FFF2-40B4-BE49-F238E27FC236}">
+                <a16:creationId xmlns:a16="http://schemas.microsoft.com/office/drawing/2014/main" id="{979E27D9-03C7-44E2-9FF8-15D0C8506AF7}"/>
+              </a:ext>
+              <a:ext uri="{C183D7F6-B498-43B3-948B-1728B52AA6E4}">
+                <adec:decorative xmlns:adec="http://schemas.microsoft.com/office/drawing/2017/decorative" val="1"/>
+              </a:ext>
+            </a:extLst>
+          </p:cNvPr>
+          <p:cNvSpPr>
+            <a:spLocks noGrp="1" noRot="1" noChangeAspect="1" noMove="1" noResize="1" noEditPoints="1" noAdjustHandles="1" noChangeArrowheads="1" noChangeShapeType="1" noTextEdit="1"/>
+          </p:cNvSpPr>
+          <p:nvPr>
+            <p:extLst>
+              <p:ext uri="{386F3935-93C4-4BCD-93E2-E3B085C9AB24}">
+                <p16:designElem xmlns:p16="http://schemas.microsoft.com/office/powerpoint/2015/main" val="1"/>
+              </p:ext>
+            </p:extLst>
+          </p:nvPr>
+        </p:nvSpPr>
+        <p:spPr>
+          <a:xfrm>
+            <a:off x="0" y="0"/>
+            <a:ext cx="12192000" cy="6858000"/>
+          </a:xfrm>
+          <a:prstGeom prst="rect">
+            <a:avLst/>
+          </a:prstGeom>
+          <a:ln w="12700" cap="flat" cmpd="sng" algn="ctr">
+            <a:noFill/>
+            <a:prstDash val="solid"/>
+            <a:miter lim="800000"/>
+          </a:ln>
+          <a:effectLst/>
+          <a:extLst>
+            <a:ext uri="{91240B29-F687-4F45-9708-019B960494DF}">
+              <a14:hiddenLine xmlns:a14="http://schemas.microsoft.com/office/drawing/2010/main" w="12700" cap="flat" cmpd="sng" algn="ctr">
+                <a:solidFill>
+                  <a:schemeClr val="accent1">
+                    <a:shade val="50000"/>
+                  </a:schemeClr>
+                </a:solidFill>
+                <a:prstDash val="solid"/>
+                <a:miter lim="800000"/>
+              </a14:hiddenLine>
+            </a:ext>
+          </a:extLst>
+        </p:spPr>
+        <p:style>
+          <a:lnRef idx="2">
+            <a:schemeClr val="accent1">
+              <a:shade val="50000"/>
+            </a:schemeClr>
+          </a:lnRef>
+          <a:fillRef idx="1">
+            <a:schemeClr val="accent1"/>
+          </a:fillRef>
+          <a:effectRef idx="0">
+            <a:schemeClr val="accent1"/>
+          </a:effectRef>
+          <a:fontRef idx="minor">
+            <a:schemeClr val="lt1"/>
+          </a:fontRef>
+        </p:style>
+        <p:txBody>
+          <a:bodyPr rtlCol="0" anchor="ctr"/>
+          <a:lstStyle/>
+          <a:p>
+            <a:pPr algn="ctr"/>
+            <a:endParaRPr lang="en-US"/>
+          </a:p>
+        </p:txBody>
+      </p:sp>
+      <p:sp>
+        <p:nvSpPr>
+          <p:cNvPr id="2" name="Title 1">
+            <a:extLst>
+              <a:ext uri="{FF2B5EF4-FFF2-40B4-BE49-F238E27FC236}">
                 <a16:creationId xmlns:a16="http://schemas.microsoft.com/office/drawing/2014/main" id="{5C4F02F6-349D-954F-B02F-78EBD3017252}"/>
               </a:ext>
             </a:extLst>
@@ -11753,16 +12369,8 @@
           <a:lstStyle/>
           <a:p>
             <a:r>
-              <a:rPr lang="en-US" sz="4000" b="1" dirty="0">
-                <a:solidFill>
-                  <a:srgbClr val="1D1C1D"/>
-                </a:solidFill>
-              </a:rPr>
-              <a:t>Decision Tree </a:t>
-            </a:r>
-            <a:r>
               <a:rPr lang="en-US" sz="4000" b="1" dirty="0"/>
-              <a:t>approach:</a:t>
+              <a:t>Heart Failure Prediction Dataset structure</a:t>
             </a:r>
           </a:p>
         </p:txBody>
@@ -11785,13 +12393,13 @@
         </p:nvSpPr>
         <p:spPr>
           <a:xfrm>
-            <a:off x="1136396" y="2418409"/>
-            <a:ext cx="9783851" cy="3782694"/>
+            <a:off x="1136397" y="2270234"/>
+            <a:ext cx="9688296" cy="3773213"/>
           </a:xfrm>
         </p:spPr>
         <p:txBody>
           <a:bodyPr anchor="t">
-            <a:normAutofit/>
+            <a:normAutofit fontScale="77500" lnSpcReduction="20000"/>
           </a:bodyPr>
           <a:lstStyle/>
           <a:p>
@@ -11799,113 +12407,186 @@
               <a:buNone/>
             </a:pPr>
             <a:r>
-              <a:rPr lang="en-US" sz="2000" dirty="0"/>
-              <a:t>The decision tree algorithm is a supervised learning algorithm that can be used in both classification or regression analysis. Unlike linear algorithms, decision trees algorithms are capable of handling nonlinear relationships between variables in the data.</a:t>
+              <a:rPr lang="en-US" sz="1900" b="1" dirty="0"/>
+              <a:t>Age</a:t>
+            </a:r>
+            <a:r>
+              <a:rPr lang="en-US" sz="1900" dirty="0"/>
+              <a:t>: age of the patient [years]</a:t>
             </a:r>
           </a:p>
           <a:p>
             <a:pPr marL="0" indent="0">
               <a:buNone/>
             </a:pPr>
-            <a:endParaRPr lang="en-US" sz="800" dirty="0">
-              <a:solidFill>
-                <a:srgbClr val="1D1C1D"/>
-              </a:solidFill>
-              <a:effectLst/>
-            </a:endParaRPr>
+            <a:r>
+              <a:rPr lang="en-US" sz="1900" b="1" dirty="0"/>
+              <a:t>Sex</a:t>
+            </a:r>
+            <a:r>
+              <a:rPr lang="en-US" sz="1900" dirty="0"/>
+              <a:t>: sex of the patient [M: Male, F: Female]</a:t>
+            </a:r>
           </a:p>
           <a:p>
             <a:pPr marL="0" indent="0">
               <a:buNone/>
             </a:pPr>
             <a:r>
-              <a:rPr lang="en-US" sz="2000" dirty="0"/>
-              <a:t>The information gained in the decision tree can be defined as the amount of information improved in the nodes before splitting them for making further decisions. </a:t>
-            </a:r>
-            <a:endParaRPr lang="en-US" sz="2000" dirty="0">
-              <a:solidFill>
-                <a:srgbClr val="1D1C1D"/>
-              </a:solidFill>
-            </a:endParaRPr>
+              <a:rPr lang="en-US" sz="1900" b="1" dirty="0" err="1"/>
+              <a:t>ChestPainType</a:t>
+            </a:r>
+            <a:r>
+              <a:rPr lang="en-US" sz="1900" dirty="0"/>
+              <a:t>: chest pain type [TA: Typical Angina, ATA: Atypical Angina, NAP: Non-Anginal Pain, ASY: Asymptomatic]</a:t>
+            </a:r>
           </a:p>
           <a:p>
             <a:pPr marL="0" indent="0">
               <a:buNone/>
             </a:pPr>
-            <a:endParaRPr lang="en-US" sz="800" dirty="0">
-              <a:solidFill>
-                <a:srgbClr val="1D1C1D"/>
-              </a:solidFill>
-              <a:effectLst/>
-            </a:endParaRPr>
+            <a:r>
+              <a:rPr lang="en-US" sz="1900" b="1" dirty="0" err="1"/>
+              <a:t>RestingBP</a:t>
+            </a:r>
+            <a:r>
+              <a:rPr lang="en-US" sz="1900" dirty="0"/>
+              <a:t>: resting blood pressure [mm Hg]</a:t>
+            </a:r>
           </a:p>
           <a:p>
             <a:pPr marL="0" indent="0">
               <a:buNone/>
             </a:pPr>
             <a:r>
-              <a:rPr lang="en-US" sz="2000" dirty="0"/>
-              <a:t>To measure the information gain we use the entropy. Which is a quantified measurement of the amount of uncertainty because of any process or any given random variable. </a:t>
-            </a:r>
-            <a:r>
-              <a:rPr lang="en-US" sz="2000" i="1" dirty="0"/>
-              <a:t>Mathematically the formula for entropy is:</a:t>
-            </a:r>
-            <a:endParaRPr lang="en-US" sz="2000" i="1" dirty="0">
-              <a:solidFill>
-                <a:srgbClr val="1D1C1D"/>
-              </a:solidFill>
-            </a:endParaRPr>
+              <a:rPr lang="en-US" sz="1900" b="1" dirty="0"/>
+              <a:t>Cholesterol</a:t>
+            </a:r>
+            <a:r>
+              <a:rPr lang="en-US" sz="1900" dirty="0"/>
+              <a:t>: serum cholesterol [mm/dl]</a:t>
+            </a:r>
           </a:p>
           <a:p>
             <a:pPr marL="0" indent="0">
               <a:buNone/>
             </a:pPr>
-            <a:endParaRPr lang="en-US" sz="1200" dirty="0">
-              <a:solidFill>
-                <a:srgbClr val="1D1C1D"/>
-              </a:solidFill>
-            </a:endParaRPr>
+            <a:r>
+              <a:rPr lang="en-US" sz="1900" b="1" dirty="0" err="1"/>
+              <a:t>FastingBS</a:t>
+            </a:r>
+            <a:r>
+              <a:rPr lang="en-US" sz="1900" dirty="0"/>
+              <a:t>: fasting blood sugar [1: if </a:t>
+            </a:r>
+            <a:r>
+              <a:rPr lang="en-US" sz="1900" dirty="0" err="1"/>
+              <a:t>FastingBS</a:t>
+            </a:r>
+            <a:r>
+              <a:rPr lang="en-US" sz="1900" dirty="0"/>
+              <a:t> &gt; 120 mg/dl, 0: otherwise]</a:t>
+            </a:r>
           </a:p>
           <a:p>
             <a:pPr marL="0" indent="0">
               <a:buNone/>
             </a:pPr>
-            <a:endParaRPr lang="en-US" sz="1200" dirty="0">
-              <a:solidFill>
-                <a:srgbClr val="1D1C1D"/>
-              </a:solidFill>
-              <a:effectLst/>
-            </a:endParaRPr>
+            <a:r>
+              <a:rPr lang="en-US" sz="1900" b="1" dirty="0" err="1"/>
+              <a:t>RestingECG</a:t>
+            </a:r>
+            <a:r>
+              <a:rPr lang="en-US" sz="1900" dirty="0"/>
+              <a:t>: resting electrocardiogram results [Normal: Normal, ST: having ST-T wave abnormality (T wave inversions and/or ST elevation or depression of &gt; 0.05 mV), LVH: showing probable or definite left ventricular hypertrophy by Estes' criteria]</a:t>
+            </a:r>
           </a:p>
           <a:p>
             <a:pPr marL="0" indent="0">
+              <a:buNone/>
+            </a:pPr>
+            <a:r>
+              <a:rPr lang="en-US" sz="1900" b="1" dirty="0" err="1"/>
+              <a:t>MaxHR</a:t>
+            </a:r>
+            <a:r>
+              <a:rPr lang="en-US" sz="1900" dirty="0"/>
+              <a:t>: maximum heart rate achieved [Numeric value between 60 and 202]</a:t>
+            </a:r>
+          </a:p>
+          <a:p>
+            <a:pPr marL="0" indent="0">
+              <a:buNone/>
+            </a:pPr>
+            <a:r>
+              <a:rPr lang="en-US" sz="1900" b="1" dirty="0" err="1"/>
+              <a:t>ExerciseAngina</a:t>
+            </a:r>
+            <a:r>
+              <a:rPr lang="en-US" sz="1900" dirty="0"/>
+              <a:t>: exercise-induced angina [Y: Yes, N: No]</a:t>
+            </a:r>
+          </a:p>
+          <a:p>
+            <a:pPr marL="0" indent="0">
+              <a:buNone/>
+            </a:pPr>
+            <a:r>
+              <a:rPr lang="en-US" sz="1900" b="1" dirty="0" err="1"/>
+              <a:t>Oldpeak</a:t>
+            </a:r>
+            <a:r>
+              <a:rPr lang="en-US" sz="1900" dirty="0"/>
+              <a:t>: </a:t>
+            </a:r>
+            <a:r>
+              <a:rPr lang="en-US" sz="1900" dirty="0" err="1"/>
+              <a:t>oldpeak</a:t>
+            </a:r>
+            <a:r>
+              <a:rPr lang="en-US" sz="1900" dirty="0"/>
+              <a:t> = ST [Numeric value measured in depression]</a:t>
+            </a:r>
+          </a:p>
+          <a:p>
+            <a:pPr marL="0" indent="0">
+              <a:buNone/>
+            </a:pPr>
+            <a:r>
+              <a:rPr lang="en-US" sz="1900" b="1" dirty="0" err="1"/>
+              <a:t>ST_Slope</a:t>
+            </a:r>
+            <a:r>
+              <a:rPr lang="en-US" sz="1900" dirty="0"/>
+              <a:t>: the slope of the peak exercise ST segment [Up: upsloping, Flat: flat, Down: </a:t>
+            </a:r>
+            <a:r>
+              <a:rPr lang="en-US" sz="1900" dirty="0" err="1"/>
+              <a:t>downsloping</a:t>
+            </a:r>
+            <a:r>
+              <a:rPr lang="en-US" sz="1900" dirty="0"/>
+              <a:t>]</a:t>
+            </a:r>
+          </a:p>
+          <a:p>
+            <a:pPr marL="0" indent="0">
+              <a:buNone/>
+            </a:pPr>
+            <a:r>
+              <a:rPr lang="en-US" sz="1900" b="1" dirty="0" err="1"/>
+              <a:t>HeartDisease</a:t>
+            </a:r>
+            <a:r>
+              <a:rPr lang="en-US" sz="1900" dirty="0"/>
+              <a:t>: output class [1: heart disease, 0: Normal]</a:t>
+            </a:r>
+          </a:p>
+          <a:p>
+            <a:pPr marL="457200" lvl="1" indent="0">
               <a:buNone/>
             </a:pPr>
             <a:endParaRPr lang="en-US" sz="2000" dirty="0">
-              <a:solidFill>
-                <a:srgbClr val="1D1C1D"/>
-              </a:solidFill>
-            </a:endParaRPr>
-          </a:p>
-          <a:p>
-            <a:pPr marL="0" indent="0">
-              <a:buNone/>
-            </a:pPr>
-            <a:endParaRPr lang="en-US" sz="2000" dirty="0">
-              <a:solidFill>
-                <a:srgbClr val="1D1C1D"/>
-              </a:solidFill>
-            </a:endParaRPr>
-          </a:p>
-          <a:p>
-            <a:pPr marL="0" indent="0">
-              <a:buNone/>
-            </a:pPr>
-            <a:endParaRPr lang="en-US" sz="2000" dirty="0">
-              <a:solidFill>
-                <a:srgbClr val="1D1C1D"/>
-              </a:solidFill>
               <a:effectLst/>
             </a:endParaRPr>
           </a:p>
@@ -12057,283 +12738,10 @@
           </a:p>
         </p:txBody>
       </p:sp>
-      <p:pic>
-        <p:nvPicPr>
-          <p:cNvPr id="1028" name="Picture 4">
-            <a:extLst>
-              <a:ext uri="{FF2B5EF4-FFF2-40B4-BE49-F238E27FC236}">
-                <a16:creationId xmlns:a16="http://schemas.microsoft.com/office/drawing/2014/main" id="{F1010548-A0F2-E6C0-6A04-BB44B8EBBDCC}"/>
-              </a:ext>
-            </a:extLst>
-          </p:cNvPr>
-          <p:cNvPicPr>
-            <a:picLocks noChangeAspect="1" noChangeArrowheads="1"/>
-          </p:cNvPicPr>
-          <p:nvPr/>
-        </p:nvPicPr>
-        <p:blipFill>
-          <a:blip r:embed="rId2">
-            <a:extLst>
-              <a:ext uri="{28A0092B-C50C-407E-A947-70E740481C1C}">
-                <a14:useLocalDpi xmlns:a14="http://schemas.microsoft.com/office/drawing/2010/main" val="0"/>
-              </a:ext>
-            </a:extLst>
-          </a:blip>
-          <a:srcRect/>
-          <a:stretch>
-            <a:fillRect/>
-          </a:stretch>
-        </p:blipFill>
-        <p:spPr bwMode="auto">
-          <a:xfrm>
-            <a:off x="4488295" y="5502603"/>
-            <a:ext cx="2984500" cy="698500"/>
-          </a:xfrm>
-          <a:prstGeom prst="rect">
-            <a:avLst/>
-          </a:prstGeom>
-          <a:noFill/>
-          <a:extLst>
-            <a:ext uri="{909E8E84-426E-40DD-AFC4-6F175D3DCCD1}">
-              <a14:hiddenFill xmlns:a14="http://schemas.microsoft.com/office/drawing/2010/main">
-                <a:solidFill>
-                  <a:srgbClr val="FFFFFF"/>
-                </a:solidFill>
-              </a14:hiddenFill>
-            </a:ext>
-          </a:extLst>
-        </p:spPr>
-      </p:pic>
     </p:spTree>
     <p:extLst>
       <p:ext uri="{BB962C8B-B14F-4D97-AF65-F5344CB8AC3E}">
-        <p14:creationId xmlns:p14="http://schemas.microsoft.com/office/powerpoint/2010/main" val="3122418942"/>
-      </p:ext>
-    </p:extLst>
-  </p:cSld>
-  <p:clrMapOvr>
-    <a:masterClrMapping/>
-  </p:clrMapOvr>
-</p:sld>
-</file>
-
-<file path=ppt/slides/slide9.xml><?xml version="1.0" encoding="utf-8"?>
-<p:sld xmlns:a="http://schemas.openxmlformats.org/drawingml/2006/main" xmlns:r="http://schemas.openxmlformats.org/officeDocument/2006/relationships" xmlns:p="http://schemas.openxmlformats.org/presentationml/2006/main">
-  <p:cSld>
-    <p:spTree>
-      <p:nvGrpSpPr>
-        <p:cNvPr id="1" name=""/>
-        <p:cNvGrpSpPr/>
-        <p:nvPr/>
-      </p:nvGrpSpPr>
-      <p:grpSpPr>
-        <a:xfrm>
-          <a:off x="0" y="0"/>
-          <a:ext cx="0" cy="0"/>
-          <a:chOff x="0" y="0"/>
-          <a:chExt cx="0" cy="0"/>
-        </a:xfrm>
-      </p:grpSpPr>
-      <p:sp>
-        <p:nvSpPr>
-          <p:cNvPr id="2" name="Title 1">
-            <a:extLst>
-              <a:ext uri="{FF2B5EF4-FFF2-40B4-BE49-F238E27FC236}">
-                <a16:creationId xmlns:a16="http://schemas.microsoft.com/office/drawing/2014/main" id="{5C4F02F6-349D-954F-B02F-78EBD3017252}"/>
-              </a:ext>
-            </a:extLst>
-          </p:cNvPr>
-          <p:cNvSpPr>
-            <a:spLocks noGrp="1"/>
-          </p:cNvSpPr>
-          <p:nvPr>
-            <p:ph type="title"/>
-          </p:nvPr>
-        </p:nvSpPr>
-        <p:spPr>
-          <a:xfrm>
-            <a:off x="1136397" y="502022"/>
-            <a:ext cx="9688296" cy="1388356"/>
-          </a:xfrm>
-        </p:spPr>
-        <p:txBody>
-          <a:bodyPr anchor="b">
-            <a:normAutofit/>
-          </a:bodyPr>
-          <a:lstStyle/>
-          <a:p>
-            <a:r>
-              <a:rPr lang="en-US" sz="4000" b="1" dirty="0">
-                <a:solidFill>
-                  <a:srgbClr val="1D1C1D"/>
-                </a:solidFill>
-              </a:rPr>
-              <a:t>Neural Network </a:t>
-            </a:r>
-            <a:r>
-              <a:rPr lang="en-US" sz="4000" b="1" dirty="0"/>
-              <a:t>approach:</a:t>
-            </a:r>
-          </a:p>
-        </p:txBody>
-      </p:sp>
-      <p:sp>
-        <p:nvSpPr>
-          <p:cNvPr id="3" name="Content Placeholder 2">
-            <a:extLst>
-              <a:ext uri="{FF2B5EF4-FFF2-40B4-BE49-F238E27FC236}">
-                <a16:creationId xmlns:a16="http://schemas.microsoft.com/office/drawing/2014/main" id="{3A721E59-1DC4-3845-9DB3-10F69E64143F}"/>
-              </a:ext>
-            </a:extLst>
-          </p:cNvPr>
-          <p:cNvSpPr>
-            <a:spLocks noGrp="1"/>
-          </p:cNvSpPr>
-          <p:nvPr>
-            <p:ph idx="1"/>
-          </p:nvPr>
-        </p:nvSpPr>
-        <p:spPr>
-          <a:xfrm>
-            <a:off x="1136396" y="2418409"/>
-            <a:ext cx="9783851" cy="3782694"/>
-          </a:xfrm>
-        </p:spPr>
-        <p:txBody>
-          <a:bodyPr anchor="t">
-            <a:normAutofit/>
-          </a:bodyPr>
-          <a:lstStyle/>
-          <a:p>
-            <a:pPr marL="0" indent="0">
-              <a:buNone/>
-            </a:pPr>
-            <a:r>
-              <a:rPr lang="en-US" sz="2000" dirty="0"/>
-              <a:t>The Neural network approach can be used for classification when the labels are not linearly separable. In the context of Heart Disease prediction, we wanted to compare the performance of a neural network model vs other classification models like Logistic regression, Naïve Bayes and decision trees and find whether Neural network performs better or worse than other classification algorithms. </a:t>
-            </a:r>
-          </a:p>
-          <a:p>
-            <a:pPr marL="0" indent="0">
-              <a:buNone/>
-            </a:pPr>
-            <a:endParaRPr lang="en-US" sz="2000" dirty="0">
-              <a:solidFill>
-                <a:srgbClr val="1D1C1D"/>
-              </a:solidFill>
-            </a:endParaRPr>
-          </a:p>
-          <a:p>
-            <a:pPr marL="0" indent="0">
-              <a:buNone/>
-            </a:pPr>
-            <a:r>
-              <a:rPr lang="en-US" sz="2000" dirty="0">
-                <a:solidFill>
-                  <a:srgbClr val="1D1C1D"/>
-                </a:solidFill>
-              </a:rPr>
-              <a:t>A feedforward network works by first doing a forward pass on the input data through all the artificial neurons using the current weights and an activation function (like </a:t>
-            </a:r>
-            <a:r>
-              <a:rPr lang="en-US" sz="2000" dirty="0" err="1">
-                <a:solidFill>
-                  <a:srgbClr val="1D1C1D"/>
-                </a:solidFill>
-              </a:rPr>
-              <a:t>Relu</a:t>
-            </a:r>
-            <a:r>
-              <a:rPr lang="en-US" sz="2000" dirty="0">
-                <a:solidFill>
-                  <a:srgbClr val="1D1C1D"/>
-                </a:solidFill>
-              </a:rPr>
-              <a:t>, Sigmoid </a:t>
-            </a:r>
-            <a:r>
-              <a:rPr lang="en-US" sz="2000" dirty="0" err="1">
-                <a:solidFill>
-                  <a:srgbClr val="1D1C1D"/>
-                </a:solidFill>
-              </a:rPr>
-              <a:t>etc</a:t>
-            </a:r>
-            <a:r>
-              <a:rPr lang="en-US" sz="2000" dirty="0">
-                <a:solidFill>
-                  <a:srgbClr val="1D1C1D"/>
-                </a:solidFill>
-              </a:rPr>
-              <a:t>)</a:t>
-            </a:r>
-          </a:p>
-          <a:p>
-            <a:pPr marL="0" indent="0">
-              <a:buNone/>
-            </a:pPr>
-            <a:r>
-              <a:rPr lang="en-US" sz="2000" dirty="0">
-                <a:solidFill>
-                  <a:srgbClr val="1D1C1D"/>
-                </a:solidFill>
-              </a:rPr>
-              <a:t>Then the network minimizes the cost by adjusting the weights using back propagation on all the layers to learn the model</a:t>
-            </a:r>
-            <a:endParaRPr lang="en-US" sz="1200" dirty="0">
-              <a:solidFill>
-                <a:srgbClr val="1D1C1D"/>
-              </a:solidFill>
-            </a:endParaRPr>
-          </a:p>
-          <a:p>
-            <a:pPr marL="0" indent="0">
-              <a:buNone/>
-            </a:pPr>
-            <a:endParaRPr lang="en-US" sz="1200" dirty="0">
-              <a:solidFill>
-                <a:srgbClr val="1D1C1D"/>
-              </a:solidFill>
-              <a:effectLst/>
-            </a:endParaRPr>
-          </a:p>
-          <a:p>
-            <a:pPr marL="0" indent="0">
-              <a:buNone/>
-            </a:pPr>
-            <a:endParaRPr lang="en-US" sz="2000" dirty="0">
-              <a:solidFill>
-                <a:srgbClr val="1D1C1D"/>
-              </a:solidFill>
-            </a:endParaRPr>
-          </a:p>
-          <a:p>
-            <a:pPr marL="0" indent="0">
-              <a:buNone/>
-            </a:pPr>
-            <a:endParaRPr lang="en-US" sz="2000" dirty="0">
-              <a:solidFill>
-                <a:srgbClr val="1D1C1D"/>
-              </a:solidFill>
-            </a:endParaRPr>
-          </a:p>
-          <a:p>
-            <a:pPr marL="0" indent="0">
-              <a:buNone/>
-            </a:pPr>
-            <a:endParaRPr lang="en-US" sz="2000" dirty="0">
-              <a:solidFill>
-                <a:srgbClr val="1D1C1D"/>
-              </a:solidFill>
-              <a:effectLst/>
-            </a:endParaRPr>
-          </a:p>
-        </p:txBody>
-      </p:sp>
-    </p:spTree>
-    <p:extLst>
-      <p:ext uri="{BB962C8B-B14F-4D97-AF65-F5344CB8AC3E}">
-        <p14:creationId xmlns:p14="http://schemas.microsoft.com/office/powerpoint/2010/main" val="2642082695"/>
+        <p14:creationId xmlns:p14="http://schemas.microsoft.com/office/powerpoint/2010/main" val="946419350"/>
       </p:ext>
     </p:extLst>
   </p:cSld>

--- a/presentation slides/CS613-FinalProject-Presentation.pptx
+++ b/presentation slides/CS613-FinalProject-Presentation.pptx
@@ -11,17 +11,17 @@
     <p:sldId id="256" r:id="rId2"/>
     <p:sldId id="275" r:id="rId3"/>
     <p:sldId id="281" r:id="rId4"/>
-    <p:sldId id="276" r:id="rId5"/>
-    <p:sldId id="283" r:id="rId6"/>
-    <p:sldId id="284" r:id="rId7"/>
-    <p:sldId id="288" r:id="rId8"/>
-    <p:sldId id="268" r:id="rId9"/>
-    <p:sldId id="278" r:id="rId10"/>
-    <p:sldId id="289" r:id="rId11"/>
-    <p:sldId id="290" r:id="rId12"/>
-    <p:sldId id="279" r:id="rId13"/>
-    <p:sldId id="280" r:id="rId14"/>
-    <p:sldId id="262" r:id="rId15"/>
+    <p:sldId id="283" r:id="rId5"/>
+    <p:sldId id="284" r:id="rId6"/>
+    <p:sldId id="288" r:id="rId7"/>
+    <p:sldId id="268" r:id="rId8"/>
+    <p:sldId id="278" r:id="rId9"/>
+    <p:sldId id="289" r:id="rId10"/>
+    <p:sldId id="290" r:id="rId11"/>
+    <p:sldId id="279" r:id="rId12"/>
+    <p:sldId id="280" r:id="rId13"/>
+    <p:sldId id="262" r:id="rId14"/>
+    <p:sldId id="276" r:id="rId15"/>
     <p:sldId id="265" r:id="rId16"/>
     <p:sldId id="270" r:id="rId17"/>
     <p:sldId id="271" r:id="rId18"/>
@@ -216,7 +216,7 @@
           <a:p>
             <a:fld id="{554293D9-CEF4-E549-8C2B-4C1F408488E2}" type="datetimeFigureOut">
               <a:rPr lang="en-US" smtClean="0"/>
-              <a:t>6/15/23</a:t>
+              <a:t>6/16/23</a:t>
             </a:fld>
             <a:endParaRPr lang="en-US"/>
           </a:p>
@@ -548,7 +548,7 @@
           <a:p>
             <a:fld id="{941248EB-719A-B944-B3C9-708649C4FE49}" type="slidenum">
               <a:rPr lang="en-US" smtClean="0"/>
-              <a:t>8</a:t>
+              <a:t>7</a:t>
             </a:fld>
             <a:endParaRPr lang="en-US"/>
           </a:p>
@@ -882,7 +882,7 @@
           <a:p>
             <a:fld id="{3C5E3940-567D-0E4A-B27A-538E5CA3F251}" type="datetimeFigureOut">
               <a:rPr lang="en-US" smtClean="0"/>
-              <a:t>6/15/23</a:t>
+              <a:t>6/16/23</a:t>
             </a:fld>
             <a:endParaRPr lang="en-US"/>
           </a:p>
@@ -1080,7 +1080,7 @@
           <a:p>
             <a:fld id="{3C5E3940-567D-0E4A-B27A-538E5CA3F251}" type="datetimeFigureOut">
               <a:rPr lang="en-US" smtClean="0"/>
-              <a:t>6/15/23</a:t>
+              <a:t>6/16/23</a:t>
             </a:fld>
             <a:endParaRPr lang="en-US"/>
           </a:p>
@@ -1288,7 +1288,7 @@
           <a:p>
             <a:fld id="{3C5E3940-567D-0E4A-B27A-538E5CA3F251}" type="datetimeFigureOut">
               <a:rPr lang="en-US" smtClean="0"/>
-              <a:t>6/15/23</a:t>
+              <a:t>6/16/23</a:t>
             </a:fld>
             <a:endParaRPr lang="en-US"/>
           </a:p>
@@ -1486,7 +1486,7 @@
           <a:p>
             <a:fld id="{3C5E3940-567D-0E4A-B27A-538E5CA3F251}" type="datetimeFigureOut">
               <a:rPr lang="en-US" smtClean="0"/>
-              <a:t>6/15/23</a:t>
+              <a:t>6/16/23</a:t>
             </a:fld>
             <a:endParaRPr lang="en-US"/>
           </a:p>
@@ -1761,7 +1761,7 @@
           <a:p>
             <a:fld id="{3C5E3940-567D-0E4A-B27A-538E5CA3F251}" type="datetimeFigureOut">
               <a:rPr lang="en-US" smtClean="0"/>
-              <a:t>6/15/23</a:t>
+              <a:t>6/16/23</a:t>
             </a:fld>
             <a:endParaRPr lang="en-US"/>
           </a:p>
@@ -2026,7 +2026,7 @@
           <a:p>
             <a:fld id="{3C5E3940-567D-0E4A-B27A-538E5CA3F251}" type="datetimeFigureOut">
               <a:rPr lang="en-US" smtClean="0"/>
-              <a:t>6/15/23</a:t>
+              <a:t>6/16/23</a:t>
             </a:fld>
             <a:endParaRPr lang="en-US"/>
           </a:p>
@@ -2438,7 +2438,7 @@
           <a:p>
             <a:fld id="{3C5E3940-567D-0E4A-B27A-538E5CA3F251}" type="datetimeFigureOut">
               <a:rPr lang="en-US" smtClean="0"/>
-              <a:t>6/15/23</a:t>
+              <a:t>6/16/23</a:t>
             </a:fld>
             <a:endParaRPr lang="en-US"/>
           </a:p>
@@ -2579,7 +2579,7 @@
           <a:p>
             <a:fld id="{3C5E3940-567D-0E4A-B27A-538E5CA3F251}" type="datetimeFigureOut">
               <a:rPr lang="en-US" smtClean="0"/>
-              <a:t>6/15/23</a:t>
+              <a:t>6/16/23</a:t>
             </a:fld>
             <a:endParaRPr lang="en-US"/>
           </a:p>
@@ -2692,7 +2692,7 @@
           <a:p>
             <a:fld id="{3C5E3940-567D-0E4A-B27A-538E5CA3F251}" type="datetimeFigureOut">
               <a:rPr lang="en-US" smtClean="0"/>
-              <a:t>6/15/23</a:t>
+              <a:t>6/16/23</a:t>
             </a:fld>
             <a:endParaRPr lang="en-US"/>
           </a:p>
@@ -3003,7 +3003,7 @@
           <a:p>
             <a:fld id="{3C5E3940-567D-0E4A-B27A-538E5CA3F251}" type="datetimeFigureOut">
               <a:rPr lang="en-US" smtClean="0"/>
-              <a:t>6/15/23</a:t>
+              <a:t>6/16/23</a:t>
             </a:fld>
             <a:endParaRPr lang="en-US"/>
           </a:p>
@@ -3291,7 +3291,7 @@
           <a:p>
             <a:fld id="{3C5E3940-567D-0E4A-B27A-538E5CA3F251}" type="datetimeFigureOut">
               <a:rPr lang="en-US" smtClean="0"/>
-              <a:t>6/15/23</a:t>
+              <a:t>6/16/23</a:t>
             </a:fld>
             <a:endParaRPr lang="en-US"/>
           </a:p>
@@ -3532,7 +3532,7 @@
           <a:p>
             <a:fld id="{3C5E3940-567D-0E4A-B27A-538E5CA3F251}" type="datetimeFigureOut">
               <a:rPr lang="en-US" smtClean="0"/>
-              <a:t>6/15/23</a:t>
+              <a:t>6/16/23</a:t>
             </a:fld>
             <a:endParaRPr lang="en-US"/>
           </a:p>
@@ -4617,364 +4617,6 @@
         </p:nvSpPr>
         <p:spPr>
           <a:xfrm>
-            <a:off x="1136397" y="2270234"/>
-            <a:ext cx="9688296" cy="3773213"/>
-          </a:xfrm>
-        </p:spPr>
-        <p:txBody>
-          <a:bodyPr anchor="t">
-            <a:normAutofit/>
-          </a:bodyPr>
-          <a:lstStyle/>
-          <a:p>
-            <a:pPr marL="0" indent="0">
-              <a:buNone/>
-            </a:pPr>
-            <a:r>
-              <a:rPr lang="en-US" sz="2400" dirty="0"/>
-              <a:t>Before training our models, we need to observe and analyze the data to see what we are going to work with. The goal here is to learn more about the data and become a topic export on the dataset you are working with.</a:t>
-            </a:r>
-          </a:p>
-          <a:p>
-            <a:pPr marL="0" indent="0">
-              <a:buNone/>
-            </a:pPr>
-            <a:endParaRPr lang="en-US" sz="2400" dirty="0"/>
-          </a:p>
-          <a:p>
-            <a:pPr marL="0" indent="0">
-              <a:buNone/>
-            </a:pPr>
-            <a:r>
-              <a:rPr lang="en-US" sz="2400" b="0" dirty="0">
-                <a:effectLst/>
-              </a:rPr>
-              <a:t>This data set includes a patient's medical data(resting heart rate, cholesterol levels, blood pressure, blood sugar levels, etc.). Our Goal in this section is to determine factors that contribute to heart failure and find correlation of various factors.</a:t>
-            </a:r>
-          </a:p>
-          <a:p>
-            <a:pPr marL="457200" lvl="1" indent="0">
-              <a:buNone/>
-            </a:pPr>
-            <a:endParaRPr lang="en-US" sz="2000" dirty="0">
-              <a:effectLst/>
-            </a:endParaRPr>
-          </a:p>
-        </p:txBody>
-      </p:sp>
-      <p:sp>
-        <p:nvSpPr>
-          <p:cNvPr id="10" name="Rectangle 9">
-            <a:extLst>
-              <a:ext uri="{FF2B5EF4-FFF2-40B4-BE49-F238E27FC236}">
-                <a16:creationId xmlns:a16="http://schemas.microsoft.com/office/drawing/2014/main" id="{EEBF1590-3B36-48EE-A89D-3B6F3CB256AB}"/>
-              </a:ext>
-              <a:ext uri="{C183D7F6-B498-43B3-948B-1728B52AA6E4}">
-                <adec:decorative xmlns:adec="http://schemas.microsoft.com/office/drawing/2017/decorative" val="1"/>
-              </a:ext>
-            </a:extLst>
-          </p:cNvPr>
-          <p:cNvSpPr>
-            <a:spLocks noGrp="1" noRot="1" noChangeAspect="1" noMove="1" noResize="1" noEditPoints="1" noAdjustHandles="1" noChangeArrowheads="1" noChangeShapeType="1" noTextEdit="1"/>
-          </p:cNvSpPr>
-          <p:nvPr>
-            <p:extLst>
-              <p:ext uri="{386F3935-93C4-4BCD-93E2-E3B085C9AB24}">
-                <p16:designElem xmlns:p16="http://schemas.microsoft.com/office/powerpoint/2015/main" val="1"/>
-              </p:ext>
-            </p:extLst>
-          </p:nvPr>
-        </p:nvSpPr>
-        <p:spPr>
-          <a:xfrm rot="10800000" flipH="1">
-            <a:off x="0" y="6400799"/>
-            <a:ext cx="12192000" cy="456773"/>
-          </a:xfrm>
-          <a:prstGeom prst="rect">
-            <a:avLst/>
-          </a:prstGeom>
-          <a:gradFill>
-            <a:gsLst>
-              <a:gs pos="0">
-                <a:schemeClr val="accent1"/>
-              </a:gs>
-              <a:gs pos="78000">
-                <a:srgbClr val="000000"/>
-              </a:gs>
-            </a:gsLst>
-            <a:lin ang="2400000" scaled="0"/>
-          </a:gradFill>
-          <a:ln>
-            <a:noFill/>
-          </a:ln>
-        </p:spPr>
-        <p:style>
-          <a:lnRef idx="2">
-            <a:schemeClr val="accent1">
-              <a:shade val="50000"/>
-            </a:schemeClr>
-          </a:lnRef>
-          <a:fillRef idx="1">
-            <a:schemeClr val="accent1"/>
-          </a:fillRef>
-          <a:effectRef idx="0">
-            <a:schemeClr val="accent1"/>
-          </a:effectRef>
-          <a:fontRef idx="minor">
-            <a:schemeClr val="lt1"/>
-          </a:fontRef>
-        </p:style>
-        <p:txBody>
-          <a:bodyPr rtlCol="0" anchor="ctr"/>
-          <a:lstStyle/>
-          <a:p>
-            <a:pPr algn="ctr"/>
-            <a:endParaRPr lang="en-US"/>
-          </a:p>
-        </p:txBody>
-      </p:sp>
-      <p:sp>
-        <p:nvSpPr>
-          <p:cNvPr id="12" name="Rectangle 11">
-            <a:extLst>
-              <a:ext uri="{FF2B5EF4-FFF2-40B4-BE49-F238E27FC236}">
-                <a16:creationId xmlns:a16="http://schemas.microsoft.com/office/drawing/2014/main" id="{AC8F6C8C-AB5A-4548-942D-E3FD40ACBC49}"/>
-              </a:ext>
-              <a:ext uri="{C183D7F6-B498-43B3-948B-1728B52AA6E4}">
-                <adec:decorative xmlns:adec="http://schemas.microsoft.com/office/drawing/2017/decorative" val="1"/>
-              </a:ext>
-            </a:extLst>
-          </p:cNvPr>
-          <p:cNvSpPr>
-            <a:spLocks noGrp="1" noRot="1" noChangeAspect="1" noMove="1" noResize="1" noEditPoints="1" noAdjustHandles="1" noChangeArrowheads="1" noChangeShapeType="1" noTextEdit="1"/>
-          </p:cNvSpPr>
-          <p:nvPr>
-            <p:extLst>
-              <p:ext uri="{386F3935-93C4-4BCD-93E2-E3B085C9AB24}">
-                <p16:designElem xmlns:p16="http://schemas.microsoft.com/office/powerpoint/2015/main" val="1"/>
-              </p:ext>
-            </p:extLst>
-          </p:nvPr>
-        </p:nvSpPr>
-        <p:spPr>
-          <a:xfrm flipH="1">
-            <a:off x="4038600" y="6400799"/>
-            <a:ext cx="8153398" cy="456772"/>
-          </a:xfrm>
-          <a:prstGeom prst="rect">
-            <a:avLst/>
-          </a:prstGeom>
-          <a:gradFill>
-            <a:gsLst>
-              <a:gs pos="0">
-                <a:srgbClr val="000000">
-                  <a:alpha val="63000"/>
-                </a:srgbClr>
-              </a:gs>
-              <a:gs pos="100000">
-                <a:schemeClr val="accent1">
-                  <a:lumMod val="75000"/>
-                </a:schemeClr>
-              </a:gs>
-            </a:gsLst>
-            <a:lin ang="13800000" scaled="0"/>
-          </a:gradFill>
-          <a:ln>
-            <a:noFill/>
-          </a:ln>
-        </p:spPr>
-        <p:style>
-          <a:lnRef idx="2">
-            <a:schemeClr val="accent1">
-              <a:shade val="50000"/>
-            </a:schemeClr>
-          </a:lnRef>
-          <a:fillRef idx="1">
-            <a:schemeClr val="accent1"/>
-          </a:fillRef>
-          <a:effectRef idx="0">
-            <a:schemeClr val="accent1"/>
-          </a:effectRef>
-          <a:fontRef idx="minor">
-            <a:schemeClr val="lt1"/>
-          </a:fontRef>
-        </p:style>
-        <p:txBody>
-          <a:bodyPr rtlCol="0" anchor="ctr"/>
-          <a:lstStyle/>
-          <a:p>
-            <a:pPr algn="ctr"/>
-            <a:endParaRPr lang="en-US"/>
-          </a:p>
-        </p:txBody>
-      </p:sp>
-    </p:spTree>
-    <p:extLst>
-      <p:ext uri="{BB962C8B-B14F-4D97-AF65-F5344CB8AC3E}">
-        <p14:creationId xmlns:p14="http://schemas.microsoft.com/office/powerpoint/2010/main" val="3263931852"/>
-      </p:ext>
-    </p:extLst>
-  </p:cSld>
-  <p:clrMapOvr>
-    <a:masterClrMapping/>
-  </p:clrMapOvr>
-</p:sld>
-</file>
-
-<file path=ppt/slides/slide11.xml><?xml version="1.0" encoding="utf-8"?>
-<p:sld xmlns:a="http://schemas.openxmlformats.org/drawingml/2006/main" xmlns:r="http://schemas.openxmlformats.org/officeDocument/2006/relationships" xmlns:p="http://schemas.openxmlformats.org/presentationml/2006/main">
-  <p:cSld>
-    <p:bg>
-      <p:bgPr>
-        <a:solidFill>
-          <a:schemeClr val="bg1"/>
-        </a:solidFill>
-        <a:effectLst/>
-      </p:bgPr>
-    </p:bg>
-    <p:spTree>
-      <p:nvGrpSpPr>
-        <p:cNvPr id="1" name=""/>
-        <p:cNvGrpSpPr/>
-        <p:nvPr/>
-      </p:nvGrpSpPr>
-      <p:grpSpPr>
-        <a:xfrm>
-          <a:off x="0" y="0"/>
-          <a:ext cx="0" cy="0"/>
-          <a:chOff x="0" y="0"/>
-          <a:chExt cx="0" cy="0"/>
-        </a:xfrm>
-      </p:grpSpPr>
-      <p:sp useBgFill="1">
-        <p:nvSpPr>
-          <p:cNvPr id="8" name="Rectangle 7">
-            <a:extLst>
-              <a:ext uri="{FF2B5EF4-FFF2-40B4-BE49-F238E27FC236}">
-                <a16:creationId xmlns:a16="http://schemas.microsoft.com/office/drawing/2014/main" id="{979E27D9-03C7-44E2-9FF8-15D0C8506AF7}"/>
-              </a:ext>
-              <a:ext uri="{C183D7F6-B498-43B3-948B-1728B52AA6E4}">
-                <adec:decorative xmlns:adec="http://schemas.microsoft.com/office/drawing/2017/decorative" val="1"/>
-              </a:ext>
-            </a:extLst>
-          </p:cNvPr>
-          <p:cNvSpPr>
-            <a:spLocks noGrp="1" noRot="1" noChangeAspect="1" noMove="1" noResize="1" noEditPoints="1" noAdjustHandles="1" noChangeArrowheads="1" noChangeShapeType="1" noTextEdit="1"/>
-          </p:cNvSpPr>
-          <p:nvPr>
-            <p:extLst>
-              <p:ext uri="{386F3935-93C4-4BCD-93E2-E3B085C9AB24}">
-                <p16:designElem xmlns:p16="http://schemas.microsoft.com/office/powerpoint/2015/main" val="1"/>
-              </p:ext>
-            </p:extLst>
-          </p:nvPr>
-        </p:nvSpPr>
-        <p:spPr>
-          <a:xfrm>
-            <a:off x="0" y="0"/>
-            <a:ext cx="12192000" cy="6858000"/>
-          </a:xfrm>
-          <a:prstGeom prst="rect">
-            <a:avLst/>
-          </a:prstGeom>
-          <a:ln w="12700" cap="flat" cmpd="sng" algn="ctr">
-            <a:noFill/>
-            <a:prstDash val="solid"/>
-            <a:miter lim="800000"/>
-          </a:ln>
-          <a:effectLst/>
-          <a:extLst>
-            <a:ext uri="{91240B29-F687-4F45-9708-019B960494DF}">
-              <a14:hiddenLine xmlns:a14="http://schemas.microsoft.com/office/drawing/2010/main" w="12700" cap="flat" cmpd="sng" algn="ctr">
-                <a:solidFill>
-                  <a:schemeClr val="accent1">
-                    <a:shade val="50000"/>
-                  </a:schemeClr>
-                </a:solidFill>
-                <a:prstDash val="solid"/>
-                <a:miter lim="800000"/>
-              </a14:hiddenLine>
-            </a:ext>
-          </a:extLst>
-        </p:spPr>
-        <p:style>
-          <a:lnRef idx="2">
-            <a:schemeClr val="accent1">
-              <a:shade val="50000"/>
-            </a:schemeClr>
-          </a:lnRef>
-          <a:fillRef idx="1">
-            <a:schemeClr val="accent1"/>
-          </a:fillRef>
-          <a:effectRef idx="0">
-            <a:schemeClr val="accent1"/>
-          </a:effectRef>
-          <a:fontRef idx="minor">
-            <a:schemeClr val="lt1"/>
-          </a:fontRef>
-        </p:style>
-        <p:txBody>
-          <a:bodyPr rtlCol="0" anchor="ctr"/>
-          <a:lstStyle/>
-          <a:p>
-            <a:pPr algn="ctr"/>
-            <a:endParaRPr lang="en-US"/>
-          </a:p>
-        </p:txBody>
-      </p:sp>
-      <p:sp>
-        <p:nvSpPr>
-          <p:cNvPr id="2" name="Title 1">
-            <a:extLst>
-              <a:ext uri="{FF2B5EF4-FFF2-40B4-BE49-F238E27FC236}">
-                <a16:creationId xmlns:a16="http://schemas.microsoft.com/office/drawing/2014/main" id="{5C4F02F6-349D-954F-B02F-78EBD3017252}"/>
-              </a:ext>
-            </a:extLst>
-          </p:cNvPr>
-          <p:cNvSpPr>
-            <a:spLocks noGrp="1"/>
-          </p:cNvSpPr>
-          <p:nvPr>
-            <p:ph type="title"/>
-          </p:nvPr>
-        </p:nvSpPr>
-        <p:spPr>
-          <a:xfrm>
-            <a:off x="1136397" y="502022"/>
-            <a:ext cx="9688296" cy="1388356"/>
-          </a:xfrm>
-        </p:spPr>
-        <p:txBody>
-          <a:bodyPr anchor="b">
-            <a:normAutofit/>
-          </a:bodyPr>
-          <a:lstStyle/>
-          <a:p>
-            <a:r>
-              <a:rPr lang="en-US" sz="4000" b="1" dirty="0"/>
-              <a:t>Exploratory Data Analysis</a:t>
-            </a:r>
-          </a:p>
-        </p:txBody>
-      </p:sp>
-      <p:sp>
-        <p:nvSpPr>
-          <p:cNvPr id="3" name="Content Placeholder 2">
-            <a:extLst>
-              <a:ext uri="{FF2B5EF4-FFF2-40B4-BE49-F238E27FC236}">
-                <a16:creationId xmlns:a16="http://schemas.microsoft.com/office/drawing/2014/main" id="{3A721E59-1DC4-3845-9DB3-10F69E64143F}"/>
-              </a:ext>
-            </a:extLst>
-          </p:cNvPr>
-          <p:cNvSpPr>
-            <a:spLocks noGrp="1"/>
-          </p:cNvSpPr>
-          <p:nvPr>
-            <p:ph idx="1"/>
-          </p:nvPr>
-        </p:nvSpPr>
-        <p:spPr>
-          <a:xfrm>
             <a:off x="1136397" y="2270235"/>
             <a:ext cx="4797679" cy="957874"/>
           </a:xfrm>
@@ -5417,6 +5059,389 @@
 </p:sld>
 </file>
 
+<file path=ppt/slides/slide11.xml><?xml version="1.0" encoding="utf-8"?>
+<p:sld xmlns:a="http://schemas.openxmlformats.org/drawingml/2006/main" xmlns:r="http://schemas.openxmlformats.org/officeDocument/2006/relationships" xmlns:p="http://schemas.openxmlformats.org/presentationml/2006/main">
+  <p:cSld>
+    <p:bg>
+      <p:bgPr>
+        <a:solidFill>
+          <a:schemeClr val="bg1"/>
+        </a:solidFill>
+        <a:effectLst/>
+      </p:bgPr>
+    </p:bg>
+    <p:spTree>
+      <p:nvGrpSpPr>
+        <p:cNvPr id="1" name=""/>
+        <p:cNvGrpSpPr/>
+        <p:nvPr/>
+      </p:nvGrpSpPr>
+      <p:grpSpPr>
+        <a:xfrm>
+          <a:off x="0" y="0"/>
+          <a:ext cx="0" cy="0"/>
+          <a:chOff x="0" y="0"/>
+          <a:chExt cx="0" cy="0"/>
+        </a:xfrm>
+      </p:grpSpPr>
+      <p:sp useBgFill="1">
+        <p:nvSpPr>
+          <p:cNvPr id="8" name="Rectangle 7">
+            <a:extLst>
+              <a:ext uri="{FF2B5EF4-FFF2-40B4-BE49-F238E27FC236}">
+                <a16:creationId xmlns:a16="http://schemas.microsoft.com/office/drawing/2014/main" id="{979E27D9-03C7-44E2-9FF8-15D0C8506AF7}"/>
+              </a:ext>
+              <a:ext uri="{C183D7F6-B498-43B3-948B-1728B52AA6E4}">
+                <adec:decorative xmlns:adec="http://schemas.microsoft.com/office/drawing/2017/decorative" val="1"/>
+              </a:ext>
+            </a:extLst>
+          </p:cNvPr>
+          <p:cNvSpPr>
+            <a:spLocks noGrp="1" noRot="1" noChangeAspect="1" noMove="1" noResize="1" noEditPoints="1" noAdjustHandles="1" noChangeArrowheads="1" noChangeShapeType="1" noTextEdit="1"/>
+          </p:cNvSpPr>
+          <p:nvPr>
+            <p:extLst>
+              <p:ext uri="{386F3935-93C4-4BCD-93E2-E3B085C9AB24}">
+                <p16:designElem xmlns:p16="http://schemas.microsoft.com/office/powerpoint/2015/main" val="1"/>
+              </p:ext>
+            </p:extLst>
+          </p:nvPr>
+        </p:nvSpPr>
+        <p:spPr>
+          <a:xfrm>
+            <a:off x="0" y="0"/>
+            <a:ext cx="12192000" cy="6858000"/>
+          </a:xfrm>
+          <a:prstGeom prst="rect">
+            <a:avLst/>
+          </a:prstGeom>
+          <a:ln w="12700" cap="flat" cmpd="sng" algn="ctr">
+            <a:noFill/>
+            <a:prstDash val="solid"/>
+            <a:miter lim="800000"/>
+          </a:ln>
+          <a:effectLst/>
+          <a:extLst>
+            <a:ext uri="{91240B29-F687-4F45-9708-019B960494DF}">
+              <a14:hiddenLine xmlns:a14="http://schemas.microsoft.com/office/drawing/2010/main" w="12700" cap="flat" cmpd="sng" algn="ctr">
+                <a:solidFill>
+                  <a:schemeClr val="accent1">
+                    <a:shade val="50000"/>
+                  </a:schemeClr>
+                </a:solidFill>
+                <a:prstDash val="solid"/>
+                <a:miter lim="800000"/>
+              </a14:hiddenLine>
+            </a:ext>
+          </a:extLst>
+        </p:spPr>
+        <p:style>
+          <a:lnRef idx="2">
+            <a:schemeClr val="accent1">
+              <a:shade val="50000"/>
+            </a:schemeClr>
+          </a:lnRef>
+          <a:fillRef idx="1">
+            <a:schemeClr val="accent1"/>
+          </a:fillRef>
+          <a:effectRef idx="0">
+            <a:schemeClr val="accent1"/>
+          </a:effectRef>
+          <a:fontRef idx="minor">
+            <a:schemeClr val="lt1"/>
+          </a:fontRef>
+        </p:style>
+        <p:txBody>
+          <a:bodyPr rtlCol="0" anchor="ctr"/>
+          <a:lstStyle/>
+          <a:p>
+            <a:pPr algn="ctr"/>
+            <a:endParaRPr lang="en-US"/>
+          </a:p>
+        </p:txBody>
+      </p:sp>
+      <p:sp>
+        <p:nvSpPr>
+          <p:cNvPr id="2" name="Title 1">
+            <a:extLst>
+              <a:ext uri="{FF2B5EF4-FFF2-40B4-BE49-F238E27FC236}">
+                <a16:creationId xmlns:a16="http://schemas.microsoft.com/office/drawing/2014/main" id="{5C4F02F6-349D-954F-B02F-78EBD3017252}"/>
+              </a:ext>
+            </a:extLst>
+          </p:cNvPr>
+          <p:cNvSpPr>
+            <a:spLocks noGrp="1"/>
+          </p:cNvSpPr>
+          <p:nvPr>
+            <p:ph type="title"/>
+          </p:nvPr>
+        </p:nvSpPr>
+        <p:spPr>
+          <a:xfrm>
+            <a:off x="1136397" y="502022"/>
+            <a:ext cx="9688296" cy="1388356"/>
+          </a:xfrm>
+        </p:spPr>
+        <p:txBody>
+          <a:bodyPr anchor="b">
+            <a:normAutofit/>
+          </a:bodyPr>
+          <a:lstStyle/>
+          <a:p>
+            <a:r>
+              <a:rPr lang="en-US" sz="4000" b="1"/>
+              <a:t>Results and Observations</a:t>
+            </a:r>
+            <a:endParaRPr lang="en-US" sz="4000" b="1" dirty="0"/>
+          </a:p>
+        </p:txBody>
+      </p:sp>
+      <p:sp>
+        <p:nvSpPr>
+          <p:cNvPr id="3" name="Content Placeholder 2">
+            <a:extLst>
+              <a:ext uri="{FF2B5EF4-FFF2-40B4-BE49-F238E27FC236}">
+                <a16:creationId xmlns:a16="http://schemas.microsoft.com/office/drawing/2014/main" id="{3A721E59-1DC4-3845-9DB3-10F69E64143F}"/>
+              </a:ext>
+            </a:extLst>
+          </p:cNvPr>
+          <p:cNvSpPr>
+            <a:spLocks noGrp="1"/>
+          </p:cNvSpPr>
+          <p:nvPr>
+            <p:ph idx="1"/>
+          </p:nvPr>
+        </p:nvSpPr>
+        <p:spPr>
+          <a:xfrm>
+            <a:off x="1136397" y="1890378"/>
+            <a:ext cx="9688296" cy="3782694"/>
+          </a:xfrm>
+        </p:spPr>
+        <p:txBody>
+          <a:bodyPr anchor="t">
+            <a:normAutofit fontScale="92500" lnSpcReduction="10000"/>
+          </a:bodyPr>
+          <a:lstStyle/>
+          <a:p>
+            <a:pPr marL="457200" lvl="1" indent="0">
+              <a:buNone/>
+            </a:pPr>
+            <a:r>
+              <a:rPr lang="en-US" sz="2000" b="1" u="sng" dirty="0">
+                <a:effectLst/>
+              </a:rPr>
+              <a:t>Neural Network</a:t>
+            </a:r>
+          </a:p>
+          <a:p>
+            <a:pPr marL="0" indent="0">
+              <a:buNone/>
+            </a:pPr>
+            <a:r>
+              <a:rPr lang="en-US" sz="1600" dirty="0"/>
+              <a:t>Experiment</a:t>
+            </a:r>
+          </a:p>
+          <a:p>
+            <a:r>
+              <a:rPr lang="en-US" sz="1600" dirty="0"/>
+              <a:t>In our experiment, we chose the PyTorch library to build a neural network for this classification task. The motivation was to use an available deep learning library that provides various optimizers and loss functions and an easy way to tune hyperparameters so we can arrive at the most accurate network. In this experiment we found that a neural network with 2 layers performed best with our data set of heart data. we ran the experiment with 8 -14 neurons in the first layer and 2 neurons in the final layer with the LeakyReLU activation to predict the chances of heart failure.</a:t>
+            </a:r>
+          </a:p>
+          <a:p>
+            <a:endParaRPr lang="en-US" sz="1600" dirty="0"/>
+          </a:p>
+          <a:p>
+            <a:pPr marL="0" indent="0">
+              <a:buNone/>
+            </a:pPr>
+            <a:r>
+              <a:rPr lang="en-US" sz="1600" dirty="0"/>
+              <a:t>Observation</a:t>
+            </a:r>
+          </a:p>
+          <a:p>
+            <a:r>
+              <a:rPr lang="en-US" sz="1600" dirty="0"/>
+              <a:t>We were able to achieve a top accuracy of 86% over the test data with 12 neurons in the first layer and with optimizer set as RMSProp.</a:t>
+            </a:r>
+          </a:p>
+          <a:p>
+            <a:endParaRPr lang="en-US" sz="1600" dirty="0"/>
+          </a:p>
+          <a:p>
+            <a:pPr marL="0" indent="0">
+              <a:buNone/>
+            </a:pPr>
+            <a:br>
+              <a:rPr lang="en-US" sz="1600" dirty="0"/>
+            </a:br>
+            <a:endParaRPr lang="en-US" sz="2000" dirty="0">
+              <a:effectLst/>
+            </a:endParaRPr>
+          </a:p>
+        </p:txBody>
+      </p:sp>
+      <p:sp>
+        <p:nvSpPr>
+          <p:cNvPr id="10" name="Rectangle 9">
+            <a:extLst>
+              <a:ext uri="{FF2B5EF4-FFF2-40B4-BE49-F238E27FC236}">
+                <a16:creationId xmlns:a16="http://schemas.microsoft.com/office/drawing/2014/main" id="{EEBF1590-3B36-48EE-A89D-3B6F3CB256AB}"/>
+              </a:ext>
+              <a:ext uri="{C183D7F6-B498-43B3-948B-1728B52AA6E4}">
+                <adec:decorative xmlns:adec="http://schemas.microsoft.com/office/drawing/2017/decorative" val="1"/>
+              </a:ext>
+            </a:extLst>
+          </p:cNvPr>
+          <p:cNvSpPr>
+            <a:spLocks noGrp="1" noRot="1" noChangeAspect="1" noMove="1" noResize="1" noEditPoints="1" noAdjustHandles="1" noChangeArrowheads="1" noChangeShapeType="1" noTextEdit="1"/>
+          </p:cNvSpPr>
+          <p:nvPr>
+            <p:extLst>
+              <p:ext uri="{386F3935-93C4-4BCD-93E2-E3B085C9AB24}">
+                <p16:designElem xmlns:p16="http://schemas.microsoft.com/office/powerpoint/2015/main" val="1"/>
+              </p:ext>
+            </p:extLst>
+          </p:nvPr>
+        </p:nvSpPr>
+        <p:spPr>
+          <a:xfrm rot="10800000" flipH="1">
+            <a:off x="0" y="6400799"/>
+            <a:ext cx="12192000" cy="456773"/>
+          </a:xfrm>
+          <a:prstGeom prst="rect">
+            <a:avLst/>
+          </a:prstGeom>
+          <a:gradFill>
+            <a:gsLst>
+              <a:gs pos="0">
+                <a:schemeClr val="accent1"/>
+              </a:gs>
+              <a:gs pos="78000">
+                <a:srgbClr val="000000"/>
+              </a:gs>
+            </a:gsLst>
+            <a:lin ang="2400000" scaled="0"/>
+          </a:gradFill>
+          <a:ln>
+            <a:noFill/>
+          </a:ln>
+        </p:spPr>
+        <p:style>
+          <a:lnRef idx="2">
+            <a:schemeClr val="accent1">
+              <a:shade val="50000"/>
+            </a:schemeClr>
+          </a:lnRef>
+          <a:fillRef idx="1">
+            <a:schemeClr val="accent1"/>
+          </a:fillRef>
+          <a:effectRef idx="0">
+            <a:schemeClr val="accent1"/>
+          </a:effectRef>
+          <a:fontRef idx="minor">
+            <a:schemeClr val="lt1"/>
+          </a:fontRef>
+        </p:style>
+        <p:txBody>
+          <a:bodyPr rtlCol="0" anchor="ctr"/>
+          <a:lstStyle/>
+          <a:p>
+            <a:pPr algn="ctr"/>
+            <a:endParaRPr lang="en-US"/>
+          </a:p>
+        </p:txBody>
+      </p:sp>
+      <p:sp>
+        <p:nvSpPr>
+          <p:cNvPr id="12" name="Rectangle 11">
+            <a:extLst>
+              <a:ext uri="{FF2B5EF4-FFF2-40B4-BE49-F238E27FC236}">
+                <a16:creationId xmlns:a16="http://schemas.microsoft.com/office/drawing/2014/main" id="{AC8F6C8C-AB5A-4548-942D-E3FD40ACBC49}"/>
+              </a:ext>
+              <a:ext uri="{C183D7F6-B498-43B3-948B-1728B52AA6E4}">
+                <adec:decorative xmlns:adec="http://schemas.microsoft.com/office/drawing/2017/decorative" val="1"/>
+              </a:ext>
+            </a:extLst>
+          </p:cNvPr>
+          <p:cNvSpPr>
+            <a:spLocks noGrp="1" noRot="1" noChangeAspect="1" noMove="1" noResize="1" noEditPoints="1" noAdjustHandles="1" noChangeArrowheads="1" noChangeShapeType="1" noTextEdit="1"/>
+          </p:cNvSpPr>
+          <p:nvPr>
+            <p:extLst>
+              <p:ext uri="{386F3935-93C4-4BCD-93E2-E3B085C9AB24}">
+                <p16:designElem xmlns:p16="http://schemas.microsoft.com/office/powerpoint/2015/main" val="1"/>
+              </p:ext>
+            </p:extLst>
+          </p:nvPr>
+        </p:nvSpPr>
+        <p:spPr>
+          <a:xfrm flipH="1">
+            <a:off x="4038600" y="6400799"/>
+            <a:ext cx="8153398" cy="456772"/>
+          </a:xfrm>
+          <a:prstGeom prst="rect">
+            <a:avLst/>
+          </a:prstGeom>
+          <a:gradFill>
+            <a:gsLst>
+              <a:gs pos="0">
+                <a:srgbClr val="000000">
+                  <a:alpha val="63000"/>
+                </a:srgbClr>
+              </a:gs>
+              <a:gs pos="100000">
+                <a:schemeClr val="accent1">
+                  <a:lumMod val="75000"/>
+                </a:schemeClr>
+              </a:gs>
+            </a:gsLst>
+            <a:lin ang="13800000" scaled="0"/>
+          </a:gradFill>
+          <a:ln>
+            <a:noFill/>
+          </a:ln>
+        </p:spPr>
+        <p:style>
+          <a:lnRef idx="2">
+            <a:schemeClr val="accent1">
+              <a:shade val="50000"/>
+            </a:schemeClr>
+          </a:lnRef>
+          <a:fillRef idx="1">
+            <a:schemeClr val="accent1"/>
+          </a:fillRef>
+          <a:effectRef idx="0">
+            <a:schemeClr val="accent1"/>
+          </a:effectRef>
+          <a:fontRef idx="minor">
+            <a:schemeClr val="lt1"/>
+          </a:fontRef>
+        </p:style>
+        <p:txBody>
+          <a:bodyPr rtlCol="0" anchor="ctr"/>
+          <a:lstStyle/>
+          <a:p>
+            <a:pPr algn="ctr"/>
+            <a:endParaRPr lang="en-US"/>
+          </a:p>
+        </p:txBody>
+      </p:sp>
+    </p:spTree>
+    <p:extLst>
+      <p:ext uri="{BB962C8B-B14F-4D97-AF65-F5344CB8AC3E}">
+        <p14:creationId xmlns:p14="http://schemas.microsoft.com/office/powerpoint/2010/main" val="639892534"/>
+      </p:ext>
+    </p:extLst>
+  </p:cSld>
+  <p:clrMapOvr>
+    <a:masterClrMapping/>
+  </p:clrMapOvr>
+</p:sld>
+</file>
+
 <file path=ppt/slides/slide12.xml><?xml version="1.0" encoding="utf-8"?>
 <p:sld xmlns:a="http://schemas.openxmlformats.org/drawingml/2006/main" xmlns:r="http://schemas.openxmlformats.org/officeDocument/2006/relationships" xmlns:p="http://schemas.openxmlformats.org/presentationml/2006/main">
   <p:cSld>
@@ -5547,10 +5572,9 @@
           <a:lstStyle/>
           <a:p>
             <a:r>
-              <a:rPr lang="en-US" sz="4000" b="1"/>
-              <a:t>Results and Observations</a:t>
-            </a:r>
-            <a:endParaRPr lang="en-US" sz="4000" b="1" dirty="0"/>
+              <a:rPr lang="en-US" sz="4000" b="1" dirty="0"/>
+              <a:t>Future extensions of your work</a:t>
+            </a:r>
           </a:p>
         </p:txBody>
       </p:sp>
@@ -5572,13 +5596,13 @@
         </p:nvSpPr>
         <p:spPr>
           <a:xfrm>
-            <a:off x="1136397" y="1890378"/>
+            <a:off x="1136397" y="2418409"/>
             <a:ext cx="9688296" cy="3782694"/>
           </a:xfrm>
         </p:spPr>
         <p:txBody>
           <a:bodyPr anchor="t">
-            <a:normAutofit fontScale="92500" lnSpcReduction="10000"/>
+            <a:normAutofit/>
           </a:bodyPr>
           <a:lstStyle/>
           <a:p>
@@ -5586,58 +5610,11 @@
               <a:buNone/>
             </a:pPr>
             <a:r>
-              <a:rPr lang="en-US" sz="2000" b="1" u="sng" dirty="0">
+              <a:rPr lang="en-US" sz="2000" dirty="0">
                 <a:effectLst/>
               </a:rPr>
-              <a:t>Neural Network</a:t>
-            </a:r>
-          </a:p>
-          <a:p>
-            <a:pPr marL="0" indent="0">
-              <a:buNone/>
-            </a:pPr>
-            <a:r>
-              <a:rPr lang="en-US" sz="1600" dirty="0"/>
-              <a:t>Experiment</a:t>
-            </a:r>
-          </a:p>
-          <a:p>
-            <a:r>
-              <a:rPr lang="en-US" sz="1600" dirty="0"/>
-              <a:t>In our experiment, we chose the PyTorch library to build a neural network for this classification task. The motivation was to use an available deep learning library that provides various optimizers and loss functions and an easy way to tune hyperparameters so we can arrive at the most accurate network. In this experiment we found that a neural network with 2 layers performed best with our data set of heart data. we ran the experiment with 8 -14 neurons in the first layer and 2 neurons in the final layer with the LeakyReLU activation to predict the chances of heart failure.</a:t>
-            </a:r>
-          </a:p>
-          <a:p>
-            <a:endParaRPr lang="en-US" sz="1600" dirty="0"/>
-          </a:p>
-          <a:p>
-            <a:pPr marL="0" indent="0">
-              <a:buNone/>
-            </a:pPr>
-            <a:r>
-              <a:rPr lang="en-US" sz="1600" dirty="0"/>
-              <a:t>Observation</a:t>
-            </a:r>
-          </a:p>
-          <a:p>
-            <a:r>
-              <a:rPr lang="en-US" sz="1600" dirty="0"/>
-              <a:t>We were able to achieve a top accuracy of 86% over the test data with 12 neurons in the first layer and with optimizer set as RMSProp.</a:t>
-            </a:r>
-          </a:p>
-          <a:p>
-            <a:endParaRPr lang="en-US" sz="1600" dirty="0"/>
-          </a:p>
-          <a:p>
-            <a:pPr marL="0" indent="0">
-              <a:buNone/>
-            </a:pPr>
-            <a:br>
-              <a:rPr lang="en-US" sz="1600" dirty="0"/>
-            </a:br>
-            <a:endParaRPr lang="en-US" sz="2000" dirty="0">
-              <a:effectLst/>
-            </a:endParaRPr>
+              <a:t>Words…</a:t>
+            </a:r>
           </a:p>
         </p:txBody>
       </p:sp>
@@ -5790,7 +5767,7 @@
     </p:spTree>
     <p:extLst>
       <p:ext uri="{BB962C8B-B14F-4D97-AF65-F5344CB8AC3E}">
-        <p14:creationId xmlns:p14="http://schemas.microsoft.com/office/powerpoint/2010/main" val="639892534"/>
+        <p14:creationId xmlns:p14="http://schemas.microsoft.com/office/powerpoint/2010/main" val="1396956347"/>
       </p:ext>
     </p:extLst>
   </p:cSld>
@@ -5906,7 +5883,7 @@
           <p:cNvPr id="2" name="Title 1">
             <a:extLst>
               <a:ext uri="{FF2B5EF4-FFF2-40B4-BE49-F238E27FC236}">
-                <a16:creationId xmlns:a16="http://schemas.microsoft.com/office/drawing/2014/main" id="{5C4F02F6-349D-954F-B02F-78EBD3017252}"/>
+                <a16:creationId xmlns:a16="http://schemas.microsoft.com/office/drawing/2014/main" id="{8B337B21-1E26-A847-AC61-FDA5EEFBFA48}"/>
               </a:ext>
             </a:extLst>
           </p:cNvPr>
@@ -5919,43 +5896,8 @@
         </p:nvSpPr>
         <p:spPr>
           <a:xfrm>
-            <a:off x="1136397" y="502022"/>
-            <a:ext cx="9688296" cy="1388356"/>
-          </a:xfrm>
-        </p:spPr>
-        <p:txBody>
-          <a:bodyPr anchor="b">
-            <a:normAutofit/>
-          </a:bodyPr>
-          <a:lstStyle/>
-          <a:p>
-            <a:r>
-              <a:rPr lang="en-US" sz="4000" b="1" dirty="0"/>
-              <a:t>Future extensions of your work</a:t>
-            </a:r>
-          </a:p>
-        </p:txBody>
-      </p:sp>
-      <p:sp>
-        <p:nvSpPr>
-          <p:cNvPr id="3" name="Content Placeholder 2">
-            <a:extLst>
-              <a:ext uri="{FF2B5EF4-FFF2-40B4-BE49-F238E27FC236}">
-                <a16:creationId xmlns:a16="http://schemas.microsoft.com/office/drawing/2014/main" id="{3A721E59-1DC4-3845-9DB3-10F69E64143F}"/>
-              </a:ext>
-            </a:extLst>
-          </p:cNvPr>
-          <p:cNvSpPr>
-            <a:spLocks noGrp="1"/>
-          </p:cNvSpPr>
-          <p:nvPr>
-            <p:ph idx="1"/>
-          </p:nvPr>
-        </p:nvSpPr>
-        <p:spPr>
-          <a:xfrm>
-            <a:off x="1136397" y="2418409"/>
-            <a:ext cx="9688296" cy="3782694"/>
+            <a:off x="656823" y="962166"/>
+            <a:ext cx="3103808" cy="4421876"/>
           </a:xfrm>
         </p:spPr>
         <p:txBody>
@@ -5964,15 +5906,56 @@
           </a:bodyPr>
           <a:lstStyle/>
           <a:p>
-            <a:pPr marL="457200" lvl="1" indent="0">
+            <a:pPr algn="r"/>
+            <a:r>
+              <a:rPr lang="en-US" sz="4000" b="1"/>
+              <a:t>Our Dataset Issues and Limitations</a:t>
+            </a:r>
+          </a:p>
+        </p:txBody>
+      </p:sp>
+      <p:sp>
+        <p:nvSpPr>
+          <p:cNvPr id="3" name="Content Placeholder 2">
+            <a:extLst>
+              <a:ext uri="{FF2B5EF4-FFF2-40B4-BE49-F238E27FC236}">
+                <a16:creationId xmlns:a16="http://schemas.microsoft.com/office/drawing/2014/main" id="{7A6681F8-49AF-094B-8AE8-6157C5F0B6F6}"/>
+              </a:ext>
+            </a:extLst>
+          </p:cNvPr>
+          <p:cNvSpPr>
+            <a:spLocks noGrp="1"/>
+          </p:cNvSpPr>
+          <p:nvPr>
+            <p:ph idx="1"/>
+          </p:nvPr>
+        </p:nvSpPr>
+        <p:spPr>
+          <a:xfrm>
+            <a:off x="4088929" y="962167"/>
+            <a:ext cx="6858113" cy="4743174"/>
+          </a:xfrm>
+        </p:spPr>
+        <p:txBody>
+          <a:bodyPr anchor="t">
+            <a:normAutofit/>
+          </a:bodyPr>
+          <a:lstStyle/>
+          <a:p>
+            <a:pPr marL="0" indent="0">
               <a:buNone/>
             </a:pPr>
             <a:r>
-              <a:rPr lang="en-US" sz="2000" dirty="0">
+              <a:rPr lang="en-US" sz="2000" b="0" i="1" dirty="0">
                 <a:effectLst/>
               </a:rPr>
-              <a:t>Words…</a:t>
-            </a:r>
+              <a:t>Words if needed…</a:t>
+            </a:r>
+            <a:endParaRPr lang="en-US" sz="2000" dirty="0"/>
+          </a:p>
+          <a:p>
+            <a:pPr lvl="1"/>
+            <a:endParaRPr lang="en-US" sz="2000" dirty="0"/>
           </a:p>
         </p:txBody>
       </p:sp>
@@ -6012,11 +5995,13 @@
               <a:gs pos="0">
                 <a:schemeClr val="accent1"/>
               </a:gs>
-              <a:gs pos="78000">
-                <a:srgbClr val="000000"/>
+              <a:gs pos="100000">
+                <a:schemeClr val="accent1">
+                  <a:lumMod val="50000"/>
+                </a:schemeClr>
               </a:gs>
             </a:gsLst>
-            <a:lin ang="2400000" scaled="0"/>
+            <a:lin ang="6600000" scaled="0"/>
           </a:gradFill>
           <a:ln>
             <a:noFill/>
@@ -6082,16 +6067,14 @@
             <a:gsLst>
               <a:gs pos="0">
                 <a:srgbClr val="000000">
-                  <a:alpha val="63000"/>
+                  <a:alpha val="76000"/>
                 </a:srgbClr>
               </a:gs>
               <a:gs pos="100000">
-                <a:schemeClr val="accent1">
-                  <a:lumMod val="75000"/>
-                </a:schemeClr>
+                <a:schemeClr val="accent1"/>
               </a:gs>
             </a:gsLst>
-            <a:lin ang="13800000" scaled="0"/>
+            <a:lin ang="17400000" scaled="0"/>
           </a:gradFill>
           <a:ln>
             <a:noFill/>
@@ -6125,7 +6108,7 @@
     </p:spTree>
     <p:extLst>
       <p:ext uri="{BB962C8B-B14F-4D97-AF65-F5344CB8AC3E}">
-        <p14:creationId xmlns:p14="http://schemas.microsoft.com/office/powerpoint/2010/main" val="1396956347"/>
+        <p14:creationId xmlns:p14="http://schemas.microsoft.com/office/powerpoint/2010/main" val="2645747481"/>
       </p:ext>
     </p:extLst>
   </p:cSld>
@@ -6241,7 +6224,7 @@
           <p:cNvPr id="2" name="Title 1">
             <a:extLst>
               <a:ext uri="{FF2B5EF4-FFF2-40B4-BE49-F238E27FC236}">
-                <a16:creationId xmlns:a16="http://schemas.microsoft.com/office/drawing/2014/main" id="{8B337B21-1E26-A847-AC61-FDA5EEFBFA48}"/>
+                <a16:creationId xmlns:a16="http://schemas.microsoft.com/office/drawing/2014/main" id="{5C4F02F6-349D-954F-B02F-78EBD3017252}"/>
               </a:ext>
             </a:extLst>
           </p:cNvPr>
@@ -6254,8 +6237,43 @@
         </p:nvSpPr>
         <p:spPr>
           <a:xfrm>
-            <a:off x="656823" y="962166"/>
-            <a:ext cx="3103808" cy="4421876"/>
+            <a:off x="1136397" y="515027"/>
+            <a:ext cx="9688296" cy="1388356"/>
+          </a:xfrm>
+        </p:spPr>
+        <p:txBody>
+          <a:bodyPr anchor="b">
+            <a:normAutofit/>
+          </a:bodyPr>
+          <a:lstStyle/>
+          <a:p>
+            <a:r>
+              <a:rPr lang="en-US" sz="4000" b="1" dirty="0"/>
+              <a:t>Related Work and Basis of Project</a:t>
+            </a:r>
+          </a:p>
+        </p:txBody>
+      </p:sp>
+      <p:sp>
+        <p:nvSpPr>
+          <p:cNvPr id="3" name="Content Placeholder 2">
+            <a:extLst>
+              <a:ext uri="{FF2B5EF4-FFF2-40B4-BE49-F238E27FC236}">
+                <a16:creationId xmlns:a16="http://schemas.microsoft.com/office/drawing/2014/main" id="{3A721E59-1DC4-3845-9DB3-10F69E64143F}"/>
+              </a:ext>
+            </a:extLst>
+          </p:cNvPr>
+          <p:cNvSpPr>
+            <a:spLocks noGrp="1"/>
+          </p:cNvSpPr>
+          <p:nvPr>
+            <p:ph idx="1"/>
+          </p:nvPr>
+        </p:nvSpPr>
+        <p:spPr>
+          <a:xfrm>
+            <a:off x="1136397" y="2418409"/>
+            <a:ext cx="9688296" cy="3782694"/>
           </a:xfrm>
         </p:spPr>
         <p:txBody>
@@ -6264,56 +6282,53 @@
           </a:bodyPr>
           <a:lstStyle/>
           <a:p>
-            <a:pPr algn="r"/>
-            <a:r>
-              <a:rPr lang="en-US" sz="4000" b="1"/>
-              <a:t>Our Dataset Issues and Limitations</a:t>
-            </a:r>
-          </a:p>
-        </p:txBody>
-      </p:sp>
-      <p:sp>
-        <p:nvSpPr>
-          <p:cNvPr id="3" name="Content Placeholder 2">
-            <a:extLst>
-              <a:ext uri="{FF2B5EF4-FFF2-40B4-BE49-F238E27FC236}">
-                <a16:creationId xmlns:a16="http://schemas.microsoft.com/office/drawing/2014/main" id="{7A6681F8-49AF-094B-8AE8-6157C5F0B6F6}"/>
-              </a:ext>
-            </a:extLst>
-          </p:cNvPr>
-          <p:cNvSpPr>
-            <a:spLocks noGrp="1"/>
-          </p:cNvSpPr>
-          <p:nvPr>
-            <p:ph idx="1"/>
-          </p:nvPr>
-        </p:nvSpPr>
-        <p:spPr>
-          <a:xfrm>
-            <a:off x="4088929" y="962167"/>
-            <a:ext cx="6858113" cy="4743174"/>
-          </a:xfrm>
-        </p:spPr>
-        <p:txBody>
-          <a:bodyPr anchor="t">
-            <a:normAutofit/>
-          </a:bodyPr>
-          <a:lstStyle/>
-          <a:p>
             <a:pPr marL="0" indent="0">
               <a:buNone/>
             </a:pPr>
             <a:r>
-              <a:rPr lang="en-US" sz="2000" b="0" i="1" dirty="0">
+              <a:rPr lang="en-US" sz="2400" b="0" i="0" u="none" strike="noStrike" dirty="0">
                 <a:effectLst/>
+                <a:latin typeface="Slack-Lato"/>
+                <a:hlinkClick r:id="rId2"/>
               </a:rPr>
-              <a:t>Words if needed…</a:t>
-            </a:r>
-            <a:endParaRPr lang="en-US" sz="2000" dirty="0"/>
-          </a:p>
-          <a:p>
-            <a:pPr lvl="1"/>
-            <a:endParaRPr lang="en-US" sz="2000" dirty="0"/>
+              <a:t>https://thecleverprogrammer.com/2020/11/10/heart-disease-prediction-using-machine-learning/</a:t>
+            </a:r>
+            <a:endParaRPr lang="en-US" sz="2400" b="0" i="0" u="none" strike="noStrike" dirty="0">
+              <a:latin typeface="Slack-Lato"/>
+            </a:endParaRPr>
+          </a:p>
+          <a:p>
+            <a:pPr marL="0" indent="0">
+              <a:buNone/>
+            </a:pPr>
+            <a:endParaRPr lang="en-US" sz="2400" dirty="0">
+              <a:effectLst/>
+              <a:latin typeface="Slack-Lato"/>
+            </a:endParaRPr>
+          </a:p>
+          <a:p>
+            <a:pPr marL="0" indent="0">
+              <a:buNone/>
+            </a:pPr>
+            <a:r>
+              <a:rPr lang="en-US" sz="2400" b="0" i="0" u="sng" dirty="0">
+                <a:effectLst/>
+                <a:latin typeface="Slack-Lato"/>
+                <a:hlinkClick r:id="rId3"/>
+              </a:rPr>
+              <a:t>https://www.kaggle.com/datasets/fedesoriano/heart-failure-prediction</a:t>
+            </a:r>
+            <a:endParaRPr lang="en-US" sz="2400" b="0" i="0" u="sng" dirty="0">
+              <a:latin typeface="Slack-Lato"/>
+            </a:endParaRPr>
+          </a:p>
+          <a:p>
+            <a:pPr marL="0" indent="0">
+              <a:buNone/>
+            </a:pPr>
+            <a:endParaRPr lang="en-US" sz="2400" dirty="0">
+              <a:effectLst/>
+            </a:endParaRPr>
           </a:p>
         </p:txBody>
       </p:sp>
@@ -6353,13 +6368,11 @@
               <a:gs pos="0">
                 <a:schemeClr val="accent1"/>
               </a:gs>
-              <a:gs pos="100000">
-                <a:schemeClr val="accent1">
-                  <a:lumMod val="50000"/>
-                </a:schemeClr>
+              <a:gs pos="78000">
+                <a:srgbClr val="000000"/>
               </a:gs>
             </a:gsLst>
-            <a:lin ang="6600000" scaled="0"/>
+            <a:lin ang="2400000" scaled="0"/>
           </a:gradFill>
           <a:ln>
             <a:noFill/>
@@ -6425,14 +6438,16 @@
             <a:gsLst>
               <a:gs pos="0">
                 <a:srgbClr val="000000">
-                  <a:alpha val="76000"/>
+                  <a:alpha val="63000"/>
                 </a:srgbClr>
               </a:gs>
               <a:gs pos="100000">
-                <a:schemeClr val="accent1"/>
+                <a:schemeClr val="accent1">
+                  <a:lumMod val="75000"/>
+                </a:schemeClr>
               </a:gs>
             </a:gsLst>
-            <a:lin ang="17400000" scaled="0"/>
+            <a:lin ang="13800000" scaled="0"/>
           </a:gradFill>
           <a:ln>
             <a:noFill/>
@@ -6466,7 +6481,7 @@
     </p:spTree>
     <p:extLst>
       <p:ext uri="{BB962C8B-B14F-4D97-AF65-F5344CB8AC3E}">
-        <p14:creationId xmlns:p14="http://schemas.microsoft.com/office/powerpoint/2010/main" val="2645747481"/>
+        <p14:creationId xmlns:p14="http://schemas.microsoft.com/office/powerpoint/2010/main" val="2608616203"/>
       </p:ext>
     </p:extLst>
   </p:cSld>
@@ -10395,10 +10410,10 @@
       </p:grpSpPr>
       <p:sp useBgFill="1">
         <p:nvSpPr>
-          <p:cNvPr id="8" name="Rectangle 7">
-            <a:extLst>
-              <a:ext uri="{FF2B5EF4-FFF2-40B4-BE49-F238E27FC236}">
-                <a16:creationId xmlns:a16="http://schemas.microsoft.com/office/drawing/2014/main" id="{979E27D9-03C7-44E2-9FF8-15D0C8506AF7}"/>
+          <p:cNvPr id="17" name="Rectangle 16">
+            <a:extLst>
+              <a:ext uri="{FF2B5EF4-FFF2-40B4-BE49-F238E27FC236}">
+                <a16:creationId xmlns:a16="http://schemas.microsoft.com/office/drawing/2014/main" id="{9427AF5F-9A0E-42B7-A252-FD64C9885F9C}"/>
               </a:ext>
               <a:ext uri="{C183D7F6-B498-43B3-948B-1728B52AA6E4}">
                 <adec:decorative xmlns:adec="http://schemas.microsoft.com/office/drawing/2017/decorative" val="1"/>
@@ -10418,31 +10433,15 @@
         </p:nvSpPr>
         <p:spPr>
           <a:xfrm>
-            <a:off x="0" y="0"/>
-            <a:ext cx="12192000" cy="6858000"/>
+            <a:off x="-1" y="0"/>
+            <a:ext cx="12188952" cy="6858000"/>
           </a:xfrm>
           <a:prstGeom prst="rect">
             <a:avLst/>
           </a:prstGeom>
-          <a:ln w="12700" cap="flat" cmpd="sng" algn="ctr">
+          <a:ln>
             <a:noFill/>
-            <a:prstDash val="solid"/>
-            <a:miter lim="800000"/>
           </a:ln>
-          <a:effectLst/>
-          <a:extLst>
-            <a:ext uri="{91240B29-F687-4F45-9708-019B960494DF}">
-              <a14:hiddenLine xmlns:a14="http://schemas.microsoft.com/office/drawing/2010/main" w="12700" cap="flat" cmpd="sng" algn="ctr">
-                <a:solidFill>
-                  <a:schemeClr val="accent1">
-                    <a:shade val="50000"/>
-                  </a:schemeClr>
-                </a:solidFill>
-                <a:prstDash val="solid"/>
-                <a:miter lim="800000"/>
-              </a14:hiddenLine>
-            </a:ext>
-          </a:extLst>
         </p:spPr>
         <p:style>
           <a:lnRef idx="2">
@@ -10487,19 +10486,19 @@
         </p:nvSpPr>
         <p:spPr>
           <a:xfrm>
-            <a:off x="1136397" y="515027"/>
-            <a:ext cx="9688296" cy="1388356"/>
-          </a:xfrm>
-        </p:spPr>
-        <p:txBody>
-          <a:bodyPr anchor="b">
+            <a:off x="838200" y="365125"/>
+            <a:ext cx="10515600" cy="1306443"/>
+          </a:xfrm>
+        </p:spPr>
+        <p:txBody>
+          <a:bodyPr>
             <a:normAutofit/>
           </a:bodyPr>
           <a:lstStyle/>
           <a:p>
             <a:r>
               <a:rPr lang="en-US" sz="4000" b="1" dirty="0"/>
-              <a:t>Related Work and Basis of Project</a:t>
+              <a:t>Basic Approach</a:t>
             </a:r>
           </a:p>
         </p:txBody>
@@ -10522,13 +10521,13 @@
         </p:nvSpPr>
         <p:spPr>
           <a:xfrm>
-            <a:off x="1136397" y="2418409"/>
-            <a:ext cx="9688296" cy="3782694"/>
-          </a:xfrm>
-        </p:spPr>
-        <p:txBody>
-          <a:bodyPr anchor="t">
-            <a:normAutofit/>
+            <a:off x="838200" y="1825625"/>
+            <a:ext cx="4345300" cy="4303464"/>
+          </a:xfrm>
+        </p:spPr>
+        <p:txBody>
+          <a:bodyPr>
+            <a:normAutofit lnSpcReduction="10000"/>
           </a:bodyPr>
           <a:lstStyle/>
           <a:p>
@@ -10536,202 +10535,218 @@
               <a:buNone/>
             </a:pPr>
             <a:r>
-              <a:rPr lang="en-US" sz="1600" b="0" i="0" u="none" strike="noStrike" dirty="0">
+              <a:rPr lang="en-US" sz="2000" dirty="0"/>
+              <a:t>The manufacturing process models are done with the following steps: data collecting, pre-processing, model building, comparison of models, and evaluation.</a:t>
+            </a:r>
+          </a:p>
+          <a:p>
+            <a:pPr marL="0" indent="0">
+              <a:buNone/>
+            </a:pPr>
+            <a:endParaRPr lang="en-US" sz="900" dirty="0"/>
+          </a:p>
+          <a:p>
+            <a:r>
+              <a:rPr lang="en-US" sz="1600" dirty="0"/>
+              <a:t>Exploratory Data Analysis</a:t>
+            </a:r>
+          </a:p>
+          <a:p>
+            <a:r>
+              <a:rPr lang="en-US" sz="1600" dirty="0"/>
+              <a:t>Data Processing</a:t>
+            </a:r>
+          </a:p>
+          <a:p>
+            <a:r>
+              <a:rPr lang="en-US" sz="1600" dirty="0"/>
+              <a:t>Applying algorithms to train a model:</a:t>
+            </a:r>
+          </a:p>
+          <a:p>
+            <a:pPr lvl="1"/>
+            <a:r>
+              <a:rPr lang="en-US" sz="1600" dirty="0"/>
+              <a:t>Logistic Regression</a:t>
+            </a:r>
+          </a:p>
+          <a:p>
+            <a:pPr lvl="1"/>
+            <a:r>
+              <a:rPr lang="en-US" sz="1600" dirty="0">
+                <a:solidFill>
+                  <a:srgbClr val="1D1C1D"/>
+                </a:solidFill>
+              </a:rPr>
+              <a:t>N</a:t>
+            </a:r>
+            <a:r>
+              <a:rPr lang="en-US" sz="1600" b="0" i="0" dirty="0">
+                <a:solidFill>
+                  <a:srgbClr val="1D1C1D"/>
+                </a:solidFill>
                 <a:effectLst/>
-                <a:latin typeface="Slack-Lato"/>
-                <a:hlinkClick r:id="rId2"/>
               </a:rPr>
-              <a:t>https://thecleverprogrammer.com/2020/11/10/heart-disease-prediction-using-machine-learning/</a:t>
-            </a:r>
-            <a:endParaRPr lang="en-US" sz="2400" b="0" i="0" u="none" strike="noStrike" dirty="0">
-              <a:latin typeface="Slack-Lato"/>
-            </a:endParaRPr>
+              <a:t>aive Bayes</a:t>
+            </a:r>
+          </a:p>
+          <a:p>
+            <a:pPr lvl="1"/>
+            <a:r>
+              <a:rPr lang="en-US" sz="1600" dirty="0">
+                <a:solidFill>
+                  <a:srgbClr val="1D1C1D"/>
+                </a:solidFill>
+              </a:rPr>
+              <a:t>D</a:t>
+            </a:r>
+            <a:r>
+              <a:rPr lang="en-US" sz="1600" b="0" i="0" dirty="0">
+                <a:solidFill>
+                  <a:srgbClr val="1D1C1D"/>
+                </a:solidFill>
+                <a:effectLst/>
+              </a:rPr>
+              <a:t>ecision </a:t>
+            </a:r>
+            <a:r>
+              <a:rPr lang="en-US" sz="1600" dirty="0">
+                <a:solidFill>
+                  <a:srgbClr val="1D1C1D"/>
+                </a:solidFill>
+              </a:rPr>
+              <a:t>T</a:t>
+            </a:r>
+            <a:r>
+              <a:rPr lang="en-US" sz="1600" b="0" i="0" dirty="0">
+                <a:solidFill>
+                  <a:srgbClr val="1D1C1D"/>
+                </a:solidFill>
+                <a:effectLst/>
+              </a:rPr>
+              <a:t>ree/Random </a:t>
+            </a:r>
+            <a:r>
+              <a:rPr lang="en-US" sz="1600" dirty="0">
+                <a:solidFill>
+                  <a:srgbClr val="1D1C1D"/>
+                </a:solidFill>
+              </a:rPr>
+              <a:t>F</a:t>
+            </a:r>
+            <a:r>
+              <a:rPr lang="en-US" sz="1600" b="0" i="0" dirty="0">
+                <a:solidFill>
+                  <a:srgbClr val="1D1C1D"/>
+                </a:solidFill>
+                <a:effectLst/>
+              </a:rPr>
+              <a:t>orest</a:t>
+            </a:r>
+          </a:p>
+          <a:p>
+            <a:r>
+              <a:rPr lang="en-US" sz="1600" dirty="0"/>
+              <a:t>Prediction Results</a:t>
+            </a:r>
+          </a:p>
+          <a:p>
+            <a:r>
+              <a:rPr lang="en-US" sz="1600" i="1" dirty="0"/>
+              <a:t>Additional analysis:</a:t>
+            </a:r>
+          </a:p>
+          <a:p>
+            <a:pPr lvl="1"/>
+            <a:r>
+              <a:rPr lang="en-US" sz="1600" i="1" dirty="0">
+                <a:solidFill>
+                  <a:srgbClr val="1D1C1D"/>
+                </a:solidFill>
+              </a:rPr>
+              <a:t>N</a:t>
+            </a:r>
+            <a:r>
+              <a:rPr lang="en-US" sz="1600" b="0" i="1" dirty="0">
+                <a:solidFill>
+                  <a:srgbClr val="1D1C1D"/>
+                </a:solidFill>
+                <a:effectLst/>
+              </a:rPr>
+              <a:t>eural </a:t>
+            </a:r>
+            <a:r>
+              <a:rPr lang="en-US" sz="1600" i="1" dirty="0">
+                <a:solidFill>
+                  <a:srgbClr val="1D1C1D"/>
+                </a:solidFill>
+              </a:rPr>
+              <a:t>N</a:t>
+            </a:r>
+            <a:r>
+              <a:rPr lang="en-US" sz="1600" b="0" i="1" dirty="0">
+                <a:solidFill>
+                  <a:srgbClr val="1D1C1D"/>
+                </a:solidFill>
+                <a:effectLst/>
+              </a:rPr>
+              <a:t>etwork comparison</a:t>
+            </a:r>
+            <a:endParaRPr lang="en-US" sz="1600" i="1" dirty="0"/>
           </a:p>
           <a:p>
             <a:pPr marL="0" indent="0">
               <a:buNone/>
             </a:pPr>
-            <a:endParaRPr lang="en-US" sz="2400" dirty="0">
-              <a:effectLst/>
-              <a:latin typeface="Slack-Lato"/>
-            </a:endParaRPr>
-          </a:p>
-          <a:p>
-            <a:pPr marL="0" indent="0">
-              <a:buNone/>
-            </a:pPr>
-            <a:r>
-              <a:rPr lang="en-US" sz="1600" b="0" i="0" u="sng" dirty="0">
-                <a:effectLst/>
-                <a:latin typeface="Slack-Lato"/>
-                <a:hlinkClick r:id="rId3"/>
-              </a:rPr>
-              <a:t>https://www.kaggle.com/datasets/fedesoriano/heart-failure-prediction</a:t>
-            </a:r>
-            <a:endParaRPr lang="en-US" sz="2400" b="0" i="0" u="sng" dirty="0">
-              <a:latin typeface="Slack-Lato"/>
-            </a:endParaRPr>
-          </a:p>
-          <a:p>
-            <a:pPr marL="0" indent="0">
-              <a:buNone/>
-            </a:pPr>
-            <a:endParaRPr lang="en-US" sz="2400" dirty="0">
+            <a:endParaRPr lang="en-US" sz="2000" dirty="0"/>
+          </a:p>
+          <a:p>
+            <a:pPr lvl="1"/>
+            <a:endParaRPr lang="en-US" sz="2000" dirty="0">
               <a:effectLst/>
             </a:endParaRPr>
           </a:p>
-        </p:txBody>
-      </p:sp>
-      <p:sp>
-        <p:nvSpPr>
-          <p:cNvPr id="10" name="Rectangle 9">
-            <a:extLst>
-              <a:ext uri="{FF2B5EF4-FFF2-40B4-BE49-F238E27FC236}">
-                <a16:creationId xmlns:a16="http://schemas.microsoft.com/office/drawing/2014/main" id="{EEBF1590-3B36-48EE-A89D-3B6F3CB256AB}"/>
-              </a:ext>
-              <a:ext uri="{C183D7F6-B498-43B3-948B-1728B52AA6E4}">
-                <adec:decorative xmlns:adec="http://schemas.microsoft.com/office/drawing/2017/decorative" val="1"/>
-              </a:ext>
-            </a:extLst>
-          </p:cNvPr>
-          <p:cNvSpPr>
-            <a:spLocks noGrp="1" noRot="1" noChangeAspect="1" noMove="1" noResize="1" noEditPoints="1" noAdjustHandles="1" noChangeArrowheads="1" noChangeShapeType="1" noTextEdit="1"/>
-          </p:cNvSpPr>
-          <p:nvPr>
-            <p:extLst>
-              <p:ext uri="{386F3935-93C4-4BCD-93E2-E3B085C9AB24}">
-                <p16:designElem xmlns:p16="http://schemas.microsoft.com/office/powerpoint/2015/main" val="1"/>
-              </p:ext>
-            </p:extLst>
-          </p:nvPr>
-        </p:nvSpPr>
+          <a:p>
+            <a:pPr lvl="1"/>
+            <a:endParaRPr lang="en-US" sz="2000" dirty="0">
+              <a:effectLst/>
+            </a:endParaRPr>
+          </a:p>
+        </p:txBody>
+      </p:sp>
+      <p:pic>
+        <p:nvPicPr>
+          <p:cNvPr id="5" name="Picture 4">
+            <a:extLst>
+              <a:ext uri="{FF2B5EF4-FFF2-40B4-BE49-F238E27FC236}">
+                <a16:creationId xmlns:a16="http://schemas.microsoft.com/office/drawing/2014/main" id="{DCDBE516-BC5B-4D8E-F7AD-1126C4A5B57D}"/>
+              </a:ext>
+            </a:extLst>
+          </p:cNvPr>
+          <p:cNvPicPr>
+            <a:picLocks noChangeAspect="1"/>
+          </p:cNvPicPr>
+          <p:nvPr/>
+        </p:nvPicPr>
+        <p:blipFill>
+          <a:blip r:embed="rId2"/>
+          <a:srcRect l="2075" r="2075"/>
+          <a:stretch/>
+        </p:blipFill>
         <p:spPr>
-          <a:xfrm rot="10800000" flipH="1">
-            <a:off x="0" y="6400799"/>
-            <a:ext cx="12192000" cy="456773"/>
+          <a:xfrm>
+            <a:off x="5183500" y="1904282"/>
+            <a:ext cx="6170299" cy="4224808"/>
           </a:xfrm>
           <a:prstGeom prst="rect">
             <a:avLst/>
           </a:prstGeom>
-          <a:gradFill>
-            <a:gsLst>
-              <a:gs pos="0">
-                <a:schemeClr val="accent1"/>
-              </a:gs>
-              <a:gs pos="78000">
-                <a:srgbClr val="000000"/>
-              </a:gs>
-            </a:gsLst>
-            <a:lin ang="2400000" scaled="0"/>
-          </a:gradFill>
-          <a:ln>
-            <a:noFill/>
-          </a:ln>
-        </p:spPr>
-        <p:style>
-          <a:lnRef idx="2">
-            <a:schemeClr val="accent1">
-              <a:shade val="50000"/>
-            </a:schemeClr>
-          </a:lnRef>
-          <a:fillRef idx="1">
-            <a:schemeClr val="accent1"/>
-          </a:fillRef>
-          <a:effectRef idx="0">
-            <a:schemeClr val="accent1"/>
-          </a:effectRef>
-          <a:fontRef idx="minor">
-            <a:schemeClr val="lt1"/>
-          </a:fontRef>
-        </p:style>
-        <p:txBody>
-          <a:bodyPr rtlCol="0" anchor="ctr"/>
-          <a:lstStyle/>
-          <a:p>
-            <a:pPr algn="ctr"/>
-            <a:endParaRPr lang="en-US"/>
-          </a:p>
-        </p:txBody>
-      </p:sp>
-      <p:sp>
-        <p:nvSpPr>
-          <p:cNvPr id="12" name="Rectangle 11">
-            <a:extLst>
-              <a:ext uri="{FF2B5EF4-FFF2-40B4-BE49-F238E27FC236}">
-                <a16:creationId xmlns:a16="http://schemas.microsoft.com/office/drawing/2014/main" id="{AC8F6C8C-AB5A-4548-942D-E3FD40ACBC49}"/>
-              </a:ext>
-              <a:ext uri="{C183D7F6-B498-43B3-948B-1728B52AA6E4}">
-                <adec:decorative xmlns:adec="http://schemas.microsoft.com/office/drawing/2017/decorative" val="1"/>
-              </a:ext>
-            </a:extLst>
-          </p:cNvPr>
-          <p:cNvSpPr>
-            <a:spLocks noGrp="1" noRot="1" noChangeAspect="1" noMove="1" noResize="1" noEditPoints="1" noAdjustHandles="1" noChangeArrowheads="1" noChangeShapeType="1" noTextEdit="1"/>
-          </p:cNvSpPr>
-          <p:nvPr>
-            <p:extLst>
-              <p:ext uri="{386F3935-93C4-4BCD-93E2-E3B085C9AB24}">
-                <p16:designElem xmlns:p16="http://schemas.microsoft.com/office/powerpoint/2015/main" val="1"/>
-              </p:ext>
-            </p:extLst>
-          </p:nvPr>
-        </p:nvSpPr>
-        <p:spPr>
-          <a:xfrm flipH="1">
-            <a:off x="4038600" y="6400799"/>
-            <a:ext cx="8153398" cy="456772"/>
-          </a:xfrm>
-          <a:prstGeom prst="rect">
-            <a:avLst/>
-          </a:prstGeom>
-          <a:gradFill>
-            <a:gsLst>
-              <a:gs pos="0">
-                <a:srgbClr val="000000">
-                  <a:alpha val="63000"/>
-                </a:srgbClr>
-              </a:gs>
-              <a:gs pos="100000">
-                <a:schemeClr val="accent1">
-                  <a:lumMod val="75000"/>
-                </a:schemeClr>
-              </a:gs>
-            </a:gsLst>
-            <a:lin ang="13800000" scaled="0"/>
-          </a:gradFill>
-          <a:ln>
-            <a:noFill/>
-          </a:ln>
-        </p:spPr>
-        <p:style>
-          <a:lnRef idx="2">
-            <a:schemeClr val="accent1">
-              <a:shade val="50000"/>
-            </a:schemeClr>
-          </a:lnRef>
-          <a:fillRef idx="1">
-            <a:schemeClr val="accent1"/>
-          </a:fillRef>
-          <a:effectRef idx="0">
-            <a:schemeClr val="accent1"/>
-          </a:effectRef>
-          <a:fontRef idx="minor">
-            <a:schemeClr val="lt1"/>
-          </a:fontRef>
-        </p:style>
-        <p:txBody>
-          <a:bodyPr rtlCol="0" anchor="ctr"/>
-          <a:lstStyle/>
-          <a:p>
-            <a:pPr algn="ctr"/>
-            <a:endParaRPr lang="en-US"/>
-          </a:p>
-        </p:txBody>
-      </p:sp>
+        </p:spPr>
+      </p:pic>
     </p:spTree>
     <p:extLst>
       <p:ext uri="{BB962C8B-B14F-4D97-AF65-F5344CB8AC3E}">
-        <p14:creationId xmlns:p14="http://schemas.microsoft.com/office/powerpoint/2010/main" val="2608616203"/>
+        <p14:creationId xmlns:p14="http://schemas.microsoft.com/office/powerpoint/2010/main" val="1489732425"/>
       </p:ext>
     </p:extLst>
   </p:cSld>
@@ -10768,10 +10783,10 @@
       </p:grpSpPr>
       <p:sp useBgFill="1">
         <p:nvSpPr>
-          <p:cNvPr id="17" name="Rectangle 16">
-            <a:extLst>
-              <a:ext uri="{FF2B5EF4-FFF2-40B4-BE49-F238E27FC236}">
-                <a16:creationId xmlns:a16="http://schemas.microsoft.com/office/drawing/2014/main" id="{9427AF5F-9A0E-42B7-A252-FD64C9885F9C}"/>
+          <p:cNvPr id="8" name="Rectangle 7">
+            <a:extLst>
+              <a:ext uri="{FF2B5EF4-FFF2-40B4-BE49-F238E27FC236}">
+                <a16:creationId xmlns:a16="http://schemas.microsoft.com/office/drawing/2014/main" id="{979E27D9-03C7-44E2-9FF8-15D0C8506AF7}"/>
               </a:ext>
               <a:ext uri="{C183D7F6-B498-43B3-948B-1728B52AA6E4}">
                 <adec:decorative xmlns:adec="http://schemas.microsoft.com/office/drawing/2017/decorative" val="1"/>
@@ -10791,15 +10806,31 @@
         </p:nvSpPr>
         <p:spPr>
           <a:xfrm>
-            <a:off x="-1" y="0"/>
-            <a:ext cx="12188952" cy="6858000"/>
+            <a:off x="0" y="0"/>
+            <a:ext cx="12192000" cy="6858000"/>
           </a:xfrm>
           <a:prstGeom prst="rect">
             <a:avLst/>
           </a:prstGeom>
-          <a:ln>
+          <a:ln w="12700" cap="flat" cmpd="sng" algn="ctr">
             <a:noFill/>
+            <a:prstDash val="solid"/>
+            <a:miter lim="800000"/>
           </a:ln>
+          <a:effectLst/>
+          <a:extLst>
+            <a:ext uri="{91240B29-F687-4F45-9708-019B960494DF}">
+              <a14:hiddenLine xmlns:a14="http://schemas.microsoft.com/office/drawing/2010/main" w="12700" cap="flat" cmpd="sng" algn="ctr">
+                <a:solidFill>
+                  <a:schemeClr val="accent1">
+                    <a:shade val="50000"/>
+                  </a:schemeClr>
+                </a:solidFill>
+                <a:prstDash val="solid"/>
+                <a:miter lim="800000"/>
+              </a14:hiddenLine>
+            </a:ext>
+          </a:extLst>
         </p:spPr>
         <p:style>
           <a:lnRef idx="2">
@@ -10844,19 +10875,19 @@
         </p:nvSpPr>
         <p:spPr>
           <a:xfrm>
-            <a:off x="838200" y="365125"/>
-            <a:ext cx="10515600" cy="1306443"/>
-          </a:xfrm>
-        </p:spPr>
-        <p:txBody>
-          <a:bodyPr>
+            <a:off x="1136397" y="502022"/>
+            <a:ext cx="9688296" cy="1388356"/>
+          </a:xfrm>
+        </p:spPr>
+        <p:txBody>
+          <a:bodyPr anchor="b">
             <a:normAutofit/>
           </a:bodyPr>
           <a:lstStyle/>
           <a:p>
             <a:r>
               <a:rPr lang="en-US" sz="4000" b="1" dirty="0"/>
-              <a:t>Basic Approach</a:t>
+              <a:t>Basic Approach:</a:t>
             </a:r>
           </a:p>
         </p:txBody>
@@ -10879,12 +10910,12 @@
         </p:nvSpPr>
         <p:spPr>
           <a:xfrm>
-            <a:off x="838200" y="1825625"/>
-            <a:ext cx="4345300" cy="4303464"/>
-          </a:xfrm>
-        </p:spPr>
-        <p:txBody>
-          <a:bodyPr>
+            <a:off x="1136397" y="2418409"/>
+            <a:ext cx="9783852" cy="3782694"/>
+          </a:xfrm>
+        </p:spPr>
+        <p:txBody>
+          <a:bodyPr anchor="t">
             <a:normAutofit lnSpcReduction="10000"/>
           </a:bodyPr>
           <a:lstStyle/>
@@ -10893,218 +10924,236 @@
               <a:buNone/>
             </a:pPr>
             <a:r>
+              <a:rPr lang="en-US" sz="2000" b="1" dirty="0"/>
+              <a:t>Logistic regression </a:t>
+            </a:r>
+            <a:r>
               <a:rPr lang="en-US" sz="2000" dirty="0"/>
-              <a:t>The manufacturing process models are done with the following steps: data collecting, pre-processing, model building, comparison of models, and evaluation.</a:t>
+              <a:t>is a statistical modeling technique used to predict the probability of a binary outcome based on one or more independent variables. The goal of logistic regression is to estimate the probability of the "success" outcome given the values of the independent variables.</a:t>
             </a:r>
           </a:p>
           <a:p>
             <a:pPr marL="0" indent="0">
               <a:buNone/>
             </a:pPr>
-            <a:endParaRPr lang="en-US" sz="900" dirty="0"/>
-          </a:p>
-          <a:p>
-            <a:r>
-              <a:rPr lang="en-US" sz="1600" dirty="0"/>
-              <a:t>Exploratory Data Analysis</a:t>
-            </a:r>
-          </a:p>
-          <a:p>
-            <a:r>
-              <a:rPr lang="en-US" sz="1600" dirty="0"/>
-              <a:t>Data Processing</a:t>
-            </a:r>
-          </a:p>
-          <a:p>
-            <a:r>
-              <a:rPr lang="en-US" sz="1600" dirty="0"/>
-              <a:t>Applying algorithms to train a model:</a:t>
-            </a:r>
-          </a:p>
-          <a:p>
-            <a:pPr lvl="1"/>
-            <a:r>
-              <a:rPr lang="en-US" sz="1600" dirty="0"/>
-              <a:t>Logistic Regression</a:t>
-            </a:r>
-          </a:p>
-          <a:p>
-            <a:pPr lvl="1"/>
-            <a:r>
-              <a:rPr lang="en-US" sz="1600" dirty="0">
+            <a:endParaRPr lang="en-US" sz="900" dirty="0">
+              <a:solidFill>
+                <a:srgbClr val="1D1C1D"/>
+              </a:solidFill>
+              <a:effectLst/>
+            </a:endParaRPr>
+          </a:p>
+          <a:p>
+            <a:pPr marL="0" indent="0">
+              <a:buNone/>
+            </a:pPr>
+            <a:r>
+              <a:rPr lang="en-US" sz="2000" b="1" dirty="0"/>
+              <a:t>Naïve Bayes </a:t>
+            </a:r>
+            <a:r>
+              <a:rPr lang="en-US" sz="2000" dirty="0"/>
+              <a:t>classifiers are a type of probabilistic machine learning model that calculate the probability of a given instance belonging to a particular class based on the probabilities of its features.</a:t>
+            </a:r>
+            <a:r>
+              <a:rPr lang="en-US" sz="2000" dirty="0">
                 <a:solidFill>
                   <a:srgbClr val="1D1C1D"/>
                 </a:solidFill>
               </a:rPr>
-              <a:t>N</a:t>
-            </a:r>
-            <a:r>
-              <a:rPr lang="en-US" sz="1600" b="0" i="0" dirty="0">
-                <a:solidFill>
-                  <a:srgbClr val="1D1C1D"/>
-                </a:solidFill>
-                <a:effectLst/>
-              </a:rPr>
-              <a:t>aive Bayes</a:t>
-            </a:r>
-          </a:p>
-          <a:p>
-            <a:pPr lvl="1"/>
-            <a:r>
-              <a:rPr lang="en-US" sz="1600" dirty="0">
-                <a:solidFill>
-                  <a:srgbClr val="1D1C1D"/>
-                </a:solidFill>
-              </a:rPr>
-              <a:t>D</a:t>
-            </a:r>
-            <a:r>
-              <a:rPr lang="en-US" sz="1600" b="0" i="0" dirty="0">
-                <a:solidFill>
-                  <a:srgbClr val="1D1C1D"/>
-                </a:solidFill>
-                <a:effectLst/>
-              </a:rPr>
-              <a:t>ecision </a:t>
-            </a:r>
-            <a:r>
-              <a:rPr lang="en-US" sz="1600" dirty="0">
-                <a:solidFill>
-                  <a:srgbClr val="1D1C1D"/>
-                </a:solidFill>
-              </a:rPr>
-              <a:t>T</a:t>
-            </a:r>
-            <a:r>
-              <a:rPr lang="en-US" sz="1600" b="0" i="0" dirty="0">
-                <a:solidFill>
-                  <a:srgbClr val="1D1C1D"/>
-                </a:solidFill>
-                <a:effectLst/>
-              </a:rPr>
-              <a:t>ree/Random </a:t>
-            </a:r>
-            <a:r>
-              <a:rPr lang="en-US" sz="1600" dirty="0">
-                <a:solidFill>
-                  <a:srgbClr val="1D1C1D"/>
-                </a:solidFill>
-              </a:rPr>
-              <a:t>F</a:t>
-            </a:r>
-            <a:r>
-              <a:rPr lang="en-US" sz="1600" b="0" i="0" dirty="0">
-                <a:solidFill>
-                  <a:srgbClr val="1D1C1D"/>
-                </a:solidFill>
-                <a:effectLst/>
-              </a:rPr>
-              <a:t>orest</a:t>
-            </a:r>
-          </a:p>
-          <a:p>
-            <a:r>
-              <a:rPr lang="en-US" sz="1600" dirty="0"/>
-              <a:t>Prediction Results</a:t>
-            </a:r>
-          </a:p>
-          <a:p>
-            <a:r>
-              <a:rPr lang="en-US" sz="1600" i="1" dirty="0"/>
-              <a:t>Additional analysis:</a:t>
-            </a:r>
-          </a:p>
-          <a:p>
-            <a:pPr lvl="1"/>
-            <a:r>
-              <a:rPr lang="en-US" sz="1600" i="1" dirty="0">
-                <a:solidFill>
-                  <a:srgbClr val="1D1C1D"/>
-                </a:solidFill>
-              </a:rPr>
-              <a:t>N</a:t>
-            </a:r>
-            <a:r>
-              <a:rPr lang="en-US" sz="1600" b="0" i="1" dirty="0">
-                <a:solidFill>
-                  <a:srgbClr val="1D1C1D"/>
-                </a:solidFill>
-                <a:effectLst/>
-              </a:rPr>
-              <a:t>eural </a:t>
-            </a:r>
-            <a:r>
-              <a:rPr lang="en-US" sz="1600" i="1" dirty="0">
-                <a:solidFill>
-                  <a:srgbClr val="1D1C1D"/>
-                </a:solidFill>
-              </a:rPr>
-              <a:t>N</a:t>
-            </a:r>
-            <a:r>
-              <a:rPr lang="en-US" sz="1600" b="0" i="1" dirty="0">
-                <a:solidFill>
-                  <a:srgbClr val="1D1C1D"/>
-                </a:solidFill>
-                <a:effectLst/>
-              </a:rPr>
-              <a:t>etwork comparison</a:t>
-            </a:r>
-            <a:endParaRPr lang="en-US" sz="1600" i="1" dirty="0"/>
+              <a:t> </a:t>
+            </a:r>
+            <a:r>
+              <a:rPr lang="en-US" sz="2000" dirty="0"/>
+              <a:t>It assumes that all features are conditionally independent of each other given the class label.</a:t>
+            </a:r>
           </a:p>
           <a:p>
             <a:pPr marL="0" indent="0">
               <a:buNone/>
             </a:pPr>
-            <a:endParaRPr lang="en-US" sz="2000" dirty="0"/>
-          </a:p>
-          <a:p>
-            <a:pPr lvl="1"/>
-            <a:endParaRPr lang="en-US" sz="2000" dirty="0">
+            <a:endParaRPr lang="en-US" sz="900" dirty="0">
+              <a:solidFill>
+                <a:srgbClr val="1D1C1D"/>
+              </a:solidFill>
               <a:effectLst/>
             </a:endParaRPr>
           </a:p>
           <a:p>
-            <a:pPr lvl="1"/>
+            <a:pPr marL="0" indent="0">
+              <a:buNone/>
+            </a:pPr>
+            <a:r>
+              <a:rPr lang="en-US" sz="2000" dirty="0"/>
+              <a:t>A </a:t>
+            </a:r>
+            <a:r>
+              <a:rPr lang="en-US" sz="2000" b="1" dirty="0"/>
+              <a:t>decision tree </a:t>
+            </a:r>
+            <a:r>
+              <a:rPr lang="en-US" sz="2000" dirty="0"/>
+              <a:t>is a supervised machine learning algorithm that can be used for both classification and regression tasks. Decision trees have several advantages, including their interpretability, ability to handle both numerical and categorical features, and their capability to capture non-linear relationships and interactions among features. </a:t>
+            </a:r>
             <a:endParaRPr lang="en-US" sz="2000" dirty="0">
+              <a:solidFill>
+                <a:srgbClr val="1D1C1D"/>
+              </a:solidFill>
               <a:effectLst/>
             </a:endParaRPr>
           </a:p>
         </p:txBody>
       </p:sp>
-      <p:pic>
-        <p:nvPicPr>
-          <p:cNvPr id="5" name="Picture 4">
-            <a:extLst>
-              <a:ext uri="{FF2B5EF4-FFF2-40B4-BE49-F238E27FC236}">
-                <a16:creationId xmlns:a16="http://schemas.microsoft.com/office/drawing/2014/main" id="{DCDBE516-BC5B-4D8E-F7AD-1126C4A5B57D}"/>
-              </a:ext>
-            </a:extLst>
-          </p:cNvPr>
-          <p:cNvPicPr>
-            <a:picLocks noChangeAspect="1"/>
-          </p:cNvPicPr>
-          <p:nvPr/>
-        </p:nvPicPr>
-        <p:blipFill>
-          <a:blip r:embed="rId2"/>
-          <a:srcRect l="2075" r="2075"/>
-          <a:stretch/>
-        </p:blipFill>
+      <p:sp>
+        <p:nvSpPr>
+          <p:cNvPr id="10" name="Rectangle 9">
+            <a:extLst>
+              <a:ext uri="{FF2B5EF4-FFF2-40B4-BE49-F238E27FC236}">
+                <a16:creationId xmlns:a16="http://schemas.microsoft.com/office/drawing/2014/main" id="{EEBF1590-3B36-48EE-A89D-3B6F3CB256AB}"/>
+              </a:ext>
+              <a:ext uri="{C183D7F6-B498-43B3-948B-1728B52AA6E4}">
+                <adec:decorative xmlns:adec="http://schemas.microsoft.com/office/drawing/2017/decorative" val="1"/>
+              </a:ext>
+            </a:extLst>
+          </p:cNvPr>
+          <p:cNvSpPr>
+            <a:spLocks noGrp="1" noRot="1" noChangeAspect="1" noMove="1" noResize="1" noEditPoints="1" noAdjustHandles="1" noChangeArrowheads="1" noChangeShapeType="1" noTextEdit="1"/>
+          </p:cNvSpPr>
+          <p:nvPr>
+            <p:extLst>
+              <p:ext uri="{386F3935-93C4-4BCD-93E2-E3B085C9AB24}">
+                <p16:designElem xmlns:p16="http://schemas.microsoft.com/office/powerpoint/2015/main" val="1"/>
+              </p:ext>
+            </p:extLst>
+          </p:nvPr>
+        </p:nvSpPr>
         <p:spPr>
-          <a:xfrm>
-            <a:off x="5183500" y="1904282"/>
-            <a:ext cx="6170299" cy="4224808"/>
+          <a:xfrm rot="10800000" flipH="1">
+            <a:off x="0" y="6400799"/>
+            <a:ext cx="12192000" cy="456773"/>
           </a:xfrm>
           <a:prstGeom prst="rect">
             <a:avLst/>
           </a:prstGeom>
-        </p:spPr>
-      </p:pic>
+          <a:gradFill>
+            <a:gsLst>
+              <a:gs pos="0">
+                <a:schemeClr val="accent1"/>
+              </a:gs>
+              <a:gs pos="78000">
+                <a:srgbClr val="000000"/>
+              </a:gs>
+            </a:gsLst>
+            <a:lin ang="2400000" scaled="0"/>
+          </a:gradFill>
+          <a:ln>
+            <a:noFill/>
+          </a:ln>
+        </p:spPr>
+        <p:style>
+          <a:lnRef idx="2">
+            <a:schemeClr val="accent1">
+              <a:shade val="50000"/>
+            </a:schemeClr>
+          </a:lnRef>
+          <a:fillRef idx="1">
+            <a:schemeClr val="accent1"/>
+          </a:fillRef>
+          <a:effectRef idx="0">
+            <a:schemeClr val="accent1"/>
+          </a:effectRef>
+          <a:fontRef idx="minor">
+            <a:schemeClr val="lt1"/>
+          </a:fontRef>
+        </p:style>
+        <p:txBody>
+          <a:bodyPr rtlCol="0" anchor="ctr"/>
+          <a:lstStyle/>
+          <a:p>
+            <a:pPr algn="ctr"/>
+            <a:endParaRPr lang="en-US"/>
+          </a:p>
+        </p:txBody>
+      </p:sp>
+      <p:sp>
+        <p:nvSpPr>
+          <p:cNvPr id="12" name="Rectangle 11">
+            <a:extLst>
+              <a:ext uri="{FF2B5EF4-FFF2-40B4-BE49-F238E27FC236}">
+                <a16:creationId xmlns:a16="http://schemas.microsoft.com/office/drawing/2014/main" id="{AC8F6C8C-AB5A-4548-942D-E3FD40ACBC49}"/>
+              </a:ext>
+              <a:ext uri="{C183D7F6-B498-43B3-948B-1728B52AA6E4}">
+                <adec:decorative xmlns:adec="http://schemas.microsoft.com/office/drawing/2017/decorative" val="1"/>
+              </a:ext>
+            </a:extLst>
+          </p:cNvPr>
+          <p:cNvSpPr>
+            <a:spLocks noGrp="1" noRot="1" noChangeAspect="1" noMove="1" noResize="1" noEditPoints="1" noAdjustHandles="1" noChangeArrowheads="1" noChangeShapeType="1" noTextEdit="1"/>
+          </p:cNvSpPr>
+          <p:nvPr>
+            <p:extLst>
+              <p:ext uri="{386F3935-93C4-4BCD-93E2-E3B085C9AB24}">
+                <p16:designElem xmlns:p16="http://schemas.microsoft.com/office/powerpoint/2015/main" val="1"/>
+              </p:ext>
+            </p:extLst>
+          </p:nvPr>
+        </p:nvSpPr>
+        <p:spPr>
+          <a:xfrm flipH="1">
+            <a:off x="4038600" y="6400799"/>
+            <a:ext cx="8153398" cy="456772"/>
+          </a:xfrm>
+          <a:prstGeom prst="rect">
+            <a:avLst/>
+          </a:prstGeom>
+          <a:gradFill>
+            <a:gsLst>
+              <a:gs pos="0">
+                <a:srgbClr val="000000">
+                  <a:alpha val="63000"/>
+                </a:srgbClr>
+              </a:gs>
+              <a:gs pos="100000">
+                <a:schemeClr val="accent1">
+                  <a:lumMod val="75000"/>
+                </a:schemeClr>
+              </a:gs>
+            </a:gsLst>
+            <a:lin ang="13800000" scaled="0"/>
+          </a:gradFill>
+          <a:ln>
+            <a:noFill/>
+          </a:ln>
+        </p:spPr>
+        <p:style>
+          <a:lnRef idx="2">
+            <a:schemeClr val="accent1">
+              <a:shade val="50000"/>
+            </a:schemeClr>
+          </a:lnRef>
+          <a:fillRef idx="1">
+            <a:schemeClr val="accent1"/>
+          </a:fillRef>
+          <a:effectRef idx="0">
+            <a:schemeClr val="accent1"/>
+          </a:effectRef>
+          <a:fontRef idx="minor">
+            <a:schemeClr val="lt1"/>
+          </a:fontRef>
+        </p:style>
+        <p:txBody>
+          <a:bodyPr rtlCol="0" anchor="ctr"/>
+          <a:lstStyle/>
+          <a:p>
+            <a:pPr algn="ctr"/>
+            <a:endParaRPr lang="en-US"/>
+          </a:p>
+        </p:txBody>
+      </p:sp>
     </p:spTree>
     <p:extLst>
       <p:ext uri="{BB962C8B-B14F-4D97-AF65-F5344CB8AC3E}">
-        <p14:creationId xmlns:p14="http://schemas.microsoft.com/office/powerpoint/2010/main" val="1489732425"/>
+        <p14:creationId xmlns:p14="http://schemas.microsoft.com/office/powerpoint/2010/main" val="1367357064"/>
       </p:ext>
     </p:extLst>
   </p:cSld>
@@ -11115,6 +11164,232 @@
 </file>
 
 <file path=ppt/slides/slide6.xml><?xml version="1.0" encoding="utf-8"?>
+<p:sld xmlns:a="http://schemas.openxmlformats.org/drawingml/2006/main" xmlns:r="http://schemas.openxmlformats.org/officeDocument/2006/relationships" xmlns:p="http://schemas.openxmlformats.org/presentationml/2006/main">
+  <p:cSld>
+    <p:spTree>
+      <p:nvGrpSpPr>
+        <p:cNvPr id="1" name=""/>
+        <p:cNvGrpSpPr/>
+        <p:nvPr/>
+      </p:nvGrpSpPr>
+      <p:grpSpPr>
+        <a:xfrm>
+          <a:off x="0" y="0"/>
+          <a:ext cx="0" cy="0"/>
+          <a:chOff x="0" y="0"/>
+          <a:chExt cx="0" cy="0"/>
+        </a:xfrm>
+      </p:grpSpPr>
+      <p:sp>
+        <p:nvSpPr>
+          <p:cNvPr id="2" name="Title 1">
+            <a:extLst>
+              <a:ext uri="{FF2B5EF4-FFF2-40B4-BE49-F238E27FC236}">
+                <a16:creationId xmlns:a16="http://schemas.microsoft.com/office/drawing/2014/main" id="{5C4F02F6-349D-954F-B02F-78EBD3017252}"/>
+              </a:ext>
+            </a:extLst>
+          </p:cNvPr>
+          <p:cNvSpPr>
+            <a:spLocks noGrp="1"/>
+          </p:cNvSpPr>
+          <p:nvPr>
+            <p:ph type="title"/>
+          </p:nvPr>
+        </p:nvSpPr>
+        <p:spPr>
+          <a:xfrm>
+            <a:off x="1136397" y="502022"/>
+            <a:ext cx="9688296" cy="1388356"/>
+          </a:xfrm>
+        </p:spPr>
+        <p:txBody>
+          <a:bodyPr anchor="b">
+            <a:normAutofit/>
+          </a:bodyPr>
+          <a:lstStyle/>
+          <a:p>
+            <a:r>
+              <a:rPr lang="en-US" sz="4000" b="1" dirty="0">
+                <a:solidFill>
+                  <a:srgbClr val="1D1C1D"/>
+                </a:solidFill>
+              </a:rPr>
+              <a:t>Neural Network </a:t>
+            </a:r>
+            <a:r>
+              <a:rPr lang="en-US" sz="4000" b="1" dirty="0"/>
+              <a:t>approach:</a:t>
+            </a:r>
+          </a:p>
+        </p:txBody>
+      </p:sp>
+      <p:sp>
+        <p:nvSpPr>
+          <p:cNvPr id="3" name="Content Placeholder 2">
+            <a:extLst>
+              <a:ext uri="{FF2B5EF4-FFF2-40B4-BE49-F238E27FC236}">
+                <a16:creationId xmlns:a16="http://schemas.microsoft.com/office/drawing/2014/main" id="{3A721E59-1DC4-3845-9DB3-10F69E64143F}"/>
+              </a:ext>
+            </a:extLst>
+          </p:cNvPr>
+          <p:cNvSpPr>
+            <a:spLocks noGrp="1"/>
+          </p:cNvSpPr>
+          <p:nvPr>
+            <p:ph idx="1"/>
+          </p:nvPr>
+        </p:nvSpPr>
+        <p:spPr>
+          <a:xfrm>
+            <a:off x="1136396" y="2418409"/>
+            <a:ext cx="9783851" cy="3782694"/>
+          </a:xfrm>
+        </p:spPr>
+        <p:txBody>
+          <a:bodyPr anchor="t">
+            <a:normAutofit/>
+          </a:bodyPr>
+          <a:lstStyle/>
+          <a:p>
+            <a:pPr marL="0" indent="0">
+              <a:buNone/>
+            </a:pPr>
+            <a:r>
+              <a:rPr lang="en-US" sz="2000" dirty="0"/>
+              <a:t>The Neural network approach can be used for classification when the labels are not linearly separable. In the context of Heart Disease prediction, we wanted to compare the performance of a neural network model vs other classification models like Logistic regression, Naïve Bayes and decision trees and find whether Neural network performs better or worse than other classification algorithms. </a:t>
+            </a:r>
+          </a:p>
+          <a:p>
+            <a:pPr marL="0" indent="0">
+              <a:buNone/>
+            </a:pPr>
+            <a:endParaRPr lang="en-US" sz="2000" dirty="0">
+              <a:solidFill>
+                <a:srgbClr val="1D1C1D"/>
+              </a:solidFill>
+            </a:endParaRPr>
+          </a:p>
+          <a:p>
+            <a:pPr marL="0" indent="0">
+              <a:buNone/>
+            </a:pPr>
+            <a:r>
+              <a:rPr lang="en-US" sz="2000" dirty="0">
+                <a:solidFill>
+                  <a:srgbClr val="1D1C1D"/>
+                </a:solidFill>
+              </a:rPr>
+              <a:t>A feedforward network works by first doing a forward pass on the input data through all the artificial neurons using the current weights and an activation function (like </a:t>
+            </a:r>
+            <a:r>
+              <a:rPr lang="en-US" sz="2000" dirty="0" err="1">
+                <a:solidFill>
+                  <a:srgbClr val="1D1C1D"/>
+                </a:solidFill>
+              </a:rPr>
+              <a:t>Relu</a:t>
+            </a:r>
+            <a:r>
+              <a:rPr lang="en-US" sz="2000" dirty="0">
+                <a:solidFill>
+                  <a:srgbClr val="1D1C1D"/>
+                </a:solidFill>
+              </a:rPr>
+              <a:t>, Sigmoid </a:t>
+            </a:r>
+            <a:r>
+              <a:rPr lang="en-US" sz="2000" dirty="0" err="1">
+                <a:solidFill>
+                  <a:srgbClr val="1D1C1D"/>
+                </a:solidFill>
+              </a:rPr>
+              <a:t>etc</a:t>
+            </a:r>
+            <a:r>
+              <a:rPr lang="en-US" sz="2000" dirty="0">
+                <a:solidFill>
+                  <a:srgbClr val="1D1C1D"/>
+                </a:solidFill>
+              </a:rPr>
+              <a:t>)</a:t>
+            </a:r>
+          </a:p>
+          <a:p>
+            <a:pPr marL="0" indent="0">
+              <a:buNone/>
+            </a:pPr>
+            <a:r>
+              <a:rPr lang="en-US" sz="2000" dirty="0">
+                <a:solidFill>
+                  <a:srgbClr val="1D1C1D"/>
+                </a:solidFill>
+              </a:rPr>
+              <a:t>Then the network minimizes the cost by adjusting the weights using back propagation on all the layers to learn the model</a:t>
+            </a:r>
+            <a:endParaRPr lang="en-US" sz="1200" dirty="0">
+              <a:solidFill>
+                <a:srgbClr val="1D1C1D"/>
+              </a:solidFill>
+            </a:endParaRPr>
+          </a:p>
+          <a:p>
+            <a:pPr marL="0" indent="0">
+              <a:buNone/>
+            </a:pPr>
+            <a:endParaRPr lang="en-US" sz="1200" dirty="0">
+              <a:solidFill>
+                <a:srgbClr val="1D1C1D"/>
+              </a:solidFill>
+              <a:effectLst/>
+            </a:endParaRPr>
+          </a:p>
+          <a:p>
+            <a:pPr marL="0" indent="0">
+              <a:buNone/>
+            </a:pPr>
+            <a:endParaRPr lang="en-US" sz="2000" dirty="0">
+              <a:solidFill>
+                <a:srgbClr val="1D1C1D"/>
+              </a:solidFill>
+            </a:endParaRPr>
+          </a:p>
+          <a:p>
+            <a:pPr marL="0" indent="0">
+              <a:buNone/>
+            </a:pPr>
+            <a:endParaRPr lang="en-US" sz="2000" dirty="0">
+              <a:solidFill>
+                <a:srgbClr val="1D1C1D"/>
+              </a:solidFill>
+            </a:endParaRPr>
+          </a:p>
+          <a:p>
+            <a:pPr marL="0" indent="0">
+              <a:buNone/>
+            </a:pPr>
+            <a:endParaRPr lang="en-US" sz="2000" dirty="0">
+              <a:solidFill>
+                <a:srgbClr val="1D1C1D"/>
+              </a:solidFill>
+              <a:effectLst/>
+            </a:endParaRPr>
+          </a:p>
+        </p:txBody>
+      </p:sp>
+    </p:spTree>
+    <p:extLst>
+      <p:ext uri="{BB962C8B-B14F-4D97-AF65-F5344CB8AC3E}">
+        <p14:creationId xmlns:p14="http://schemas.microsoft.com/office/powerpoint/2010/main" val="2642082695"/>
+      </p:ext>
+    </p:extLst>
+  </p:cSld>
+  <p:clrMapOvr>
+    <a:masterClrMapping/>
+  </p:clrMapOvr>
+</p:sld>
+</file>
+
+<file path=ppt/slides/slide7.xml><?xml version="1.0" encoding="utf-8"?>
 <p:sld xmlns:a="http://schemas.openxmlformats.org/drawingml/2006/main" xmlns:r="http://schemas.openxmlformats.org/officeDocument/2006/relationships" xmlns:p="http://schemas.openxmlformats.org/presentationml/2006/main">
   <p:cSld>
     <p:bg>
@@ -11141,10 +11416,10 @@
       </p:grpSpPr>
       <p:sp useBgFill="1">
         <p:nvSpPr>
-          <p:cNvPr id="8" name="Rectangle 7">
-            <a:extLst>
-              <a:ext uri="{FF2B5EF4-FFF2-40B4-BE49-F238E27FC236}">
-                <a16:creationId xmlns:a16="http://schemas.microsoft.com/office/drawing/2014/main" id="{979E27D9-03C7-44E2-9FF8-15D0C8506AF7}"/>
+          <p:cNvPr id="10" name="Rectangle 9">
+            <a:extLst>
+              <a:ext uri="{FF2B5EF4-FFF2-40B4-BE49-F238E27FC236}">
+                <a16:creationId xmlns:a16="http://schemas.microsoft.com/office/drawing/2014/main" id="{3346177D-ADC4-4968-B747-5CFCD390B5B9}"/>
               </a:ext>
               <a:ext uri="{C183D7F6-B498-43B3-948B-1728B52AA6E4}">
                 <adec:decorative xmlns:adec="http://schemas.microsoft.com/office/drawing/2017/decorative" val="1"/>
@@ -11220,7 +11495,7 @@
           <p:cNvPr id="2" name="Title 1">
             <a:extLst>
               <a:ext uri="{FF2B5EF4-FFF2-40B4-BE49-F238E27FC236}">
-                <a16:creationId xmlns:a16="http://schemas.microsoft.com/office/drawing/2014/main" id="{5C4F02F6-349D-954F-B02F-78EBD3017252}"/>
+                <a16:creationId xmlns:a16="http://schemas.microsoft.com/office/drawing/2014/main" id="{1518A51C-AC5C-224B-83E1-BE4285E72E3E}"/>
               </a:ext>
             </a:extLst>
           </p:cNvPr>
@@ -11233,8 +11508,8 @@
         </p:nvSpPr>
         <p:spPr>
           <a:xfrm>
-            <a:off x="1136397" y="502022"/>
-            <a:ext cx="9688296" cy="1388356"/>
+            <a:off x="5596501" y="489509"/>
+            <a:ext cx="5754896" cy="785562"/>
           </a:xfrm>
         </p:spPr>
         <p:txBody>
@@ -11245,36 +11520,73 @@
           <a:p>
             <a:r>
               <a:rPr lang="en-US" sz="4000" b="1" dirty="0"/>
-              <a:t>Basic Approach:</a:t>
-            </a:r>
-          </a:p>
-        </p:txBody>
-      </p:sp>
-      <p:sp>
-        <p:nvSpPr>
-          <p:cNvPr id="3" name="Content Placeholder 2">
-            <a:extLst>
-              <a:ext uri="{FF2B5EF4-FFF2-40B4-BE49-F238E27FC236}">
-                <a16:creationId xmlns:a16="http://schemas.microsoft.com/office/drawing/2014/main" id="{3A721E59-1DC4-3845-9DB3-10F69E64143F}"/>
-              </a:ext>
-            </a:extLst>
-          </p:cNvPr>
-          <p:cNvSpPr>
-            <a:spLocks noGrp="1"/>
-          </p:cNvSpPr>
-          <p:nvPr>
-            <p:ph idx="1"/>
-          </p:nvPr>
-        </p:nvSpPr>
+              <a:t>Source of Data: </a:t>
+            </a:r>
+            <a:r>
+              <a:rPr lang="en-US" sz="4000" b="1" dirty="0">
+                <a:solidFill>
+                  <a:srgbClr val="00B0F0"/>
+                </a:solidFill>
+              </a:rPr>
+              <a:t>Kaggle</a:t>
+            </a:r>
+          </a:p>
+        </p:txBody>
+      </p:sp>
+      <p:pic>
+        <p:nvPicPr>
+          <p:cNvPr id="5" name="Picture 4">
+            <a:extLst>
+              <a:ext uri="{FF2B5EF4-FFF2-40B4-BE49-F238E27FC236}">
+                <a16:creationId xmlns:a16="http://schemas.microsoft.com/office/drawing/2014/main" id="{5656DBCB-4246-3424-8BF4-9B7FD47CD472}"/>
+              </a:ext>
+            </a:extLst>
+          </p:cNvPr>
+          <p:cNvPicPr>
+            <a:picLocks noChangeAspect="1"/>
+          </p:cNvPicPr>
+          <p:nvPr/>
+        </p:nvPicPr>
+        <p:blipFill>
+          <a:blip r:embed="rId3"/>
+          <a:srcRect/>
+          <a:stretch/>
+        </p:blipFill>
         <p:spPr>
           <a:xfrm>
-            <a:off x="1136397" y="2418409"/>
-            <a:ext cx="9783852" cy="3782694"/>
+            <a:off x="1068130" y="2332206"/>
+            <a:ext cx="3876165" cy="1761893"/>
+          </a:xfrm>
+          <a:prstGeom prst="rect">
+            <a:avLst/>
+          </a:prstGeom>
+        </p:spPr>
+      </p:pic>
+      <p:sp>
+        <p:nvSpPr>
+          <p:cNvPr id="3" name="Content Placeholder 2">
+            <a:extLst>
+              <a:ext uri="{FF2B5EF4-FFF2-40B4-BE49-F238E27FC236}">
+                <a16:creationId xmlns:a16="http://schemas.microsoft.com/office/drawing/2014/main" id="{69AB92F3-2775-4B46-A098-FE988824A88C}"/>
+              </a:ext>
+            </a:extLst>
+          </p:cNvPr>
+          <p:cNvSpPr>
+            <a:spLocks noGrp="1"/>
+          </p:cNvSpPr>
+          <p:nvPr>
+            <p:ph idx="1"/>
+          </p:nvPr>
+        </p:nvSpPr>
+        <p:spPr>
+          <a:xfrm>
+            <a:off x="5596502" y="1537855"/>
+            <a:ext cx="5930480" cy="4599709"/>
           </a:xfrm>
         </p:spPr>
         <p:txBody>
           <a:bodyPr anchor="t">
-            <a:normAutofit lnSpcReduction="10000"/>
+            <a:normAutofit fontScale="77500" lnSpcReduction="20000"/>
           </a:bodyPr>
           <a:lstStyle/>
           <a:p>
@@ -11282,92 +11594,140 @@
               <a:buNone/>
             </a:pPr>
             <a:r>
-              <a:rPr lang="en-US" sz="2000" b="1" dirty="0"/>
-              <a:t>Logistic regression </a:t>
+              <a:rPr lang="en-US" sz="2800" dirty="0"/>
+              <a:t>The </a:t>
+            </a:r>
+            <a:r>
+              <a:rPr lang="en-US" b="1" dirty="0"/>
+              <a:t>Heart Failure Prediction Dataset </a:t>
+            </a:r>
+            <a:r>
+              <a:rPr lang="en-US" sz="2800" dirty="0"/>
+              <a:t>dataset was created by combining different datasets already available independently but not combined before. In this dataset, 5 heart datasets are combined over 11 common features which makes it the largest heart disease dataset available so far for research purposes. The five datasets used for its curation are:</a:t>
+            </a:r>
+          </a:p>
+          <a:p>
+            <a:pPr marL="0" indent="0">
+              <a:buNone/>
+            </a:pPr>
+            <a:endParaRPr lang="en-US" sz="1000" dirty="0"/>
+          </a:p>
+          <a:p>
+            <a:pPr>
+              <a:buFont typeface="Arial" panose="020B0604020202020204" pitchFamily="34" charset="0"/>
+              <a:buChar char="•"/>
+            </a:pPr>
+            <a:r>
+              <a:rPr lang="en-US" sz="2000" i="1" dirty="0"/>
+              <a:t>Cleveland</a:t>
             </a:r>
             <a:r>
               <a:rPr lang="en-US" sz="2000" dirty="0"/>
-              <a:t>is a statistical modeling technique used to predict the probability of a binary outcome based on one or more independent variables. The goal of logistic regression is to estimate the probability of the "success" outcome given the values of the independent variables.</a:t>
+              <a:t>: 303 observations</a:t>
+            </a:r>
+          </a:p>
+          <a:p>
+            <a:pPr>
+              <a:buFont typeface="Arial" panose="020B0604020202020204" pitchFamily="34" charset="0"/>
+              <a:buChar char="•"/>
+            </a:pPr>
+            <a:r>
+              <a:rPr lang="en-US" sz="2000" i="1" dirty="0"/>
+              <a:t>Hungarian</a:t>
+            </a:r>
+            <a:r>
+              <a:rPr lang="en-US" sz="2000" dirty="0"/>
+              <a:t>: 294 observations</a:t>
+            </a:r>
+          </a:p>
+          <a:p>
+            <a:pPr>
+              <a:buFont typeface="Arial" panose="020B0604020202020204" pitchFamily="34" charset="0"/>
+              <a:buChar char="•"/>
+            </a:pPr>
+            <a:r>
+              <a:rPr lang="en-US" sz="2000" i="1" dirty="0"/>
+              <a:t>Switzerland</a:t>
+            </a:r>
+            <a:r>
+              <a:rPr lang="en-US" sz="2000" dirty="0"/>
+              <a:t>: 123 observations</a:t>
+            </a:r>
+          </a:p>
+          <a:p>
+            <a:pPr>
+              <a:buFont typeface="Arial" panose="020B0604020202020204" pitchFamily="34" charset="0"/>
+              <a:buChar char="•"/>
+            </a:pPr>
+            <a:r>
+              <a:rPr lang="en-US" sz="2000" i="1" dirty="0"/>
+              <a:t>Long Beach VA</a:t>
+            </a:r>
+            <a:r>
+              <a:rPr lang="en-US" sz="2000" dirty="0"/>
+              <a:t>: 200 observations</a:t>
+            </a:r>
+          </a:p>
+          <a:p>
+            <a:pPr>
+              <a:buFont typeface="Arial" panose="020B0604020202020204" pitchFamily="34" charset="0"/>
+              <a:buChar char="•"/>
+            </a:pPr>
+            <a:r>
+              <a:rPr lang="en-US" sz="2000" i="1" dirty="0" err="1"/>
+              <a:t>Stalog</a:t>
+            </a:r>
+            <a:r>
+              <a:rPr lang="en-US" sz="2000" i="1" dirty="0"/>
+              <a:t> (Heart) Data Set</a:t>
+            </a:r>
+            <a:r>
+              <a:rPr lang="en-US" sz="2000" dirty="0"/>
+              <a:t>: 270 observations</a:t>
             </a:r>
           </a:p>
           <a:p>
             <a:pPr marL="0" indent="0">
               <a:buNone/>
             </a:pPr>
-            <a:endParaRPr lang="en-US" sz="900" dirty="0">
-              <a:solidFill>
-                <a:srgbClr val="1D1C1D"/>
-              </a:solidFill>
-              <a:effectLst/>
-            </a:endParaRPr>
+            <a:endParaRPr lang="en-US" sz="1000" dirty="0"/>
           </a:p>
           <a:p>
             <a:pPr marL="0" indent="0">
               <a:buNone/>
             </a:pPr>
             <a:r>
-              <a:rPr lang="en-US" sz="2000" b="1" dirty="0"/>
-              <a:t>Naïve Bayes </a:t>
-            </a:r>
-            <a:r>
-              <a:rPr lang="en-US" sz="2000" dirty="0"/>
-              <a:t>classifiers are a type of probabilistic machine learning model that calculate the probability of a given instance belonging to a particular class based on the probabilities of its features.</a:t>
-            </a:r>
-            <a:r>
-              <a:rPr lang="en-US" sz="2000" dirty="0">
-                <a:solidFill>
-                  <a:srgbClr val="1D1C1D"/>
-                </a:solidFill>
+              <a:rPr lang="en-US" sz="1200" dirty="0"/>
+              <a:t>Every dataset used can be found under the Index of heart disease datasets from UCI Machine Learning Repository on the following link: </a:t>
+            </a:r>
+            <a:r>
+              <a:rPr lang="en-US" sz="1200" dirty="0">
+                <a:hlinkClick r:id="rId4"/>
               </a:rPr>
-              <a:t> </a:t>
-            </a:r>
-            <a:r>
-              <a:rPr lang="en-US" sz="2000" dirty="0"/>
-              <a:t>It assumes that all features are conditionally independent of each other given the class label.</a:t>
-            </a:r>
+              <a:t>https://archive.ics.uci.edu/ml/machine-learning-databases/heart-disease/</a:t>
+            </a:r>
+            <a:endParaRPr lang="en-US" sz="1200" dirty="0"/>
           </a:p>
           <a:p>
             <a:pPr marL="0" indent="0">
               <a:buNone/>
             </a:pPr>
-            <a:endParaRPr lang="en-US" sz="900" dirty="0">
-              <a:solidFill>
-                <a:srgbClr val="1D1C1D"/>
-              </a:solidFill>
-              <a:effectLst/>
-            </a:endParaRPr>
-          </a:p>
-          <a:p>
-            <a:pPr marL="0" indent="0">
-              <a:buNone/>
-            </a:pPr>
-            <a:r>
-              <a:rPr lang="en-US" sz="2000" dirty="0"/>
-              <a:t>A </a:t>
-            </a:r>
-            <a:r>
-              <a:rPr lang="en-US" sz="2000" b="1" dirty="0"/>
-              <a:t>decision tree </a:t>
-            </a:r>
-            <a:r>
-              <a:rPr lang="en-US" sz="2000" dirty="0"/>
-              <a:t>is a supervised machine learning algorithm that can be used for both classification and regression tasks. Decision trees have several advantages, including their interpretability, ability to handle both numerical and categorical features, and their capability to capture non-linear relationships and interactions among features. </a:t>
-            </a:r>
-            <a:endParaRPr lang="en-US" sz="2000" dirty="0">
-              <a:solidFill>
-                <a:srgbClr val="1D1C1D"/>
-              </a:solidFill>
-              <a:effectLst/>
-            </a:endParaRPr>
-          </a:p>
-        </p:txBody>
-      </p:sp>
-      <p:sp>
-        <p:nvSpPr>
-          <p:cNvPr id="10" name="Rectangle 9">
-            <a:extLst>
-              <a:ext uri="{FF2B5EF4-FFF2-40B4-BE49-F238E27FC236}">
-                <a16:creationId xmlns:a16="http://schemas.microsoft.com/office/drawing/2014/main" id="{EEBF1590-3B36-48EE-A89D-3B6F3CB256AB}"/>
+            <a:r>
+              <a:rPr lang="en-US" sz="1200" dirty="0">
+                <a:hlinkClick r:id="rId5"/>
+              </a:rPr>
+              <a:t>https://www.kaggle.com/datasets/fedesoriano/heart-failure-prediction</a:t>
+            </a:r>
+            <a:endParaRPr lang="en-US" sz="1200" dirty="0"/>
+          </a:p>
+        </p:txBody>
+      </p:sp>
+      <p:sp>
+        <p:nvSpPr>
+          <p:cNvPr id="12" name="Rectangle 11">
+            <a:extLst>
+              <a:ext uri="{FF2B5EF4-FFF2-40B4-BE49-F238E27FC236}">
+                <a16:creationId xmlns:a16="http://schemas.microsoft.com/office/drawing/2014/main" id="{0844A943-BF79-4FEA-ABB1-3BD54D236606}"/>
               </a:ext>
               <a:ext uri="{C183D7F6-B498-43B3-948B-1728B52AA6E4}">
                 <adec:decorative xmlns:adec="http://schemas.microsoft.com/office/drawing/2017/decorative" val="1"/>
@@ -11398,7 +11758,7 @@
               <a:gs pos="0">
                 <a:schemeClr val="accent1"/>
               </a:gs>
-              <a:gs pos="78000">
+              <a:gs pos="90000">
                 <a:srgbClr val="000000"/>
               </a:gs>
             </a:gsLst>
@@ -11435,10 +11795,10 @@
       </p:sp>
       <p:sp>
         <p:nvSpPr>
-          <p:cNvPr id="12" name="Rectangle 11">
-            <a:extLst>
-              <a:ext uri="{FF2B5EF4-FFF2-40B4-BE49-F238E27FC236}">
-                <a16:creationId xmlns:a16="http://schemas.microsoft.com/office/drawing/2014/main" id="{AC8F6C8C-AB5A-4548-942D-E3FD40ACBC49}"/>
+          <p:cNvPr id="14" name="Rectangle 13">
+            <a:extLst>
+              <a:ext uri="{FF2B5EF4-FFF2-40B4-BE49-F238E27FC236}">
+                <a16:creationId xmlns:a16="http://schemas.microsoft.com/office/drawing/2014/main" id="{6437CC72-F4A8-4DC3-AFAB-D22C482C8100}"/>
               </a:ext>
               <a:ext uri="{C183D7F6-B498-43B3-948B-1728B52AA6E4}">
                 <adec:decorative xmlns:adec="http://schemas.microsoft.com/office/drawing/2017/decorative" val="1"/>
@@ -11468,7 +11828,7 @@
             <a:gsLst>
               <a:gs pos="0">
                 <a:srgbClr val="000000">
-                  <a:alpha val="63000"/>
+                  <a:alpha val="50000"/>
                 </a:srgbClr>
               </a:gs>
               <a:gs pos="100000">
@@ -11511,233 +11871,7 @@
     </p:spTree>
     <p:extLst>
       <p:ext uri="{BB962C8B-B14F-4D97-AF65-F5344CB8AC3E}">
-        <p14:creationId xmlns:p14="http://schemas.microsoft.com/office/powerpoint/2010/main" val="1367357064"/>
-      </p:ext>
-    </p:extLst>
-  </p:cSld>
-  <p:clrMapOvr>
-    <a:masterClrMapping/>
-  </p:clrMapOvr>
-</p:sld>
-</file>
-
-<file path=ppt/slides/slide7.xml><?xml version="1.0" encoding="utf-8"?>
-<p:sld xmlns:a="http://schemas.openxmlformats.org/drawingml/2006/main" xmlns:r="http://schemas.openxmlformats.org/officeDocument/2006/relationships" xmlns:p="http://schemas.openxmlformats.org/presentationml/2006/main">
-  <p:cSld>
-    <p:spTree>
-      <p:nvGrpSpPr>
-        <p:cNvPr id="1" name=""/>
-        <p:cNvGrpSpPr/>
-        <p:nvPr/>
-      </p:nvGrpSpPr>
-      <p:grpSpPr>
-        <a:xfrm>
-          <a:off x="0" y="0"/>
-          <a:ext cx="0" cy="0"/>
-          <a:chOff x="0" y="0"/>
-          <a:chExt cx="0" cy="0"/>
-        </a:xfrm>
-      </p:grpSpPr>
-      <p:sp>
-        <p:nvSpPr>
-          <p:cNvPr id="2" name="Title 1">
-            <a:extLst>
-              <a:ext uri="{FF2B5EF4-FFF2-40B4-BE49-F238E27FC236}">
-                <a16:creationId xmlns:a16="http://schemas.microsoft.com/office/drawing/2014/main" id="{5C4F02F6-349D-954F-B02F-78EBD3017252}"/>
-              </a:ext>
-            </a:extLst>
-          </p:cNvPr>
-          <p:cNvSpPr>
-            <a:spLocks noGrp="1"/>
-          </p:cNvSpPr>
-          <p:nvPr>
-            <p:ph type="title"/>
-          </p:nvPr>
-        </p:nvSpPr>
-        <p:spPr>
-          <a:xfrm>
-            <a:off x="1136397" y="502022"/>
-            <a:ext cx="9688296" cy="1388356"/>
-          </a:xfrm>
-        </p:spPr>
-        <p:txBody>
-          <a:bodyPr anchor="b">
-            <a:normAutofit/>
-          </a:bodyPr>
-          <a:lstStyle/>
-          <a:p>
-            <a:r>
-              <a:rPr lang="en-US" sz="4000" b="1" dirty="0">
-                <a:solidFill>
-                  <a:srgbClr val="1D1C1D"/>
-                </a:solidFill>
-              </a:rPr>
-              <a:t>Neural Network </a:t>
-            </a:r>
-            <a:r>
-              <a:rPr lang="en-US" sz="4000" b="1" dirty="0"/>
-              <a:t>approach:</a:t>
-            </a:r>
-          </a:p>
-        </p:txBody>
-      </p:sp>
-      <p:sp>
-        <p:nvSpPr>
-          <p:cNvPr id="3" name="Content Placeholder 2">
-            <a:extLst>
-              <a:ext uri="{FF2B5EF4-FFF2-40B4-BE49-F238E27FC236}">
-                <a16:creationId xmlns:a16="http://schemas.microsoft.com/office/drawing/2014/main" id="{3A721E59-1DC4-3845-9DB3-10F69E64143F}"/>
-              </a:ext>
-            </a:extLst>
-          </p:cNvPr>
-          <p:cNvSpPr>
-            <a:spLocks noGrp="1"/>
-          </p:cNvSpPr>
-          <p:nvPr>
-            <p:ph idx="1"/>
-          </p:nvPr>
-        </p:nvSpPr>
-        <p:spPr>
-          <a:xfrm>
-            <a:off x="1136396" y="2418409"/>
-            <a:ext cx="9783851" cy="3782694"/>
-          </a:xfrm>
-        </p:spPr>
-        <p:txBody>
-          <a:bodyPr anchor="t">
-            <a:normAutofit/>
-          </a:bodyPr>
-          <a:lstStyle/>
-          <a:p>
-            <a:pPr marL="0" indent="0">
-              <a:buNone/>
-            </a:pPr>
-            <a:r>
-              <a:rPr lang="en-US" sz="2000" dirty="0"/>
-              <a:t>The Neural network approach can be used for classification when the labels are not linearly separable. In the context of Heart Disease prediction, we wanted to compare the performance of a neural network model vs other classification models like Logistic regression, Naïve Bayes and decision trees and find whether Neural network performs better or worse than other classification algorithms. </a:t>
-            </a:r>
-          </a:p>
-          <a:p>
-            <a:pPr marL="0" indent="0">
-              <a:buNone/>
-            </a:pPr>
-            <a:endParaRPr lang="en-US" sz="2000" dirty="0">
-              <a:solidFill>
-                <a:srgbClr val="1D1C1D"/>
-              </a:solidFill>
-            </a:endParaRPr>
-          </a:p>
-          <a:p>
-            <a:pPr marL="0" indent="0">
-              <a:buNone/>
-            </a:pPr>
-            <a:r>
-              <a:rPr lang="en-US" sz="2000" dirty="0">
-                <a:solidFill>
-                  <a:srgbClr val="1D1C1D"/>
-                </a:solidFill>
-              </a:rPr>
-              <a:t>A feedforward network works by first doing a forward pass on the input data through all the artificial neurons using the current weights and an activation function (like </a:t>
-            </a:r>
-            <a:r>
-              <a:rPr lang="en-US" sz="2000" dirty="0" err="1">
-                <a:solidFill>
-                  <a:srgbClr val="1D1C1D"/>
-                </a:solidFill>
-              </a:rPr>
-              <a:t>Relu</a:t>
-            </a:r>
-            <a:r>
-              <a:rPr lang="en-US" sz="2000" dirty="0">
-                <a:solidFill>
-                  <a:srgbClr val="1D1C1D"/>
-                </a:solidFill>
-              </a:rPr>
-              <a:t>, Sigmoid </a:t>
-            </a:r>
-            <a:r>
-              <a:rPr lang="en-US" sz="2000" dirty="0" err="1">
-                <a:solidFill>
-                  <a:srgbClr val="1D1C1D"/>
-                </a:solidFill>
-              </a:rPr>
-              <a:t>etc</a:t>
-            </a:r>
-            <a:r>
-              <a:rPr lang="en-US" sz="2000" dirty="0">
-                <a:solidFill>
-                  <a:srgbClr val="1D1C1D"/>
-                </a:solidFill>
-              </a:rPr>
-              <a:t>)</a:t>
-            </a:r>
-          </a:p>
-          <a:p>
-            <a:pPr marL="0" indent="0">
-              <a:buNone/>
-            </a:pPr>
-            <a:r>
-              <a:rPr lang="en-US" sz="2000" dirty="0">
-                <a:solidFill>
-                  <a:srgbClr val="1D1C1D"/>
-                </a:solidFill>
-              </a:rPr>
-              <a:t>Then the network minimizes the cost by adjusting the weights using back propagation on all the layers to learn the model</a:t>
-            </a:r>
-            <a:endParaRPr lang="en-US" sz="1200" dirty="0">
-              <a:solidFill>
-                <a:srgbClr val="1D1C1D"/>
-              </a:solidFill>
-            </a:endParaRPr>
-          </a:p>
-          <a:p>
-            <a:pPr marL="0" indent="0">
-              <a:buNone/>
-            </a:pPr>
-            <a:endParaRPr lang="en-US" sz="1200" dirty="0">
-              <a:solidFill>
-                <a:srgbClr val="1D1C1D"/>
-              </a:solidFill>
-              <a:effectLst/>
-            </a:endParaRPr>
-          </a:p>
-          <a:p>
-            <a:pPr marL="0" indent="0">
-              <a:buNone/>
-            </a:pPr>
-            <a:endParaRPr lang="en-US" sz="2000" dirty="0">
-              <a:solidFill>
-                <a:srgbClr val="1D1C1D"/>
-              </a:solidFill>
-            </a:endParaRPr>
-          </a:p>
-          <a:p>
-            <a:pPr marL="0" indent="0">
-              <a:buNone/>
-            </a:pPr>
-            <a:endParaRPr lang="en-US" sz="2000" dirty="0">
-              <a:solidFill>
-                <a:srgbClr val="1D1C1D"/>
-              </a:solidFill>
-            </a:endParaRPr>
-          </a:p>
-          <a:p>
-            <a:pPr marL="0" indent="0">
-              <a:buNone/>
-            </a:pPr>
-            <a:endParaRPr lang="en-US" sz="2000" dirty="0">
-              <a:solidFill>
-                <a:srgbClr val="1D1C1D"/>
-              </a:solidFill>
-              <a:effectLst/>
-            </a:endParaRPr>
-          </a:p>
-        </p:txBody>
-      </p:sp>
-    </p:spTree>
-    <p:extLst>
-      <p:ext uri="{BB962C8B-B14F-4D97-AF65-F5344CB8AC3E}">
-        <p14:creationId xmlns:p14="http://schemas.microsoft.com/office/powerpoint/2010/main" val="2642082695"/>
+        <p14:creationId xmlns:p14="http://schemas.microsoft.com/office/powerpoint/2010/main" val="3001573324"/>
       </p:ext>
     </p:extLst>
   </p:cSld>
@@ -11774,10 +11908,10 @@
       </p:grpSpPr>
       <p:sp useBgFill="1">
         <p:nvSpPr>
-          <p:cNvPr id="10" name="Rectangle 9">
-            <a:extLst>
-              <a:ext uri="{FF2B5EF4-FFF2-40B4-BE49-F238E27FC236}">
-                <a16:creationId xmlns:a16="http://schemas.microsoft.com/office/drawing/2014/main" id="{3346177D-ADC4-4968-B747-5CFCD390B5B9}"/>
+          <p:cNvPr id="8" name="Rectangle 7">
+            <a:extLst>
+              <a:ext uri="{FF2B5EF4-FFF2-40B4-BE49-F238E27FC236}">
+                <a16:creationId xmlns:a16="http://schemas.microsoft.com/office/drawing/2014/main" id="{979E27D9-03C7-44E2-9FF8-15D0C8506AF7}"/>
               </a:ext>
               <a:ext uri="{C183D7F6-B498-43B3-948B-1728B52AA6E4}">
                 <adec:decorative xmlns:adec="http://schemas.microsoft.com/office/drawing/2017/decorative" val="1"/>
@@ -11853,7 +11987,7 @@
           <p:cNvPr id="2" name="Title 1">
             <a:extLst>
               <a:ext uri="{FF2B5EF4-FFF2-40B4-BE49-F238E27FC236}">
-                <a16:creationId xmlns:a16="http://schemas.microsoft.com/office/drawing/2014/main" id="{1518A51C-AC5C-224B-83E1-BE4285E72E3E}"/>
+                <a16:creationId xmlns:a16="http://schemas.microsoft.com/office/drawing/2014/main" id="{5C4F02F6-349D-954F-B02F-78EBD3017252}"/>
               </a:ext>
             </a:extLst>
           </p:cNvPr>
@@ -11866,8 +12000,8 @@
         </p:nvSpPr>
         <p:spPr>
           <a:xfrm>
-            <a:off x="5596501" y="489509"/>
-            <a:ext cx="5754896" cy="785562"/>
+            <a:off x="1136397" y="502022"/>
+            <a:ext cx="9688296" cy="1388356"/>
           </a:xfrm>
         </p:spPr>
         <p:txBody>
@@ -11878,68 +12012,31 @@
           <a:p>
             <a:r>
               <a:rPr lang="en-US" sz="4000" b="1" dirty="0"/>
-              <a:t>Source of Data: </a:t>
-            </a:r>
-            <a:r>
-              <a:rPr lang="en-US" sz="4000" b="1" dirty="0">
-                <a:solidFill>
-                  <a:srgbClr val="00B0F0"/>
-                </a:solidFill>
-              </a:rPr>
-              <a:t>Kaggle</a:t>
-            </a:r>
-          </a:p>
-        </p:txBody>
-      </p:sp>
-      <p:pic>
-        <p:nvPicPr>
-          <p:cNvPr id="5" name="Picture 4">
-            <a:extLst>
-              <a:ext uri="{FF2B5EF4-FFF2-40B4-BE49-F238E27FC236}">
-                <a16:creationId xmlns:a16="http://schemas.microsoft.com/office/drawing/2014/main" id="{5656DBCB-4246-3424-8BF4-9B7FD47CD472}"/>
-              </a:ext>
-            </a:extLst>
-          </p:cNvPr>
-          <p:cNvPicPr>
-            <a:picLocks noChangeAspect="1"/>
-          </p:cNvPicPr>
-          <p:nvPr/>
-        </p:nvPicPr>
-        <p:blipFill>
-          <a:blip r:embed="rId3"/>
-          <a:srcRect/>
-          <a:stretch/>
-        </p:blipFill>
+              <a:t>Heart Failure Prediction Dataset structure</a:t>
+            </a:r>
+          </a:p>
+        </p:txBody>
+      </p:sp>
+      <p:sp>
+        <p:nvSpPr>
+          <p:cNvPr id="3" name="Content Placeholder 2">
+            <a:extLst>
+              <a:ext uri="{FF2B5EF4-FFF2-40B4-BE49-F238E27FC236}">
+                <a16:creationId xmlns:a16="http://schemas.microsoft.com/office/drawing/2014/main" id="{3A721E59-1DC4-3845-9DB3-10F69E64143F}"/>
+              </a:ext>
+            </a:extLst>
+          </p:cNvPr>
+          <p:cNvSpPr>
+            <a:spLocks noGrp="1"/>
+          </p:cNvSpPr>
+          <p:nvPr>
+            <p:ph idx="1"/>
+          </p:nvPr>
+        </p:nvSpPr>
         <p:spPr>
           <a:xfrm>
-            <a:off x="1068130" y="2332206"/>
-            <a:ext cx="3876165" cy="1761893"/>
-          </a:xfrm>
-          <a:prstGeom prst="rect">
-            <a:avLst/>
-          </a:prstGeom>
-        </p:spPr>
-      </p:pic>
-      <p:sp>
-        <p:nvSpPr>
-          <p:cNvPr id="3" name="Content Placeholder 2">
-            <a:extLst>
-              <a:ext uri="{FF2B5EF4-FFF2-40B4-BE49-F238E27FC236}">
-                <a16:creationId xmlns:a16="http://schemas.microsoft.com/office/drawing/2014/main" id="{69AB92F3-2775-4B46-A098-FE988824A88C}"/>
-              </a:ext>
-            </a:extLst>
-          </p:cNvPr>
-          <p:cNvSpPr>
-            <a:spLocks noGrp="1"/>
-          </p:cNvSpPr>
-          <p:nvPr>
-            <p:ph idx="1"/>
-          </p:nvPr>
-        </p:nvSpPr>
-        <p:spPr>
-          <a:xfrm>
-            <a:off x="5596502" y="1537855"/>
-            <a:ext cx="5930480" cy="4599709"/>
+            <a:off x="1136397" y="2270234"/>
+            <a:ext cx="9688296" cy="3773213"/>
           </a:xfrm>
         </p:spPr>
         <p:txBody>
@@ -11952,140 +12049,197 @@
               <a:buNone/>
             </a:pPr>
             <a:r>
-              <a:rPr lang="en-US" sz="2800" dirty="0"/>
-              <a:t>The </a:t>
-            </a:r>
-            <a:r>
-              <a:rPr lang="en-US" b="1" dirty="0"/>
-              <a:t>Heart Failure Prediction Dataset </a:t>
-            </a:r>
-            <a:r>
-              <a:rPr lang="en-US" sz="2800" dirty="0"/>
-              <a:t>dataset was created by combining different datasets already available independently but not combined before. In this dataset, 5 heart datasets are combined over 11 common features which makes it the largest heart disease dataset available so far for research purposes. The five datasets used for its curation are:</a:t>
+              <a:rPr lang="en-US" sz="1900" b="1" dirty="0"/>
+              <a:t>Age</a:t>
+            </a:r>
+            <a:r>
+              <a:rPr lang="en-US" sz="1900" dirty="0"/>
+              <a:t>: age of the patient [years]</a:t>
             </a:r>
           </a:p>
           <a:p>
             <a:pPr marL="0" indent="0">
               <a:buNone/>
             </a:pPr>
-            <a:endParaRPr lang="en-US" sz="1000" dirty="0"/>
-          </a:p>
-          <a:p>
-            <a:pPr>
-              <a:buFont typeface="Arial" panose="020B0604020202020204" pitchFamily="34" charset="0"/>
-              <a:buChar char="•"/>
+            <a:r>
+              <a:rPr lang="en-US" sz="1900" b="1" dirty="0"/>
+              <a:t>Sex</a:t>
+            </a:r>
+            <a:r>
+              <a:rPr lang="en-US" sz="1900" dirty="0"/>
+              <a:t>: sex of the patient [M: Male, F: Female]</a:t>
+            </a:r>
+          </a:p>
+          <a:p>
+            <a:pPr marL="0" indent="0">
+              <a:buNone/>
             </a:pPr>
             <a:r>
-              <a:rPr lang="en-US" sz="2000" i="1" dirty="0"/>
-              <a:t>Cleveland</a:t>
-            </a:r>
-            <a:r>
-              <a:rPr lang="en-US" sz="2000" dirty="0"/>
-              <a:t>: 303 observations</a:t>
-            </a:r>
-          </a:p>
-          <a:p>
-            <a:pPr>
-              <a:buFont typeface="Arial" panose="020B0604020202020204" pitchFamily="34" charset="0"/>
-              <a:buChar char="•"/>
+              <a:rPr lang="en-US" sz="1900" b="1" dirty="0" err="1"/>
+              <a:t>ChestPainType</a:t>
+            </a:r>
+            <a:r>
+              <a:rPr lang="en-US" sz="1900" dirty="0"/>
+              <a:t>: chest pain type [TA: Typical Angina, ATA: Atypical Angina, NAP: Non-Anginal Pain, ASY: Asymptomatic]</a:t>
+            </a:r>
+          </a:p>
+          <a:p>
+            <a:pPr marL="0" indent="0">
+              <a:buNone/>
             </a:pPr>
             <a:r>
-              <a:rPr lang="en-US" sz="2000" i="1" dirty="0"/>
-              <a:t>Hungarian</a:t>
-            </a:r>
-            <a:r>
-              <a:rPr lang="en-US" sz="2000" dirty="0"/>
-              <a:t>: 294 observations</a:t>
-            </a:r>
-          </a:p>
-          <a:p>
-            <a:pPr>
-              <a:buFont typeface="Arial" panose="020B0604020202020204" pitchFamily="34" charset="0"/>
-              <a:buChar char="•"/>
+              <a:rPr lang="en-US" sz="1900" b="1" dirty="0" err="1"/>
+              <a:t>RestingBP</a:t>
+            </a:r>
+            <a:r>
+              <a:rPr lang="en-US" sz="1900" dirty="0"/>
+              <a:t>: resting blood pressure [mm Hg]</a:t>
+            </a:r>
+          </a:p>
+          <a:p>
+            <a:pPr marL="0" indent="0">
+              <a:buNone/>
             </a:pPr>
             <a:r>
-              <a:rPr lang="en-US" sz="2000" i="1" dirty="0"/>
-              <a:t>Switzerland</a:t>
-            </a:r>
-            <a:r>
-              <a:rPr lang="en-US" sz="2000" dirty="0"/>
-              <a:t>: 123 observations</a:t>
-            </a:r>
-          </a:p>
-          <a:p>
-            <a:pPr>
-              <a:buFont typeface="Arial" panose="020B0604020202020204" pitchFamily="34" charset="0"/>
-              <a:buChar char="•"/>
+              <a:rPr lang="en-US" sz="1900" b="1" dirty="0"/>
+              <a:t>Cholesterol</a:t>
+            </a:r>
+            <a:r>
+              <a:rPr lang="en-US" sz="1900" dirty="0"/>
+              <a:t>: serum cholesterol [mm/dl]</a:t>
+            </a:r>
+          </a:p>
+          <a:p>
+            <a:pPr marL="0" indent="0">
+              <a:buNone/>
             </a:pPr>
             <a:r>
-              <a:rPr lang="en-US" sz="2000" i="1" dirty="0"/>
-              <a:t>Long Beach VA</a:t>
-            </a:r>
-            <a:r>
-              <a:rPr lang="en-US" sz="2000" dirty="0"/>
-              <a:t>: 200 observations</a:t>
-            </a:r>
-          </a:p>
-          <a:p>
-            <a:pPr>
-              <a:buFont typeface="Arial" panose="020B0604020202020204" pitchFamily="34" charset="0"/>
-              <a:buChar char="•"/>
+              <a:rPr lang="en-US" sz="1900" b="1" dirty="0" err="1"/>
+              <a:t>FastingBS</a:t>
+            </a:r>
+            <a:r>
+              <a:rPr lang="en-US" sz="1900" dirty="0"/>
+              <a:t>: fasting blood sugar [1: if </a:t>
+            </a:r>
+            <a:r>
+              <a:rPr lang="en-US" sz="1900" dirty="0" err="1"/>
+              <a:t>FastingBS</a:t>
+            </a:r>
+            <a:r>
+              <a:rPr lang="en-US" sz="1900" dirty="0"/>
+              <a:t> &gt; 120 mg/dl, 0: otherwise]</a:t>
+            </a:r>
+          </a:p>
+          <a:p>
+            <a:pPr marL="0" indent="0">
+              <a:buNone/>
             </a:pPr>
             <a:r>
-              <a:rPr lang="en-US" sz="2000" i="1" dirty="0" err="1"/>
-              <a:t>Stalog</a:t>
-            </a:r>
-            <a:r>
-              <a:rPr lang="en-US" sz="2000" i="1" dirty="0"/>
-              <a:t> (Heart) Data Set</a:t>
-            </a:r>
-            <a:r>
-              <a:rPr lang="en-US" sz="2000" dirty="0"/>
-              <a:t>: 270 observations</a:t>
+              <a:rPr lang="en-US" sz="1900" b="1" dirty="0" err="1"/>
+              <a:t>RestingECG</a:t>
+            </a:r>
+            <a:r>
+              <a:rPr lang="en-US" sz="1900" dirty="0"/>
+              <a:t>: resting electrocardiogram results [Normal: Normal, ST: having ST-T wave abnormality (T wave inversions and/or ST elevation or depression of &gt; 0.05 mV), LVH: showing probable or definite left ventricular hypertrophy by Estes' criteria]</a:t>
             </a:r>
           </a:p>
           <a:p>
             <a:pPr marL="0" indent="0">
               <a:buNone/>
             </a:pPr>
-            <a:endParaRPr lang="en-US" sz="1000" dirty="0"/>
+            <a:r>
+              <a:rPr lang="en-US" sz="1900" b="1" dirty="0" err="1"/>
+              <a:t>MaxHR</a:t>
+            </a:r>
+            <a:r>
+              <a:rPr lang="en-US" sz="1900" dirty="0"/>
+              <a:t>: maximum heart rate achieved [Numeric value between 60 and 202]</a:t>
+            </a:r>
           </a:p>
           <a:p>
             <a:pPr marL="0" indent="0">
               <a:buNone/>
             </a:pPr>
             <a:r>
-              <a:rPr lang="en-US" sz="1200" dirty="0"/>
-              <a:t>Every dataset used can be found under the Index of heart disease datasets from UCI Machine Learning Repository on the following link: </a:t>
-            </a:r>
-            <a:r>
-              <a:rPr lang="en-US" sz="1200" dirty="0">
-                <a:hlinkClick r:id="rId4"/>
-              </a:rPr>
-              <a:t>https://archive.ics.uci.edu/ml/machine-learning-databases/heart-disease/</a:t>
-            </a:r>
-            <a:endParaRPr lang="en-US" sz="1200" dirty="0"/>
+              <a:rPr lang="en-US" sz="1900" b="1" dirty="0" err="1"/>
+              <a:t>ExerciseAngina</a:t>
+            </a:r>
+            <a:r>
+              <a:rPr lang="en-US" sz="1900" dirty="0"/>
+              <a:t>: exercise-induced angina [Y: Yes, N: No]</a:t>
+            </a:r>
           </a:p>
           <a:p>
             <a:pPr marL="0" indent="0">
               <a:buNone/>
             </a:pPr>
             <a:r>
-              <a:rPr lang="en-US" sz="1200" dirty="0">
-                <a:hlinkClick r:id="rId5"/>
-              </a:rPr>
-              <a:t>https://www.kaggle.com/datasets/fedesoriano/heart-failure-prediction</a:t>
-            </a:r>
-            <a:endParaRPr lang="en-US" sz="1200" dirty="0"/>
-          </a:p>
-        </p:txBody>
-      </p:sp>
-      <p:sp>
-        <p:nvSpPr>
-          <p:cNvPr id="12" name="Rectangle 11">
-            <a:extLst>
-              <a:ext uri="{FF2B5EF4-FFF2-40B4-BE49-F238E27FC236}">
-                <a16:creationId xmlns:a16="http://schemas.microsoft.com/office/drawing/2014/main" id="{0844A943-BF79-4FEA-ABB1-3BD54D236606}"/>
+              <a:rPr lang="en-US" sz="1900" b="1" dirty="0" err="1"/>
+              <a:t>Oldpeak</a:t>
+            </a:r>
+            <a:r>
+              <a:rPr lang="en-US" sz="1900" dirty="0"/>
+              <a:t>: </a:t>
+            </a:r>
+            <a:r>
+              <a:rPr lang="en-US" sz="1900" dirty="0" err="1"/>
+              <a:t>oldpeak</a:t>
+            </a:r>
+            <a:r>
+              <a:rPr lang="en-US" sz="1900" dirty="0"/>
+              <a:t> = ST [Numeric value measured in depression]</a:t>
+            </a:r>
+          </a:p>
+          <a:p>
+            <a:pPr marL="0" indent="0">
+              <a:buNone/>
+            </a:pPr>
+            <a:r>
+              <a:rPr lang="en-US" sz="1900" b="1" dirty="0" err="1"/>
+              <a:t>ST_Slope</a:t>
+            </a:r>
+            <a:r>
+              <a:rPr lang="en-US" sz="1900" dirty="0"/>
+              <a:t>: the slope of the peak exercise ST segment [Up: upsloping, Flat: flat, Down: </a:t>
+            </a:r>
+            <a:r>
+              <a:rPr lang="en-US" sz="1900" dirty="0" err="1"/>
+              <a:t>downsloping</a:t>
+            </a:r>
+            <a:r>
+              <a:rPr lang="en-US" sz="1900" dirty="0"/>
+              <a:t>]</a:t>
+            </a:r>
+          </a:p>
+          <a:p>
+            <a:pPr marL="0" indent="0">
+              <a:buNone/>
+            </a:pPr>
+            <a:r>
+              <a:rPr lang="en-US" sz="1900" b="1" dirty="0" err="1"/>
+              <a:t>HeartDisease</a:t>
+            </a:r>
+            <a:r>
+              <a:rPr lang="en-US" sz="1900" dirty="0"/>
+              <a:t>: output class [1: heart disease, 0: Normal]</a:t>
+            </a:r>
+          </a:p>
+          <a:p>
+            <a:pPr marL="457200" lvl="1" indent="0">
+              <a:buNone/>
+            </a:pPr>
+            <a:endParaRPr lang="en-US" sz="2000" dirty="0">
+              <a:effectLst/>
+            </a:endParaRPr>
+          </a:p>
+        </p:txBody>
+      </p:sp>
+      <p:sp>
+        <p:nvSpPr>
+          <p:cNvPr id="10" name="Rectangle 9">
+            <a:extLst>
+              <a:ext uri="{FF2B5EF4-FFF2-40B4-BE49-F238E27FC236}">
+                <a16:creationId xmlns:a16="http://schemas.microsoft.com/office/drawing/2014/main" id="{EEBF1590-3B36-48EE-A89D-3B6F3CB256AB}"/>
               </a:ext>
               <a:ext uri="{C183D7F6-B498-43B3-948B-1728B52AA6E4}">
                 <adec:decorative xmlns:adec="http://schemas.microsoft.com/office/drawing/2017/decorative" val="1"/>
@@ -12116,7 +12270,7 @@
               <a:gs pos="0">
                 <a:schemeClr val="accent1"/>
               </a:gs>
-              <a:gs pos="90000">
+              <a:gs pos="78000">
                 <a:srgbClr val="000000"/>
               </a:gs>
             </a:gsLst>
@@ -12153,10 +12307,10 @@
       </p:sp>
       <p:sp>
         <p:nvSpPr>
-          <p:cNvPr id="14" name="Rectangle 13">
-            <a:extLst>
-              <a:ext uri="{FF2B5EF4-FFF2-40B4-BE49-F238E27FC236}">
-                <a16:creationId xmlns:a16="http://schemas.microsoft.com/office/drawing/2014/main" id="{6437CC72-F4A8-4DC3-AFAB-D22C482C8100}"/>
+          <p:cNvPr id="12" name="Rectangle 11">
+            <a:extLst>
+              <a:ext uri="{FF2B5EF4-FFF2-40B4-BE49-F238E27FC236}">
+                <a16:creationId xmlns:a16="http://schemas.microsoft.com/office/drawing/2014/main" id="{AC8F6C8C-AB5A-4548-942D-E3FD40ACBC49}"/>
               </a:ext>
               <a:ext uri="{C183D7F6-B498-43B3-948B-1728B52AA6E4}">
                 <adec:decorative xmlns:adec="http://schemas.microsoft.com/office/drawing/2017/decorative" val="1"/>
@@ -12186,7 +12340,7 @@
             <a:gsLst>
               <a:gs pos="0">
                 <a:srgbClr val="000000">
-                  <a:alpha val="50000"/>
+                  <a:alpha val="63000"/>
                 </a:srgbClr>
               </a:gs>
               <a:gs pos="100000">
@@ -12229,7 +12383,7 @@
     </p:spTree>
     <p:extLst>
       <p:ext uri="{BB962C8B-B14F-4D97-AF65-F5344CB8AC3E}">
-        <p14:creationId xmlns:p14="http://schemas.microsoft.com/office/powerpoint/2010/main" val="3001573324"/>
+        <p14:creationId xmlns:p14="http://schemas.microsoft.com/office/powerpoint/2010/main" val="946419350"/>
       </p:ext>
     </p:extLst>
   </p:cSld>
@@ -12370,7 +12524,7 @@
           <a:p>
             <a:r>
               <a:rPr lang="en-US" sz="4000" b="1" dirty="0"/>
-              <a:t>Heart Failure Prediction Dataset structure</a:t>
+              <a:t>Exploratory Data Analysis</a:t>
             </a:r>
           </a:p>
         </p:txBody>
@@ -12399,7 +12553,7 @@
         </p:spPr>
         <p:txBody>
           <a:bodyPr anchor="t">
-            <a:normAutofit fontScale="77500" lnSpcReduction="20000"/>
+            <a:normAutofit/>
           </a:bodyPr>
           <a:lstStyle/>
           <a:p>
@@ -12407,179 +12561,25 @@
               <a:buNone/>
             </a:pPr>
             <a:r>
-              <a:rPr lang="en-US" sz="1900" b="1" dirty="0"/>
-              <a:t>Age</a:t>
-            </a:r>
-            <a:r>
-              <a:rPr lang="en-US" sz="1900" dirty="0"/>
-              <a:t>: age of the patient [years]</a:t>
+              <a:rPr lang="en-US" sz="2400" dirty="0"/>
+              <a:t>Before training our models, we need to observe and analyze the data to see what we are going to work with. The goal here is to learn more about the data and become a topic export on the dataset you are working with.</a:t>
             </a:r>
           </a:p>
           <a:p>
             <a:pPr marL="0" indent="0">
               <a:buNone/>
             </a:pPr>
-            <a:r>
-              <a:rPr lang="en-US" sz="1900" b="1" dirty="0"/>
-              <a:t>Sex</a:t>
-            </a:r>
-            <a:r>
-              <a:rPr lang="en-US" sz="1900" dirty="0"/>
-              <a:t>: sex of the patient [M: Male, F: Female]</a:t>
-            </a:r>
+            <a:endParaRPr lang="en-US" sz="2400" dirty="0"/>
           </a:p>
           <a:p>
             <a:pPr marL="0" indent="0">
               <a:buNone/>
             </a:pPr>
             <a:r>
-              <a:rPr lang="en-US" sz="1900" b="1" dirty="0" err="1"/>
-              <a:t>ChestPainType</a:t>
-            </a:r>
-            <a:r>
-              <a:rPr lang="en-US" sz="1900" dirty="0"/>
-              <a:t>: chest pain type [TA: Typical Angina, ATA: Atypical Angina, NAP: Non-Anginal Pain, ASY: Asymptomatic]</a:t>
-            </a:r>
-          </a:p>
-          <a:p>
-            <a:pPr marL="0" indent="0">
-              <a:buNone/>
-            </a:pPr>
-            <a:r>
-              <a:rPr lang="en-US" sz="1900" b="1" dirty="0" err="1"/>
-              <a:t>RestingBP</a:t>
-            </a:r>
-            <a:r>
-              <a:rPr lang="en-US" sz="1900" dirty="0"/>
-              <a:t>: resting blood pressure [mm Hg]</a:t>
-            </a:r>
-          </a:p>
-          <a:p>
-            <a:pPr marL="0" indent="0">
-              <a:buNone/>
-            </a:pPr>
-            <a:r>
-              <a:rPr lang="en-US" sz="1900" b="1" dirty="0"/>
-              <a:t>Cholesterol</a:t>
-            </a:r>
-            <a:r>
-              <a:rPr lang="en-US" sz="1900" dirty="0"/>
-              <a:t>: serum cholesterol [mm/dl]</a:t>
-            </a:r>
-          </a:p>
-          <a:p>
-            <a:pPr marL="0" indent="0">
-              <a:buNone/>
-            </a:pPr>
-            <a:r>
-              <a:rPr lang="en-US" sz="1900" b="1" dirty="0" err="1"/>
-              <a:t>FastingBS</a:t>
-            </a:r>
-            <a:r>
-              <a:rPr lang="en-US" sz="1900" dirty="0"/>
-              <a:t>: fasting blood sugar [1: if </a:t>
-            </a:r>
-            <a:r>
-              <a:rPr lang="en-US" sz="1900" dirty="0" err="1"/>
-              <a:t>FastingBS</a:t>
-            </a:r>
-            <a:r>
-              <a:rPr lang="en-US" sz="1900" dirty="0"/>
-              <a:t> &gt; 120 mg/dl, 0: otherwise]</a:t>
-            </a:r>
-          </a:p>
-          <a:p>
-            <a:pPr marL="0" indent="0">
-              <a:buNone/>
-            </a:pPr>
-            <a:r>
-              <a:rPr lang="en-US" sz="1900" b="1" dirty="0" err="1"/>
-              <a:t>RestingECG</a:t>
-            </a:r>
-            <a:r>
-              <a:rPr lang="en-US" sz="1900" dirty="0"/>
-              <a:t>: resting electrocardiogram results [Normal: Normal, ST: having ST-T wave abnormality (T wave inversions and/or ST elevation or depression of &gt; 0.05 mV), LVH: showing probable or definite left ventricular hypertrophy by Estes' criteria]</a:t>
-            </a:r>
-          </a:p>
-          <a:p>
-            <a:pPr marL="0" indent="0">
-              <a:buNone/>
-            </a:pPr>
-            <a:r>
-              <a:rPr lang="en-US" sz="1900" b="1" dirty="0" err="1"/>
-              <a:t>MaxHR</a:t>
-            </a:r>
-            <a:r>
-              <a:rPr lang="en-US" sz="1900" dirty="0"/>
-              <a:t>: maximum heart rate achieved [Numeric value between 60 and 202]</a:t>
-            </a:r>
-          </a:p>
-          <a:p>
-            <a:pPr marL="0" indent="0">
-              <a:buNone/>
-            </a:pPr>
-            <a:r>
-              <a:rPr lang="en-US" sz="1900" b="1" dirty="0" err="1"/>
-              <a:t>ExerciseAngina</a:t>
-            </a:r>
-            <a:r>
-              <a:rPr lang="en-US" sz="1900" dirty="0"/>
-              <a:t>: exercise-induced angina [Y: Yes, N: No]</a:t>
-            </a:r>
-          </a:p>
-          <a:p>
-            <a:pPr marL="0" indent="0">
-              <a:buNone/>
-            </a:pPr>
-            <a:r>
-              <a:rPr lang="en-US" sz="1900" b="1" dirty="0" err="1"/>
-              <a:t>Oldpeak</a:t>
-            </a:r>
-            <a:r>
-              <a:rPr lang="en-US" sz="1900" dirty="0"/>
-              <a:t>: </a:t>
-            </a:r>
-            <a:r>
-              <a:rPr lang="en-US" sz="1900" dirty="0" err="1"/>
-              <a:t>oldpeak</a:t>
-            </a:r>
-            <a:r>
-              <a:rPr lang="en-US" sz="1900" dirty="0"/>
-              <a:t> = ST [Numeric value measured in depression]</a:t>
-            </a:r>
-          </a:p>
-          <a:p>
-            <a:pPr marL="0" indent="0">
-              <a:buNone/>
-            </a:pPr>
-            <a:r>
-              <a:rPr lang="en-US" sz="1900" b="1" dirty="0" err="1"/>
-              <a:t>ST_Slope</a:t>
-            </a:r>
-            <a:r>
-              <a:rPr lang="en-US" sz="1900" dirty="0"/>
-              <a:t>: the slope of the peak exercise ST segment [Up: upsloping, Flat: flat, Down: </a:t>
-            </a:r>
-            <a:r>
-              <a:rPr lang="en-US" sz="1900" dirty="0" err="1"/>
-              <a:t>downsloping</a:t>
-            </a:r>
-            <a:r>
-              <a:rPr lang="en-US" sz="1900" dirty="0"/>
-              <a:t>]</a:t>
-            </a:r>
-          </a:p>
-          <a:p>
-            <a:pPr marL="0" indent="0">
-              <a:buNone/>
-            </a:pPr>
-            <a:r>
-              <a:rPr lang="en-US" sz="1900" b="1" dirty="0" err="1"/>
-              <a:t>HeartDisease</a:t>
-            </a:r>
-            <a:r>
-              <a:rPr lang="en-US" sz="1900" dirty="0"/>
-              <a:t>: output class [1: heart disease, 0: Normal]</a:t>
+              <a:rPr lang="en-US" sz="2400" b="0" dirty="0">
+                <a:effectLst/>
+              </a:rPr>
+              <a:t>This data set includes a patient's medical data(resting heart rate, cholesterol levels, blood pressure, blood sugar levels, etc.). Our Goal in this section is to determine factors that contribute to heart failure and find correlation of various factors.</a:t>
             </a:r>
           </a:p>
           <a:p>
@@ -12741,7 +12741,7 @@
     </p:spTree>
     <p:extLst>
       <p:ext uri="{BB962C8B-B14F-4D97-AF65-F5344CB8AC3E}">
-        <p14:creationId xmlns:p14="http://schemas.microsoft.com/office/powerpoint/2010/main" val="946419350"/>
+        <p14:creationId xmlns:p14="http://schemas.microsoft.com/office/powerpoint/2010/main" val="3263931852"/>
       </p:ext>
     </p:extLst>
   </p:cSld>

--- a/presentation slides/CS613-FinalProject-Presentation.pptx
+++ b/presentation slides/CS613-FinalProject-Presentation.pptx
@@ -5613,7 +5613,7 @@
               <a:rPr lang="en-US" sz="2000" dirty="0">
                 <a:effectLst/>
               </a:rPr>
-              <a:t>Words…</a:t>
+              <a:t>A few words…</a:t>
             </a:r>
           </a:p>
         </p:txBody>
@@ -5946,10 +5946,8 @@
               <a:buNone/>
             </a:pPr>
             <a:r>
-              <a:rPr lang="en-US" sz="2000" b="0" i="1" dirty="0">
-                <a:effectLst/>
-              </a:rPr>
-              <a:t>Words if needed…</a:t>
+              <a:rPr lang="en-US" sz="2000" i="1" dirty="0"/>
+              <a:t>A few words…</a:t>
             </a:r>
             <a:endParaRPr lang="en-US" sz="2000" dirty="0"/>
           </a:p>
